--- a/Lionel/CV_TOTON_Lionel.pptx
+++ b/Lionel/CV_TOTON_Lionel.pptx
@@ -263,7 +263,7 @@
           <a:p>
             <a:fld id="{1D8BD707-D9CF-40AE-B4C6-C98DA3205C09}" type="datetimeFigureOut">
               <a:rPr lang="en-US"/>
-              <a:t>10/19/2024</a:t>
+              <a:t>11/18/2024</a:t>
             </a:fld>
             <a:endParaRPr lang="en-US"/>
           </a:p>
@@ -428,7 +428,7 @@
           <a:p>
             <a:fld id="{1D8BD707-D9CF-40AE-B4C6-C98DA3205C09}" type="datetimeFigureOut">
               <a:rPr lang="en-US"/>
-              <a:t>10/19/2024</a:t>
+              <a:t>11/18/2024</a:t>
             </a:fld>
             <a:endParaRPr lang="en-US"/>
           </a:p>
@@ -636,7 +636,7 @@
           <a:p>
             <a:fld id="{1D8BD707-D9CF-40AE-B4C6-C98DA3205C09}" type="datetimeFigureOut">
               <a:rPr lang="en-US"/>
-              <a:t>10/19/2024</a:t>
+              <a:t>11/18/2024</a:t>
             </a:fld>
             <a:endParaRPr lang="en-US"/>
           </a:p>
@@ -778,7 +778,7 @@
           <a:p>
             <a:fld id="{1D8BD707-D9CF-40AE-B4C6-C98DA3205C09}" type="datetimeFigureOut">
               <a:rPr lang="en-US"/>
-              <a:t>10/19/2024</a:t>
+              <a:t>11/18/2024</a:t>
             </a:fld>
             <a:endParaRPr lang="en-US"/>
           </a:p>
@@ -897,7 +897,7 @@
           <a:p>
             <a:fld id="{1D8BD707-D9CF-40AE-B4C6-C98DA3205C09}" type="datetimeFigureOut">
               <a:rPr lang="en-US"/>
-              <a:t>10/19/2024</a:t>
+              <a:t>11/18/2024</a:t>
             </a:fld>
             <a:endParaRPr lang="en-US"/>
           </a:p>
@@ -1110,7 +1110,7 @@
           <a:p>
             <a:fld id="{1D8BD707-D9CF-40AE-B4C6-C98DA3205C09}" type="datetimeFigureOut">
               <a:rPr lang="en-US"/>
-              <a:t>10/19/2024</a:t>
+              <a:t>11/18/2024</a:t>
             </a:fld>
             <a:endParaRPr lang="en-US"/>
           </a:p>
@@ -1413,7 +1413,9 @@
             <a:bodyPr wrap="square" lIns="0" tIns="0" rIns="0" bIns="0" rtlCol="0"/>
             <a:lstStyle/>
             <a:p>
-              <a:endParaRPr/>
+              <a:endParaRPr sz="1600">
+                <a:latin typeface="Ubuntu Sans" pitchFamily="2" charset="0"/>
+              </a:endParaRPr>
             </a:p>
           </p:txBody>
         </p:sp>
@@ -1465,7 +1467,9 @@
             <a:bodyPr wrap="square" lIns="0" tIns="0" rIns="0" bIns="0" rtlCol="0"/>
             <a:lstStyle/>
             <a:p>
-              <a:endParaRPr/>
+              <a:endParaRPr sz="1600">
+                <a:latin typeface="Ubuntu Sans" pitchFamily="2" charset="0"/>
+              </a:endParaRPr>
             </a:p>
           </p:txBody>
         </p:sp>
@@ -1515,7 +1519,9 @@
             <a:bodyPr wrap="square" lIns="0" tIns="0" rIns="0" bIns="0" rtlCol="0"/>
             <a:lstStyle/>
             <a:p>
-              <a:endParaRPr/>
+              <a:endParaRPr sz="1600">
+                <a:latin typeface="Ubuntu Sans" pitchFamily="2" charset="0"/>
+              </a:endParaRPr>
             </a:p>
           </p:txBody>
         </p:sp>
@@ -1567,7 +1573,9 @@
             <a:bodyPr wrap="square" lIns="0" tIns="0" rIns="0" bIns="0" rtlCol="0"/>
             <a:lstStyle/>
             <a:p>
-              <a:endParaRPr/>
+              <a:endParaRPr sz="1600">
+                <a:latin typeface="Ubuntu Sans" pitchFamily="2" charset="0"/>
+              </a:endParaRPr>
             </a:p>
           </p:txBody>
         </p:sp>
@@ -1581,7 +1589,7 @@
         <p:spPr>
           <a:xfrm>
             <a:off x="394970" y="1773428"/>
-            <a:ext cx="2235835" cy="7012305"/>
+            <a:ext cx="2235835" cy="7089120"/>
           </a:xfrm>
           <a:prstGeom prst="rect">
             <a:avLst/>
@@ -1602,37 +1610,37 @@
               </a:spcBef>
             </a:pPr>
             <a:r>
-              <a:rPr sz="1200" b="1" spc="-5" dirty="0">
+              <a:rPr sz="1100" b="1" spc="-5" dirty="0">
                 <a:solidFill>
                   <a:srgbClr val="2E5496"/>
                 </a:solidFill>
-                <a:latin typeface="Times New Roman"/>
+                <a:latin typeface="Ubuntu Sans" pitchFamily="2" charset="0"/>
                 <a:cs typeface="Times New Roman"/>
               </a:rPr>
               <a:t>Détails</a:t>
             </a:r>
             <a:r>
-              <a:rPr sz="1200" b="1" spc="-35" dirty="0">
+              <a:rPr sz="1100" b="1" spc="-35" dirty="0">
                 <a:solidFill>
                   <a:srgbClr val="2E5496"/>
                 </a:solidFill>
-                <a:latin typeface="Times New Roman"/>
-                <a:cs typeface="Times New Roman"/>
-              </a:rPr>
-              <a:t> </a:t>
-            </a:r>
-            <a:r>
-              <a:rPr sz="1200" b="1" spc="-5" dirty="0">
+                <a:latin typeface="Ubuntu Sans" pitchFamily="2" charset="0"/>
+                <a:cs typeface="Times New Roman"/>
+              </a:rPr>
+              <a:t> </a:t>
+            </a:r>
+            <a:r>
+              <a:rPr sz="1100" b="1" spc="-5" dirty="0">
                 <a:solidFill>
                   <a:srgbClr val="2E5496"/>
                 </a:solidFill>
-                <a:latin typeface="Times New Roman"/>
+                <a:latin typeface="Ubuntu Sans" pitchFamily="2" charset="0"/>
                 <a:cs typeface="Times New Roman"/>
               </a:rPr>
               <a:t>personnels</a:t>
             </a:r>
-            <a:endParaRPr sz="1200" dirty="0">
-              <a:latin typeface="Times New Roman"/>
+            <a:endParaRPr sz="1100" dirty="0">
+              <a:latin typeface="Ubuntu Sans" pitchFamily="2" charset="0"/>
               <a:cs typeface="Times New Roman"/>
             </a:endParaRPr>
           </a:p>
@@ -1642,8 +1650,8 @@
                 <a:spcPct val="100000"/>
               </a:lnSpc>
             </a:pPr>
-            <a:endParaRPr sz="1150" dirty="0">
-              <a:latin typeface="Times New Roman"/>
+            <a:endParaRPr sz="1100" dirty="0">
+              <a:latin typeface="Ubuntu Sans" pitchFamily="2" charset="0"/>
               <a:cs typeface="Times New Roman"/>
             </a:endParaRPr>
           </a:p>
@@ -1654,56 +1662,56 @@
               </a:lnSpc>
             </a:pPr>
             <a:r>
-              <a:rPr sz="1100" b="1" dirty="0">
-                <a:latin typeface="Times New Roman"/>
+              <a:rPr sz="1000" b="1" dirty="0">
+                <a:latin typeface="Ubuntu Sans" pitchFamily="2" charset="0"/>
                 <a:cs typeface="Times New Roman"/>
               </a:rPr>
               <a:t>TOTON</a:t>
             </a:r>
             <a:r>
-              <a:rPr sz="1100" b="1" spc="-30" dirty="0">
-                <a:latin typeface="Times New Roman"/>
-                <a:cs typeface="Times New Roman"/>
-              </a:rPr>
-              <a:t> </a:t>
-            </a:r>
-            <a:r>
-              <a:rPr sz="1100" b="1" dirty="0">
-                <a:latin typeface="Times New Roman"/>
+              <a:rPr sz="1000" b="1" spc="-30" dirty="0">
+                <a:latin typeface="Ubuntu Sans" pitchFamily="2" charset="0"/>
+                <a:cs typeface="Times New Roman"/>
+              </a:rPr>
+              <a:t> </a:t>
+            </a:r>
+            <a:r>
+              <a:rPr sz="1000" b="1" dirty="0">
+                <a:latin typeface="Ubuntu Sans" pitchFamily="2" charset="0"/>
                 <a:cs typeface="Times New Roman"/>
               </a:rPr>
               <a:t>Dèdoté</a:t>
             </a:r>
             <a:r>
-              <a:rPr sz="1100" b="1" spc="-35" dirty="0">
-                <a:latin typeface="Times New Roman"/>
-                <a:cs typeface="Times New Roman"/>
-              </a:rPr>
-              <a:t> </a:t>
-            </a:r>
-            <a:r>
-              <a:rPr sz="1100" b="1" dirty="0">
-                <a:latin typeface="Times New Roman"/>
+              <a:rPr sz="1000" b="1" spc="-35" dirty="0">
+                <a:latin typeface="Ubuntu Sans" pitchFamily="2" charset="0"/>
+                <a:cs typeface="Times New Roman"/>
+              </a:rPr>
+              <a:t> </a:t>
+            </a:r>
+            <a:r>
+              <a:rPr sz="1000" b="1" dirty="0">
+                <a:latin typeface="Ubuntu Sans" pitchFamily="2" charset="0"/>
                 <a:cs typeface="Times New Roman"/>
               </a:rPr>
               <a:t>Adéchola</a:t>
             </a:r>
             <a:r>
-              <a:rPr sz="1100" b="1" spc="-50" dirty="0">
-                <a:latin typeface="Times New Roman"/>
-                <a:cs typeface="Times New Roman"/>
-              </a:rPr>
-              <a:t> </a:t>
-            </a:r>
-            <a:r>
-              <a:rPr sz="1100" b="1" dirty="0">
-                <a:latin typeface="Times New Roman"/>
+              <a:rPr sz="1000" b="1" spc="-50" dirty="0">
+                <a:latin typeface="Ubuntu Sans" pitchFamily="2" charset="0"/>
+                <a:cs typeface="Times New Roman"/>
+              </a:rPr>
+              <a:t> </a:t>
+            </a:r>
+            <a:r>
+              <a:rPr sz="1000" b="1" dirty="0">
+                <a:latin typeface="Ubuntu Sans" pitchFamily="2" charset="0"/>
                 <a:cs typeface="Times New Roman"/>
               </a:rPr>
               <a:t>Lionel</a:t>
             </a:r>
-            <a:endParaRPr sz="1100" dirty="0">
-              <a:latin typeface="Times New Roman"/>
+            <a:endParaRPr sz="1000" dirty="0">
+              <a:latin typeface="Ubuntu Sans" pitchFamily="2" charset="0"/>
               <a:cs typeface="Times New Roman"/>
             </a:endParaRPr>
           </a:p>
@@ -1713,8 +1721,8 @@
                 <a:spcPct val="100000"/>
               </a:lnSpc>
             </a:pPr>
-            <a:endParaRPr sz="1250" dirty="0">
-              <a:latin typeface="Times New Roman"/>
+            <a:endParaRPr sz="1200" dirty="0">
+              <a:latin typeface="Ubuntu Sans" pitchFamily="2" charset="0"/>
               <a:cs typeface="Times New Roman"/>
             </a:endParaRPr>
           </a:p>
@@ -1725,7 +1733,7 @@
               </a:lnSpc>
             </a:pPr>
             <a:r>
-              <a:rPr sz="1200" u="sng" spc="-5" dirty="0">
+              <a:rPr sz="1100" u="sng" spc="-5" dirty="0">
                 <a:solidFill>
                   <a:srgbClr val="0462C1"/>
                 </a:solidFill>
@@ -1734,14 +1742,14 @@
                     <a:srgbClr val="0462C1"/>
                   </a:solidFill>
                 </a:uFill>
-                <a:latin typeface="Times New Roman"/>
+                <a:latin typeface="Ubuntu Sans" pitchFamily="2" charset="0"/>
                 <a:cs typeface="Times New Roman"/>
                 <a:hlinkClick r:id="rId3"/>
               </a:rPr>
               <a:t>totonlionel@gmail.com</a:t>
             </a:r>
-            <a:endParaRPr sz="1200" dirty="0">
-              <a:latin typeface="Times New Roman"/>
+            <a:endParaRPr sz="1100" dirty="0">
+              <a:latin typeface="Ubuntu Sans" pitchFamily="2" charset="0"/>
               <a:cs typeface="Times New Roman"/>
             </a:endParaRPr>
           </a:p>
@@ -1751,8 +1759,8 @@
                 <a:spcPct val="100000"/>
               </a:lnSpc>
             </a:pPr>
-            <a:endParaRPr sz="1250" dirty="0">
-              <a:latin typeface="Times New Roman"/>
+            <a:endParaRPr sz="1200" dirty="0">
+              <a:latin typeface="Ubuntu Sans" pitchFamily="2" charset="0"/>
               <a:cs typeface="Times New Roman"/>
             </a:endParaRPr>
           </a:p>
@@ -1766,64 +1774,64 @@
               </a:spcBef>
             </a:pPr>
             <a:r>
-              <a:rPr sz="1200" spc="-5" dirty="0">
-                <a:latin typeface="Times New Roman"/>
+              <a:rPr sz="1100" spc="-5" dirty="0">
+                <a:latin typeface="Ubuntu Sans" pitchFamily="2" charset="0"/>
                 <a:cs typeface="Times New Roman"/>
               </a:rPr>
               <a:t>+229</a:t>
             </a:r>
             <a:r>
-              <a:rPr sz="1200" spc="-20" dirty="0">
-                <a:latin typeface="Times New Roman"/>
-                <a:cs typeface="Times New Roman"/>
-              </a:rPr>
-              <a:t> </a:t>
-            </a:r>
-            <a:r>
-              <a:rPr sz="1200" dirty="0">
-                <a:latin typeface="Times New Roman"/>
+              <a:rPr sz="1100" spc="-20" dirty="0">
+                <a:latin typeface="Ubuntu Sans" pitchFamily="2" charset="0"/>
+                <a:cs typeface="Times New Roman"/>
+              </a:rPr>
+              <a:t> </a:t>
+            </a:r>
+            <a:r>
+              <a:rPr sz="1100" dirty="0">
+                <a:latin typeface="Ubuntu Sans" pitchFamily="2" charset="0"/>
                 <a:cs typeface="Times New Roman"/>
               </a:rPr>
               <a:t>96</a:t>
             </a:r>
             <a:r>
-              <a:rPr sz="1200" spc="-15" dirty="0">
-                <a:latin typeface="Times New Roman"/>
-                <a:cs typeface="Times New Roman"/>
-              </a:rPr>
-              <a:t> </a:t>
-            </a:r>
-            <a:r>
-              <a:rPr sz="1200" dirty="0">
-                <a:latin typeface="Times New Roman"/>
+              <a:rPr sz="1100" spc="-15" dirty="0">
+                <a:latin typeface="Ubuntu Sans" pitchFamily="2" charset="0"/>
+                <a:cs typeface="Times New Roman"/>
+              </a:rPr>
+              <a:t> </a:t>
+            </a:r>
+            <a:r>
+              <a:rPr sz="1100" dirty="0">
+                <a:latin typeface="Ubuntu Sans" pitchFamily="2" charset="0"/>
                 <a:cs typeface="Times New Roman"/>
               </a:rPr>
               <a:t>76</a:t>
             </a:r>
             <a:r>
-              <a:rPr sz="1200" spc="-15" dirty="0">
-                <a:latin typeface="Times New Roman"/>
-                <a:cs typeface="Times New Roman"/>
-              </a:rPr>
-              <a:t> </a:t>
-            </a:r>
-            <a:r>
-              <a:rPr sz="1200" dirty="0">
-                <a:latin typeface="Times New Roman"/>
+              <a:rPr sz="1100" spc="-15" dirty="0">
+                <a:latin typeface="Ubuntu Sans" pitchFamily="2" charset="0"/>
+                <a:cs typeface="Times New Roman"/>
+              </a:rPr>
+              <a:t> </a:t>
+            </a:r>
+            <a:r>
+              <a:rPr sz="1100" dirty="0">
+                <a:latin typeface="Ubuntu Sans" pitchFamily="2" charset="0"/>
                 <a:cs typeface="Times New Roman"/>
               </a:rPr>
               <a:t>97</a:t>
             </a:r>
             <a:r>
-              <a:rPr sz="1200" spc="-15" dirty="0">
-                <a:latin typeface="Times New Roman"/>
-                <a:cs typeface="Times New Roman"/>
-              </a:rPr>
-              <a:t> </a:t>
-            </a:r>
-            <a:r>
-              <a:rPr sz="1200" dirty="0">
-                <a:latin typeface="Times New Roman"/>
+              <a:rPr sz="1100" spc="-15" dirty="0">
+                <a:latin typeface="Ubuntu Sans" pitchFamily="2" charset="0"/>
+                <a:cs typeface="Times New Roman"/>
+              </a:rPr>
+              <a:t> </a:t>
+            </a:r>
+            <a:r>
+              <a:rPr sz="1100" dirty="0">
+                <a:latin typeface="Ubuntu Sans" pitchFamily="2" charset="0"/>
                 <a:cs typeface="Times New Roman"/>
               </a:rPr>
               <a:t>16</a:t>
@@ -1836,71 +1844,71 @@
               </a:lnSpc>
             </a:pPr>
             <a:r>
-              <a:rPr sz="1200" spc="-15" dirty="0">
-                <a:latin typeface="Times New Roman"/>
+              <a:rPr sz="1100" spc="-15" dirty="0">
+                <a:latin typeface="Ubuntu Sans" pitchFamily="2" charset="0"/>
                 <a:cs typeface="Times New Roman"/>
               </a:rPr>
               <a:t>Cocotomey,</a:t>
             </a:r>
             <a:r>
-              <a:rPr sz="1200" spc="5" dirty="0">
-                <a:latin typeface="Times New Roman"/>
-                <a:cs typeface="Times New Roman"/>
-              </a:rPr>
-              <a:t> </a:t>
-            </a:r>
-            <a:r>
-              <a:rPr sz="1200" spc="-5" dirty="0">
-                <a:latin typeface="Times New Roman"/>
+              <a:rPr sz="1100" spc="5" dirty="0">
+                <a:latin typeface="Ubuntu Sans" pitchFamily="2" charset="0"/>
+                <a:cs typeface="Times New Roman"/>
+              </a:rPr>
+              <a:t> </a:t>
+            </a:r>
+            <a:r>
+              <a:rPr sz="1100" spc="-5" dirty="0">
+                <a:latin typeface="Ubuntu Sans" pitchFamily="2" charset="0"/>
                 <a:cs typeface="Times New Roman"/>
               </a:rPr>
               <a:t>/Abomey-Calavi </a:t>
             </a:r>
             <a:r>
-              <a:rPr sz="1200" spc="-285" dirty="0">
-                <a:latin typeface="Times New Roman"/>
-                <a:cs typeface="Times New Roman"/>
-              </a:rPr>
-              <a:t> </a:t>
-            </a:r>
-            <a:r>
-              <a:rPr sz="1200" spc="-5" dirty="0">
-                <a:latin typeface="Times New Roman"/>
+              <a:rPr sz="1100" spc="-285" dirty="0">
+                <a:latin typeface="Ubuntu Sans" pitchFamily="2" charset="0"/>
+                <a:cs typeface="Times New Roman"/>
+              </a:rPr>
+              <a:t> </a:t>
+            </a:r>
+            <a:r>
+              <a:rPr sz="1100" spc="-5" dirty="0">
+                <a:latin typeface="Ubuntu Sans" pitchFamily="2" charset="0"/>
                 <a:cs typeface="Times New Roman"/>
               </a:rPr>
               <a:t>Née </a:t>
             </a:r>
             <a:r>
-              <a:rPr sz="1200" dirty="0">
-                <a:latin typeface="Times New Roman"/>
+              <a:rPr sz="1100" dirty="0">
+                <a:latin typeface="Ubuntu Sans" pitchFamily="2" charset="0"/>
                 <a:cs typeface="Times New Roman"/>
               </a:rPr>
               <a:t>le 23</a:t>
             </a:r>
             <a:r>
-              <a:rPr sz="1200" spc="-5" dirty="0">
-                <a:latin typeface="Times New Roman"/>
-                <a:cs typeface="Times New Roman"/>
-              </a:rPr>
-              <a:t> </a:t>
-            </a:r>
-            <a:r>
-              <a:rPr sz="1200" dirty="0">
-                <a:latin typeface="Times New Roman"/>
+              <a:rPr sz="1100" spc="-5" dirty="0">
+                <a:latin typeface="Ubuntu Sans" pitchFamily="2" charset="0"/>
+                <a:cs typeface="Times New Roman"/>
+              </a:rPr>
+              <a:t> </a:t>
+            </a:r>
+            <a:r>
+              <a:rPr sz="1100" dirty="0">
+                <a:latin typeface="Ubuntu Sans" pitchFamily="2" charset="0"/>
                 <a:cs typeface="Times New Roman"/>
               </a:rPr>
               <a:t>Juillet</a:t>
             </a:r>
             <a:r>
-              <a:rPr sz="1200" spc="-5" dirty="0">
-                <a:latin typeface="Times New Roman"/>
-                <a:cs typeface="Times New Roman"/>
-              </a:rPr>
-              <a:t> </a:t>
-            </a:r>
-            <a:r>
-              <a:rPr sz="1200" dirty="0">
-                <a:latin typeface="Times New Roman"/>
+              <a:rPr sz="1100" spc="-5" dirty="0">
+                <a:latin typeface="Ubuntu Sans" pitchFamily="2" charset="0"/>
+                <a:cs typeface="Times New Roman"/>
+              </a:rPr>
+              <a:t> </a:t>
+            </a:r>
+            <a:r>
+              <a:rPr sz="1100" dirty="0">
+                <a:latin typeface="Ubuntu Sans" pitchFamily="2" charset="0"/>
                 <a:cs typeface="Times New Roman"/>
               </a:rPr>
               <a:t>2002</a:t>
@@ -1916,17 +1924,17 @@
               </a:spcBef>
             </a:pPr>
             <a:r>
-              <a:rPr sz="1200" b="1" spc="-5" dirty="0">
+              <a:rPr sz="1100" b="1" spc="-5" dirty="0">
                 <a:solidFill>
                   <a:srgbClr val="2E5496"/>
                 </a:solidFill>
-                <a:latin typeface="Times New Roman"/>
+                <a:latin typeface="Ubuntu Sans" pitchFamily="2" charset="0"/>
                 <a:cs typeface="Times New Roman"/>
               </a:rPr>
               <a:t>Langues</a:t>
             </a:r>
-            <a:endParaRPr sz="1200" dirty="0">
-              <a:latin typeface="Times New Roman"/>
+            <a:endParaRPr sz="1100" dirty="0">
+              <a:latin typeface="Ubuntu Sans" pitchFamily="2" charset="0"/>
               <a:cs typeface="Times New Roman"/>
             </a:endParaRPr>
           </a:p>
@@ -1937,64 +1945,64 @@
               </a:lnSpc>
             </a:pPr>
             <a:r>
-              <a:rPr sz="1200" spc="-5" dirty="0">
-                <a:latin typeface="Times New Roman"/>
+              <a:rPr sz="1100" spc="-5" dirty="0">
+                <a:latin typeface="Ubuntu Sans" pitchFamily="2" charset="0"/>
                 <a:cs typeface="Times New Roman"/>
               </a:rPr>
               <a:t>Fon </a:t>
             </a:r>
             <a:r>
-              <a:rPr sz="1200" dirty="0">
-                <a:latin typeface="Times New Roman"/>
-                <a:cs typeface="Times New Roman"/>
-              </a:rPr>
-              <a:t> </a:t>
-            </a:r>
-            <a:r>
-              <a:rPr sz="1200" spc="-5" dirty="0">
-                <a:latin typeface="Times New Roman"/>
+              <a:rPr sz="1100" dirty="0">
+                <a:latin typeface="Ubuntu Sans" pitchFamily="2" charset="0"/>
+                <a:cs typeface="Times New Roman"/>
+              </a:rPr>
+              <a:t> </a:t>
+            </a:r>
+            <a:r>
+              <a:rPr sz="1100" spc="-5" dirty="0">
+                <a:latin typeface="Ubuntu Sans" pitchFamily="2" charset="0"/>
                 <a:cs typeface="Times New Roman"/>
               </a:rPr>
               <a:t>Français </a:t>
             </a:r>
             <a:r>
-              <a:rPr sz="1200" dirty="0">
-                <a:latin typeface="Times New Roman"/>
-                <a:cs typeface="Times New Roman"/>
-              </a:rPr>
-              <a:t> </a:t>
-            </a:r>
-            <a:r>
-              <a:rPr sz="1200" spc="-5" dirty="0">
-                <a:latin typeface="Times New Roman"/>
+              <a:rPr sz="1100" dirty="0">
+                <a:latin typeface="Ubuntu Sans" pitchFamily="2" charset="0"/>
+                <a:cs typeface="Times New Roman"/>
+              </a:rPr>
+              <a:t> </a:t>
+            </a:r>
+            <a:r>
+              <a:rPr sz="1100" spc="-5" dirty="0">
+                <a:latin typeface="Ubuntu Sans" pitchFamily="2" charset="0"/>
                 <a:cs typeface="Times New Roman"/>
               </a:rPr>
               <a:t>Anglais </a:t>
             </a:r>
             <a:r>
-              <a:rPr sz="1200" dirty="0">
-                <a:latin typeface="Times New Roman"/>
-                <a:cs typeface="Times New Roman"/>
-              </a:rPr>
-              <a:t> </a:t>
-            </a:r>
-            <a:r>
-              <a:rPr sz="1200" spc="-5" dirty="0">
-                <a:latin typeface="Times New Roman"/>
+              <a:rPr sz="1100" dirty="0">
+                <a:latin typeface="Ubuntu Sans" pitchFamily="2" charset="0"/>
+                <a:cs typeface="Times New Roman"/>
+              </a:rPr>
+              <a:t> </a:t>
+            </a:r>
+            <a:r>
+              <a:rPr sz="1100" spc="-5" dirty="0">
+                <a:latin typeface="Ubuntu Sans" pitchFamily="2" charset="0"/>
                 <a:cs typeface="Times New Roman"/>
               </a:rPr>
               <a:t>Allem</a:t>
             </a:r>
             <a:r>
-              <a:rPr sz="1200" spc="-10" dirty="0">
-                <a:latin typeface="Times New Roman"/>
+              <a:rPr sz="1100" spc="-10" dirty="0">
+                <a:latin typeface="Ubuntu Sans" pitchFamily="2" charset="0"/>
                 <a:cs typeface="Times New Roman"/>
               </a:rPr>
               <a:t>a</a:t>
             </a:r>
             <a:r>
-              <a:rPr sz="1200" dirty="0">
-                <a:latin typeface="Times New Roman"/>
+              <a:rPr sz="1100" dirty="0">
+                <a:latin typeface="Ubuntu Sans" pitchFamily="2" charset="0"/>
                 <a:cs typeface="Times New Roman"/>
               </a:rPr>
               <a:t>nd</a:t>
@@ -2009,49 +2017,76 @@
                 <a:spcPts val="200"/>
               </a:spcBef>
             </a:pPr>
-            <a:r>
-              <a:rPr sz="1200" b="1" spc="-5" dirty="0">
+            <a:endParaRPr lang="fr-FR" sz="1100" b="1" spc="-5" dirty="0">
+              <a:solidFill>
+                <a:srgbClr val="2E5496"/>
+              </a:solidFill>
+              <a:latin typeface="Ubuntu Sans" pitchFamily="2" charset="0"/>
+              <a:cs typeface="Times New Roman"/>
+            </a:endParaRPr>
+          </a:p>
+          <a:p>
+            <a:pPr marL="75565" marR="899160">
+              <a:lnSpc>
+                <a:spcPct val="100000"/>
+              </a:lnSpc>
+              <a:spcBef>
+                <a:spcPts val="200"/>
+              </a:spcBef>
+            </a:pPr>
+            <a:r>
+              <a:rPr sz="1100" b="1" spc="-5" dirty="0" err="1">
                 <a:solidFill>
                   <a:srgbClr val="2E5496"/>
                 </a:solidFill>
-                <a:latin typeface="Times New Roman"/>
-                <a:cs typeface="Times New Roman"/>
-              </a:rPr>
-              <a:t>Compétences </a:t>
-            </a:r>
-            <a:r>
-              <a:rPr sz="1200" b="1" dirty="0">
+                <a:latin typeface="Ubuntu Sans" pitchFamily="2" charset="0"/>
+                <a:cs typeface="Times New Roman"/>
+              </a:rPr>
+              <a:t>Compétences</a:t>
+            </a:r>
+            <a:r>
+              <a:rPr sz="1100" b="1" spc="-5" dirty="0">
                 <a:solidFill>
                   <a:srgbClr val="2E5496"/>
                 </a:solidFill>
-                <a:latin typeface="Times New Roman"/>
-                <a:cs typeface="Times New Roman"/>
-              </a:rPr>
-              <a:t> </a:t>
-            </a:r>
-            <a:r>
-              <a:rPr sz="1200" b="1" spc="-5" dirty="0">
-                <a:latin typeface="Times New Roman"/>
+                <a:latin typeface="Ubuntu Sans" pitchFamily="2" charset="0"/>
+                <a:cs typeface="Times New Roman"/>
+              </a:rPr>
+              <a:t> </a:t>
+            </a:r>
+            <a:r>
+              <a:rPr sz="1100" b="1" dirty="0">
+                <a:solidFill>
+                  <a:srgbClr val="2E5496"/>
+                </a:solidFill>
+                <a:latin typeface="Ubuntu Sans" pitchFamily="2" charset="0"/>
+                <a:cs typeface="Times New Roman"/>
+              </a:rPr>
+              <a:t> </a:t>
+            </a:r>
+            <a:r>
+              <a:rPr sz="1100" b="1" spc="-5" dirty="0">
+                <a:latin typeface="Ubuntu Sans" pitchFamily="2" charset="0"/>
                 <a:cs typeface="Times New Roman"/>
               </a:rPr>
               <a:t>Logiciel</a:t>
             </a:r>
             <a:r>
-              <a:rPr sz="1200" b="1" spc="10" dirty="0">
-                <a:latin typeface="Times New Roman"/>
-                <a:cs typeface="Times New Roman"/>
-              </a:rPr>
-              <a:t> </a:t>
-            </a:r>
-            <a:r>
-              <a:rPr sz="1200" b="1" spc="-5" dirty="0">
-                <a:latin typeface="Times New Roman"/>
+              <a:rPr sz="1100" b="1" spc="10" dirty="0">
+                <a:latin typeface="Ubuntu Sans" pitchFamily="2" charset="0"/>
+                <a:cs typeface="Times New Roman"/>
+              </a:rPr>
+              <a:t> </a:t>
+            </a:r>
+            <a:r>
+              <a:rPr sz="1100" b="1" spc="-5" dirty="0">
+                <a:latin typeface="Ubuntu Sans" pitchFamily="2" charset="0"/>
                 <a:cs typeface="Times New Roman"/>
               </a:rPr>
               <a:t>Statistique</a:t>
             </a:r>
-            <a:endParaRPr sz="1200" dirty="0">
-              <a:latin typeface="Times New Roman"/>
+            <a:endParaRPr sz="1100" dirty="0">
+              <a:latin typeface="Ubuntu Sans" pitchFamily="2" charset="0"/>
               <a:cs typeface="Times New Roman"/>
             </a:endParaRPr>
           </a:p>
@@ -2062,56 +2097,56 @@
               </a:lnSpc>
             </a:pPr>
             <a:r>
-              <a:rPr sz="1200" spc="-5" dirty="0">
-                <a:latin typeface="Times New Roman"/>
+              <a:rPr sz="1100" spc="-5" dirty="0">
+                <a:latin typeface="Ubuntu Sans" pitchFamily="2" charset="0"/>
                 <a:cs typeface="Times New Roman"/>
               </a:rPr>
               <a:t>Excel </a:t>
             </a:r>
             <a:r>
-              <a:rPr sz="1200" dirty="0">
-                <a:latin typeface="Times New Roman"/>
-                <a:cs typeface="Times New Roman"/>
-              </a:rPr>
-              <a:t> </a:t>
-            </a:r>
-            <a:r>
-              <a:rPr sz="1200" spc="-70" dirty="0">
-                <a:latin typeface="Times New Roman"/>
+              <a:rPr sz="1100" dirty="0">
+                <a:latin typeface="Ubuntu Sans" pitchFamily="2" charset="0"/>
+                <a:cs typeface="Times New Roman"/>
+              </a:rPr>
+              <a:t> </a:t>
+            </a:r>
+            <a:r>
+              <a:rPr sz="1100" spc="-70" dirty="0">
+                <a:latin typeface="Ubuntu Sans" pitchFamily="2" charset="0"/>
                 <a:cs typeface="Times New Roman"/>
               </a:rPr>
               <a:t>STATA </a:t>
             </a:r>
             <a:r>
-              <a:rPr sz="1200" spc="-65" dirty="0">
-                <a:latin typeface="Times New Roman"/>
-                <a:cs typeface="Times New Roman"/>
-              </a:rPr>
-              <a:t> </a:t>
-            </a:r>
-            <a:r>
-              <a:rPr sz="1200" spc="-5" dirty="0">
-                <a:latin typeface="Times New Roman"/>
+              <a:rPr sz="1100" spc="-65" dirty="0">
+                <a:latin typeface="Ubuntu Sans" pitchFamily="2" charset="0"/>
+                <a:cs typeface="Times New Roman"/>
+              </a:rPr>
+              <a:t> </a:t>
+            </a:r>
+            <a:r>
+              <a:rPr sz="1100" spc="-5" dirty="0">
+                <a:latin typeface="Ubuntu Sans" pitchFamily="2" charset="0"/>
                 <a:cs typeface="Times New Roman"/>
               </a:rPr>
               <a:t>M</a:t>
             </a:r>
             <a:r>
-              <a:rPr sz="1200" spc="-40" dirty="0">
-                <a:latin typeface="Times New Roman"/>
+              <a:rPr sz="1100" spc="-40" dirty="0">
+                <a:latin typeface="Ubuntu Sans" pitchFamily="2" charset="0"/>
                 <a:cs typeface="Times New Roman"/>
               </a:rPr>
               <a:t>y</a:t>
             </a:r>
             <a:r>
-              <a:rPr sz="1200" spc="-5" dirty="0">
-                <a:latin typeface="Times New Roman"/>
+              <a:rPr sz="1100" spc="-5" dirty="0">
+                <a:latin typeface="Ubuntu Sans" pitchFamily="2" charset="0"/>
                 <a:cs typeface="Times New Roman"/>
               </a:rPr>
               <a:t>SQL</a:t>
             </a:r>
-            <a:endParaRPr sz="1200" dirty="0">
-              <a:latin typeface="Times New Roman"/>
+            <a:endParaRPr sz="1100" dirty="0">
+              <a:latin typeface="Ubuntu Sans" pitchFamily="2" charset="0"/>
               <a:cs typeface="Times New Roman"/>
             </a:endParaRPr>
           </a:p>
@@ -2124,8 +2159,8 @@
                 <a:spcPts val="5"/>
               </a:spcBef>
             </a:pPr>
-            <a:endParaRPr sz="1250" dirty="0">
-              <a:latin typeface="Times New Roman"/>
+            <a:endParaRPr sz="1200" dirty="0">
+              <a:latin typeface="Ubuntu Sans" pitchFamily="2" charset="0"/>
               <a:cs typeface="Times New Roman"/>
             </a:endParaRPr>
           </a:p>
@@ -2136,28 +2171,28 @@
               </a:lnSpc>
             </a:pPr>
             <a:r>
-              <a:rPr sz="1200" b="1" spc="-5" dirty="0">
-                <a:latin typeface="Times New Roman"/>
+              <a:rPr sz="1100" b="1" spc="-5" dirty="0">
+                <a:latin typeface="Ubuntu Sans" pitchFamily="2" charset="0"/>
                 <a:cs typeface="Times New Roman"/>
               </a:rPr>
               <a:t>Langages</a:t>
             </a:r>
             <a:r>
-              <a:rPr sz="1200" b="1" spc="-30" dirty="0">
-                <a:latin typeface="Times New Roman"/>
-                <a:cs typeface="Times New Roman"/>
-              </a:rPr>
-              <a:t> </a:t>
-            </a:r>
-            <a:r>
-              <a:rPr sz="1200" b="1" spc="-5" dirty="0">
-                <a:latin typeface="Times New Roman"/>
+              <a:rPr sz="1100" b="1" spc="-30" dirty="0">
+                <a:latin typeface="Ubuntu Sans" pitchFamily="2" charset="0"/>
+                <a:cs typeface="Times New Roman"/>
+              </a:rPr>
+              <a:t> </a:t>
+            </a:r>
+            <a:r>
+              <a:rPr sz="1100" b="1" spc="-5" dirty="0">
+                <a:latin typeface="Ubuntu Sans" pitchFamily="2" charset="0"/>
                 <a:cs typeface="Times New Roman"/>
               </a:rPr>
               <a:t>Informatiques</a:t>
             </a:r>
-            <a:endParaRPr sz="1200" dirty="0">
-              <a:latin typeface="Times New Roman"/>
+            <a:endParaRPr sz="1100" dirty="0">
+              <a:latin typeface="Ubuntu Sans" pitchFamily="2" charset="0"/>
               <a:cs typeface="Times New Roman"/>
             </a:endParaRPr>
           </a:p>
@@ -2168,35 +2203,35 @@
               </a:lnSpc>
             </a:pPr>
             <a:r>
-              <a:rPr sz="1200" spc="-5" dirty="0">
-                <a:latin typeface="Times New Roman"/>
+              <a:rPr sz="1100" spc="-5" dirty="0">
+                <a:latin typeface="Ubuntu Sans" pitchFamily="2" charset="0"/>
                 <a:cs typeface="Times New Roman"/>
               </a:rPr>
               <a:t>P</a:t>
             </a:r>
             <a:r>
-              <a:rPr sz="1200" spc="-40" dirty="0">
-                <a:latin typeface="Times New Roman"/>
+              <a:rPr sz="1100" spc="-40" dirty="0">
+                <a:latin typeface="Ubuntu Sans" pitchFamily="2" charset="0"/>
                 <a:cs typeface="Times New Roman"/>
               </a:rPr>
               <a:t>y</a:t>
             </a:r>
             <a:r>
-              <a:rPr sz="1200" dirty="0">
-                <a:latin typeface="Times New Roman"/>
+              <a:rPr sz="1100" dirty="0">
+                <a:latin typeface="Ubuntu Sans" pitchFamily="2" charset="0"/>
                 <a:cs typeface="Times New Roman"/>
               </a:rPr>
               <a:t>thon  </a:t>
             </a:r>
             <a:r>
-              <a:rPr sz="1200" spc="-5" dirty="0">
-                <a:latin typeface="Times New Roman"/>
+              <a:rPr sz="1100" spc="-5" dirty="0">
+                <a:latin typeface="Ubuntu Sans" pitchFamily="2" charset="0"/>
                 <a:cs typeface="Times New Roman"/>
               </a:rPr>
               <a:t>C++</a:t>
             </a:r>
-            <a:endParaRPr sz="1200" dirty="0">
-              <a:latin typeface="Times New Roman"/>
+            <a:endParaRPr sz="1100" dirty="0">
+              <a:latin typeface="Ubuntu Sans" pitchFamily="2" charset="0"/>
               <a:cs typeface="Times New Roman"/>
             </a:endParaRPr>
           </a:p>
@@ -2207,56 +2242,63 @@
               </a:lnSpc>
             </a:pPr>
             <a:r>
-              <a:rPr sz="1200" spc="5" dirty="0">
-                <a:latin typeface="Times New Roman"/>
+              <a:rPr sz="1100" spc="5" dirty="0">
+                <a:latin typeface="Ubuntu Sans" pitchFamily="2" charset="0"/>
                 <a:cs typeface="Times New Roman"/>
               </a:rPr>
               <a:t>J</a:t>
             </a:r>
             <a:r>
-              <a:rPr sz="1200" spc="-5" dirty="0">
-                <a:latin typeface="Times New Roman"/>
+              <a:rPr sz="1100" spc="-5" dirty="0">
+                <a:latin typeface="Ubuntu Sans" pitchFamily="2" charset="0"/>
                 <a:cs typeface="Times New Roman"/>
               </a:rPr>
               <a:t>a</a:t>
             </a:r>
             <a:r>
-              <a:rPr sz="1200" dirty="0">
-                <a:latin typeface="Times New Roman"/>
+              <a:rPr sz="1100" dirty="0">
+                <a:latin typeface="Ubuntu Sans" pitchFamily="2" charset="0"/>
                 <a:cs typeface="Times New Roman"/>
               </a:rPr>
               <a:t>v</a:t>
             </a:r>
             <a:r>
-              <a:rPr sz="1200" spc="-5" dirty="0">
-                <a:latin typeface="Times New Roman"/>
+              <a:rPr sz="1100" spc="-5" dirty="0">
+                <a:latin typeface="Ubuntu Sans" pitchFamily="2" charset="0"/>
                 <a:cs typeface="Times New Roman"/>
               </a:rPr>
               <a:t>aSc</a:t>
             </a:r>
             <a:r>
-              <a:rPr sz="1200" dirty="0">
-                <a:latin typeface="Times New Roman"/>
+              <a:rPr sz="1100" dirty="0">
+                <a:latin typeface="Ubuntu Sans" pitchFamily="2" charset="0"/>
                 <a:cs typeface="Times New Roman"/>
               </a:rPr>
               <a:t>ript  </a:t>
             </a:r>
             <a:r>
-              <a:rPr sz="1200" spc="-80" dirty="0">
-                <a:latin typeface="Times New Roman"/>
+              <a:rPr sz="1100" spc="-80" dirty="0">
+                <a:latin typeface="Ubuntu Sans" pitchFamily="2" charset="0"/>
                 <a:cs typeface="Times New Roman"/>
               </a:rPr>
               <a:t>JAVA </a:t>
             </a:r>
             <a:r>
-              <a:rPr sz="1200" spc="-75" dirty="0">
-                <a:latin typeface="Times New Roman"/>
-                <a:cs typeface="Times New Roman"/>
-              </a:rPr>
-              <a:t> </a:t>
-            </a:r>
-            <a:endParaRPr sz="1200" dirty="0">
-              <a:latin typeface="Times New Roman"/>
+              <a:rPr sz="1100" spc="-75" dirty="0">
+                <a:latin typeface="Ubuntu Sans" pitchFamily="2" charset="0"/>
+                <a:cs typeface="Times New Roman"/>
+              </a:rPr>
+              <a:t> </a:t>
+            </a:r>
+            <a:r>
+              <a:rPr sz="1100" spc="-5" dirty="0">
+                <a:latin typeface="Ubuntu Sans" pitchFamily="2" charset="0"/>
+                <a:cs typeface="Times New Roman"/>
+              </a:rPr>
+              <a:t>CSS</a:t>
+            </a:r>
+            <a:endParaRPr sz="1100" dirty="0">
+              <a:latin typeface="Ubuntu Sans" pitchFamily="2" charset="0"/>
               <a:cs typeface="Times New Roman"/>
             </a:endParaRPr>
           </a:p>
@@ -2267,22 +2309,22 @@
               </a:lnSpc>
             </a:pPr>
             <a:r>
-              <a:rPr sz="1200" spc="-5" dirty="0">
-                <a:latin typeface="Times New Roman"/>
+              <a:rPr sz="1100" spc="-5" dirty="0">
+                <a:latin typeface="Ubuntu Sans" pitchFamily="2" charset="0"/>
                 <a:cs typeface="Times New Roman"/>
               </a:rPr>
               <a:t>Node</a:t>
             </a:r>
             <a:r>
-              <a:rPr sz="1200" spc="-35" dirty="0">
-                <a:latin typeface="Times New Roman"/>
-                <a:cs typeface="Times New Roman"/>
-              </a:rPr>
-              <a:t> </a:t>
-            </a:r>
-            <a:r>
-              <a:rPr sz="1200" dirty="0">
-                <a:latin typeface="Times New Roman"/>
+              <a:rPr sz="1100" spc="-35" dirty="0">
+                <a:latin typeface="Ubuntu Sans" pitchFamily="2" charset="0"/>
+                <a:cs typeface="Times New Roman"/>
+              </a:rPr>
+              <a:t> </a:t>
+            </a:r>
+            <a:r>
+              <a:rPr sz="1100" dirty="0">
+                <a:latin typeface="Ubuntu Sans" pitchFamily="2" charset="0"/>
                 <a:cs typeface="Times New Roman"/>
               </a:rPr>
               <a:t>Js</a:t>
@@ -2294,15 +2336,48 @@
                 <a:spcPct val="100000"/>
               </a:lnSpc>
             </a:pPr>
-            <a:r>
-              <a:rPr sz="1200" b="1" spc="-5" dirty="0">
-                <a:latin typeface="Times New Roman"/>
+            <a:endParaRPr lang="fr-FR" sz="1100" b="1" spc="-5" dirty="0">
+              <a:latin typeface="Ubuntu Sans" pitchFamily="2" charset="0"/>
+              <a:cs typeface="Times New Roman"/>
+            </a:endParaRPr>
+          </a:p>
+          <a:p>
+            <a:pPr marL="75565">
+              <a:lnSpc>
+                <a:spcPct val="100000"/>
+              </a:lnSpc>
+            </a:pPr>
+            <a:endParaRPr lang="fr-FR" sz="1100" b="1" spc="-5" dirty="0">
+              <a:latin typeface="Ubuntu Sans" pitchFamily="2" charset="0"/>
+              <a:cs typeface="Times New Roman"/>
+            </a:endParaRPr>
+          </a:p>
+          <a:p>
+            <a:pPr marL="75565">
+              <a:lnSpc>
+                <a:spcPct val="100000"/>
+              </a:lnSpc>
+            </a:pPr>
+            <a:endParaRPr lang="fr-FR" sz="1100" b="1" spc="-5" dirty="0">
+              <a:latin typeface="Ubuntu Sans" pitchFamily="2" charset="0"/>
+              <a:cs typeface="Times New Roman"/>
+            </a:endParaRPr>
+          </a:p>
+          <a:p>
+            <a:pPr marL="75565">
+              <a:lnSpc>
+                <a:spcPct val="100000"/>
+              </a:lnSpc>
+            </a:pPr>
+            <a:r>
+              <a:rPr sz="1100" b="1" spc="-5" dirty="0">
+                <a:latin typeface="Ubuntu Sans" pitchFamily="2" charset="0"/>
                 <a:cs typeface="Times New Roman"/>
               </a:rPr>
               <a:t>Design</a:t>
             </a:r>
-            <a:endParaRPr sz="1200" dirty="0">
-              <a:latin typeface="Times New Roman"/>
+            <a:endParaRPr sz="1100" dirty="0">
+              <a:latin typeface="Ubuntu Sans" pitchFamily="2" charset="0"/>
               <a:cs typeface="Times New Roman"/>
             </a:endParaRPr>
           </a:p>
@@ -2313,14 +2388,14 @@
               </a:lnSpc>
             </a:pPr>
             <a:r>
-              <a:rPr sz="1200" spc="-5" dirty="0">
-                <a:latin typeface="Times New Roman"/>
+              <a:rPr sz="1100" spc="-5" dirty="0">
+                <a:latin typeface="Ubuntu Sans" pitchFamily="2" charset="0"/>
                 <a:cs typeface="Times New Roman"/>
               </a:rPr>
               <a:t>Figma</a:t>
             </a:r>
-            <a:endParaRPr sz="1200" dirty="0">
-              <a:latin typeface="Times New Roman"/>
+            <a:endParaRPr sz="1100" dirty="0">
+              <a:latin typeface="Ubuntu Sans" pitchFamily="2" charset="0"/>
               <a:cs typeface="Times New Roman"/>
             </a:endParaRPr>
           </a:p>
@@ -2331,22 +2406,22 @@
               </a:lnSpc>
             </a:pPr>
             <a:r>
-              <a:rPr sz="1200" spc="-5" dirty="0">
-                <a:latin typeface="Times New Roman"/>
+              <a:rPr sz="1100" spc="-5" dirty="0">
+                <a:latin typeface="Ubuntu Sans" pitchFamily="2" charset="0"/>
                 <a:cs typeface="Times New Roman"/>
               </a:rPr>
               <a:t>PowerPoint</a:t>
             </a:r>
             <a:r>
-              <a:rPr sz="1200" spc="-25" dirty="0">
-                <a:latin typeface="Times New Roman"/>
-                <a:cs typeface="Times New Roman"/>
-              </a:rPr>
-              <a:t> </a:t>
-            </a:r>
-            <a:r>
-              <a:rPr sz="1200" dirty="0">
-                <a:latin typeface="Times New Roman"/>
+              <a:rPr sz="1100" spc="-25" dirty="0">
+                <a:latin typeface="Ubuntu Sans" pitchFamily="2" charset="0"/>
+                <a:cs typeface="Times New Roman"/>
+              </a:rPr>
+              <a:t> </a:t>
+            </a:r>
+            <a:r>
+              <a:rPr sz="1100" dirty="0">
+                <a:latin typeface="Ubuntu Sans" pitchFamily="2" charset="0"/>
                 <a:cs typeface="Times New Roman"/>
               </a:rPr>
               <a:t>Pro</a:t>
@@ -2361,8 +2436,8 @@
                 <a:spcPts val="5"/>
               </a:spcBef>
             </a:pPr>
-            <a:endParaRPr sz="1250" dirty="0">
-              <a:latin typeface="Times New Roman"/>
+            <a:endParaRPr sz="1200" dirty="0">
+              <a:latin typeface="Ubuntu Sans" pitchFamily="2" charset="0"/>
               <a:cs typeface="Times New Roman"/>
             </a:endParaRPr>
           </a:p>
@@ -2373,28 +2448,28 @@
               </a:lnSpc>
             </a:pPr>
             <a:r>
-              <a:rPr sz="1200" b="1" spc="-5" dirty="0">
-                <a:latin typeface="Times New Roman"/>
+              <a:rPr sz="1100" b="1" spc="-5" dirty="0">
+                <a:latin typeface="Ubuntu Sans" pitchFamily="2" charset="0"/>
                 <a:cs typeface="Times New Roman"/>
               </a:rPr>
               <a:t>Systèmes</a:t>
             </a:r>
             <a:r>
-              <a:rPr sz="1200" b="1" dirty="0">
-                <a:latin typeface="Times New Roman"/>
-                <a:cs typeface="Times New Roman"/>
-              </a:rPr>
-              <a:t> </a:t>
-            </a:r>
-            <a:r>
-              <a:rPr sz="1200" b="1" spc="-5" dirty="0">
-                <a:latin typeface="Times New Roman"/>
+              <a:rPr sz="1100" b="1" dirty="0">
+                <a:latin typeface="Ubuntu Sans" pitchFamily="2" charset="0"/>
+                <a:cs typeface="Times New Roman"/>
+              </a:rPr>
+              <a:t> </a:t>
+            </a:r>
+            <a:r>
+              <a:rPr sz="1100" b="1" spc="-5" dirty="0">
+                <a:latin typeface="Ubuntu Sans" pitchFamily="2" charset="0"/>
                 <a:cs typeface="Times New Roman"/>
               </a:rPr>
               <a:t>d’exploitation</a:t>
             </a:r>
-            <a:endParaRPr sz="1200" dirty="0">
-              <a:latin typeface="Times New Roman"/>
+            <a:endParaRPr sz="1100" dirty="0">
+              <a:latin typeface="Ubuntu Sans" pitchFamily="2" charset="0"/>
               <a:cs typeface="Times New Roman"/>
             </a:endParaRPr>
           </a:p>
@@ -2405,28 +2480,28 @@
               </a:lnSpc>
             </a:pPr>
             <a:r>
-              <a:rPr sz="1200" spc="-45" dirty="0">
-                <a:latin typeface="Times New Roman"/>
+              <a:rPr sz="1100" spc="-45" dirty="0">
+                <a:latin typeface="Ubuntu Sans" pitchFamily="2" charset="0"/>
                 <a:cs typeface="Times New Roman"/>
               </a:rPr>
               <a:t>W</a:t>
             </a:r>
             <a:r>
-              <a:rPr sz="1200" spc="-5" dirty="0">
-                <a:latin typeface="Times New Roman"/>
+              <a:rPr sz="1100" spc="-5" dirty="0">
+                <a:latin typeface="Ubuntu Sans" pitchFamily="2" charset="0"/>
                 <a:cs typeface="Times New Roman"/>
               </a:rPr>
               <a:t>indows  </a:t>
             </a:r>
             <a:r>
-              <a:rPr sz="1200" spc="-10" dirty="0">
-                <a:latin typeface="Times New Roman"/>
+              <a:rPr sz="1100" spc="-10" dirty="0">
+                <a:latin typeface="Ubuntu Sans" pitchFamily="2" charset="0"/>
                 <a:cs typeface="Times New Roman"/>
               </a:rPr>
               <a:t>Linux</a:t>
             </a:r>
-            <a:endParaRPr sz="1200" dirty="0">
-              <a:latin typeface="Times New Roman"/>
+            <a:endParaRPr sz="1100" dirty="0">
+              <a:latin typeface="Ubuntu Sans" pitchFamily="2" charset="0"/>
               <a:cs typeface="Times New Roman"/>
             </a:endParaRPr>
           </a:p>
@@ -2441,7 +2516,7 @@
         <p:spPr>
           <a:xfrm>
             <a:off x="2813050" y="3021583"/>
-            <a:ext cx="3699510" cy="574040"/>
+            <a:ext cx="3699510" cy="533478"/>
           </a:xfrm>
           <a:prstGeom prst="rect">
             <a:avLst/>
@@ -2468,43 +2543,43 @@
               </a:tabLst>
             </a:pPr>
             <a:r>
-              <a:rPr sz="1200" b="1" u="heavy" spc="-5" dirty="0">
+              <a:rPr sz="1100" b="1" u="heavy" spc="-5" dirty="0">
                 <a:uFill>
                   <a:solidFill>
                     <a:srgbClr val="000000"/>
                   </a:solidFill>
                 </a:uFill>
-                <a:latin typeface="Times New Roman"/>
+                <a:latin typeface="Ubuntu Sans" pitchFamily="2" charset="0"/>
                 <a:cs typeface="Times New Roman"/>
               </a:rPr>
               <a:t>Année</a:t>
             </a:r>
             <a:r>
-              <a:rPr sz="1200" b="1" u="heavy" spc="-40" dirty="0">
+              <a:rPr sz="1100" b="1" u="heavy" spc="-40" dirty="0">
                 <a:uFill>
                   <a:solidFill>
                     <a:srgbClr val="000000"/>
                   </a:solidFill>
                 </a:uFill>
-                <a:latin typeface="Times New Roman"/>
-                <a:cs typeface="Times New Roman"/>
-              </a:rPr>
-              <a:t> </a:t>
-            </a:r>
-            <a:r>
-              <a:rPr sz="1200" b="1" u="heavy" dirty="0">
+                <a:latin typeface="Ubuntu Sans" pitchFamily="2" charset="0"/>
+                <a:cs typeface="Times New Roman"/>
+              </a:rPr>
+              <a:t> </a:t>
+            </a:r>
+            <a:r>
+              <a:rPr sz="1100" b="1" u="heavy" dirty="0">
                 <a:uFill>
                   <a:solidFill>
                     <a:srgbClr val="000000"/>
                   </a:solidFill>
                 </a:uFill>
-                <a:latin typeface="Times New Roman"/>
+                <a:latin typeface="Ubuntu Sans" pitchFamily="2" charset="0"/>
                 <a:cs typeface="Times New Roman"/>
               </a:rPr>
               <a:t>2023</a:t>
             </a:r>
-            <a:endParaRPr sz="1200">
-              <a:latin typeface="Times New Roman"/>
+            <a:endParaRPr sz="1100">
+              <a:latin typeface="Ubuntu Sans" pitchFamily="2" charset="0"/>
               <a:cs typeface="Times New Roman"/>
             </a:endParaRPr>
           </a:p>
@@ -2521,161 +2596,161 @@
               </a:tabLst>
             </a:pPr>
             <a:r>
-              <a:rPr sz="1200" dirty="0">
-                <a:latin typeface="Times New Roman"/>
+              <a:rPr sz="1100" dirty="0">
+                <a:latin typeface="Ubuntu Sans" pitchFamily="2" charset="0"/>
                 <a:cs typeface="Times New Roman"/>
               </a:rPr>
               <a:t>-	</a:t>
             </a:r>
             <a:r>
-              <a:rPr sz="1200" b="1" dirty="0">
-                <a:latin typeface="Times New Roman"/>
+              <a:rPr sz="1100" b="1" dirty="0">
+                <a:latin typeface="Ubuntu Sans" pitchFamily="2" charset="0"/>
                 <a:cs typeface="Times New Roman"/>
               </a:rPr>
               <a:t>03</a:t>
             </a:r>
             <a:r>
-              <a:rPr sz="1200" b="1" spc="100" dirty="0">
-                <a:latin typeface="Times New Roman"/>
-                <a:cs typeface="Times New Roman"/>
-              </a:rPr>
-              <a:t> </a:t>
-            </a:r>
-            <a:r>
-              <a:rPr sz="1200" b="1" dirty="0">
-                <a:latin typeface="Times New Roman"/>
+              <a:rPr sz="1100" b="1" spc="100" dirty="0">
+                <a:latin typeface="Ubuntu Sans" pitchFamily="2" charset="0"/>
+                <a:cs typeface="Times New Roman"/>
+              </a:rPr>
+              <a:t> </a:t>
+            </a:r>
+            <a:r>
+              <a:rPr sz="1100" b="1" dirty="0">
+                <a:latin typeface="Ubuntu Sans" pitchFamily="2" charset="0"/>
                 <a:cs typeface="Times New Roman"/>
               </a:rPr>
               <a:t>Nov</a:t>
             </a:r>
             <a:r>
-              <a:rPr sz="1200" b="1" spc="105" dirty="0">
-                <a:latin typeface="Times New Roman"/>
-                <a:cs typeface="Times New Roman"/>
-              </a:rPr>
-              <a:t> </a:t>
-            </a:r>
-            <a:r>
-              <a:rPr sz="1200" dirty="0">
-                <a:latin typeface="Times New Roman"/>
+              <a:rPr sz="1100" b="1" spc="105" dirty="0">
+                <a:latin typeface="Ubuntu Sans" pitchFamily="2" charset="0"/>
+                <a:cs typeface="Times New Roman"/>
+              </a:rPr>
+              <a:t> </a:t>
+            </a:r>
+            <a:r>
+              <a:rPr sz="1100" dirty="0">
+                <a:latin typeface="Ubuntu Sans" pitchFamily="2" charset="0"/>
                 <a:cs typeface="Times New Roman"/>
               </a:rPr>
               <a:t>:</a:t>
             </a:r>
             <a:r>
-              <a:rPr sz="1200" spc="110" dirty="0">
-                <a:latin typeface="Times New Roman"/>
-                <a:cs typeface="Times New Roman"/>
-              </a:rPr>
-              <a:t> </a:t>
-            </a:r>
-            <a:r>
-              <a:rPr sz="1200" dirty="0">
-                <a:latin typeface="Times New Roman"/>
+              <a:rPr sz="1100" spc="110" dirty="0">
+                <a:latin typeface="Ubuntu Sans" pitchFamily="2" charset="0"/>
+                <a:cs typeface="Times New Roman"/>
+              </a:rPr>
+              <a:t> </a:t>
+            </a:r>
+            <a:r>
+              <a:rPr sz="1100" dirty="0">
+                <a:latin typeface="Ubuntu Sans" pitchFamily="2" charset="0"/>
                 <a:cs typeface="Times New Roman"/>
               </a:rPr>
               <a:t>1er</a:t>
             </a:r>
             <a:r>
-              <a:rPr sz="1200" spc="114" dirty="0">
-                <a:latin typeface="Times New Roman"/>
-                <a:cs typeface="Times New Roman"/>
-              </a:rPr>
-              <a:t> </a:t>
-            </a:r>
-            <a:r>
-              <a:rPr sz="1200" dirty="0">
-                <a:latin typeface="Times New Roman"/>
+              <a:rPr sz="1100" spc="114" dirty="0">
+                <a:latin typeface="Ubuntu Sans" pitchFamily="2" charset="0"/>
+                <a:cs typeface="Times New Roman"/>
+              </a:rPr>
+              <a:t> </a:t>
+            </a:r>
+            <a:r>
+              <a:rPr sz="1100" dirty="0">
+                <a:latin typeface="Ubuntu Sans" pitchFamily="2" charset="0"/>
                 <a:cs typeface="Times New Roman"/>
               </a:rPr>
               <a:t>lauréat</a:t>
             </a:r>
             <a:r>
-              <a:rPr sz="1200" spc="120" dirty="0">
-                <a:latin typeface="Times New Roman"/>
-                <a:cs typeface="Times New Roman"/>
-              </a:rPr>
-              <a:t> </a:t>
-            </a:r>
-            <a:r>
-              <a:rPr sz="1200" dirty="0">
-                <a:latin typeface="Times New Roman"/>
+              <a:rPr sz="1100" spc="120" dirty="0">
+                <a:latin typeface="Ubuntu Sans" pitchFamily="2" charset="0"/>
+                <a:cs typeface="Times New Roman"/>
+              </a:rPr>
+              <a:t> </a:t>
+            </a:r>
+            <a:r>
+              <a:rPr sz="1100" dirty="0">
+                <a:latin typeface="Ubuntu Sans" pitchFamily="2" charset="0"/>
                 <a:cs typeface="Times New Roman"/>
               </a:rPr>
               <a:t>du</a:t>
             </a:r>
             <a:r>
-              <a:rPr sz="1200" spc="105" dirty="0">
-                <a:latin typeface="Times New Roman"/>
-                <a:cs typeface="Times New Roman"/>
-              </a:rPr>
-              <a:t> </a:t>
-            </a:r>
-            <a:r>
-              <a:rPr sz="1200" spc="-5" dirty="0">
-                <a:latin typeface="Times New Roman"/>
+              <a:rPr sz="1100" spc="105" dirty="0">
+                <a:latin typeface="Ubuntu Sans" pitchFamily="2" charset="0"/>
+                <a:cs typeface="Times New Roman"/>
+              </a:rPr>
+              <a:t> </a:t>
+            </a:r>
+            <a:r>
+              <a:rPr sz="1100" spc="-5" dirty="0">
+                <a:latin typeface="Ubuntu Sans" pitchFamily="2" charset="0"/>
                 <a:cs typeface="Times New Roman"/>
               </a:rPr>
               <a:t>Fiscathon</a:t>
             </a:r>
             <a:r>
-              <a:rPr sz="1200" spc="110" dirty="0">
-                <a:latin typeface="Times New Roman"/>
-                <a:cs typeface="Times New Roman"/>
-              </a:rPr>
-              <a:t> </a:t>
-            </a:r>
-            <a:r>
-              <a:rPr sz="1200" spc="-5" dirty="0">
-                <a:latin typeface="Times New Roman"/>
+              <a:rPr sz="1100" spc="110" dirty="0">
+                <a:latin typeface="Ubuntu Sans" pitchFamily="2" charset="0"/>
+                <a:cs typeface="Times New Roman"/>
+              </a:rPr>
+              <a:t> </a:t>
+            </a:r>
+            <a:r>
+              <a:rPr sz="1100" spc="-5" dirty="0">
+                <a:latin typeface="Ubuntu Sans" pitchFamily="2" charset="0"/>
                 <a:cs typeface="Times New Roman"/>
               </a:rPr>
               <a:t>organisé</a:t>
             </a:r>
             <a:r>
-              <a:rPr sz="1200" spc="105" dirty="0">
-                <a:latin typeface="Times New Roman"/>
-                <a:cs typeface="Times New Roman"/>
-              </a:rPr>
-              <a:t> </a:t>
-            </a:r>
-            <a:r>
-              <a:rPr sz="1200" dirty="0">
-                <a:latin typeface="Times New Roman"/>
+              <a:rPr sz="1100" spc="105" dirty="0">
+                <a:latin typeface="Ubuntu Sans" pitchFamily="2" charset="0"/>
+                <a:cs typeface="Times New Roman"/>
+              </a:rPr>
+              <a:t> </a:t>
+            </a:r>
+            <a:r>
+              <a:rPr sz="1100" dirty="0">
+                <a:latin typeface="Ubuntu Sans" pitchFamily="2" charset="0"/>
                 <a:cs typeface="Times New Roman"/>
               </a:rPr>
               <a:t>par</a:t>
             </a:r>
             <a:r>
-              <a:rPr sz="1200" spc="105" dirty="0">
-                <a:latin typeface="Times New Roman"/>
-                <a:cs typeface="Times New Roman"/>
-              </a:rPr>
-              <a:t> </a:t>
-            </a:r>
-            <a:r>
-              <a:rPr sz="1200" spc="5" dirty="0">
-                <a:latin typeface="Times New Roman"/>
+              <a:rPr sz="1100" spc="105" dirty="0">
+                <a:latin typeface="Ubuntu Sans" pitchFamily="2" charset="0"/>
+                <a:cs typeface="Times New Roman"/>
+              </a:rPr>
+              <a:t> </a:t>
+            </a:r>
+            <a:r>
+              <a:rPr sz="1100" spc="5" dirty="0">
+                <a:latin typeface="Ubuntu Sans" pitchFamily="2" charset="0"/>
                 <a:cs typeface="Times New Roman"/>
               </a:rPr>
               <a:t>la</a:t>
             </a:r>
             <a:r>
-              <a:rPr sz="1200" spc="100" dirty="0">
-                <a:latin typeface="Times New Roman"/>
-                <a:cs typeface="Times New Roman"/>
-              </a:rPr>
-              <a:t> </a:t>
-            </a:r>
-            <a:r>
-              <a:rPr sz="1200" spc="-5" dirty="0">
-                <a:latin typeface="Times New Roman"/>
+              <a:rPr sz="1100" spc="100" dirty="0">
+                <a:latin typeface="Ubuntu Sans" pitchFamily="2" charset="0"/>
+                <a:cs typeface="Times New Roman"/>
+              </a:rPr>
+              <a:t> </a:t>
+            </a:r>
+            <a:r>
+              <a:rPr sz="1100" spc="-5" dirty="0">
+                <a:latin typeface="Ubuntu Sans" pitchFamily="2" charset="0"/>
                 <a:cs typeface="Times New Roman"/>
               </a:rPr>
               <a:t>DGI,</a:t>
             </a:r>
-            <a:endParaRPr sz="1200">
-              <a:latin typeface="Times New Roman"/>
+            <a:endParaRPr sz="1100">
+              <a:latin typeface="Ubuntu Sans" pitchFamily="2" charset="0"/>
               <a:cs typeface="Times New Roman"/>
             </a:endParaRPr>
           </a:p>
@@ -2690,7 +2765,7 @@
         <p:spPr>
           <a:xfrm>
             <a:off x="2813050" y="3661664"/>
-            <a:ext cx="1764664" cy="208279"/>
+            <a:ext cx="1764664" cy="182101"/>
           </a:xfrm>
           <a:prstGeom prst="rect">
             <a:avLst/>
@@ -2711,70 +2786,70 @@
               </a:spcBef>
             </a:pPr>
             <a:r>
-              <a:rPr sz="1200" spc="-5" dirty="0">
-                <a:latin typeface="Times New Roman"/>
+              <a:rPr sz="1100" spc="-5" dirty="0">
+                <a:latin typeface="Ubuntu Sans" pitchFamily="2" charset="0"/>
                 <a:cs typeface="Times New Roman"/>
               </a:rPr>
               <a:t>Epitech</a:t>
             </a:r>
             <a:r>
-              <a:rPr sz="1200" spc="10" dirty="0">
-                <a:latin typeface="Times New Roman"/>
-                <a:cs typeface="Times New Roman"/>
-              </a:rPr>
-              <a:t> </a:t>
-            </a:r>
-            <a:r>
-              <a:rPr sz="1200" spc="-5" dirty="0">
-                <a:latin typeface="Times New Roman"/>
+              <a:rPr sz="1100" spc="10" dirty="0">
+                <a:latin typeface="Ubuntu Sans" pitchFamily="2" charset="0"/>
+                <a:cs typeface="Times New Roman"/>
+              </a:rPr>
+              <a:t> </a:t>
+            </a:r>
+            <a:r>
+              <a:rPr sz="1100" spc="-5" dirty="0">
+                <a:latin typeface="Ubuntu Sans" pitchFamily="2" charset="0"/>
                 <a:cs typeface="Times New Roman"/>
               </a:rPr>
               <a:t>Bénin</a:t>
             </a:r>
             <a:r>
-              <a:rPr sz="1200" spc="20" dirty="0">
-                <a:latin typeface="Times New Roman"/>
-                <a:cs typeface="Times New Roman"/>
-              </a:rPr>
-              <a:t> </a:t>
-            </a:r>
-            <a:r>
-              <a:rPr sz="1200" spc="-5" dirty="0">
-                <a:latin typeface="Times New Roman"/>
+              <a:rPr sz="1100" spc="20" dirty="0">
+                <a:latin typeface="Ubuntu Sans" pitchFamily="2" charset="0"/>
+                <a:cs typeface="Times New Roman"/>
+              </a:rPr>
+              <a:t> </a:t>
+            </a:r>
+            <a:r>
+              <a:rPr sz="1100" spc="-5" dirty="0">
+                <a:latin typeface="Ubuntu Sans" pitchFamily="2" charset="0"/>
                 <a:cs typeface="Times New Roman"/>
               </a:rPr>
               <a:t>et</a:t>
             </a:r>
             <a:r>
-              <a:rPr sz="1200" dirty="0">
-                <a:latin typeface="Times New Roman"/>
-                <a:cs typeface="Times New Roman"/>
-              </a:rPr>
-              <a:t> </a:t>
-            </a:r>
-            <a:r>
-              <a:rPr sz="1200" spc="-5" dirty="0">
-                <a:latin typeface="Times New Roman"/>
+              <a:rPr sz="1100" dirty="0">
+                <a:latin typeface="Ubuntu Sans" pitchFamily="2" charset="0"/>
+                <a:cs typeface="Times New Roman"/>
+              </a:rPr>
+              <a:t> </a:t>
+            </a:r>
+            <a:r>
+              <a:rPr sz="1100" spc="-5" dirty="0">
+                <a:latin typeface="Ubuntu Sans" pitchFamily="2" charset="0"/>
                 <a:cs typeface="Times New Roman"/>
               </a:rPr>
               <a:t>Sème</a:t>
             </a:r>
             <a:r>
-              <a:rPr sz="1200" spc="5" dirty="0">
-                <a:latin typeface="Times New Roman"/>
-                <a:cs typeface="Times New Roman"/>
-              </a:rPr>
-              <a:t> </a:t>
-            </a:r>
-            <a:r>
-              <a:rPr sz="1200" spc="-10" dirty="0">
-                <a:latin typeface="Times New Roman"/>
+              <a:rPr sz="1100" spc="5" dirty="0">
+                <a:latin typeface="Ubuntu Sans" pitchFamily="2" charset="0"/>
+                <a:cs typeface="Times New Roman"/>
+              </a:rPr>
+              <a:t> </a:t>
+            </a:r>
+            <a:r>
+              <a:rPr sz="1100" spc="-10" dirty="0">
+                <a:latin typeface="Ubuntu Sans" pitchFamily="2" charset="0"/>
                 <a:cs typeface="Times New Roman"/>
               </a:rPr>
               <a:t>City;</a:t>
             </a:r>
-            <a:endParaRPr sz="1200">
-              <a:latin typeface="Times New Roman"/>
+            <a:endParaRPr sz="1100">
+              <a:latin typeface="Ubuntu Sans" pitchFamily="2" charset="0"/>
               <a:cs typeface="Times New Roman"/>
             </a:endParaRPr>
           </a:p>
@@ -2789,7 +2864,7 @@
         <p:spPr>
           <a:xfrm>
             <a:off x="2813050" y="3935984"/>
-            <a:ext cx="3698875" cy="208279"/>
+            <a:ext cx="3698875" cy="182101"/>
           </a:xfrm>
           <a:prstGeom prst="rect">
             <a:avLst/>
@@ -2813,154 +2888,154 @@
               </a:tabLst>
             </a:pPr>
             <a:r>
-              <a:rPr sz="1200" dirty="0">
-                <a:latin typeface="Times New Roman"/>
+              <a:rPr sz="1100" dirty="0">
+                <a:latin typeface="Ubuntu Sans" pitchFamily="2" charset="0"/>
                 <a:cs typeface="Times New Roman"/>
               </a:rPr>
               <a:t>-	</a:t>
             </a:r>
             <a:r>
-              <a:rPr sz="1200" b="1" dirty="0">
-                <a:latin typeface="Times New Roman"/>
+              <a:rPr sz="1100" b="1" dirty="0">
+                <a:latin typeface="Ubuntu Sans" pitchFamily="2" charset="0"/>
                 <a:cs typeface="Times New Roman"/>
               </a:rPr>
               <a:t>01</a:t>
             </a:r>
             <a:r>
-              <a:rPr sz="1200" b="1" spc="135" dirty="0">
-                <a:latin typeface="Times New Roman"/>
-                <a:cs typeface="Times New Roman"/>
-              </a:rPr>
-              <a:t> </a:t>
-            </a:r>
-            <a:r>
-              <a:rPr sz="1200" b="1" spc="-5" dirty="0">
-                <a:latin typeface="Times New Roman"/>
+              <a:rPr sz="1100" b="1" spc="135" dirty="0">
+                <a:latin typeface="Ubuntu Sans" pitchFamily="2" charset="0"/>
+                <a:cs typeface="Times New Roman"/>
+              </a:rPr>
+              <a:t> </a:t>
+            </a:r>
+            <a:r>
+              <a:rPr sz="1100" b="1" spc="-5" dirty="0">
+                <a:latin typeface="Ubuntu Sans" pitchFamily="2" charset="0"/>
                 <a:cs typeface="Times New Roman"/>
               </a:rPr>
               <a:t>Sept</a:t>
             </a:r>
             <a:r>
-              <a:rPr sz="1200" b="1" spc="150" dirty="0">
-                <a:latin typeface="Times New Roman"/>
-                <a:cs typeface="Times New Roman"/>
-              </a:rPr>
-              <a:t> </a:t>
-            </a:r>
-            <a:r>
-              <a:rPr sz="1200" b="1" dirty="0">
-                <a:latin typeface="Times New Roman"/>
+              <a:rPr sz="1100" b="1" spc="150" dirty="0">
+                <a:latin typeface="Ubuntu Sans" pitchFamily="2" charset="0"/>
+                <a:cs typeface="Times New Roman"/>
+              </a:rPr>
+              <a:t> </a:t>
+            </a:r>
+            <a:r>
+              <a:rPr sz="1100" b="1" dirty="0">
+                <a:latin typeface="Ubuntu Sans" pitchFamily="2" charset="0"/>
                 <a:cs typeface="Times New Roman"/>
               </a:rPr>
               <a:t>–</a:t>
             </a:r>
             <a:r>
-              <a:rPr sz="1200" b="1" spc="150" dirty="0">
-                <a:latin typeface="Times New Roman"/>
-                <a:cs typeface="Times New Roman"/>
-              </a:rPr>
-              <a:t> </a:t>
-            </a:r>
-            <a:r>
-              <a:rPr sz="1200" b="1" dirty="0">
-                <a:latin typeface="Times New Roman"/>
+              <a:rPr sz="1100" b="1" spc="150" dirty="0">
+                <a:latin typeface="Ubuntu Sans" pitchFamily="2" charset="0"/>
+                <a:cs typeface="Times New Roman"/>
+              </a:rPr>
+              <a:t> </a:t>
+            </a:r>
+            <a:r>
+              <a:rPr sz="1100" b="1" dirty="0">
+                <a:latin typeface="Ubuntu Sans" pitchFamily="2" charset="0"/>
                 <a:cs typeface="Times New Roman"/>
               </a:rPr>
               <a:t>29</a:t>
             </a:r>
             <a:r>
-              <a:rPr sz="1200" b="1" spc="150" dirty="0">
-                <a:latin typeface="Times New Roman"/>
-                <a:cs typeface="Times New Roman"/>
-              </a:rPr>
-              <a:t> </a:t>
-            </a:r>
-            <a:r>
-              <a:rPr sz="1200" b="1" spc="-5" dirty="0">
-                <a:latin typeface="Times New Roman"/>
+              <a:rPr sz="1100" b="1" spc="150" dirty="0">
+                <a:latin typeface="Ubuntu Sans" pitchFamily="2" charset="0"/>
+                <a:cs typeface="Times New Roman"/>
+              </a:rPr>
+              <a:t> </a:t>
+            </a:r>
+            <a:r>
+              <a:rPr sz="1100" b="1" spc="-5" dirty="0">
+                <a:latin typeface="Ubuntu Sans" pitchFamily="2" charset="0"/>
                 <a:cs typeface="Times New Roman"/>
               </a:rPr>
               <a:t>sept</a:t>
             </a:r>
             <a:r>
-              <a:rPr sz="1200" spc="-5" dirty="0">
-                <a:latin typeface="Times New Roman"/>
+              <a:rPr sz="1100" spc="-5" dirty="0">
+                <a:latin typeface="Ubuntu Sans" pitchFamily="2" charset="0"/>
                 <a:cs typeface="Times New Roman"/>
               </a:rPr>
               <a:t>:</a:t>
             </a:r>
             <a:r>
-              <a:rPr sz="1200" spc="585" dirty="0">
-                <a:latin typeface="Times New Roman"/>
-                <a:cs typeface="Times New Roman"/>
-              </a:rPr>
-              <a:t> </a:t>
-            </a:r>
-            <a:r>
-              <a:rPr sz="1200" dirty="0">
-                <a:latin typeface="Times New Roman"/>
+              <a:rPr sz="1100" spc="585" dirty="0">
+                <a:latin typeface="Ubuntu Sans" pitchFamily="2" charset="0"/>
+                <a:cs typeface="Times New Roman"/>
+              </a:rPr>
+              <a:t> </a:t>
+            </a:r>
+            <a:r>
+              <a:rPr sz="1100" dirty="0">
+                <a:latin typeface="Ubuntu Sans" pitchFamily="2" charset="0"/>
                 <a:cs typeface="Times New Roman"/>
               </a:rPr>
               <a:t>Animation</a:t>
             </a:r>
             <a:r>
-              <a:rPr sz="1200" spc="155" dirty="0">
-                <a:latin typeface="Times New Roman"/>
-                <a:cs typeface="Times New Roman"/>
-              </a:rPr>
-              <a:t> </a:t>
-            </a:r>
-            <a:r>
-              <a:rPr sz="1200" dirty="0">
-                <a:latin typeface="Times New Roman"/>
+              <a:rPr sz="1100" spc="155" dirty="0">
+                <a:latin typeface="Ubuntu Sans" pitchFamily="2" charset="0"/>
+                <a:cs typeface="Times New Roman"/>
+              </a:rPr>
+              <a:t> </a:t>
+            </a:r>
+            <a:r>
+              <a:rPr sz="1100" dirty="0">
+                <a:latin typeface="Ubuntu Sans" pitchFamily="2" charset="0"/>
                 <a:cs typeface="Times New Roman"/>
               </a:rPr>
               <a:t>d’une</a:t>
             </a:r>
             <a:r>
-              <a:rPr sz="1200" spc="145" dirty="0">
-                <a:latin typeface="Times New Roman"/>
-                <a:cs typeface="Times New Roman"/>
-              </a:rPr>
-              <a:t> </a:t>
-            </a:r>
-            <a:r>
-              <a:rPr sz="1200" dirty="0">
-                <a:latin typeface="Times New Roman"/>
+              <a:rPr sz="1100" spc="145" dirty="0">
+                <a:latin typeface="Ubuntu Sans" pitchFamily="2" charset="0"/>
+                <a:cs typeface="Times New Roman"/>
+              </a:rPr>
+              <a:t> </a:t>
+            </a:r>
+            <a:r>
+              <a:rPr sz="1100" dirty="0">
+                <a:latin typeface="Ubuntu Sans" pitchFamily="2" charset="0"/>
                 <a:cs typeface="Times New Roman"/>
               </a:rPr>
               <a:t>formation</a:t>
             </a:r>
             <a:r>
-              <a:rPr sz="1200" spc="155" dirty="0">
-                <a:latin typeface="Times New Roman"/>
-                <a:cs typeface="Times New Roman"/>
-              </a:rPr>
-              <a:t> </a:t>
-            </a:r>
-            <a:r>
-              <a:rPr sz="1200" spc="-5" dirty="0">
-                <a:latin typeface="Times New Roman"/>
+              <a:rPr sz="1100" spc="155" dirty="0">
+                <a:latin typeface="Ubuntu Sans" pitchFamily="2" charset="0"/>
+                <a:cs typeface="Times New Roman"/>
+              </a:rPr>
+              <a:t> </a:t>
+            </a:r>
+            <a:r>
+              <a:rPr sz="1100" spc="-5" dirty="0">
+                <a:latin typeface="Ubuntu Sans" pitchFamily="2" charset="0"/>
                 <a:cs typeface="Times New Roman"/>
               </a:rPr>
               <a:t>sur</a:t>
             </a:r>
             <a:r>
-              <a:rPr sz="1200" spc="150" dirty="0">
-                <a:latin typeface="Times New Roman"/>
-                <a:cs typeface="Times New Roman"/>
-              </a:rPr>
-              <a:t> </a:t>
-            </a:r>
-            <a:r>
-              <a:rPr sz="1200" dirty="0">
-                <a:latin typeface="Times New Roman"/>
+              <a:rPr sz="1100" spc="150" dirty="0">
+                <a:latin typeface="Ubuntu Sans" pitchFamily="2" charset="0"/>
+                <a:cs typeface="Times New Roman"/>
+              </a:rPr>
+              <a:t> </a:t>
+            </a:r>
+            <a:r>
+              <a:rPr sz="1100" dirty="0">
+                <a:latin typeface="Ubuntu Sans" pitchFamily="2" charset="0"/>
                 <a:cs typeface="Times New Roman"/>
               </a:rPr>
               <a:t>le</a:t>
             </a:r>
-            <a:endParaRPr sz="1200">
-              <a:latin typeface="Times New Roman"/>
+            <a:endParaRPr sz="1100">
+              <a:latin typeface="Ubuntu Sans" pitchFamily="2" charset="0"/>
               <a:cs typeface="Times New Roman"/>
             </a:endParaRPr>
           </a:p>
@@ -2975,7 +3050,7 @@
         <p:spPr>
           <a:xfrm>
             <a:off x="2813050" y="4118863"/>
-            <a:ext cx="3700779" cy="574040"/>
+            <a:ext cx="3700779" cy="533478"/>
           </a:xfrm>
           <a:prstGeom prst="rect">
             <a:avLst/>
@@ -2996,133 +3071,133 @@
               </a:spcBef>
             </a:pPr>
             <a:r>
-              <a:rPr sz="1200" dirty="0">
-                <a:latin typeface="Times New Roman"/>
+              <a:rPr sz="1100" dirty="0">
+                <a:latin typeface="Ubuntu Sans" pitchFamily="2" charset="0"/>
                 <a:cs typeface="Times New Roman"/>
               </a:rPr>
               <a:t>thème</a:t>
             </a:r>
             <a:r>
-              <a:rPr sz="1200" spc="15" dirty="0">
-                <a:latin typeface="Times New Roman"/>
-                <a:cs typeface="Times New Roman"/>
-              </a:rPr>
-              <a:t> </a:t>
-            </a:r>
-            <a:r>
-              <a:rPr sz="1200" dirty="0">
-                <a:latin typeface="Times New Roman"/>
+              <a:rPr sz="1100" spc="15" dirty="0">
+                <a:latin typeface="Ubuntu Sans" pitchFamily="2" charset="0"/>
+                <a:cs typeface="Times New Roman"/>
+              </a:rPr>
+              <a:t> </a:t>
+            </a:r>
+            <a:r>
+              <a:rPr sz="1100" dirty="0">
+                <a:latin typeface="Ubuntu Sans" pitchFamily="2" charset="0"/>
                 <a:cs typeface="Times New Roman"/>
               </a:rPr>
               <a:t>« </a:t>
             </a:r>
             <a:r>
-              <a:rPr sz="1200" spc="-5" dirty="0">
-                <a:latin typeface="Times New Roman"/>
+              <a:rPr sz="1100" spc="-5" dirty="0">
+                <a:latin typeface="Ubuntu Sans" pitchFamily="2" charset="0"/>
                 <a:cs typeface="Times New Roman"/>
               </a:rPr>
               <a:t>Comprendre</a:t>
             </a:r>
             <a:r>
-              <a:rPr sz="1200" spc="20" dirty="0">
-                <a:latin typeface="Times New Roman"/>
-                <a:cs typeface="Times New Roman"/>
-              </a:rPr>
-              <a:t> </a:t>
-            </a:r>
-            <a:r>
-              <a:rPr sz="1200" spc="-5" dirty="0">
-                <a:latin typeface="Times New Roman"/>
+              <a:rPr sz="1100" spc="20" dirty="0">
+                <a:latin typeface="Ubuntu Sans" pitchFamily="2" charset="0"/>
+                <a:cs typeface="Times New Roman"/>
+              </a:rPr>
+              <a:t> </a:t>
+            </a:r>
+            <a:r>
+              <a:rPr sz="1100" spc="-5" dirty="0">
+                <a:latin typeface="Ubuntu Sans" pitchFamily="2" charset="0"/>
                 <a:cs typeface="Times New Roman"/>
               </a:rPr>
               <a:t>son</a:t>
             </a:r>
             <a:r>
-              <a:rPr sz="1200" spc="-15" dirty="0">
-                <a:latin typeface="Times New Roman"/>
-                <a:cs typeface="Times New Roman"/>
-              </a:rPr>
-              <a:t> </a:t>
-            </a:r>
-            <a:r>
-              <a:rPr sz="1200" spc="-5" dirty="0">
-                <a:latin typeface="Times New Roman"/>
+              <a:rPr sz="1100" spc="-15" dirty="0">
+                <a:latin typeface="Ubuntu Sans" pitchFamily="2" charset="0"/>
+                <a:cs typeface="Times New Roman"/>
+              </a:rPr>
+              <a:t> </a:t>
+            </a:r>
+            <a:r>
+              <a:rPr sz="1100" spc="-5" dirty="0">
+                <a:latin typeface="Ubuntu Sans" pitchFamily="2" charset="0"/>
                 <a:cs typeface="Times New Roman"/>
               </a:rPr>
               <a:t>Ordi</a:t>
             </a:r>
             <a:r>
-              <a:rPr sz="1200" spc="10" dirty="0">
-                <a:latin typeface="Times New Roman"/>
-                <a:cs typeface="Times New Roman"/>
-              </a:rPr>
-              <a:t> </a:t>
-            </a:r>
-            <a:r>
-              <a:rPr sz="1200" dirty="0">
-                <a:latin typeface="Times New Roman"/>
+              <a:rPr sz="1100" spc="10" dirty="0">
+                <a:latin typeface="Ubuntu Sans" pitchFamily="2" charset="0"/>
+                <a:cs typeface="Times New Roman"/>
+              </a:rPr>
+              <a:t> </a:t>
+            </a:r>
+            <a:r>
+              <a:rPr sz="1100" dirty="0">
+                <a:latin typeface="Ubuntu Sans" pitchFamily="2" charset="0"/>
                 <a:cs typeface="Times New Roman"/>
               </a:rPr>
               <a:t>» à</a:t>
             </a:r>
             <a:r>
-              <a:rPr sz="1200" spc="10" dirty="0">
-                <a:latin typeface="Times New Roman"/>
-                <a:cs typeface="Times New Roman"/>
-              </a:rPr>
-              <a:t> </a:t>
-            </a:r>
-            <a:r>
-              <a:rPr sz="1200" spc="-5" dirty="0">
-                <a:latin typeface="Times New Roman"/>
+              <a:rPr sz="1100" spc="10" dirty="0">
+                <a:latin typeface="Ubuntu Sans" pitchFamily="2" charset="0"/>
+                <a:cs typeface="Times New Roman"/>
+              </a:rPr>
+              <a:t> </a:t>
+            </a:r>
+            <a:r>
+              <a:rPr sz="1100" spc="-5" dirty="0">
+                <a:latin typeface="Ubuntu Sans" pitchFamily="2" charset="0"/>
                 <a:cs typeface="Times New Roman"/>
               </a:rPr>
               <a:t>l’ONG</a:t>
             </a:r>
             <a:r>
-              <a:rPr sz="1200" spc="-10" dirty="0">
-                <a:latin typeface="Times New Roman"/>
-                <a:cs typeface="Times New Roman"/>
-              </a:rPr>
-              <a:t> </a:t>
-            </a:r>
-            <a:r>
-              <a:rPr sz="1200" spc="-5" dirty="0">
-                <a:latin typeface="Times New Roman"/>
+              <a:rPr sz="1100" spc="-10" dirty="0">
+                <a:latin typeface="Ubuntu Sans" pitchFamily="2" charset="0"/>
+                <a:cs typeface="Times New Roman"/>
+              </a:rPr>
+              <a:t> </a:t>
+            </a:r>
+            <a:r>
+              <a:rPr sz="1100" spc="-5" dirty="0">
+                <a:latin typeface="Ubuntu Sans" pitchFamily="2" charset="0"/>
                 <a:cs typeface="Times New Roman"/>
               </a:rPr>
               <a:t>Place</a:t>
             </a:r>
             <a:r>
-              <a:rPr sz="1200" spc="5" dirty="0">
-                <a:latin typeface="Times New Roman"/>
-                <a:cs typeface="Times New Roman"/>
-              </a:rPr>
-              <a:t> </a:t>
-            </a:r>
-            <a:r>
-              <a:rPr sz="1200" spc="-5" dirty="0">
-                <a:latin typeface="Times New Roman"/>
+              <a:rPr sz="1100" spc="5" dirty="0">
+                <a:latin typeface="Ubuntu Sans" pitchFamily="2" charset="0"/>
+                <a:cs typeface="Times New Roman"/>
+              </a:rPr>
+              <a:t> </a:t>
+            </a:r>
+            <a:r>
+              <a:rPr sz="1100" spc="-5" dirty="0">
+                <a:latin typeface="Ubuntu Sans" pitchFamily="2" charset="0"/>
                 <a:cs typeface="Times New Roman"/>
               </a:rPr>
               <a:t>For</a:t>
             </a:r>
             <a:r>
-              <a:rPr sz="1200" spc="-65" dirty="0">
-                <a:latin typeface="Times New Roman"/>
-                <a:cs typeface="Times New Roman"/>
-              </a:rPr>
-              <a:t> </a:t>
-            </a:r>
-            <a:r>
-              <a:rPr sz="1200" spc="-5" dirty="0">
-                <a:latin typeface="Times New Roman"/>
+              <a:rPr sz="1100" spc="-65" dirty="0">
+                <a:latin typeface="Ubuntu Sans" pitchFamily="2" charset="0"/>
+                <a:cs typeface="Times New Roman"/>
+              </a:rPr>
+              <a:t> </a:t>
+            </a:r>
+            <a:r>
+              <a:rPr sz="1100" spc="-5" dirty="0">
+                <a:latin typeface="Ubuntu Sans" pitchFamily="2" charset="0"/>
                 <a:cs typeface="Times New Roman"/>
               </a:rPr>
               <a:t>Africa;</a:t>
             </a:r>
-            <a:endParaRPr sz="1200">
-              <a:latin typeface="Times New Roman"/>
+            <a:endParaRPr sz="1100">
+              <a:latin typeface="Ubuntu Sans" pitchFamily="2" charset="0"/>
               <a:cs typeface="Times New Roman"/>
             </a:endParaRPr>
           </a:p>
@@ -3139,161 +3214,161 @@
               </a:tabLst>
             </a:pPr>
             <a:r>
-              <a:rPr sz="1200" dirty="0">
-                <a:latin typeface="Times New Roman"/>
+              <a:rPr sz="1100" dirty="0">
+                <a:latin typeface="Ubuntu Sans" pitchFamily="2" charset="0"/>
                 <a:cs typeface="Times New Roman"/>
               </a:rPr>
               <a:t>-	</a:t>
             </a:r>
             <a:r>
-              <a:rPr sz="1200" b="1" dirty="0">
-                <a:latin typeface="Times New Roman"/>
+              <a:rPr sz="1100" b="1" dirty="0">
+                <a:latin typeface="Ubuntu Sans" pitchFamily="2" charset="0"/>
                 <a:cs typeface="Times New Roman"/>
               </a:rPr>
               <a:t>12</a:t>
             </a:r>
             <a:r>
-              <a:rPr sz="1200" b="1" spc="220" dirty="0">
-                <a:latin typeface="Times New Roman"/>
-                <a:cs typeface="Times New Roman"/>
-              </a:rPr>
-              <a:t> </a:t>
-            </a:r>
-            <a:r>
-              <a:rPr sz="1200" b="1" spc="-5" dirty="0">
-                <a:latin typeface="Times New Roman"/>
+              <a:rPr sz="1100" b="1" spc="220" dirty="0">
+                <a:latin typeface="Ubuntu Sans" pitchFamily="2" charset="0"/>
+                <a:cs typeface="Times New Roman"/>
+              </a:rPr>
+              <a:t> </a:t>
+            </a:r>
+            <a:r>
+              <a:rPr sz="1100" b="1" spc="-5" dirty="0">
+                <a:latin typeface="Ubuntu Sans" pitchFamily="2" charset="0"/>
                 <a:cs typeface="Times New Roman"/>
               </a:rPr>
               <a:t>Juin</a:t>
             </a:r>
             <a:r>
-              <a:rPr sz="1200" b="1" spc="235" dirty="0">
-                <a:latin typeface="Times New Roman"/>
-                <a:cs typeface="Times New Roman"/>
-              </a:rPr>
-              <a:t> </a:t>
-            </a:r>
-            <a:r>
-              <a:rPr sz="1200" b="1" dirty="0">
-                <a:latin typeface="Times New Roman"/>
+              <a:rPr sz="1100" b="1" spc="235" dirty="0">
+                <a:latin typeface="Ubuntu Sans" pitchFamily="2" charset="0"/>
+                <a:cs typeface="Times New Roman"/>
+              </a:rPr>
+              <a:t> </a:t>
+            </a:r>
+            <a:r>
+              <a:rPr sz="1100" b="1" dirty="0">
+                <a:latin typeface="Ubuntu Sans" pitchFamily="2" charset="0"/>
                 <a:cs typeface="Times New Roman"/>
               </a:rPr>
               <a:t>–</a:t>
             </a:r>
             <a:r>
-              <a:rPr sz="1200" b="1" spc="220" dirty="0">
-                <a:latin typeface="Times New Roman"/>
-                <a:cs typeface="Times New Roman"/>
-              </a:rPr>
-              <a:t> </a:t>
-            </a:r>
-            <a:r>
-              <a:rPr sz="1200" b="1" dirty="0">
-                <a:latin typeface="Times New Roman"/>
+              <a:rPr sz="1100" b="1" spc="220" dirty="0">
+                <a:latin typeface="Ubuntu Sans" pitchFamily="2" charset="0"/>
+                <a:cs typeface="Times New Roman"/>
+              </a:rPr>
+              <a:t> </a:t>
+            </a:r>
+            <a:r>
+              <a:rPr sz="1100" b="1" dirty="0">
+                <a:latin typeface="Ubuntu Sans" pitchFamily="2" charset="0"/>
                 <a:cs typeface="Times New Roman"/>
               </a:rPr>
               <a:t>12</a:t>
             </a:r>
             <a:r>
-              <a:rPr sz="1200" b="1" spc="215" dirty="0">
-                <a:latin typeface="Times New Roman"/>
-                <a:cs typeface="Times New Roman"/>
-              </a:rPr>
-              <a:t> </a:t>
-            </a:r>
-            <a:r>
-              <a:rPr sz="1200" b="1" spc="-5" dirty="0">
-                <a:latin typeface="Times New Roman"/>
+              <a:rPr sz="1100" b="1" spc="215" dirty="0">
+                <a:latin typeface="Ubuntu Sans" pitchFamily="2" charset="0"/>
+                <a:cs typeface="Times New Roman"/>
+              </a:rPr>
+              <a:t> </a:t>
+            </a:r>
+            <a:r>
+              <a:rPr sz="1100" b="1" spc="-5" dirty="0">
+                <a:latin typeface="Ubuntu Sans" pitchFamily="2" charset="0"/>
                 <a:cs typeface="Times New Roman"/>
               </a:rPr>
               <a:t>Sept</a:t>
             </a:r>
             <a:r>
-              <a:rPr sz="1200" b="1" spc="204" dirty="0">
-                <a:latin typeface="Times New Roman"/>
-                <a:cs typeface="Times New Roman"/>
-              </a:rPr>
-              <a:t> </a:t>
-            </a:r>
-            <a:r>
-              <a:rPr sz="1200" dirty="0">
-                <a:latin typeface="Times New Roman"/>
+              <a:rPr sz="1100" b="1" spc="204" dirty="0">
+                <a:latin typeface="Ubuntu Sans" pitchFamily="2" charset="0"/>
+                <a:cs typeface="Times New Roman"/>
+              </a:rPr>
+              <a:t> </a:t>
+            </a:r>
+            <a:r>
+              <a:rPr sz="1100" dirty="0">
+                <a:latin typeface="Ubuntu Sans" pitchFamily="2" charset="0"/>
                 <a:cs typeface="Times New Roman"/>
               </a:rPr>
               <a:t>:</a:t>
             </a:r>
             <a:r>
-              <a:rPr sz="1200" spc="229" dirty="0">
-                <a:latin typeface="Times New Roman"/>
-                <a:cs typeface="Times New Roman"/>
-              </a:rPr>
-              <a:t> </a:t>
-            </a:r>
-            <a:r>
-              <a:rPr sz="1200" dirty="0">
-                <a:latin typeface="Times New Roman"/>
+              <a:rPr sz="1100" spc="229" dirty="0">
+                <a:latin typeface="Ubuntu Sans" pitchFamily="2" charset="0"/>
+                <a:cs typeface="Times New Roman"/>
+              </a:rPr>
+              <a:t> </a:t>
+            </a:r>
+            <a:r>
+              <a:rPr sz="1100" dirty="0">
+                <a:latin typeface="Ubuntu Sans" pitchFamily="2" charset="0"/>
                 <a:cs typeface="Times New Roman"/>
               </a:rPr>
               <a:t>Stage</a:t>
             </a:r>
             <a:r>
-              <a:rPr sz="1200" spc="220" dirty="0">
-                <a:latin typeface="Times New Roman"/>
-                <a:cs typeface="Times New Roman"/>
-              </a:rPr>
-              <a:t> </a:t>
-            </a:r>
-            <a:r>
-              <a:rPr sz="1200" spc="-5" dirty="0">
-                <a:latin typeface="Times New Roman"/>
+              <a:rPr sz="1100" spc="220" dirty="0">
+                <a:latin typeface="Ubuntu Sans" pitchFamily="2" charset="0"/>
+                <a:cs typeface="Times New Roman"/>
+              </a:rPr>
+              <a:t> </a:t>
+            </a:r>
+            <a:r>
+              <a:rPr sz="1100" spc="-5" dirty="0">
+                <a:latin typeface="Ubuntu Sans" pitchFamily="2" charset="0"/>
                 <a:cs typeface="Times New Roman"/>
               </a:rPr>
               <a:t>professionnel</a:t>
             </a:r>
             <a:r>
-              <a:rPr sz="1200" spc="225" dirty="0">
-                <a:latin typeface="Times New Roman"/>
-                <a:cs typeface="Times New Roman"/>
-              </a:rPr>
-              <a:t> </a:t>
-            </a:r>
-            <a:r>
-              <a:rPr sz="1200" spc="5" dirty="0">
-                <a:latin typeface="Times New Roman"/>
+              <a:rPr sz="1100" spc="225" dirty="0">
+                <a:latin typeface="Ubuntu Sans" pitchFamily="2" charset="0"/>
+                <a:cs typeface="Times New Roman"/>
+              </a:rPr>
+              <a:t> </a:t>
+            </a:r>
+            <a:r>
+              <a:rPr sz="1100" spc="5" dirty="0">
+                <a:latin typeface="Ubuntu Sans" pitchFamily="2" charset="0"/>
                 <a:cs typeface="Times New Roman"/>
               </a:rPr>
               <a:t>de</a:t>
             </a:r>
             <a:r>
-              <a:rPr sz="1200" spc="235" dirty="0">
-                <a:latin typeface="Times New Roman"/>
-                <a:cs typeface="Times New Roman"/>
-              </a:rPr>
-              <a:t> </a:t>
-            </a:r>
-            <a:r>
-              <a:rPr sz="1200" dirty="0">
-                <a:latin typeface="Times New Roman"/>
+              <a:rPr sz="1100" spc="235" dirty="0">
+                <a:latin typeface="Ubuntu Sans" pitchFamily="2" charset="0"/>
+                <a:cs typeface="Times New Roman"/>
+              </a:rPr>
+              <a:t> </a:t>
+            </a:r>
+            <a:r>
+              <a:rPr sz="1100" dirty="0">
+                <a:latin typeface="Ubuntu Sans" pitchFamily="2" charset="0"/>
                 <a:cs typeface="Times New Roman"/>
               </a:rPr>
               <a:t>03</a:t>
             </a:r>
             <a:r>
-              <a:rPr sz="1200" spc="225" dirty="0">
-                <a:latin typeface="Times New Roman"/>
-                <a:cs typeface="Times New Roman"/>
-              </a:rPr>
-              <a:t> </a:t>
-            </a:r>
-            <a:r>
-              <a:rPr sz="1200" dirty="0">
-                <a:latin typeface="Times New Roman"/>
+              <a:rPr sz="1100" spc="225" dirty="0">
+                <a:latin typeface="Ubuntu Sans" pitchFamily="2" charset="0"/>
+                <a:cs typeface="Times New Roman"/>
+              </a:rPr>
+              <a:t> </a:t>
+            </a:r>
+            <a:r>
+              <a:rPr sz="1100" dirty="0">
+                <a:latin typeface="Ubuntu Sans" pitchFamily="2" charset="0"/>
                 <a:cs typeface="Times New Roman"/>
               </a:rPr>
               <a:t>mois</a:t>
             </a:r>
-            <a:endParaRPr sz="1200">
-              <a:latin typeface="Times New Roman"/>
+            <a:endParaRPr sz="1100">
+              <a:latin typeface="Ubuntu Sans" pitchFamily="2" charset="0"/>
               <a:cs typeface="Times New Roman"/>
             </a:endParaRPr>
           </a:p>
@@ -3308,7 +3383,7 @@
         <p:spPr>
           <a:xfrm>
             <a:off x="2813050" y="4667250"/>
-            <a:ext cx="3698240" cy="574675"/>
+            <a:ext cx="3698240" cy="533478"/>
           </a:xfrm>
           <a:prstGeom prst="rect">
             <a:avLst/>
@@ -3329,63 +3404,63 @@
               </a:spcBef>
             </a:pPr>
             <a:r>
-              <a:rPr sz="1200" spc="-5" dirty="0">
-                <a:latin typeface="Times New Roman"/>
+              <a:rPr sz="1100" spc="-5" dirty="0">
+                <a:latin typeface="Ubuntu Sans" pitchFamily="2" charset="0"/>
                 <a:cs typeface="Times New Roman"/>
               </a:rPr>
               <a:t>LaSMO/UAC:</a:t>
             </a:r>
             <a:r>
-              <a:rPr sz="1200" spc="30" dirty="0">
-                <a:latin typeface="Times New Roman"/>
-                <a:cs typeface="Times New Roman"/>
-              </a:rPr>
-              <a:t> </a:t>
-            </a:r>
-            <a:r>
-              <a:rPr sz="1200" spc="-5" dirty="0">
-                <a:latin typeface="Times New Roman"/>
+              <a:rPr sz="1100" spc="30" dirty="0">
+                <a:latin typeface="Ubuntu Sans" pitchFamily="2" charset="0"/>
+                <a:cs typeface="Times New Roman"/>
+              </a:rPr>
+              <a:t> </a:t>
+            </a:r>
+            <a:r>
+              <a:rPr sz="1100" spc="-5" dirty="0">
+                <a:latin typeface="Ubuntu Sans" pitchFamily="2" charset="0"/>
                 <a:cs typeface="Times New Roman"/>
               </a:rPr>
               <a:t>Réalisation</a:t>
             </a:r>
             <a:r>
-              <a:rPr sz="1200" spc="30" dirty="0">
-                <a:latin typeface="Times New Roman"/>
-                <a:cs typeface="Times New Roman"/>
-              </a:rPr>
-              <a:t> </a:t>
-            </a:r>
-            <a:r>
-              <a:rPr sz="1200" dirty="0">
-                <a:latin typeface="Times New Roman"/>
+              <a:rPr sz="1100" spc="30" dirty="0">
+                <a:latin typeface="Ubuntu Sans" pitchFamily="2" charset="0"/>
+                <a:cs typeface="Times New Roman"/>
+              </a:rPr>
+              <a:t> </a:t>
+            </a:r>
+            <a:r>
+              <a:rPr sz="1100" dirty="0">
+                <a:latin typeface="Ubuntu Sans" pitchFamily="2" charset="0"/>
                 <a:cs typeface="Times New Roman"/>
               </a:rPr>
               <a:t>du</a:t>
             </a:r>
             <a:r>
-              <a:rPr sz="1200" spc="5" dirty="0">
-                <a:latin typeface="Times New Roman"/>
-                <a:cs typeface="Times New Roman"/>
-              </a:rPr>
-              <a:t> </a:t>
-            </a:r>
-            <a:r>
-              <a:rPr sz="1200" spc="-5" dirty="0">
-                <a:latin typeface="Times New Roman"/>
+              <a:rPr sz="1100" spc="5" dirty="0">
+                <a:latin typeface="Ubuntu Sans" pitchFamily="2" charset="0"/>
+                <a:cs typeface="Times New Roman"/>
+              </a:rPr>
+              <a:t> </a:t>
+            </a:r>
+            <a:r>
+              <a:rPr sz="1100" spc="-5" dirty="0">
+                <a:latin typeface="Ubuntu Sans" pitchFamily="2" charset="0"/>
                 <a:cs typeface="Times New Roman"/>
               </a:rPr>
               <a:t>site-web</a:t>
             </a:r>
             <a:r>
-              <a:rPr sz="1200" spc="15" dirty="0">
-                <a:latin typeface="Times New Roman"/>
-                <a:cs typeface="Times New Roman"/>
-              </a:rPr>
-              <a:t> </a:t>
-            </a:r>
-            <a:r>
-              <a:rPr sz="1200" u="sng" spc="-10" dirty="0">
+              <a:rPr sz="1100" spc="15" dirty="0">
+                <a:latin typeface="Ubuntu Sans" pitchFamily="2" charset="0"/>
+                <a:cs typeface="Times New Roman"/>
+              </a:rPr>
+              <a:t> </a:t>
+            </a:r>
+            <a:r>
+              <a:rPr sz="1100" u="sng" spc="-10" dirty="0">
                 <a:solidFill>
                   <a:srgbClr val="0462C1"/>
                 </a:solidFill>
@@ -3394,14 +3469,14 @@
                     <a:srgbClr val="0462C1"/>
                   </a:solidFill>
                 </a:uFill>
-                <a:latin typeface="Times New Roman"/>
+                <a:latin typeface="Ubuntu Sans" pitchFamily="2" charset="0"/>
                 <a:cs typeface="Times New Roman"/>
                 <a:hlinkClick r:id="rId4"/>
               </a:rPr>
               <a:t>www.lasmouac.com</a:t>
             </a:r>
-            <a:endParaRPr sz="1200">
-              <a:latin typeface="Times New Roman"/>
+            <a:endParaRPr sz="1100">
+              <a:latin typeface="Ubuntu Sans" pitchFamily="2" charset="0"/>
               <a:cs typeface="Times New Roman"/>
             </a:endParaRPr>
           </a:p>
@@ -3424,140 +3499,140 @@
               </a:tabLst>
             </a:pPr>
             <a:r>
-              <a:rPr sz="1200" dirty="0">
-                <a:latin typeface="Times New Roman"/>
+              <a:rPr sz="1100" dirty="0">
+                <a:latin typeface="Ubuntu Sans" pitchFamily="2" charset="0"/>
                 <a:cs typeface="Times New Roman"/>
               </a:rPr>
               <a:t>-	R</a:t>
             </a:r>
             <a:r>
-              <a:rPr sz="1200" spc="-5" dirty="0">
-                <a:latin typeface="Times New Roman"/>
+              <a:rPr sz="1100" spc="-5" dirty="0">
+                <a:latin typeface="Ubuntu Sans" pitchFamily="2" charset="0"/>
                 <a:cs typeface="Times New Roman"/>
               </a:rPr>
               <a:t>éa</a:t>
             </a:r>
             <a:r>
-              <a:rPr sz="1200" dirty="0">
-                <a:latin typeface="Times New Roman"/>
+              <a:rPr sz="1100" dirty="0">
+                <a:latin typeface="Ubuntu Sans" pitchFamily="2" charset="0"/>
                 <a:cs typeface="Times New Roman"/>
               </a:rPr>
               <a:t>li</a:t>
             </a:r>
             <a:r>
-              <a:rPr sz="1200" spc="5" dirty="0">
-                <a:latin typeface="Times New Roman"/>
+              <a:rPr sz="1100" spc="5" dirty="0">
+                <a:latin typeface="Ubuntu Sans" pitchFamily="2" charset="0"/>
                 <a:cs typeface="Times New Roman"/>
               </a:rPr>
               <a:t>s</a:t>
             </a:r>
             <a:r>
-              <a:rPr sz="1200" spc="-5" dirty="0">
-                <a:latin typeface="Times New Roman"/>
+              <a:rPr sz="1100" spc="-5" dirty="0">
+                <a:latin typeface="Ubuntu Sans" pitchFamily="2" charset="0"/>
                 <a:cs typeface="Times New Roman"/>
               </a:rPr>
               <a:t>a</a:t>
             </a:r>
             <a:r>
-              <a:rPr sz="1200" dirty="0">
-                <a:latin typeface="Times New Roman"/>
+              <a:rPr sz="1100" dirty="0">
+                <a:latin typeface="Ubuntu Sans" pitchFamily="2" charset="0"/>
                 <a:cs typeface="Times New Roman"/>
               </a:rPr>
               <a:t>tion	du	</a:t>
             </a:r>
             <a:r>
-              <a:rPr sz="1200" spc="-5" dirty="0">
-                <a:latin typeface="Times New Roman"/>
+              <a:rPr sz="1100" spc="-5" dirty="0">
+                <a:latin typeface="Ubuntu Sans" pitchFamily="2" charset="0"/>
                 <a:cs typeface="Times New Roman"/>
               </a:rPr>
               <a:t>sit</a:t>
             </a:r>
             <a:r>
-              <a:rPr sz="1200" dirty="0">
-                <a:latin typeface="Times New Roman"/>
+              <a:rPr sz="1100" dirty="0">
+                <a:latin typeface="Ubuntu Sans" pitchFamily="2" charset="0"/>
                 <a:cs typeface="Times New Roman"/>
               </a:rPr>
               <a:t>e	</a:t>
             </a:r>
             <a:r>
-              <a:rPr sz="1200" spc="-5" dirty="0">
-                <a:latin typeface="Times New Roman"/>
+              <a:rPr sz="1100" spc="-5" dirty="0">
+                <a:latin typeface="Ubuntu Sans" pitchFamily="2" charset="0"/>
                 <a:cs typeface="Times New Roman"/>
               </a:rPr>
               <a:t>w</a:t>
             </a:r>
             <a:r>
-              <a:rPr sz="1200" spc="-15" dirty="0">
-                <a:latin typeface="Times New Roman"/>
+              <a:rPr sz="1100" spc="-15" dirty="0">
+                <a:latin typeface="Ubuntu Sans" pitchFamily="2" charset="0"/>
                 <a:cs typeface="Times New Roman"/>
               </a:rPr>
               <a:t>e</a:t>
             </a:r>
             <a:r>
-              <a:rPr sz="1200" dirty="0">
-                <a:latin typeface="Times New Roman"/>
+              <a:rPr sz="1100" dirty="0">
+                <a:latin typeface="Ubuntu Sans" pitchFamily="2" charset="0"/>
                 <a:cs typeface="Times New Roman"/>
               </a:rPr>
               <a:t>b	du	</a:t>
             </a:r>
             <a:r>
-              <a:rPr sz="1200" spc="5" dirty="0">
-                <a:latin typeface="Times New Roman"/>
+              <a:rPr sz="1100" spc="5" dirty="0">
+                <a:latin typeface="Ubuntu Sans" pitchFamily="2" charset="0"/>
                 <a:cs typeface="Times New Roman"/>
               </a:rPr>
               <a:t>c</a:t>
             </a:r>
             <a:r>
-              <a:rPr sz="1200" spc="-5" dirty="0">
-                <a:latin typeface="Times New Roman"/>
+              <a:rPr sz="1100" spc="-5" dirty="0">
+                <a:latin typeface="Ubuntu Sans" pitchFamily="2" charset="0"/>
                 <a:cs typeface="Times New Roman"/>
               </a:rPr>
               <a:t>a</a:t>
             </a:r>
             <a:r>
-              <a:rPr sz="1200" dirty="0">
-                <a:latin typeface="Times New Roman"/>
+              <a:rPr sz="1100" dirty="0">
+                <a:latin typeface="Ubuntu Sans" pitchFamily="2" charset="0"/>
                 <a:cs typeface="Times New Roman"/>
               </a:rPr>
               <a:t>bi</a:t>
             </a:r>
             <a:r>
-              <a:rPr sz="1200" spc="10" dirty="0">
-                <a:latin typeface="Times New Roman"/>
+              <a:rPr sz="1100" spc="10" dirty="0">
+                <a:latin typeface="Ubuntu Sans" pitchFamily="2" charset="0"/>
                 <a:cs typeface="Times New Roman"/>
               </a:rPr>
               <a:t>n</a:t>
             </a:r>
             <a:r>
-              <a:rPr sz="1200" spc="-5" dirty="0">
-                <a:latin typeface="Times New Roman"/>
+              <a:rPr sz="1100" spc="-5" dirty="0">
+                <a:latin typeface="Ubuntu Sans" pitchFamily="2" charset="0"/>
                 <a:cs typeface="Times New Roman"/>
               </a:rPr>
               <a:t>e</a:t>
             </a:r>
             <a:r>
-              <a:rPr sz="1200" dirty="0">
-                <a:latin typeface="Times New Roman"/>
+              <a:rPr sz="1100" dirty="0">
+                <a:latin typeface="Ubuntu Sans" pitchFamily="2" charset="0"/>
                 <a:cs typeface="Times New Roman"/>
               </a:rPr>
               <a:t>t	</a:t>
             </a:r>
             <a:r>
-              <a:rPr sz="1200" spc="-5" dirty="0">
-                <a:latin typeface="Times New Roman"/>
+              <a:rPr sz="1100" spc="-5" dirty="0">
+                <a:latin typeface="Ubuntu Sans" pitchFamily="2" charset="0"/>
                 <a:cs typeface="Times New Roman"/>
               </a:rPr>
               <a:t>S</a:t>
             </a:r>
             <a:r>
-              <a:rPr sz="1200" dirty="0">
-                <a:latin typeface="Times New Roman"/>
+              <a:rPr sz="1100" dirty="0">
+                <a:latin typeface="Ubuntu Sans" pitchFamily="2" charset="0"/>
                 <a:cs typeface="Times New Roman"/>
               </a:rPr>
               <a:t>ublime</a:t>
             </a:r>
-            <a:endParaRPr sz="1200">
-              <a:latin typeface="Times New Roman"/>
+            <a:endParaRPr sz="1100">
+              <a:latin typeface="Ubuntu Sans" pitchFamily="2" charset="0"/>
               <a:cs typeface="Times New Roman"/>
             </a:endParaRPr>
           </a:p>
@@ -3572,7 +3647,7 @@
         <p:spPr>
           <a:xfrm>
             <a:off x="2813050" y="5307838"/>
-            <a:ext cx="2038985" cy="208279"/>
+            <a:ext cx="2038985" cy="182101"/>
           </a:xfrm>
           <a:prstGeom prst="rect">
             <a:avLst/>
@@ -3593,35 +3668,35 @@
               </a:spcBef>
             </a:pPr>
             <a:r>
-              <a:rPr sz="1200" spc="-5" dirty="0">
-                <a:latin typeface="Times New Roman"/>
+              <a:rPr sz="1100" spc="-5" dirty="0">
+                <a:latin typeface="Ubuntu Sans" pitchFamily="2" charset="0"/>
                 <a:cs typeface="Times New Roman"/>
               </a:rPr>
               <a:t>Excellence</a:t>
             </a:r>
             <a:r>
-              <a:rPr sz="1200" spc="20" dirty="0">
-                <a:latin typeface="Times New Roman"/>
-                <a:cs typeface="Times New Roman"/>
-              </a:rPr>
-              <a:t> </a:t>
-            </a:r>
-            <a:r>
-              <a:rPr sz="1200" spc="-5" dirty="0">
-                <a:latin typeface="Times New Roman"/>
+              <a:rPr sz="1100" spc="20" dirty="0">
+                <a:latin typeface="Ubuntu Sans" pitchFamily="2" charset="0"/>
+                <a:cs typeface="Times New Roman"/>
+              </a:rPr>
+              <a:t> </a:t>
+            </a:r>
+            <a:r>
+              <a:rPr sz="1100" spc="-5" dirty="0">
+                <a:latin typeface="Ubuntu Sans" pitchFamily="2" charset="0"/>
                 <a:cs typeface="Times New Roman"/>
               </a:rPr>
               <a:t>Inter</a:t>
             </a:r>
             <a:r>
-              <a:rPr sz="1200" dirty="0">
-                <a:latin typeface="Times New Roman"/>
-                <a:cs typeface="Times New Roman"/>
-              </a:rPr>
-              <a:t> </a:t>
-            </a:r>
-            <a:r>
-              <a:rPr sz="1200" u="sng" spc="-15" dirty="0">
+              <a:rPr sz="1100" dirty="0">
+                <a:latin typeface="Ubuntu Sans" pitchFamily="2" charset="0"/>
+                <a:cs typeface="Times New Roman"/>
+              </a:rPr>
+              <a:t> </a:t>
+            </a:r>
+            <a:r>
+              <a:rPr sz="1100" u="sng" spc="-15" dirty="0">
                 <a:solidFill>
                   <a:srgbClr val="0462C1"/>
                 </a:solidFill>
@@ -3630,14 +3705,14 @@
                     <a:srgbClr val="0462C1"/>
                   </a:solidFill>
                 </a:uFill>
-                <a:latin typeface="Times New Roman"/>
+                <a:latin typeface="Ubuntu Sans" pitchFamily="2" charset="0"/>
                 <a:cs typeface="Times New Roman"/>
                 <a:hlinkClick r:id="rId5"/>
               </a:rPr>
               <a:t>www.seidev.org</a:t>
             </a:r>
-            <a:endParaRPr sz="1200">
-              <a:latin typeface="Times New Roman"/>
+            <a:endParaRPr sz="1100">
+              <a:latin typeface="Ubuntu Sans" pitchFamily="2" charset="0"/>
               <a:cs typeface="Times New Roman"/>
             </a:endParaRPr>
           </a:p>
@@ -3652,7 +3727,7 @@
         <p:spPr>
           <a:xfrm>
             <a:off x="2808477" y="5703570"/>
-            <a:ext cx="3622675" cy="574040"/>
+            <a:ext cx="3622675" cy="533479"/>
           </a:xfrm>
           <a:prstGeom prst="rect">
             <a:avLst/>
@@ -3679,43 +3754,43 @@
               </a:tabLst>
             </a:pPr>
             <a:r>
-              <a:rPr sz="1200" b="1" u="heavy" spc="-5" dirty="0">
+              <a:rPr sz="1100" b="1" u="heavy" spc="-5" dirty="0">
                 <a:uFill>
                   <a:solidFill>
                     <a:srgbClr val="000000"/>
                   </a:solidFill>
                 </a:uFill>
-                <a:latin typeface="Times New Roman"/>
+                <a:latin typeface="Ubuntu Sans" pitchFamily="2" charset="0"/>
                 <a:cs typeface="Times New Roman"/>
               </a:rPr>
               <a:t>Année</a:t>
             </a:r>
             <a:r>
-              <a:rPr sz="1200" b="1" u="heavy" spc="-40" dirty="0">
+              <a:rPr sz="1100" b="1" u="heavy" spc="-40" dirty="0">
                 <a:uFill>
                   <a:solidFill>
                     <a:srgbClr val="000000"/>
                   </a:solidFill>
                 </a:uFill>
-                <a:latin typeface="Times New Roman"/>
-                <a:cs typeface="Times New Roman"/>
-              </a:rPr>
-              <a:t> </a:t>
-            </a:r>
-            <a:r>
-              <a:rPr sz="1200" b="1" u="heavy" dirty="0">
+                <a:latin typeface="Ubuntu Sans" pitchFamily="2" charset="0"/>
+                <a:cs typeface="Times New Roman"/>
+              </a:rPr>
+              <a:t> </a:t>
+            </a:r>
+            <a:r>
+              <a:rPr sz="1100" b="1" u="heavy" dirty="0">
                 <a:uFill>
                   <a:solidFill>
                     <a:srgbClr val="000000"/>
                   </a:solidFill>
                 </a:uFill>
-                <a:latin typeface="Times New Roman"/>
+                <a:latin typeface="Ubuntu Sans" pitchFamily="2" charset="0"/>
                 <a:cs typeface="Times New Roman"/>
               </a:rPr>
               <a:t>2022</a:t>
             </a:r>
-            <a:endParaRPr sz="1200">
-              <a:latin typeface="Times New Roman"/>
+            <a:endParaRPr sz="1100">
+              <a:latin typeface="Ubuntu Sans" pitchFamily="2" charset="0"/>
               <a:cs typeface="Times New Roman"/>
             </a:endParaRPr>
           </a:p>
@@ -3732,147 +3807,147 @@
               </a:tabLst>
             </a:pPr>
             <a:r>
-              <a:rPr sz="1200" dirty="0">
-                <a:latin typeface="Times New Roman"/>
+              <a:rPr sz="1100" dirty="0">
+                <a:latin typeface="Ubuntu Sans" pitchFamily="2" charset="0"/>
                 <a:cs typeface="Times New Roman"/>
               </a:rPr>
               <a:t>-	</a:t>
             </a:r>
             <a:r>
-              <a:rPr sz="1200" b="1" dirty="0">
-                <a:latin typeface="Times New Roman"/>
+              <a:rPr sz="1100" b="1" dirty="0">
+                <a:latin typeface="Ubuntu Sans" pitchFamily="2" charset="0"/>
                 <a:cs typeface="Times New Roman"/>
               </a:rPr>
               <a:t>09</a:t>
             </a:r>
             <a:r>
-              <a:rPr sz="1200" b="1" spc="130" dirty="0">
-                <a:latin typeface="Times New Roman"/>
-                <a:cs typeface="Times New Roman"/>
-              </a:rPr>
-              <a:t> </a:t>
-            </a:r>
-            <a:r>
-              <a:rPr sz="1200" b="1" spc="-5" dirty="0">
-                <a:latin typeface="Times New Roman"/>
+              <a:rPr sz="1100" b="1" spc="130" dirty="0">
+                <a:latin typeface="Ubuntu Sans" pitchFamily="2" charset="0"/>
+                <a:cs typeface="Times New Roman"/>
+              </a:rPr>
+              <a:t> </a:t>
+            </a:r>
+            <a:r>
+              <a:rPr sz="1100" b="1" spc="-5" dirty="0">
+                <a:latin typeface="Ubuntu Sans" pitchFamily="2" charset="0"/>
                 <a:cs typeface="Times New Roman"/>
               </a:rPr>
               <a:t>Août</a:t>
             </a:r>
             <a:r>
-              <a:rPr sz="1200" b="1" spc="135" dirty="0">
-                <a:latin typeface="Times New Roman"/>
-                <a:cs typeface="Times New Roman"/>
-              </a:rPr>
-              <a:t> </a:t>
-            </a:r>
-            <a:r>
-              <a:rPr sz="1200" b="1" dirty="0">
-                <a:latin typeface="Times New Roman"/>
+              <a:rPr sz="1100" b="1" spc="135" dirty="0">
+                <a:latin typeface="Ubuntu Sans" pitchFamily="2" charset="0"/>
+                <a:cs typeface="Times New Roman"/>
+              </a:rPr>
+              <a:t> </a:t>
+            </a:r>
+            <a:r>
+              <a:rPr sz="1100" b="1" dirty="0">
+                <a:latin typeface="Ubuntu Sans" pitchFamily="2" charset="0"/>
                 <a:cs typeface="Times New Roman"/>
               </a:rPr>
               <a:t>–</a:t>
             </a:r>
             <a:r>
-              <a:rPr sz="1200" b="1" spc="135" dirty="0">
-                <a:latin typeface="Times New Roman"/>
-                <a:cs typeface="Times New Roman"/>
-              </a:rPr>
-              <a:t> </a:t>
-            </a:r>
-            <a:r>
-              <a:rPr sz="1200" b="1" dirty="0">
-                <a:latin typeface="Times New Roman"/>
+              <a:rPr sz="1100" b="1" spc="135" dirty="0">
+                <a:latin typeface="Ubuntu Sans" pitchFamily="2" charset="0"/>
+                <a:cs typeface="Times New Roman"/>
+              </a:rPr>
+              <a:t> </a:t>
+            </a:r>
+            <a:r>
+              <a:rPr sz="1100" b="1" dirty="0">
+                <a:latin typeface="Ubuntu Sans" pitchFamily="2" charset="0"/>
                 <a:cs typeface="Times New Roman"/>
               </a:rPr>
               <a:t>25</a:t>
             </a:r>
             <a:r>
-              <a:rPr sz="1200" b="1" spc="135" dirty="0">
-                <a:latin typeface="Times New Roman"/>
-                <a:cs typeface="Times New Roman"/>
-              </a:rPr>
-              <a:t> </a:t>
-            </a:r>
-            <a:r>
-              <a:rPr sz="1200" b="1" spc="-5" dirty="0">
-                <a:latin typeface="Times New Roman"/>
+              <a:rPr sz="1100" b="1" spc="135" dirty="0">
+                <a:latin typeface="Ubuntu Sans" pitchFamily="2" charset="0"/>
+                <a:cs typeface="Times New Roman"/>
+              </a:rPr>
+              <a:t> </a:t>
+            </a:r>
+            <a:r>
+              <a:rPr sz="1100" b="1" spc="-5" dirty="0">
+                <a:latin typeface="Ubuntu Sans" pitchFamily="2" charset="0"/>
                 <a:cs typeface="Times New Roman"/>
               </a:rPr>
               <a:t>Octobre</a:t>
             </a:r>
             <a:r>
-              <a:rPr sz="1200" b="1" spc="150" dirty="0">
-                <a:latin typeface="Times New Roman"/>
-                <a:cs typeface="Times New Roman"/>
-              </a:rPr>
-              <a:t> </a:t>
-            </a:r>
-            <a:r>
-              <a:rPr sz="1200" b="1" dirty="0">
-                <a:latin typeface="Times New Roman"/>
+              <a:rPr sz="1100" b="1" spc="150" dirty="0">
+                <a:latin typeface="Ubuntu Sans" pitchFamily="2" charset="0"/>
+                <a:cs typeface="Times New Roman"/>
+              </a:rPr>
+              <a:t> </a:t>
+            </a:r>
+            <a:r>
+              <a:rPr sz="1100" b="1" dirty="0">
+                <a:latin typeface="Ubuntu Sans" pitchFamily="2" charset="0"/>
                 <a:cs typeface="Times New Roman"/>
               </a:rPr>
               <a:t>:</a:t>
             </a:r>
             <a:r>
-              <a:rPr sz="1200" b="1" spc="130" dirty="0">
-                <a:latin typeface="Times New Roman"/>
-                <a:cs typeface="Times New Roman"/>
-              </a:rPr>
-              <a:t> </a:t>
-            </a:r>
-            <a:r>
-              <a:rPr sz="1200" dirty="0">
-                <a:latin typeface="Times New Roman"/>
+              <a:rPr sz="1100" b="1" spc="130" dirty="0">
+                <a:latin typeface="Ubuntu Sans" pitchFamily="2" charset="0"/>
+                <a:cs typeface="Times New Roman"/>
+              </a:rPr>
+              <a:t> </a:t>
+            </a:r>
+            <a:r>
+              <a:rPr sz="1100" dirty="0">
+                <a:latin typeface="Ubuntu Sans" pitchFamily="2" charset="0"/>
                 <a:cs typeface="Times New Roman"/>
               </a:rPr>
               <a:t>Stage</a:t>
             </a:r>
             <a:r>
-              <a:rPr sz="1200" spc="135" dirty="0">
-                <a:latin typeface="Times New Roman"/>
-                <a:cs typeface="Times New Roman"/>
-              </a:rPr>
-              <a:t> </a:t>
-            </a:r>
-            <a:r>
-              <a:rPr sz="1200" dirty="0">
-                <a:latin typeface="Times New Roman"/>
+              <a:rPr sz="1100" spc="135" dirty="0">
+                <a:latin typeface="Ubuntu Sans" pitchFamily="2" charset="0"/>
+                <a:cs typeface="Times New Roman"/>
+              </a:rPr>
+              <a:t> </a:t>
+            </a:r>
+            <a:r>
+              <a:rPr sz="1100" dirty="0">
+                <a:latin typeface="Ubuntu Sans" pitchFamily="2" charset="0"/>
                 <a:cs typeface="Times New Roman"/>
               </a:rPr>
               <a:t>professionnel</a:t>
             </a:r>
             <a:r>
-              <a:rPr sz="1200" spc="160" dirty="0">
-                <a:latin typeface="Times New Roman"/>
-                <a:cs typeface="Times New Roman"/>
-              </a:rPr>
-              <a:t> </a:t>
-            </a:r>
-            <a:r>
-              <a:rPr sz="1200" dirty="0">
-                <a:latin typeface="Times New Roman"/>
+              <a:rPr sz="1100" spc="160" dirty="0">
+                <a:latin typeface="Ubuntu Sans" pitchFamily="2" charset="0"/>
+                <a:cs typeface="Times New Roman"/>
+              </a:rPr>
+              <a:t> </a:t>
+            </a:r>
+            <a:r>
+              <a:rPr sz="1100" dirty="0">
+                <a:latin typeface="Ubuntu Sans" pitchFamily="2" charset="0"/>
                 <a:cs typeface="Times New Roman"/>
               </a:rPr>
               <a:t>à</a:t>
             </a:r>
             <a:r>
-              <a:rPr sz="1200" spc="130" dirty="0">
-                <a:latin typeface="Times New Roman"/>
-                <a:cs typeface="Times New Roman"/>
-              </a:rPr>
-              <a:t> </a:t>
-            </a:r>
-            <a:r>
-              <a:rPr sz="1200" spc="10" dirty="0">
-                <a:latin typeface="Times New Roman"/>
+              <a:rPr sz="1100" spc="130" dirty="0">
+                <a:latin typeface="Ubuntu Sans" pitchFamily="2" charset="0"/>
+                <a:cs typeface="Times New Roman"/>
+              </a:rPr>
+              <a:t> </a:t>
+            </a:r>
+            <a:r>
+              <a:rPr sz="1100" spc="10" dirty="0">
+                <a:latin typeface="Ubuntu Sans" pitchFamily="2" charset="0"/>
                 <a:cs typeface="Times New Roman"/>
               </a:rPr>
               <a:t>la</a:t>
             </a:r>
-            <a:endParaRPr sz="1200">
-              <a:latin typeface="Times New Roman"/>
+            <a:endParaRPr sz="1100">
+              <a:latin typeface="Ubuntu Sans" pitchFamily="2" charset="0"/>
               <a:cs typeface="Times New Roman"/>
             </a:endParaRPr>
           </a:p>
@@ -3887,7 +3962,7 @@
         <p:spPr>
           <a:xfrm>
             <a:off x="2808477" y="6251955"/>
-            <a:ext cx="3622040" cy="848994"/>
+            <a:ext cx="3622040" cy="747769"/>
           </a:xfrm>
           <a:prstGeom prst="rect">
             <a:avLst/>
@@ -3908,140 +3983,140 @@
               </a:spcBef>
             </a:pPr>
             <a:r>
-              <a:rPr sz="1200" spc="-5" dirty="0">
-                <a:latin typeface="Times New Roman"/>
+              <a:rPr sz="1100" spc="-5" dirty="0">
+                <a:latin typeface="Ubuntu Sans" pitchFamily="2" charset="0"/>
                 <a:cs typeface="Times New Roman"/>
               </a:rPr>
               <a:t>Direction </a:t>
             </a:r>
             <a:r>
-              <a:rPr sz="1200" dirty="0">
-                <a:latin typeface="Times New Roman"/>
+              <a:rPr sz="1100" dirty="0">
+                <a:latin typeface="Ubuntu Sans" pitchFamily="2" charset="0"/>
                 <a:cs typeface="Times New Roman"/>
               </a:rPr>
               <a:t>Générale de l’Observatoire </a:t>
             </a:r>
             <a:r>
-              <a:rPr sz="1200" spc="-5" dirty="0">
-                <a:latin typeface="Times New Roman"/>
+              <a:rPr sz="1100" spc="-5" dirty="0">
+                <a:latin typeface="Ubuntu Sans" pitchFamily="2" charset="0"/>
                 <a:cs typeface="Times New Roman"/>
               </a:rPr>
               <a:t>et </a:t>
             </a:r>
             <a:r>
-              <a:rPr sz="1200" dirty="0">
-                <a:latin typeface="Times New Roman"/>
+              <a:rPr sz="1100" dirty="0">
+                <a:latin typeface="Ubuntu Sans" pitchFamily="2" charset="0"/>
                 <a:cs typeface="Times New Roman"/>
               </a:rPr>
               <a:t>du Changement </a:t>
             </a:r>
             <a:r>
-              <a:rPr sz="1200" spc="5" dirty="0">
-                <a:latin typeface="Times New Roman"/>
-                <a:cs typeface="Times New Roman"/>
-              </a:rPr>
-              <a:t> </a:t>
-            </a:r>
-            <a:r>
-              <a:rPr sz="1200" spc="-5" dirty="0">
-                <a:latin typeface="Times New Roman"/>
+              <a:rPr sz="1100" spc="5" dirty="0">
+                <a:latin typeface="Ubuntu Sans" pitchFamily="2" charset="0"/>
+                <a:cs typeface="Times New Roman"/>
+              </a:rPr>
+              <a:t> </a:t>
+            </a:r>
+            <a:r>
+              <a:rPr sz="1100" spc="-5" dirty="0">
+                <a:latin typeface="Ubuntu Sans" pitchFamily="2" charset="0"/>
                 <a:cs typeface="Times New Roman"/>
               </a:rPr>
               <a:t>Social</a:t>
             </a:r>
             <a:r>
-              <a:rPr sz="1200" dirty="0">
-                <a:latin typeface="Times New Roman"/>
-                <a:cs typeface="Times New Roman"/>
-              </a:rPr>
-              <a:t> </a:t>
-            </a:r>
-            <a:r>
-              <a:rPr sz="1200" spc="-5" dirty="0">
-                <a:latin typeface="Times New Roman"/>
+              <a:rPr sz="1100" dirty="0">
+                <a:latin typeface="Ubuntu Sans" pitchFamily="2" charset="0"/>
+                <a:cs typeface="Times New Roman"/>
+              </a:rPr>
+              <a:t> </a:t>
+            </a:r>
+            <a:r>
+              <a:rPr sz="1100" spc="-5" dirty="0">
+                <a:latin typeface="Ubuntu Sans" pitchFamily="2" charset="0"/>
                 <a:cs typeface="Times New Roman"/>
               </a:rPr>
               <a:t>(DGEOCS)</a:t>
             </a:r>
             <a:r>
-              <a:rPr sz="1200" dirty="0">
-                <a:latin typeface="Times New Roman"/>
+              <a:rPr sz="1100" dirty="0">
+                <a:latin typeface="Ubuntu Sans" pitchFamily="2" charset="0"/>
                 <a:cs typeface="Times New Roman"/>
               </a:rPr>
               <a:t> du</a:t>
             </a:r>
             <a:r>
-              <a:rPr sz="1200" spc="5" dirty="0">
-                <a:latin typeface="Times New Roman"/>
-                <a:cs typeface="Times New Roman"/>
-              </a:rPr>
-              <a:t> </a:t>
-            </a:r>
-            <a:r>
-              <a:rPr sz="1200" spc="-5" dirty="0">
-                <a:latin typeface="Times New Roman"/>
+              <a:rPr sz="1100" spc="5" dirty="0">
+                <a:latin typeface="Ubuntu Sans" pitchFamily="2" charset="0"/>
+                <a:cs typeface="Times New Roman"/>
+              </a:rPr>
+              <a:t> </a:t>
+            </a:r>
+            <a:r>
+              <a:rPr sz="1100" spc="-5" dirty="0">
+                <a:latin typeface="Ubuntu Sans" pitchFamily="2" charset="0"/>
                 <a:cs typeface="Times New Roman"/>
               </a:rPr>
               <a:t>Ministère</a:t>
             </a:r>
             <a:r>
-              <a:rPr sz="1200" dirty="0">
-                <a:latin typeface="Times New Roman"/>
+              <a:rPr sz="1100" dirty="0">
+                <a:latin typeface="Ubuntu Sans" pitchFamily="2" charset="0"/>
                 <a:cs typeface="Times New Roman"/>
               </a:rPr>
               <a:t> du</a:t>
             </a:r>
             <a:r>
-              <a:rPr sz="1200" spc="5" dirty="0">
-                <a:latin typeface="Times New Roman"/>
-                <a:cs typeface="Times New Roman"/>
-              </a:rPr>
-              <a:t> </a:t>
-            </a:r>
-            <a:r>
-              <a:rPr sz="1200" dirty="0">
-                <a:latin typeface="Times New Roman"/>
+              <a:rPr sz="1100" spc="5" dirty="0">
+                <a:latin typeface="Ubuntu Sans" pitchFamily="2" charset="0"/>
+                <a:cs typeface="Times New Roman"/>
+              </a:rPr>
+              <a:t> </a:t>
+            </a:r>
+            <a:r>
+              <a:rPr sz="1100" dirty="0">
+                <a:latin typeface="Ubuntu Sans" pitchFamily="2" charset="0"/>
                 <a:cs typeface="Times New Roman"/>
               </a:rPr>
               <a:t>Plan</a:t>
             </a:r>
             <a:r>
-              <a:rPr sz="1200" spc="5" dirty="0">
-                <a:latin typeface="Times New Roman"/>
-                <a:cs typeface="Times New Roman"/>
-              </a:rPr>
-              <a:t> </a:t>
-            </a:r>
-            <a:r>
-              <a:rPr sz="1200" spc="-5" dirty="0">
-                <a:latin typeface="Times New Roman"/>
+              <a:rPr sz="1100" spc="5" dirty="0">
+                <a:latin typeface="Ubuntu Sans" pitchFamily="2" charset="0"/>
+                <a:cs typeface="Times New Roman"/>
+              </a:rPr>
+              <a:t> </a:t>
+            </a:r>
+            <a:r>
+              <a:rPr sz="1100" spc="-5" dirty="0">
+                <a:latin typeface="Ubuntu Sans" pitchFamily="2" charset="0"/>
                 <a:cs typeface="Times New Roman"/>
               </a:rPr>
               <a:t>et</a:t>
             </a:r>
             <a:r>
-              <a:rPr sz="1200" dirty="0">
-                <a:latin typeface="Times New Roman"/>
+              <a:rPr sz="1100" dirty="0">
+                <a:latin typeface="Ubuntu Sans" pitchFamily="2" charset="0"/>
                 <a:cs typeface="Times New Roman"/>
               </a:rPr>
               <a:t> du </a:t>
             </a:r>
             <a:r>
-              <a:rPr sz="1200" spc="-285" dirty="0">
-                <a:latin typeface="Times New Roman"/>
-                <a:cs typeface="Times New Roman"/>
-              </a:rPr>
-              <a:t> </a:t>
-            </a:r>
-            <a:r>
-              <a:rPr sz="1200" spc="-5" dirty="0">
-                <a:latin typeface="Times New Roman"/>
+              <a:rPr sz="1100" spc="-285" dirty="0">
+                <a:latin typeface="Ubuntu Sans" pitchFamily="2" charset="0"/>
+                <a:cs typeface="Times New Roman"/>
+              </a:rPr>
+              <a:t> </a:t>
+            </a:r>
+            <a:r>
+              <a:rPr sz="1100" spc="-5" dirty="0">
+                <a:latin typeface="Ubuntu Sans" pitchFamily="2" charset="0"/>
                 <a:cs typeface="Times New Roman"/>
               </a:rPr>
               <a:t>Développement</a:t>
             </a:r>
-            <a:endParaRPr sz="1200">
-              <a:latin typeface="Times New Roman"/>
+            <a:endParaRPr sz="1100">
+              <a:latin typeface="Ubuntu Sans" pitchFamily="2" charset="0"/>
               <a:cs typeface="Times New Roman"/>
             </a:endParaRPr>
           </a:p>
@@ -4056,7 +4131,7 @@
         <p:spPr>
           <a:xfrm>
             <a:off x="2842641" y="7277481"/>
-            <a:ext cx="3606165" cy="574040"/>
+            <a:ext cx="3606165" cy="702756"/>
           </a:xfrm>
           <a:prstGeom prst="rect">
             <a:avLst/>
@@ -4083,43 +4158,43 @@
               </a:tabLst>
             </a:pPr>
             <a:r>
-              <a:rPr sz="1200" b="1" u="heavy" spc="-5" dirty="0">
+              <a:rPr sz="1100" b="1" u="heavy" spc="-5" dirty="0">
                 <a:uFill>
                   <a:solidFill>
                     <a:srgbClr val="000000"/>
                   </a:solidFill>
                 </a:uFill>
-                <a:latin typeface="Times New Roman"/>
+                <a:latin typeface="Ubuntu Sans" pitchFamily="2" charset="0"/>
                 <a:cs typeface="Times New Roman"/>
               </a:rPr>
               <a:t>Année</a:t>
             </a:r>
             <a:r>
-              <a:rPr sz="1200" b="1" u="heavy" spc="-40" dirty="0">
+              <a:rPr sz="1100" b="1" u="heavy" spc="-40" dirty="0">
                 <a:uFill>
                   <a:solidFill>
                     <a:srgbClr val="000000"/>
                   </a:solidFill>
                 </a:uFill>
-                <a:latin typeface="Times New Roman"/>
-                <a:cs typeface="Times New Roman"/>
-              </a:rPr>
-              <a:t> </a:t>
-            </a:r>
-            <a:r>
-              <a:rPr sz="1200" b="1" u="heavy" dirty="0">
+                <a:latin typeface="Ubuntu Sans" pitchFamily="2" charset="0"/>
+                <a:cs typeface="Times New Roman"/>
+              </a:rPr>
+              <a:t> </a:t>
+            </a:r>
+            <a:r>
+              <a:rPr sz="1100" b="1" u="heavy" dirty="0">
                 <a:uFill>
                   <a:solidFill>
                     <a:srgbClr val="000000"/>
                   </a:solidFill>
                 </a:uFill>
-                <a:latin typeface="Times New Roman"/>
+                <a:latin typeface="Ubuntu Sans" pitchFamily="2" charset="0"/>
                 <a:cs typeface="Times New Roman"/>
               </a:rPr>
               <a:t>2021</a:t>
             </a:r>
-            <a:endParaRPr sz="1200">
-              <a:latin typeface="Times New Roman"/>
+            <a:endParaRPr sz="1100">
+              <a:latin typeface="Ubuntu Sans" pitchFamily="2" charset="0"/>
               <a:cs typeface="Times New Roman"/>
             </a:endParaRPr>
           </a:p>
@@ -4136,133 +4211,133 @@
               </a:tabLst>
             </a:pPr>
             <a:r>
-              <a:rPr sz="1200" dirty="0">
-                <a:latin typeface="Times New Roman"/>
+              <a:rPr sz="1100" dirty="0">
+                <a:latin typeface="Ubuntu Sans" pitchFamily="2" charset="0"/>
                 <a:cs typeface="Times New Roman"/>
               </a:rPr>
               <a:t>-	</a:t>
             </a:r>
             <a:r>
-              <a:rPr sz="1200" b="1" dirty="0">
-                <a:latin typeface="Times New Roman"/>
+              <a:rPr sz="1100" b="1" dirty="0">
+                <a:latin typeface="Ubuntu Sans" pitchFamily="2" charset="0"/>
                 <a:cs typeface="Times New Roman"/>
               </a:rPr>
               <a:t>02</a:t>
             </a:r>
             <a:r>
-              <a:rPr sz="1200" b="1" spc="185" dirty="0">
-                <a:latin typeface="Times New Roman"/>
-                <a:cs typeface="Times New Roman"/>
-              </a:rPr>
-              <a:t> </a:t>
-            </a:r>
-            <a:r>
-              <a:rPr sz="1200" b="1" spc="-5" dirty="0">
-                <a:latin typeface="Times New Roman"/>
+              <a:rPr sz="1100" b="1" spc="185" dirty="0">
+                <a:latin typeface="Ubuntu Sans" pitchFamily="2" charset="0"/>
+                <a:cs typeface="Times New Roman"/>
+              </a:rPr>
+              <a:t> </a:t>
+            </a:r>
+            <a:r>
+              <a:rPr sz="1100" b="1" spc="-5" dirty="0">
+                <a:latin typeface="Ubuntu Sans" pitchFamily="2" charset="0"/>
                 <a:cs typeface="Times New Roman"/>
               </a:rPr>
               <a:t>Août-</a:t>
             </a:r>
             <a:r>
-              <a:rPr sz="1200" b="1" spc="180" dirty="0">
-                <a:latin typeface="Times New Roman"/>
-                <a:cs typeface="Times New Roman"/>
-              </a:rPr>
-              <a:t> </a:t>
-            </a:r>
-            <a:r>
-              <a:rPr sz="1200" b="1" dirty="0">
-                <a:latin typeface="Times New Roman"/>
+              <a:rPr sz="1100" b="1" spc="180" dirty="0">
+                <a:latin typeface="Ubuntu Sans" pitchFamily="2" charset="0"/>
+                <a:cs typeface="Times New Roman"/>
+              </a:rPr>
+              <a:t> </a:t>
+            </a:r>
+            <a:r>
+              <a:rPr sz="1100" b="1" dirty="0">
+                <a:latin typeface="Ubuntu Sans" pitchFamily="2" charset="0"/>
                 <a:cs typeface="Times New Roman"/>
               </a:rPr>
               <a:t>29</a:t>
             </a:r>
             <a:r>
-              <a:rPr sz="1200" b="1" spc="175" dirty="0">
-                <a:latin typeface="Times New Roman"/>
-                <a:cs typeface="Times New Roman"/>
-              </a:rPr>
-              <a:t> </a:t>
-            </a:r>
-            <a:r>
-              <a:rPr sz="1200" b="1" spc="-5" dirty="0">
-                <a:latin typeface="Times New Roman"/>
+              <a:rPr sz="1100" b="1" spc="175" dirty="0">
+                <a:latin typeface="Ubuntu Sans" pitchFamily="2" charset="0"/>
+                <a:cs typeface="Times New Roman"/>
+              </a:rPr>
+              <a:t> </a:t>
+            </a:r>
+            <a:r>
+              <a:rPr sz="1100" b="1" spc="-5" dirty="0">
+                <a:latin typeface="Ubuntu Sans" pitchFamily="2" charset="0"/>
                 <a:cs typeface="Times New Roman"/>
               </a:rPr>
               <a:t>Octobre</a:t>
             </a:r>
             <a:r>
-              <a:rPr sz="1200" b="1" spc="180" dirty="0">
-                <a:latin typeface="Times New Roman"/>
-                <a:cs typeface="Times New Roman"/>
-              </a:rPr>
-              <a:t> </a:t>
-            </a:r>
-            <a:r>
-              <a:rPr sz="1200" b="1" dirty="0">
-                <a:latin typeface="Times New Roman"/>
+              <a:rPr sz="1100" b="1" spc="180" dirty="0">
+                <a:latin typeface="Ubuntu Sans" pitchFamily="2" charset="0"/>
+                <a:cs typeface="Times New Roman"/>
+              </a:rPr>
+              <a:t> </a:t>
+            </a:r>
+            <a:r>
+              <a:rPr sz="1100" b="1" dirty="0">
+                <a:latin typeface="Ubuntu Sans" pitchFamily="2" charset="0"/>
                 <a:cs typeface="Times New Roman"/>
               </a:rPr>
               <a:t>:</a:t>
             </a:r>
             <a:r>
-              <a:rPr sz="1200" b="1" spc="195" dirty="0">
-                <a:latin typeface="Times New Roman"/>
-                <a:cs typeface="Times New Roman"/>
-              </a:rPr>
-              <a:t> </a:t>
-            </a:r>
-            <a:r>
-              <a:rPr sz="1200" spc="-5" dirty="0">
-                <a:latin typeface="Times New Roman"/>
+              <a:rPr sz="1100" b="1" spc="195" dirty="0">
+                <a:latin typeface="Ubuntu Sans" pitchFamily="2" charset="0"/>
+                <a:cs typeface="Times New Roman"/>
+              </a:rPr>
+              <a:t> </a:t>
+            </a:r>
+            <a:r>
+              <a:rPr sz="1100" spc="-5" dirty="0">
+                <a:latin typeface="Ubuntu Sans" pitchFamily="2" charset="0"/>
                 <a:cs typeface="Times New Roman"/>
               </a:rPr>
               <a:t>Stage</a:t>
             </a:r>
             <a:r>
-              <a:rPr sz="1200" spc="195" dirty="0">
-                <a:latin typeface="Times New Roman"/>
-                <a:cs typeface="Times New Roman"/>
-              </a:rPr>
-              <a:t> </a:t>
-            </a:r>
-            <a:r>
-              <a:rPr sz="1200" dirty="0">
-                <a:latin typeface="Times New Roman"/>
+              <a:rPr sz="1100" spc="195" dirty="0">
+                <a:latin typeface="Ubuntu Sans" pitchFamily="2" charset="0"/>
+                <a:cs typeface="Times New Roman"/>
+              </a:rPr>
+              <a:t> </a:t>
+            </a:r>
+            <a:r>
+              <a:rPr sz="1100" dirty="0">
+                <a:latin typeface="Ubuntu Sans" pitchFamily="2" charset="0"/>
                 <a:cs typeface="Times New Roman"/>
               </a:rPr>
               <a:t>académique</a:t>
             </a:r>
             <a:r>
-              <a:rPr sz="1200" spc="165" dirty="0">
-                <a:latin typeface="Times New Roman"/>
-                <a:cs typeface="Times New Roman"/>
-              </a:rPr>
-              <a:t> </a:t>
-            </a:r>
-            <a:r>
-              <a:rPr sz="1200" spc="5" dirty="0">
-                <a:latin typeface="Times New Roman"/>
+              <a:rPr sz="1100" spc="165" dirty="0">
+                <a:latin typeface="Ubuntu Sans" pitchFamily="2" charset="0"/>
+                <a:cs typeface="Times New Roman"/>
+              </a:rPr>
+              <a:t> </a:t>
+            </a:r>
+            <a:r>
+              <a:rPr sz="1100" spc="5" dirty="0">
+                <a:latin typeface="Ubuntu Sans" pitchFamily="2" charset="0"/>
                 <a:cs typeface="Times New Roman"/>
               </a:rPr>
               <a:t>de</a:t>
             </a:r>
             <a:r>
-              <a:rPr sz="1200" spc="185" dirty="0">
-                <a:latin typeface="Times New Roman"/>
-                <a:cs typeface="Times New Roman"/>
-              </a:rPr>
-              <a:t> </a:t>
-            </a:r>
-            <a:r>
-              <a:rPr sz="1200" dirty="0">
-                <a:latin typeface="Times New Roman"/>
+              <a:rPr sz="1100" spc="185" dirty="0">
+                <a:latin typeface="Ubuntu Sans" pitchFamily="2" charset="0"/>
+                <a:cs typeface="Times New Roman"/>
+              </a:rPr>
+              <a:t> </a:t>
+            </a:r>
+            <a:r>
+              <a:rPr sz="1100" dirty="0">
+                <a:latin typeface="Ubuntu Sans" pitchFamily="2" charset="0"/>
                 <a:cs typeface="Times New Roman"/>
               </a:rPr>
               <a:t>03</a:t>
             </a:r>
-            <a:endParaRPr sz="1200">
-              <a:latin typeface="Times New Roman"/>
+            <a:endParaRPr sz="1100">
+              <a:latin typeface="Ubuntu Sans" pitchFamily="2" charset="0"/>
               <a:cs typeface="Times New Roman"/>
             </a:endParaRPr>
           </a:p>
@@ -4277,7 +4352,7 @@
         <p:spPr>
           <a:xfrm>
             <a:off x="2842641" y="7917586"/>
-            <a:ext cx="2877185" cy="208279"/>
+            <a:ext cx="2877185" cy="182101"/>
           </a:xfrm>
           <a:prstGeom prst="rect">
             <a:avLst/>
@@ -4298,112 +4373,112 @@
               </a:spcBef>
             </a:pPr>
             <a:r>
-              <a:rPr sz="1200" dirty="0">
-                <a:latin typeface="Times New Roman"/>
+              <a:rPr sz="1100" dirty="0">
+                <a:latin typeface="Ubuntu Sans" pitchFamily="2" charset="0"/>
                 <a:cs typeface="Times New Roman"/>
               </a:rPr>
               <a:t>mois</a:t>
             </a:r>
             <a:r>
-              <a:rPr sz="1200" spc="-5" dirty="0">
-                <a:latin typeface="Times New Roman"/>
-                <a:cs typeface="Times New Roman"/>
-              </a:rPr>
-              <a:t> </a:t>
-            </a:r>
-            <a:r>
-              <a:rPr sz="1200" dirty="0">
-                <a:latin typeface="Times New Roman"/>
+              <a:rPr sz="1100" spc="-5" dirty="0">
+                <a:latin typeface="Ubuntu Sans" pitchFamily="2" charset="0"/>
+                <a:cs typeface="Times New Roman"/>
+              </a:rPr>
+              <a:t> </a:t>
+            </a:r>
+            <a:r>
+              <a:rPr sz="1100" dirty="0">
+                <a:latin typeface="Ubuntu Sans" pitchFamily="2" charset="0"/>
                 <a:cs typeface="Times New Roman"/>
               </a:rPr>
               <a:t>à</a:t>
             </a:r>
             <a:r>
-              <a:rPr sz="1200" spc="5" dirty="0">
-                <a:latin typeface="Times New Roman"/>
-                <a:cs typeface="Times New Roman"/>
-              </a:rPr>
-              <a:t> </a:t>
-            </a:r>
-            <a:r>
-              <a:rPr sz="1200" dirty="0">
-                <a:latin typeface="Times New Roman"/>
+              <a:rPr sz="1100" spc="5" dirty="0">
+                <a:latin typeface="Ubuntu Sans" pitchFamily="2" charset="0"/>
+                <a:cs typeface="Times New Roman"/>
+              </a:rPr>
+              <a:t> </a:t>
+            </a:r>
+            <a:r>
+              <a:rPr sz="1100" dirty="0">
+                <a:latin typeface="Ubuntu Sans" pitchFamily="2" charset="0"/>
                 <a:cs typeface="Times New Roman"/>
               </a:rPr>
               <a:t>la</a:t>
             </a:r>
             <a:r>
-              <a:rPr sz="1200" spc="590" dirty="0">
-                <a:latin typeface="Times New Roman"/>
-                <a:cs typeface="Times New Roman"/>
-              </a:rPr>
-              <a:t> </a:t>
-            </a:r>
-            <a:r>
-              <a:rPr sz="1200" spc="-5" dirty="0">
-                <a:latin typeface="Times New Roman"/>
+              <a:rPr sz="1100" spc="590" dirty="0">
+                <a:latin typeface="Ubuntu Sans" pitchFamily="2" charset="0"/>
+                <a:cs typeface="Times New Roman"/>
+              </a:rPr>
+              <a:t> </a:t>
+            </a:r>
+            <a:r>
+              <a:rPr sz="1100" spc="-5" dirty="0">
+                <a:latin typeface="Ubuntu Sans" pitchFamily="2" charset="0"/>
                 <a:cs typeface="Times New Roman"/>
               </a:rPr>
               <a:t>Direction</a:t>
             </a:r>
             <a:r>
-              <a:rPr sz="1200" spc="40" dirty="0">
-                <a:latin typeface="Times New Roman"/>
-                <a:cs typeface="Times New Roman"/>
-              </a:rPr>
-              <a:t> </a:t>
-            </a:r>
-            <a:r>
-              <a:rPr sz="1200" spc="-5" dirty="0">
-                <a:latin typeface="Times New Roman"/>
+              <a:rPr sz="1100" spc="40" dirty="0">
+                <a:latin typeface="Ubuntu Sans" pitchFamily="2" charset="0"/>
+                <a:cs typeface="Times New Roman"/>
+              </a:rPr>
+              <a:t> </a:t>
+            </a:r>
+            <a:r>
+              <a:rPr sz="1100" spc="-5" dirty="0">
+                <a:latin typeface="Ubuntu Sans" pitchFamily="2" charset="0"/>
                 <a:cs typeface="Times New Roman"/>
               </a:rPr>
               <a:t>Générale</a:t>
             </a:r>
             <a:r>
-              <a:rPr sz="1200" spc="25" dirty="0">
-                <a:latin typeface="Times New Roman"/>
-                <a:cs typeface="Times New Roman"/>
-              </a:rPr>
-              <a:t> </a:t>
-            </a:r>
-            <a:r>
-              <a:rPr sz="1200" dirty="0">
-                <a:latin typeface="Times New Roman"/>
+              <a:rPr sz="1100" spc="25" dirty="0">
+                <a:latin typeface="Ubuntu Sans" pitchFamily="2" charset="0"/>
+                <a:cs typeface="Times New Roman"/>
+              </a:rPr>
+              <a:t> </a:t>
+            </a:r>
+            <a:r>
+              <a:rPr sz="1100" dirty="0">
+                <a:latin typeface="Ubuntu Sans" pitchFamily="2" charset="0"/>
                 <a:cs typeface="Times New Roman"/>
               </a:rPr>
               <a:t>de</a:t>
             </a:r>
             <a:r>
-              <a:rPr sz="1200" spc="5" dirty="0">
-                <a:latin typeface="Times New Roman"/>
-                <a:cs typeface="Times New Roman"/>
-              </a:rPr>
-              <a:t> </a:t>
-            </a:r>
-            <a:r>
-              <a:rPr sz="1200" spc="-5" dirty="0">
-                <a:latin typeface="Times New Roman"/>
+              <a:rPr sz="1100" spc="5" dirty="0">
+                <a:latin typeface="Ubuntu Sans" pitchFamily="2" charset="0"/>
+                <a:cs typeface="Times New Roman"/>
+              </a:rPr>
+              <a:t> </a:t>
+            </a:r>
+            <a:r>
+              <a:rPr sz="1100" spc="-5" dirty="0">
+                <a:latin typeface="Ubuntu Sans" pitchFamily="2" charset="0"/>
                 <a:cs typeface="Times New Roman"/>
               </a:rPr>
               <a:t>l’Economie</a:t>
             </a:r>
             <a:r>
-              <a:rPr sz="1200" spc="30" dirty="0">
-                <a:latin typeface="Times New Roman"/>
-                <a:cs typeface="Times New Roman"/>
-              </a:rPr>
-              <a:t> </a:t>
-            </a:r>
-            <a:r>
-              <a:rPr sz="1200" dirty="0">
-                <a:latin typeface="Times New Roman"/>
+              <a:rPr sz="1100" spc="30" dirty="0">
+                <a:latin typeface="Ubuntu Sans" pitchFamily="2" charset="0"/>
+                <a:cs typeface="Times New Roman"/>
+              </a:rPr>
+              <a:t> </a:t>
+            </a:r>
+            <a:r>
+              <a:rPr sz="1100" dirty="0">
+                <a:latin typeface="Ubuntu Sans" pitchFamily="2" charset="0"/>
                 <a:cs typeface="Times New Roman"/>
               </a:rPr>
               <a:t>;</a:t>
             </a:r>
-            <a:endParaRPr sz="1200">
-              <a:latin typeface="Times New Roman"/>
+            <a:endParaRPr sz="1100">
+              <a:latin typeface="Ubuntu Sans" pitchFamily="2" charset="0"/>
               <a:cs typeface="Times New Roman"/>
             </a:endParaRPr>
           </a:p>
@@ -4418,7 +4493,7 @@
         <p:spPr>
           <a:xfrm>
             <a:off x="2842641" y="8191906"/>
-            <a:ext cx="3606800" cy="208279"/>
+            <a:ext cx="3606800" cy="182101"/>
           </a:xfrm>
           <a:prstGeom prst="rect">
             <a:avLst/>
@@ -4442,126 +4517,126 @@
               </a:tabLst>
             </a:pPr>
             <a:r>
-              <a:rPr sz="1200" dirty="0">
-                <a:latin typeface="Times New Roman"/>
+              <a:rPr sz="1100" dirty="0">
+                <a:latin typeface="Ubuntu Sans" pitchFamily="2" charset="0"/>
                 <a:cs typeface="Times New Roman"/>
               </a:rPr>
               <a:t>-	</a:t>
             </a:r>
             <a:r>
-              <a:rPr sz="1200" b="1" spc="-30" dirty="0">
-                <a:latin typeface="Times New Roman"/>
+              <a:rPr sz="1100" b="1" spc="-30" dirty="0">
+                <a:latin typeface="Ubuntu Sans" pitchFamily="2" charset="0"/>
                 <a:cs typeface="Times New Roman"/>
               </a:rPr>
               <a:t>11</a:t>
             </a:r>
             <a:r>
-              <a:rPr sz="1200" b="1" spc="10" dirty="0">
-                <a:latin typeface="Times New Roman"/>
-                <a:cs typeface="Times New Roman"/>
-              </a:rPr>
-              <a:t> </a:t>
-            </a:r>
-            <a:r>
-              <a:rPr sz="1200" b="1" spc="-5" dirty="0">
-                <a:latin typeface="Times New Roman"/>
+              <a:rPr sz="1100" b="1" spc="10" dirty="0">
+                <a:latin typeface="Ubuntu Sans" pitchFamily="2" charset="0"/>
+                <a:cs typeface="Times New Roman"/>
+              </a:rPr>
+              <a:t> </a:t>
+            </a:r>
+            <a:r>
+              <a:rPr sz="1100" b="1" spc="-5" dirty="0">
+                <a:latin typeface="Ubuntu Sans" pitchFamily="2" charset="0"/>
                 <a:cs typeface="Times New Roman"/>
               </a:rPr>
               <a:t>Novembre</a:t>
             </a:r>
             <a:r>
-              <a:rPr sz="1200" b="1" spc="15" dirty="0">
-                <a:latin typeface="Times New Roman"/>
-                <a:cs typeface="Times New Roman"/>
-              </a:rPr>
-              <a:t> </a:t>
-            </a:r>
-            <a:r>
-              <a:rPr sz="1200" b="1" dirty="0">
-                <a:latin typeface="Times New Roman"/>
+              <a:rPr sz="1100" b="1" spc="15" dirty="0">
+                <a:latin typeface="Ubuntu Sans" pitchFamily="2" charset="0"/>
+                <a:cs typeface="Times New Roman"/>
+              </a:rPr>
+              <a:t> </a:t>
+            </a:r>
+            <a:r>
+              <a:rPr sz="1100" b="1" dirty="0">
+                <a:latin typeface="Ubuntu Sans" pitchFamily="2" charset="0"/>
                 <a:cs typeface="Times New Roman"/>
               </a:rPr>
               <a:t>–</a:t>
             </a:r>
             <a:r>
-              <a:rPr sz="1200" b="1" spc="10" dirty="0">
-                <a:latin typeface="Times New Roman"/>
-                <a:cs typeface="Times New Roman"/>
-              </a:rPr>
-              <a:t> </a:t>
-            </a:r>
-            <a:r>
-              <a:rPr sz="1200" b="1" dirty="0">
-                <a:latin typeface="Times New Roman"/>
+              <a:rPr sz="1100" b="1" spc="10" dirty="0">
+                <a:latin typeface="Ubuntu Sans" pitchFamily="2" charset="0"/>
+                <a:cs typeface="Times New Roman"/>
+              </a:rPr>
+              <a:t> </a:t>
+            </a:r>
+            <a:r>
+              <a:rPr sz="1100" b="1" dirty="0">
+                <a:latin typeface="Ubuntu Sans" pitchFamily="2" charset="0"/>
                 <a:cs typeface="Times New Roman"/>
               </a:rPr>
               <a:t>30</a:t>
             </a:r>
             <a:r>
-              <a:rPr sz="1200" b="1" spc="10" dirty="0">
-                <a:latin typeface="Times New Roman"/>
-                <a:cs typeface="Times New Roman"/>
-              </a:rPr>
-              <a:t> </a:t>
-            </a:r>
-            <a:r>
-              <a:rPr sz="1200" b="1" spc="-5" dirty="0">
-                <a:latin typeface="Times New Roman"/>
+              <a:rPr sz="1100" b="1" spc="10" dirty="0">
+                <a:latin typeface="Ubuntu Sans" pitchFamily="2" charset="0"/>
+                <a:cs typeface="Times New Roman"/>
+              </a:rPr>
+              <a:t> </a:t>
+            </a:r>
+            <a:r>
+              <a:rPr sz="1100" b="1" spc="-5" dirty="0">
+                <a:latin typeface="Ubuntu Sans" pitchFamily="2" charset="0"/>
                 <a:cs typeface="Times New Roman"/>
               </a:rPr>
               <a:t>Novembre</a:t>
             </a:r>
             <a:r>
-              <a:rPr sz="1200" b="1" spc="20" dirty="0">
-                <a:latin typeface="Times New Roman"/>
-                <a:cs typeface="Times New Roman"/>
-              </a:rPr>
-              <a:t> </a:t>
-            </a:r>
-            <a:r>
-              <a:rPr sz="1200" b="1" dirty="0">
-                <a:latin typeface="Times New Roman"/>
+              <a:rPr sz="1100" b="1" spc="20" dirty="0">
+                <a:latin typeface="Ubuntu Sans" pitchFamily="2" charset="0"/>
+                <a:cs typeface="Times New Roman"/>
+              </a:rPr>
+              <a:t> </a:t>
+            </a:r>
+            <a:r>
+              <a:rPr sz="1100" b="1" dirty="0">
+                <a:latin typeface="Ubuntu Sans" pitchFamily="2" charset="0"/>
                 <a:cs typeface="Times New Roman"/>
               </a:rPr>
               <a:t>:</a:t>
             </a:r>
             <a:r>
-              <a:rPr sz="1200" b="1" spc="10" dirty="0">
-                <a:latin typeface="Times New Roman"/>
-                <a:cs typeface="Times New Roman"/>
-              </a:rPr>
-              <a:t> </a:t>
-            </a:r>
-            <a:r>
-              <a:rPr sz="1200" dirty="0">
-                <a:latin typeface="Times New Roman"/>
+              <a:rPr sz="1100" b="1" spc="10" dirty="0">
+                <a:latin typeface="Ubuntu Sans" pitchFamily="2" charset="0"/>
+                <a:cs typeface="Times New Roman"/>
+              </a:rPr>
+              <a:t> </a:t>
+            </a:r>
+            <a:r>
+              <a:rPr sz="1100" dirty="0">
+                <a:latin typeface="Ubuntu Sans" pitchFamily="2" charset="0"/>
                 <a:cs typeface="Times New Roman"/>
               </a:rPr>
               <a:t>Enquêteur</a:t>
             </a:r>
             <a:r>
-              <a:rPr sz="1200" spc="10" dirty="0">
-                <a:latin typeface="Times New Roman"/>
-                <a:cs typeface="Times New Roman"/>
-              </a:rPr>
-              <a:t> </a:t>
-            </a:r>
-            <a:r>
-              <a:rPr sz="1200" dirty="0">
-                <a:latin typeface="Times New Roman"/>
+              <a:rPr sz="1100" spc="10" dirty="0">
+                <a:latin typeface="Ubuntu Sans" pitchFamily="2" charset="0"/>
+                <a:cs typeface="Times New Roman"/>
+              </a:rPr>
+              <a:t> </a:t>
+            </a:r>
+            <a:r>
+              <a:rPr sz="1100" dirty="0">
+                <a:latin typeface="Ubuntu Sans" pitchFamily="2" charset="0"/>
                 <a:cs typeface="Times New Roman"/>
               </a:rPr>
               <a:t>pour</a:t>
             </a:r>
             <a:r>
-              <a:rPr sz="1200" spc="10" dirty="0">
-                <a:latin typeface="Times New Roman"/>
+              <a:rPr sz="1100" spc="10" dirty="0">
+                <a:latin typeface="Ubuntu Sans" pitchFamily="2" charset="0"/>
                 <a:cs typeface="Times New Roman"/>
               </a:rPr>
               <a:t> le</a:t>
             </a:r>
-            <a:endParaRPr sz="1200">
-              <a:latin typeface="Times New Roman"/>
+            <a:endParaRPr sz="1100">
+              <a:latin typeface="Ubuntu Sans" pitchFamily="2" charset="0"/>
               <a:cs typeface="Times New Roman"/>
             </a:endParaRPr>
           </a:p>
@@ -4576,7 +4651,7 @@
         <p:spPr>
           <a:xfrm>
             <a:off x="2842641" y="8466531"/>
-            <a:ext cx="1487170" cy="208279"/>
+            <a:ext cx="1487170" cy="182101"/>
           </a:xfrm>
           <a:prstGeom prst="rect">
             <a:avLst/>
@@ -4597,42 +4672,42 @@
               </a:spcBef>
             </a:pPr>
             <a:r>
-              <a:rPr sz="1200" spc="-5" dirty="0">
-                <a:latin typeface="Times New Roman"/>
+              <a:rPr sz="1100" spc="-5" dirty="0">
+                <a:latin typeface="Ubuntu Sans" pitchFamily="2" charset="0"/>
                 <a:cs typeface="Times New Roman"/>
               </a:rPr>
               <a:t>cabinet</a:t>
             </a:r>
             <a:r>
-              <a:rPr sz="1200" spc="15" dirty="0">
-                <a:latin typeface="Times New Roman"/>
-                <a:cs typeface="Times New Roman"/>
-              </a:rPr>
-              <a:t> </a:t>
-            </a:r>
-            <a:r>
-              <a:rPr sz="1200" spc="-5" dirty="0">
-                <a:latin typeface="Times New Roman"/>
+              <a:rPr sz="1100" spc="15" dirty="0">
+                <a:latin typeface="Ubuntu Sans" pitchFamily="2" charset="0"/>
+                <a:cs typeface="Times New Roman"/>
+              </a:rPr>
+              <a:t> </a:t>
+            </a:r>
+            <a:r>
+              <a:rPr sz="1100" spc="-5" dirty="0">
+                <a:latin typeface="Ubuntu Sans" pitchFamily="2" charset="0"/>
                 <a:cs typeface="Times New Roman"/>
               </a:rPr>
               <a:t>régional</a:t>
             </a:r>
             <a:r>
-              <a:rPr sz="1200" spc="20" dirty="0">
-                <a:latin typeface="Times New Roman"/>
-                <a:cs typeface="Times New Roman"/>
-              </a:rPr>
-              <a:t> </a:t>
-            </a:r>
-            <a:r>
-              <a:rPr sz="1200" spc="-5" dirty="0">
-                <a:latin typeface="Times New Roman"/>
+              <a:rPr sz="1100" spc="20" dirty="0">
+                <a:latin typeface="Ubuntu Sans" pitchFamily="2" charset="0"/>
+                <a:cs typeface="Times New Roman"/>
+              </a:rPr>
+              <a:t> </a:t>
+            </a:r>
+            <a:r>
+              <a:rPr sz="1100" spc="-5" dirty="0">
+                <a:latin typeface="Ubuntu Sans" pitchFamily="2" charset="0"/>
                 <a:cs typeface="Times New Roman"/>
               </a:rPr>
               <a:t>KPMG</a:t>
             </a:r>
-            <a:endParaRPr sz="1200">
-              <a:latin typeface="Times New Roman"/>
+            <a:endParaRPr sz="1100">
+              <a:latin typeface="Ubuntu Sans" pitchFamily="2" charset="0"/>
               <a:cs typeface="Times New Roman"/>
             </a:endParaRPr>
           </a:p>
@@ -4647,9 +4722,9 @@
         <p:grpSpPr>
           <a:xfrm>
             <a:off x="419100" y="68580"/>
-            <a:ext cx="2203323" cy="8581642"/>
+            <a:ext cx="2203323" cy="8706338"/>
             <a:chOff x="419100" y="68580"/>
-            <a:chExt cx="2203323" cy="8581642"/>
+            <a:chExt cx="2203323" cy="8706338"/>
           </a:xfrm>
         </p:grpSpPr>
         <p:sp>
@@ -4690,7 +4765,9 @@
             <a:bodyPr wrap="square" lIns="0" tIns="0" rIns="0" bIns="0" rtlCol="0"/>
             <a:lstStyle/>
             <a:p>
-              <a:endParaRPr/>
+              <a:endParaRPr sz="1600">
+                <a:latin typeface="Ubuntu Sans" pitchFamily="2" charset="0"/>
+              </a:endParaRPr>
             </a:p>
           </p:txBody>
         </p:sp>
@@ -5282,10 +5359,34 @@
             <a:bodyPr wrap="square" lIns="0" tIns="0" rIns="0" bIns="0" rtlCol="0"/>
             <a:lstStyle/>
             <a:p>
-              <a:endParaRPr/>
+              <a:endParaRPr sz="1600">
+                <a:latin typeface="Ubuntu Sans" pitchFamily="2" charset="0"/>
+              </a:endParaRPr>
             </a:p>
           </p:txBody>
         </p:sp>
+        <p:pic>
+          <p:nvPicPr>
+            <p:cNvPr id="49" name="object 49"/>
+            <p:cNvPicPr/>
+            <p:nvPr/>
+          </p:nvPicPr>
+          <p:blipFill>
+            <a:blip r:embed="rId13" cstate="print"/>
+            <a:stretch>
+              <a:fillRect/>
+            </a:stretch>
+          </p:blipFill>
+          <p:spPr>
+            <a:xfrm>
+              <a:off x="713231" y="7155180"/>
+              <a:ext cx="195072" cy="195072"/>
+            </a:xfrm>
+            <a:prstGeom prst="rect">
+              <a:avLst/>
+            </a:prstGeom>
+          </p:spPr>
+        </p:pic>
         <p:pic>
           <p:nvPicPr>
             <p:cNvPr id="50" name="object 50"/>
@@ -5293,7 +5394,7 @@
             <p:nvPr/>
           </p:nvPicPr>
           <p:blipFill>
-            <a:blip r:embed="rId13" cstate="print"/>
+            <a:blip r:embed="rId14" cstate="print"/>
             <a:stretch>
               <a:fillRect/>
             </a:stretch>
@@ -5315,7 +5416,7 @@
             <p:nvPr/>
           </p:nvPicPr>
           <p:blipFill>
-            <a:blip r:embed="rId14" cstate="print"/>
+            <a:blip r:embed="rId15" cstate="print"/>
             <a:stretch>
               <a:fillRect/>
             </a:stretch>
@@ -5337,7 +5438,7 @@
             <p:nvPr/>
           </p:nvPicPr>
           <p:blipFill>
-            <a:blip r:embed="rId15" cstate="print"/>
+            <a:blip r:embed="rId16" cstate="print"/>
             <a:stretch>
               <a:fillRect/>
             </a:stretch>
@@ -5359,7 +5460,7 @@
             <p:nvPr/>
           </p:nvPicPr>
           <p:blipFill>
-            <a:blip r:embed="rId16" cstate="print"/>
+            <a:blip r:embed="rId17" cstate="print"/>
             <a:stretch>
               <a:fillRect/>
             </a:stretch>
@@ -5381,7 +5482,7 @@
             <p:nvPr/>
           </p:nvPicPr>
           <p:blipFill>
-            <a:blip r:embed="rId17" cstate="print"/>
+            <a:blip r:embed="rId18" cstate="print"/>
             <a:stretch>
               <a:fillRect/>
             </a:stretch>
@@ -5403,7 +5504,7 @@
             <p:nvPr/>
           </p:nvPicPr>
           <p:blipFill>
-            <a:blip r:embed="rId18" cstate="print"/>
+            <a:blip r:embed="rId19" cstate="print"/>
             <a:stretch>
               <a:fillRect/>
             </a:stretch>
@@ -5425,14 +5526,14 @@
             <p:nvPr/>
           </p:nvPicPr>
           <p:blipFill>
-            <a:blip r:embed="rId19" cstate="print"/>
+            <a:blip r:embed="rId20" cstate="print"/>
             <a:stretch>
               <a:fillRect/>
             </a:stretch>
           </p:blipFill>
           <p:spPr>
             <a:xfrm>
-              <a:off x="723900" y="7549642"/>
+              <a:off x="684528" y="7780019"/>
               <a:ext cx="192024" cy="192024"/>
             </a:xfrm>
             <a:prstGeom prst="rect">
@@ -5447,14 +5548,14 @@
             <p:nvPr/>
           </p:nvPicPr>
           <p:blipFill>
-            <a:blip r:embed="rId20" cstate="print"/>
+            <a:blip r:embed="rId21" cstate="print"/>
             <a:stretch>
               <a:fillRect/>
             </a:stretch>
           </p:blipFill>
           <p:spPr>
             <a:xfrm>
-              <a:off x="716281" y="7765034"/>
+              <a:off x="699515" y="7956805"/>
               <a:ext cx="170687" cy="170687"/>
             </a:xfrm>
             <a:prstGeom prst="rect">
@@ -5469,14 +5570,14 @@
             <p:nvPr/>
           </p:nvPicPr>
           <p:blipFill>
-            <a:blip r:embed="rId21" cstate="print"/>
+            <a:blip r:embed="rId22" cstate="print"/>
             <a:stretch>
               <a:fillRect/>
             </a:stretch>
           </p:blipFill>
           <p:spPr>
             <a:xfrm>
-              <a:off x="524255" y="7152131"/>
+              <a:off x="545592" y="7345680"/>
               <a:ext cx="370332" cy="184403"/>
             </a:xfrm>
             <a:prstGeom prst="rect">
@@ -5491,14 +5592,14 @@
             <p:nvPr/>
           </p:nvPicPr>
           <p:blipFill>
-            <a:blip r:embed="rId22" cstate="print"/>
+            <a:blip r:embed="rId23" cstate="print"/>
             <a:stretch>
               <a:fillRect/>
             </a:stretch>
           </p:blipFill>
           <p:spPr>
             <a:xfrm>
-              <a:off x="754381" y="8289797"/>
+              <a:off x="730758" y="8412206"/>
               <a:ext cx="132587" cy="132587"/>
             </a:xfrm>
             <a:prstGeom prst="rect">
@@ -5513,14 +5614,14 @@
             <p:nvPr/>
           </p:nvPicPr>
           <p:blipFill>
-            <a:blip r:embed="rId23" cstate="print"/>
+            <a:blip r:embed="rId24" cstate="print"/>
             <a:stretch>
               <a:fillRect/>
             </a:stretch>
           </p:blipFill>
           <p:spPr>
             <a:xfrm>
-              <a:off x="703073" y="8441434"/>
+              <a:off x="697991" y="8566130"/>
               <a:ext cx="207264" cy="208788"/>
             </a:xfrm>
             <a:prstGeom prst="rect">
@@ -5535,7 +5636,7 @@
             <p:nvPr/>
           </p:nvPicPr>
           <p:blipFill>
-            <a:blip r:embed="rId24" cstate="print"/>
+            <a:blip r:embed="rId25" cstate="print"/>
             <a:stretch>
               <a:fillRect/>
             </a:stretch>
@@ -5557,7 +5658,7 @@
             <p:nvPr/>
           </p:nvPicPr>
           <p:blipFill>
-            <a:blip r:embed="rId25" cstate="print"/>
+            <a:blip r:embed="rId26" cstate="print"/>
             <a:stretch>
               <a:fillRect/>
             </a:stretch>
@@ -5619,7 +5720,9 @@
           <a:bodyPr wrap="square" lIns="0" tIns="0" rIns="0" bIns="0" rtlCol="0"/>
           <a:lstStyle/>
           <a:p>
-            <a:endParaRPr/>
+            <a:endParaRPr sz="1600">
+              <a:latin typeface="Ubuntu Sans" pitchFamily="2" charset="0"/>
+            </a:endParaRPr>
           </a:p>
         </p:txBody>
       </p:sp>
@@ -5632,7 +5735,7 @@
         <p:spPr>
           <a:xfrm>
             <a:off x="2681097" y="0"/>
-            <a:ext cx="3945254" cy="1308735"/>
+            <a:ext cx="3945254" cy="1209947"/>
           </a:xfrm>
           <a:prstGeom prst="rect">
             <a:avLst/>
@@ -5653,37 +5756,37 @@
               </a:spcBef>
             </a:pPr>
             <a:r>
-              <a:rPr sz="1200" b="1" spc="-5" dirty="0">
+              <a:rPr sz="1100" b="1" spc="-5" dirty="0">
                 <a:solidFill>
                   <a:srgbClr val="2E5496"/>
                 </a:solidFill>
-                <a:latin typeface="Times New Roman"/>
+                <a:latin typeface="Ubuntu Sans" pitchFamily="2" charset="0"/>
                 <a:cs typeface="Times New Roman"/>
               </a:rPr>
               <a:t>CURRICULUM</a:t>
             </a:r>
             <a:r>
-              <a:rPr sz="1200" b="1" spc="-65" dirty="0">
+              <a:rPr sz="1100" b="1" spc="-65" dirty="0">
                 <a:solidFill>
                   <a:srgbClr val="2E5496"/>
                 </a:solidFill>
-                <a:latin typeface="Times New Roman"/>
-                <a:cs typeface="Times New Roman"/>
-              </a:rPr>
-              <a:t> </a:t>
-            </a:r>
-            <a:r>
-              <a:rPr sz="1200" b="1" spc="-20" dirty="0">
+                <a:latin typeface="Ubuntu Sans" pitchFamily="2" charset="0"/>
+                <a:cs typeface="Times New Roman"/>
+              </a:rPr>
+              <a:t> </a:t>
+            </a:r>
+            <a:r>
+              <a:rPr sz="1100" b="1" spc="-20" dirty="0">
                 <a:solidFill>
                   <a:srgbClr val="2E5496"/>
                 </a:solidFill>
-                <a:latin typeface="Times New Roman"/>
+                <a:latin typeface="Ubuntu Sans" pitchFamily="2" charset="0"/>
                 <a:cs typeface="Times New Roman"/>
               </a:rPr>
               <a:t>VITAE</a:t>
             </a:r>
-            <a:endParaRPr sz="1200">
-              <a:latin typeface="Times New Roman"/>
+            <a:endParaRPr sz="1100">
+              <a:latin typeface="Ubuntu Sans" pitchFamily="2" charset="0"/>
               <a:cs typeface="Times New Roman"/>
             </a:endParaRPr>
           </a:p>
@@ -5697,301 +5800,301 @@
               </a:spcBef>
             </a:pPr>
             <a:r>
-              <a:rPr sz="1200" spc="5" dirty="0">
-                <a:latin typeface="Times New Roman"/>
+              <a:rPr sz="1100" spc="5" dirty="0">
+                <a:latin typeface="Ubuntu Sans" pitchFamily="2" charset="0"/>
                 <a:cs typeface="Times New Roman"/>
               </a:rPr>
               <a:t>Je</a:t>
             </a:r>
             <a:r>
-              <a:rPr sz="1200" spc="315" dirty="0">
-                <a:latin typeface="Times New Roman"/>
-                <a:cs typeface="Times New Roman"/>
-              </a:rPr>
-              <a:t> </a:t>
-            </a:r>
-            <a:r>
-              <a:rPr sz="1200" spc="-5" dirty="0">
-                <a:latin typeface="Times New Roman"/>
+              <a:rPr sz="1100" spc="315" dirty="0">
+                <a:latin typeface="Ubuntu Sans" pitchFamily="2" charset="0"/>
+                <a:cs typeface="Times New Roman"/>
+              </a:rPr>
+              <a:t> </a:t>
+            </a:r>
+            <a:r>
+              <a:rPr sz="1100" spc="-5" dirty="0">
+                <a:latin typeface="Ubuntu Sans" pitchFamily="2" charset="0"/>
                 <a:cs typeface="Times New Roman"/>
               </a:rPr>
               <a:t>suis</a:t>
             </a:r>
             <a:r>
-              <a:rPr sz="1200" dirty="0">
-                <a:latin typeface="Times New Roman"/>
-                <a:cs typeface="Times New Roman"/>
-              </a:rPr>
-              <a:t> </a:t>
-            </a:r>
-            <a:r>
-              <a:rPr sz="1200" spc="-15" dirty="0">
-                <a:latin typeface="Times New Roman"/>
+              <a:rPr sz="1100" dirty="0">
+                <a:latin typeface="Ubuntu Sans" pitchFamily="2" charset="0"/>
+                <a:cs typeface="Times New Roman"/>
+              </a:rPr>
+              <a:t> </a:t>
+            </a:r>
+            <a:r>
+              <a:rPr sz="1100" spc="-15" dirty="0">
+                <a:latin typeface="Ubuntu Sans" pitchFamily="2" charset="0"/>
                 <a:cs typeface="Times New Roman"/>
               </a:rPr>
               <a:t>TOTON</a:t>
             </a:r>
             <a:r>
-              <a:rPr sz="1200" spc="-10" dirty="0">
-                <a:latin typeface="Times New Roman"/>
-                <a:cs typeface="Times New Roman"/>
-              </a:rPr>
-              <a:t> </a:t>
-            </a:r>
-            <a:r>
-              <a:rPr sz="1200" spc="-5" dirty="0">
-                <a:latin typeface="Times New Roman"/>
+              <a:rPr sz="1100" spc="-10" dirty="0">
+                <a:latin typeface="Ubuntu Sans" pitchFamily="2" charset="0"/>
+                <a:cs typeface="Times New Roman"/>
+              </a:rPr>
+              <a:t> </a:t>
+            </a:r>
+            <a:r>
+              <a:rPr sz="1100" spc="-5" dirty="0">
+                <a:latin typeface="Ubuntu Sans" pitchFamily="2" charset="0"/>
                 <a:cs typeface="Times New Roman"/>
               </a:rPr>
               <a:t>Lionel,</a:t>
             </a:r>
             <a:r>
-              <a:rPr sz="1200" dirty="0">
-                <a:latin typeface="Times New Roman"/>
+              <a:rPr sz="1100" dirty="0">
+                <a:latin typeface="Ubuntu Sans" pitchFamily="2" charset="0"/>
                 <a:cs typeface="Times New Roman"/>
               </a:rPr>
               <a:t> un</a:t>
             </a:r>
             <a:r>
-              <a:rPr sz="1200" spc="5" dirty="0">
-                <a:latin typeface="Times New Roman"/>
-                <a:cs typeface="Times New Roman"/>
-              </a:rPr>
-              <a:t> </a:t>
-            </a:r>
-            <a:r>
-              <a:rPr sz="1200" spc="-5" dirty="0">
-                <a:latin typeface="Times New Roman"/>
+              <a:rPr sz="1100" spc="5" dirty="0">
+                <a:latin typeface="Ubuntu Sans" pitchFamily="2" charset="0"/>
+                <a:cs typeface="Times New Roman"/>
+              </a:rPr>
+              <a:t> </a:t>
+            </a:r>
+            <a:r>
+              <a:rPr sz="1100" spc="-5" dirty="0">
+                <a:latin typeface="Ubuntu Sans" pitchFamily="2" charset="0"/>
                 <a:cs typeface="Times New Roman"/>
               </a:rPr>
               <a:t>passionné</a:t>
             </a:r>
             <a:r>
-              <a:rPr sz="1200" dirty="0">
-                <a:latin typeface="Times New Roman"/>
-                <a:cs typeface="Times New Roman"/>
-              </a:rPr>
-              <a:t> </a:t>
-            </a:r>
-            <a:r>
-              <a:rPr sz="1200" spc="-5" dirty="0">
-                <a:latin typeface="Times New Roman"/>
+              <a:rPr sz="1100" dirty="0">
+                <a:latin typeface="Ubuntu Sans" pitchFamily="2" charset="0"/>
+                <a:cs typeface="Times New Roman"/>
+              </a:rPr>
+              <a:t> </a:t>
+            </a:r>
+            <a:r>
+              <a:rPr sz="1100" spc="-5" dirty="0">
+                <a:latin typeface="Ubuntu Sans" pitchFamily="2" charset="0"/>
                 <a:cs typeface="Times New Roman"/>
               </a:rPr>
               <a:t>programation </a:t>
             </a:r>
             <a:r>
-              <a:rPr sz="1200" dirty="0">
-                <a:latin typeface="Times New Roman"/>
+              <a:rPr sz="1100" dirty="0">
+                <a:latin typeface="Ubuntu Sans" pitchFamily="2" charset="0"/>
                 <a:cs typeface="Times New Roman"/>
               </a:rPr>
               <a:t> informatique. </a:t>
             </a:r>
             <a:r>
-              <a:rPr sz="1200" spc="-5" dirty="0">
-                <a:latin typeface="Times New Roman"/>
+              <a:rPr sz="1100" spc="-5" dirty="0">
+                <a:latin typeface="Ubuntu Sans" pitchFamily="2" charset="0"/>
                 <a:cs typeface="Times New Roman"/>
               </a:rPr>
               <a:t>Possédant deux </a:t>
             </a:r>
             <a:r>
-              <a:rPr sz="1200" dirty="0">
-                <a:latin typeface="Times New Roman"/>
+              <a:rPr sz="1100" dirty="0">
+                <a:latin typeface="Ubuntu Sans" pitchFamily="2" charset="0"/>
                 <a:cs typeface="Times New Roman"/>
               </a:rPr>
               <a:t>licences </a:t>
             </a:r>
             <a:r>
-              <a:rPr sz="1200" spc="-5" dirty="0">
-                <a:latin typeface="Times New Roman"/>
+              <a:rPr sz="1100" spc="-5" dirty="0">
+                <a:latin typeface="Ubuntu Sans" pitchFamily="2" charset="0"/>
                 <a:cs typeface="Times New Roman"/>
               </a:rPr>
               <a:t>en </a:t>
             </a:r>
             <a:r>
-              <a:rPr sz="1200" dirty="0">
-                <a:latin typeface="Times New Roman"/>
+              <a:rPr sz="1100" dirty="0">
+                <a:latin typeface="Ubuntu Sans" pitchFamily="2" charset="0"/>
                 <a:cs typeface="Times New Roman"/>
               </a:rPr>
               <a:t>ces domaines, ma </a:t>
             </a:r>
             <a:r>
-              <a:rPr sz="1200" spc="5" dirty="0">
-                <a:latin typeface="Times New Roman"/>
-                <a:cs typeface="Times New Roman"/>
-              </a:rPr>
-              <a:t> </a:t>
-            </a:r>
-            <a:r>
-              <a:rPr sz="1200" dirty="0">
-                <a:latin typeface="Times New Roman"/>
+              <a:rPr sz="1100" spc="5" dirty="0">
+                <a:latin typeface="Ubuntu Sans" pitchFamily="2" charset="0"/>
+                <a:cs typeface="Times New Roman"/>
+              </a:rPr>
+              <a:t> </a:t>
+            </a:r>
+            <a:r>
+              <a:rPr sz="1100" dirty="0">
+                <a:latin typeface="Ubuntu Sans" pitchFamily="2" charset="0"/>
                 <a:cs typeface="Times New Roman"/>
               </a:rPr>
               <a:t>soif</a:t>
             </a:r>
             <a:r>
-              <a:rPr sz="1200" spc="5" dirty="0">
-                <a:latin typeface="Times New Roman"/>
-                <a:cs typeface="Times New Roman"/>
-              </a:rPr>
-              <a:t> </a:t>
-            </a:r>
-            <a:r>
-              <a:rPr sz="1200" spc="-5" dirty="0">
-                <a:latin typeface="Times New Roman"/>
+              <a:rPr sz="1100" spc="5" dirty="0">
+                <a:latin typeface="Ubuntu Sans" pitchFamily="2" charset="0"/>
+                <a:cs typeface="Times New Roman"/>
+              </a:rPr>
+              <a:t> </a:t>
+            </a:r>
+            <a:r>
+              <a:rPr sz="1100" spc="-5" dirty="0">
+                <a:latin typeface="Ubuntu Sans" pitchFamily="2" charset="0"/>
                 <a:cs typeface="Times New Roman"/>
               </a:rPr>
               <a:t>de</a:t>
             </a:r>
             <a:r>
-              <a:rPr sz="1200" dirty="0">
-                <a:latin typeface="Times New Roman"/>
-                <a:cs typeface="Times New Roman"/>
-              </a:rPr>
-              <a:t> </a:t>
-            </a:r>
-            <a:r>
-              <a:rPr sz="1200" spc="-5" dirty="0">
-                <a:latin typeface="Times New Roman"/>
+              <a:rPr sz="1100" dirty="0">
+                <a:latin typeface="Ubuntu Sans" pitchFamily="2" charset="0"/>
+                <a:cs typeface="Times New Roman"/>
+              </a:rPr>
+              <a:t> </a:t>
+            </a:r>
+            <a:r>
+              <a:rPr sz="1100" spc="-5" dirty="0">
+                <a:latin typeface="Ubuntu Sans" pitchFamily="2" charset="0"/>
                 <a:cs typeface="Times New Roman"/>
               </a:rPr>
               <a:t>connaissances</a:t>
             </a:r>
             <a:r>
-              <a:rPr sz="1200" dirty="0">
-                <a:latin typeface="Times New Roman"/>
-                <a:cs typeface="Times New Roman"/>
-              </a:rPr>
-              <a:t> </a:t>
-            </a:r>
-            <a:r>
-              <a:rPr sz="1200" spc="-5" dirty="0">
-                <a:latin typeface="Times New Roman"/>
+              <a:rPr sz="1100" dirty="0">
+                <a:latin typeface="Ubuntu Sans" pitchFamily="2" charset="0"/>
+                <a:cs typeface="Times New Roman"/>
+              </a:rPr>
+              <a:t> </a:t>
+            </a:r>
+            <a:r>
+              <a:rPr sz="1100" spc="-5" dirty="0">
+                <a:latin typeface="Ubuntu Sans" pitchFamily="2" charset="0"/>
                 <a:cs typeface="Times New Roman"/>
               </a:rPr>
               <a:t>m'ont</a:t>
             </a:r>
             <a:r>
-              <a:rPr sz="1200" dirty="0">
-                <a:latin typeface="Times New Roman"/>
-                <a:cs typeface="Times New Roman"/>
-              </a:rPr>
-              <a:t> </a:t>
-            </a:r>
-            <a:r>
-              <a:rPr sz="1200" spc="-5" dirty="0">
-                <a:latin typeface="Times New Roman"/>
+              <a:rPr sz="1100" dirty="0">
+                <a:latin typeface="Ubuntu Sans" pitchFamily="2" charset="0"/>
+                <a:cs typeface="Times New Roman"/>
+              </a:rPr>
+              <a:t> </a:t>
+            </a:r>
+            <a:r>
+              <a:rPr sz="1100" spc="-5" dirty="0">
+                <a:latin typeface="Ubuntu Sans" pitchFamily="2" charset="0"/>
                 <a:cs typeface="Times New Roman"/>
               </a:rPr>
               <a:t>conduit</a:t>
             </a:r>
             <a:r>
-              <a:rPr sz="1200" dirty="0">
-                <a:latin typeface="Times New Roman"/>
+              <a:rPr sz="1100" dirty="0">
+                <a:latin typeface="Ubuntu Sans" pitchFamily="2" charset="0"/>
                 <a:cs typeface="Times New Roman"/>
               </a:rPr>
               <a:t> à</a:t>
             </a:r>
             <a:r>
-              <a:rPr sz="1200" spc="5" dirty="0">
-                <a:latin typeface="Times New Roman"/>
-                <a:cs typeface="Times New Roman"/>
-              </a:rPr>
-              <a:t> </a:t>
-            </a:r>
-            <a:r>
-              <a:rPr sz="1200" dirty="0">
-                <a:latin typeface="Times New Roman"/>
+              <a:rPr sz="1100" spc="5" dirty="0">
+                <a:latin typeface="Ubuntu Sans" pitchFamily="2" charset="0"/>
+                <a:cs typeface="Times New Roman"/>
+              </a:rPr>
+              <a:t> </a:t>
+            </a:r>
+            <a:r>
+              <a:rPr sz="1100" dirty="0">
+                <a:latin typeface="Ubuntu Sans" pitchFamily="2" charset="0"/>
                 <a:cs typeface="Times New Roman"/>
               </a:rPr>
               <a:t>maîtriser</a:t>
             </a:r>
             <a:r>
-              <a:rPr sz="1200" spc="300" dirty="0">
-                <a:latin typeface="Times New Roman"/>
-                <a:cs typeface="Times New Roman"/>
-              </a:rPr>
-              <a:t> </a:t>
-            </a:r>
-            <a:r>
-              <a:rPr sz="1200" spc="-5" dirty="0">
-                <a:latin typeface="Times New Roman"/>
+              <a:rPr sz="1100" spc="300" dirty="0">
+                <a:latin typeface="Ubuntu Sans" pitchFamily="2" charset="0"/>
+                <a:cs typeface="Times New Roman"/>
+              </a:rPr>
+              <a:t> </a:t>
+            </a:r>
+            <a:r>
+              <a:rPr sz="1100" spc="-5" dirty="0">
+                <a:latin typeface="Ubuntu Sans" pitchFamily="2" charset="0"/>
                 <a:cs typeface="Times New Roman"/>
               </a:rPr>
               <a:t>deux </a:t>
             </a:r>
             <a:r>
-              <a:rPr sz="1200" dirty="0">
-                <a:latin typeface="Times New Roman"/>
-                <a:cs typeface="Times New Roman"/>
-              </a:rPr>
-              <a:t> </a:t>
-            </a:r>
-            <a:r>
-              <a:rPr sz="1200" spc="-5" dirty="0">
-                <a:latin typeface="Times New Roman"/>
+              <a:rPr sz="1100" dirty="0">
+                <a:latin typeface="Ubuntu Sans" pitchFamily="2" charset="0"/>
+                <a:cs typeface="Times New Roman"/>
+              </a:rPr>
+              <a:t> </a:t>
+            </a:r>
+            <a:r>
+              <a:rPr sz="1100" spc="-5" dirty="0">
+                <a:latin typeface="Ubuntu Sans" pitchFamily="2" charset="0"/>
                 <a:cs typeface="Times New Roman"/>
               </a:rPr>
               <a:t>langues</a:t>
             </a:r>
             <a:r>
-              <a:rPr sz="1200" spc="10" dirty="0">
-                <a:latin typeface="Times New Roman"/>
-                <a:cs typeface="Times New Roman"/>
-              </a:rPr>
-              <a:t> </a:t>
-            </a:r>
-            <a:r>
-              <a:rPr sz="1200" spc="-5" dirty="0">
-                <a:latin typeface="Times New Roman"/>
+              <a:rPr sz="1100" spc="10" dirty="0">
+                <a:latin typeface="Ubuntu Sans" pitchFamily="2" charset="0"/>
+                <a:cs typeface="Times New Roman"/>
+              </a:rPr>
+              <a:t> </a:t>
+            </a:r>
+            <a:r>
+              <a:rPr sz="1100" spc="-5" dirty="0">
+                <a:latin typeface="Ubuntu Sans" pitchFamily="2" charset="0"/>
                 <a:cs typeface="Times New Roman"/>
               </a:rPr>
               <a:t>étrangères:</a:t>
             </a:r>
             <a:r>
-              <a:rPr sz="1200" spc="60" dirty="0">
-                <a:latin typeface="Times New Roman"/>
-                <a:cs typeface="Times New Roman"/>
-              </a:rPr>
-              <a:t> </a:t>
-            </a:r>
-            <a:r>
-              <a:rPr sz="1200" spc="-5" dirty="0">
-                <a:latin typeface="Times New Roman"/>
+              <a:rPr sz="1100" spc="60" dirty="0">
+                <a:latin typeface="Ubuntu Sans" pitchFamily="2" charset="0"/>
+                <a:cs typeface="Times New Roman"/>
+              </a:rPr>
+              <a:t> </a:t>
+            </a:r>
+            <a:r>
+              <a:rPr sz="1100" spc="-5" dirty="0">
+                <a:latin typeface="Ubuntu Sans" pitchFamily="2" charset="0"/>
                 <a:cs typeface="Times New Roman"/>
               </a:rPr>
               <a:t>l'anglais</a:t>
             </a:r>
             <a:r>
-              <a:rPr sz="1200" spc="35" dirty="0">
-                <a:latin typeface="Times New Roman"/>
-                <a:cs typeface="Times New Roman"/>
-              </a:rPr>
-              <a:t> </a:t>
-            </a:r>
-            <a:r>
-              <a:rPr sz="1200" spc="-5" dirty="0">
-                <a:latin typeface="Times New Roman"/>
+              <a:rPr sz="1100" spc="35" dirty="0">
+                <a:latin typeface="Ubuntu Sans" pitchFamily="2" charset="0"/>
+                <a:cs typeface="Times New Roman"/>
+              </a:rPr>
+              <a:t> </a:t>
+            </a:r>
+            <a:r>
+              <a:rPr sz="1100" spc="-5" dirty="0">
+                <a:latin typeface="Ubuntu Sans" pitchFamily="2" charset="0"/>
                 <a:cs typeface="Times New Roman"/>
               </a:rPr>
               <a:t>et</a:t>
             </a:r>
             <a:r>
-              <a:rPr sz="1200" spc="10" dirty="0">
-                <a:latin typeface="Times New Roman"/>
-                <a:cs typeface="Times New Roman"/>
-              </a:rPr>
-              <a:t> </a:t>
-            </a:r>
-            <a:r>
-              <a:rPr sz="1200" spc="-5" dirty="0">
-                <a:latin typeface="Times New Roman"/>
+              <a:rPr sz="1100" spc="10" dirty="0">
+                <a:latin typeface="Ubuntu Sans" pitchFamily="2" charset="0"/>
+                <a:cs typeface="Times New Roman"/>
+              </a:rPr>
+              <a:t> </a:t>
+            </a:r>
+            <a:r>
+              <a:rPr sz="1100" spc="-5" dirty="0">
+                <a:latin typeface="Ubuntu Sans" pitchFamily="2" charset="0"/>
                 <a:cs typeface="Times New Roman"/>
               </a:rPr>
               <a:t>l'allemand.</a:t>
             </a:r>
-            <a:endParaRPr sz="1200">
-              <a:latin typeface="Times New Roman"/>
+            <a:endParaRPr sz="1100">
+              <a:latin typeface="Ubuntu Sans" pitchFamily="2" charset="0"/>
               <a:cs typeface="Times New Roman"/>
             </a:endParaRPr>
           </a:p>
@@ -6005,37 +6108,37 @@
               </a:spcBef>
             </a:pPr>
             <a:r>
-              <a:rPr sz="1200" b="1" spc="-5" dirty="0">
+              <a:rPr sz="1100" b="1" spc="-5" dirty="0">
                 <a:solidFill>
                   <a:srgbClr val="2E5496"/>
                 </a:solidFill>
-                <a:latin typeface="Times New Roman"/>
+                <a:latin typeface="Ubuntu Sans" pitchFamily="2" charset="0"/>
                 <a:cs typeface="Times New Roman"/>
               </a:rPr>
               <a:t>Expériences</a:t>
             </a:r>
             <a:r>
-              <a:rPr sz="1200" b="1" dirty="0">
+              <a:rPr sz="1100" b="1" dirty="0">
                 <a:solidFill>
                   <a:srgbClr val="2E5496"/>
                 </a:solidFill>
-                <a:latin typeface="Times New Roman"/>
-                <a:cs typeface="Times New Roman"/>
-              </a:rPr>
-              <a:t> </a:t>
-            </a:r>
-            <a:r>
-              <a:rPr sz="1200" b="1" spc="-5" dirty="0">
+                <a:latin typeface="Ubuntu Sans" pitchFamily="2" charset="0"/>
+                <a:cs typeface="Times New Roman"/>
+              </a:rPr>
+              <a:t> </a:t>
+            </a:r>
+            <a:r>
+              <a:rPr sz="1100" b="1" spc="-5" dirty="0">
                 <a:solidFill>
                   <a:srgbClr val="2E5496"/>
                 </a:solidFill>
-                <a:latin typeface="Times New Roman"/>
+                <a:latin typeface="Ubuntu Sans" pitchFamily="2" charset="0"/>
                 <a:cs typeface="Times New Roman"/>
               </a:rPr>
               <a:t>Professionnelles</a:t>
             </a:r>
-            <a:endParaRPr sz="1200">
-              <a:latin typeface="Times New Roman"/>
+            <a:endParaRPr sz="1100">
+              <a:latin typeface="Ubuntu Sans" pitchFamily="2" charset="0"/>
               <a:cs typeface="Times New Roman"/>
             </a:endParaRPr>
           </a:p>
@@ -6050,7 +6153,7 @@
         <p:spPr>
           <a:xfrm>
             <a:off x="2808477" y="1382394"/>
-            <a:ext cx="3621404" cy="1302920"/>
+            <a:ext cx="3621404" cy="1300355"/>
           </a:xfrm>
           <a:prstGeom prst="rect">
             <a:avLst/>
@@ -6077,43 +6180,43 @@
               </a:tabLst>
             </a:pPr>
             <a:r>
-              <a:rPr sz="1200" b="1" u="heavy" spc="-5" dirty="0">
+              <a:rPr sz="1100" b="1" u="heavy" spc="-5" dirty="0">
                 <a:uFill>
                   <a:solidFill>
                     <a:srgbClr val="000000"/>
                   </a:solidFill>
                 </a:uFill>
-                <a:latin typeface="Times New Roman"/>
+                <a:latin typeface="Ubuntu Sans" pitchFamily="2" charset="0"/>
                 <a:cs typeface="Times New Roman"/>
               </a:rPr>
               <a:t>Année</a:t>
             </a:r>
             <a:r>
-              <a:rPr sz="1200" b="1" u="heavy" spc="-40" dirty="0">
+              <a:rPr sz="1100" b="1" u="heavy" spc="-40" dirty="0">
                 <a:uFill>
                   <a:solidFill>
                     <a:srgbClr val="000000"/>
                   </a:solidFill>
                 </a:uFill>
-                <a:latin typeface="Times New Roman"/>
-                <a:cs typeface="Times New Roman"/>
-              </a:rPr>
-              <a:t> </a:t>
-            </a:r>
-            <a:r>
-              <a:rPr sz="1200" b="1" u="heavy" dirty="0">
+                <a:latin typeface="Ubuntu Sans" pitchFamily="2" charset="0"/>
+                <a:cs typeface="Times New Roman"/>
+              </a:rPr>
+              <a:t> </a:t>
+            </a:r>
+            <a:r>
+              <a:rPr sz="1100" b="1" u="heavy" dirty="0">
                 <a:uFill>
                   <a:solidFill>
                     <a:srgbClr val="000000"/>
                   </a:solidFill>
                 </a:uFill>
-                <a:latin typeface="Times New Roman"/>
+                <a:latin typeface="Ubuntu Sans" pitchFamily="2" charset="0"/>
                 <a:cs typeface="Times New Roman"/>
               </a:rPr>
               <a:t>2024</a:t>
             </a:r>
-            <a:endParaRPr sz="1200" dirty="0">
-              <a:latin typeface="Times New Roman"/>
+            <a:endParaRPr sz="1100" dirty="0">
+              <a:latin typeface="Ubuntu Sans" pitchFamily="2" charset="0"/>
               <a:cs typeface="Times New Roman"/>
             </a:endParaRPr>
           </a:p>
@@ -6129,224 +6232,231 @@
               </a:tabLst>
             </a:pPr>
             <a:r>
-              <a:rPr sz="1200" b="1" dirty="0">
-                <a:latin typeface="Times New Roman"/>
+              <a:rPr sz="1100" b="1" dirty="0">
+                <a:latin typeface="Ubuntu Sans" pitchFamily="2" charset="0"/>
                 <a:cs typeface="Times New Roman"/>
               </a:rPr>
               <a:t>08</a:t>
             </a:r>
             <a:r>
-              <a:rPr sz="1200" b="1" spc="185" dirty="0">
-                <a:latin typeface="Times New Roman"/>
-                <a:cs typeface="Times New Roman"/>
-              </a:rPr>
-              <a:t> </a:t>
-            </a:r>
-            <a:r>
-              <a:rPr sz="1200" b="1" spc="-5" dirty="0">
-                <a:latin typeface="Times New Roman"/>
+              <a:rPr sz="1100" b="1" spc="185" dirty="0">
+                <a:latin typeface="Ubuntu Sans" pitchFamily="2" charset="0"/>
+                <a:cs typeface="Times New Roman"/>
+              </a:rPr>
+              <a:t> </a:t>
+            </a:r>
+            <a:r>
+              <a:rPr sz="1100" b="1" spc="-5" dirty="0">
+                <a:latin typeface="Ubuntu Sans" pitchFamily="2" charset="0"/>
                 <a:cs typeface="Times New Roman"/>
               </a:rPr>
               <a:t>Mars</a:t>
             </a:r>
             <a:r>
-              <a:rPr sz="1200" b="1" spc="185" dirty="0">
-                <a:latin typeface="Times New Roman"/>
-                <a:cs typeface="Times New Roman"/>
-              </a:rPr>
-              <a:t> </a:t>
-            </a:r>
-            <a:r>
-              <a:rPr sz="1200" b="1" dirty="0">
-                <a:latin typeface="Times New Roman"/>
+              <a:rPr sz="1100" b="1" spc="185" dirty="0">
+                <a:latin typeface="Ubuntu Sans" pitchFamily="2" charset="0"/>
+                <a:cs typeface="Times New Roman"/>
+              </a:rPr>
+              <a:t> </a:t>
+            </a:r>
+            <a:r>
+              <a:rPr sz="1100" b="1" dirty="0">
+                <a:latin typeface="Ubuntu Sans" pitchFamily="2" charset="0"/>
                 <a:cs typeface="Times New Roman"/>
               </a:rPr>
               <a:t>–</a:t>
             </a:r>
             <a:r>
-              <a:rPr sz="1200" b="1" spc="185" dirty="0">
-                <a:latin typeface="Times New Roman"/>
-                <a:cs typeface="Times New Roman"/>
-              </a:rPr>
-              <a:t> </a:t>
-            </a:r>
-            <a:r>
-              <a:rPr lang="fr-FR" sz="1200" b="1" spc="185" dirty="0">
-                <a:latin typeface="Times New Roman"/>
-                <a:cs typeface="Times New Roman"/>
-              </a:rPr>
-              <a:t>8 </a:t>
-            </a:r>
-            <a:r>
-              <a:rPr lang="fr-FR" sz="1200" b="1" spc="185" dirty="0" err="1">
-                <a:latin typeface="Times New Roman"/>
-                <a:cs typeface="Times New Roman"/>
-              </a:rPr>
-              <a:t>Oct</a:t>
-            </a:r>
-            <a:r>
-              <a:rPr sz="1200" b="1" spc="195" dirty="0">
-                <a:latin typeface="Times New Roman"/>
-                <a:cs typeface="Times New Roman"/>
-              </a:rPr>
-              <a:t> </a:t>
-            </a:r>
-            <a:r>
-              <a:rPr sz="1200" dirty="0">
-                <a:latin typeface="Times New Roman"/>
+              <a:rPr lang="fr-FR" sz="1100" b="1" dirty="0">
+                <a:latin typeface="Ubuntu Sans" pitchFamily="2" charset="0"/>
+                <a:cs typeface="Times New Roman"/>
+              </a:rPr>
+              <a:t> </a:t>
+            </a:r>
+            <a:r>
+              <a:rPr lang="fr-FR" sz="1100" b="1" spc="185" dirty="0">
+                <a:latin typeface="Ubuntu Sans" pitchFamily="2" charset="0"/>
+                <a:cs typeface="Times New Roman"/>
+              </a:rPr>
+              <a:t>30 </a:t>
+            </a:r>
+            <a:r>
+              <a:rPr lang="fr-FR" sz="1100" b="1" spc="-5" dirty="0" err="1">
+                <a:latin typeface="Ubuntu Sans" pitchFamily="2" charset="0"/>
+                <a:cs typeface="Times New Roman"/>
+              </a:rPr>
+              <a:t>Ocotobre</a:t>
+            </a:r>
+            <a:r>
+              <a:rPr sz="1100" b="1" spc="-5" dirty="0">
+                <a:latin typeface="Ubuntu Sans" pitchFamily="2" charset="0"/>
+                <a:cs typeface="Times New Roman"/>
+              </a:rPr>
+              <a:t>:</a:t>
+            </a:r>
+            <a:r>
+              <a:rPr sz="1100" b="1" spc="195" dirty="0">
+                <a:latin typeface="Ubuntu Sans" pitchFamily="2" charset="0"/>
+                <a:cs typeface="Times New Roman"/>
+              </a:rPr>
+              <a:t> </a:t>
+            </a:r>
+            <a:r>
+              <a:rPr sz="1100" dirty="0">
+                <a:latin typeface="Ubuntu Sans" pitchFamily="2" charset="0"/>
                 <a:cs typeface="Times New Roman"/>
               </a:rPr>
               <a:t>Développeur</a:t>
             </a:r>
             <a:r>
-              <a:rPr sz="1200" spc="185" dirty="0">
-                <a:latin typeface="Times New Roman"/>
-                <a:cs typeface="Times New Roman"/>
-              </a:rPr>
-              <a:t> </a:t>
-            </a:r>
-            <a:r>
-              <a:rPr sz="1200" dirty="0">
-                <a:latin typeface="Times New Roman"/>
+              <a:rPr sz="1100" spc="185" dirty="0">
+                <a:latin typeface="Ubuntu Sans" pitchFamily="2" charset="0"/>
+                <a:cs typeface="Times New Roman"/>
+              </a:rPr>
+              <a:t> </a:t>
+            </a:r>
+            <a:r>
+              <a:rPr sz="1100" dirty="0">
+                <a:latin typeface="Ubuntu Sans" pitchFamily="2" charset="0"/>
                 <a:cs typeface="Times New Roman"/>
               </a:rPr>
               <a:t>Fullstack</a:t>
             </a:r>
             <a:r>
-              <a:rPr sz="1200" spc="204" dirty="0">
-                <a:latin typeface="Times New Roman"/>
-                <a:cs typeface="Times New Roman"/>
-              </a:rPr>
-              <a:t> </a:t>
-            </a:r>
-            <a:r>
-              <a:rPr sz="1200" spc="-5" dirty="0">
-                <a:latin typeface="Times New Roman"/>
+              <a:rPr sz="1100" spc="204" dirty="0">
+                <a:latin typeface="Ubuntu Sans" pitchFamily="2" charset="0"/>
+                <a:cs typeface="Times New Roman"/>
+              </a:rPr>
+              <a:t> </a:t>
+            </a:r>
+            <a:r>
+              <a:rPr sz="1100" spc="-5" dirty="0">
+                <a:latin typeface="Ubuntu Sans" pitchFamily="2" charset="0"/>
                 <a:cs typeface="Times New Roman"/>
               </a:rPr>
               <a:t>web</a:t>
             </a:r>
             <a:r>
-              <a:rPr sz="1200" spc="190" dirty="0">
-                <a:latin typeface="Times New Roman"/>
-                <a:cs typeface="Times New Roman"/>
-              </a:rPr>
-              <a:t> </a:t>
-            </a:r>
-            <a:r>
-              <a:rPr sz="1200" spc="-5" dirty="0">
-                <a:latin typeface="Times New Roman"/>
+              <a:rPr sz="1100" spc="190" dirty="0">
+                <a:latin typeface="Ubuntu Sans" pitchFamily="2" charset="0"/>
+                <a:cs typeface="Times New Roman"/>
+              </a:rPr>
+              <a:t> </a:t>
+            </a:r>
+            <a:r>
+              <a:rPr sz="1100" spc="-5" dirty="0">
+                <a:latin typeface="Ubuntu Sans" pitchFamily="2" charset="0"/>
                 <a:cs typeface="Times New Roman"/>
               </a:rPr>
               <a:t>et </a:t>
             </a:r>
             <a:r>
-              <a:rPr sz="1200" spc="-285" dirty="0">
-                <a:latin typeface="Times New Roman"/>
-                <a:cs typeface="Times New Roman"/>
-              </a:rPr>
-              <a:t> </a:t>
-            </a:r>
-            <a:r>
-              <a:rPr sz="1200" dirty="0">
-                <a:latin typeface="Times New Roman"/>
+              <a:rPr sz="1100" spc="-285" dirty="0">
+                <a:latin typeface="Ubuntu Sans" pitchFamily="2" charset="0"/>
+                <a:cs typeface="Times New Roman"/>
+              </a:rPr>
+              <a:t> </a:t>
+            </a:r>
+            <a:r>
+              <a:rPr sz="1100" dirty="0">
+                <a:latin typeface="Ubuntu Sans" pitchFamily="2" charset="0"/>
                 <a:cs typeface="Times New Roman"/>
               </a:rPr>
               <a:t>mobile</a:t>
             </a:r>
             <a:r>
-              <a:rPr sz="1200" spc="10" dirty="0">
-                <a:latin typeface="Times New Roman"/>
-                <a:cs typeface="Times New Roman"/>
-              </a:rPr>
-              <a:t> </a:t>
-            </a:r>
-            <a:r>
-              <a:rPr sz="1200" spc="-5" dirty="0">
-                <a:latin typeface="Times New Roman"/>
+              <a:rPr sz="1100" spc="10" dirty="0">
+                <a:latin typeface="Ubuntu Sans" pitchFamily="2" charset="0"/>
+                <a:cs typeface="Times New Roman"/>
+              </a:rPr>
+              <a:t> </a:t>
+            </a:r>
+            <a:r>
+              <a:rPr sz="1100" spc="-5" dirty="0">
+                <a:latin typeface="Ubuntu Sans" pitchFamily="2" charset="0"/>
                 <a:cs typeface="Times New Roman"/>
               </a:rPr>
               <a:t>au</a:t>
             </a:r>
             <a:r>
-              <a:rPr sz="1200" spc="10" dirty="0">
-                <a:latin typeface="Times New Roman"/>
-                <a:cs typeface="Times New Roman"/>
-              </a:rPr>
-              <a:t> </a:t>
-            </a:r>
-            <a:r>
-              <a:rPr sz="1200" spc="-5" dirty="0">
-                <a:latin typeface="Times New Roman"/>
+              <a:rPr sz="1100" spc="10" dirty="0">
+                <a:latin typeface="Ubuntu Sans" pitchFamily="2" charset="0"/>
+                <a:cs typeface="Times New Roman"/>
+              </a:rPr>
+              <a:t> </a:t>
+            </a:r>
+            <a:r>
+              <a:rPr sz="1100" spc="-5" dirty="0">
+                <a:latin typeface="Ubuntu Sans" pitchFamily="2" charset="0"/>
                 <a:cs typeface="Times New Roman"/>
               </a:rPr>
               <a:t>sein</a:t>
             </a:r>
             <a:r>
-              <a:rPr sz="1200" dirty="0">
-                <a:latin typeface="Times New Roman"/>
+              <a:rPr sz="1100" dirty="0">
+                <a:latin typeface="Ubuntu Sans" pitchFamily="2" charset="0"/>
                 <a:cs typeface="Times New Roman"/>
               </a:rPr>
               <a:t> du </a:t>
             </a:r>
             <a:r>
-              <a:rPr sz="1200" spc="-5" dirty="0">
-                <a:latin typeface="Times New Roman"/>
+              <a:rPr sz="1100" spc="-5" dirty="0">
+                <a:latin typeface="Ubuntu Sans" pitchFamily="2" charset="0"/>
                 <a:cs typeface="Times New Roman"/>
               </a:rPr>
               <a:t>cabinet</a:t>
             </a:r>
             <a:r>
-              <a:rPr sz="1200" spc="35" dirty="0">
-                <a:latin typeface="Times New Roman"/>
-                <a:cs typeface="Times New Roman"/>
-              </a:rPr>
-              <a:t> </a:t>
-            </a:r>
-            <a:r>
-              <a:rPr sz="1200" spc="-10" dirty="0">
-                <a:latin typeface="Times New Roman"/>
+              <a:rPr sz="1100" spc="35" dirty="0">
+                <a:latin typeface="Ubuntu Sans" pitchFamily="2" charset="0"/>
+                <a:cs typeface="Times New Roman"/>
+              </a:rPr>
+              <a:t> </a:t>
+            </a:r>
+            <a:r>
+              <a:rPr sz="1100" spc="-10" dirty="0">
+                <a:latin typeface="Ubuntu Sans" pitchFamily="2" charset="0"/>
                 <a:cs typeface="Times New Roman"/>
               </a:rPr>
               <a:t>Impact</a:t>
             </a:r>
             <a:r>
-              <a:rPr sz="1200" spc="50" dirty="0">
-                <a:latin typeface="Times New Roman"/>
-                <a:cs typeface="Times New Roman"/>
-              </a:rPr>
-              <a:t> </a:t>
-            </a:r>
-            <a:r>
-              <a:rPr sz="1200" dirty="0">
-                <a:latin typeface="Times New Roman"/>
+              <a:rPr sz="1100" spc="50" dirty="0">
+                <a:latin typeface="Ubuntu Sans" pitchFamily="2" charset="0"/>
+                <a:cs typeface="Times New Roman"/>
+              </a:rPr>
+              <a:t> </a:t>
+            </a:r>
+            <a:r>
+              <a:rPr sz="1100" dirty="0">
+                <a:latin typeface="Ubuntu Sans" pitchFamily="2" charset="0"/>
                 <a:cs typeface="Times New Roman"/>
               </a:rPr>
               <a:t>&amp; </a:t>
             </a:r>
             <a:r>
-              <a:rPr sz="1200" spc="-5" dirty="0">
-                <a:latin typeface="Times New Roman"/>
+              <a:rPr sz="1100" spc="-5" dirty="0">
+                <a:latin typeface="Ubuntu Sans" pitchFamily="2" charset="0"/>
                 <a:cs typeface="Times New Roman"/>
               </a:rPr>
               <a:t>Partners</a:t>
             </a:r>
             <a:r>
-              <a:rPr sz="1200" spc="10" dirty="0">
-                <a:latin typeface="Times New Roman"/>
-                <a:cs typeface="Times New Roman"/>
-              </a:rPr>
-              <a:t> </a:t>
-            </a:r>
-            <a:r>
-              <a:rPr sz="1200" spc="-5" dirty="0">
-                <a:latin typeface="Times New Roman"/>
+              <a:rPr sz="1100" spc="10" dirty="0">
+                <a:latin typeface="Ubuntu Sans" pitchFamily="2" charset="0"/>
+                <a:cs typeface="Times New Roman"/>
+              </a:rPr>
+              <a:t> </a:t>
+            </a:r>
+            <a:r>
+              <a:rPr sz="1100" spc="-5" dirty="0">
+                <a:latin typeface="Ubuntu Sans" pitchFamily="2" charset="0"/>
                 <a:cs typeface="Times New Roman"/>
               </a:rPr>
               <a:t>(Benin)</a:t>
             </a:r>
-            <a:endParaRPr sz="1200" dirty="0">
-              <a:latin typeface="Times New Roman"/>
+            <a:endParaRPr sz="1100" dirty="0">
+              <a:latin typeface="Ubuntu Sans" pitchFamily="2" charset="0"/>
               <a:cs typeface="Times New Roman"/>
             </a:endParaRPr>
           </a:p>
@@ -6365,196 +6475,175 @@
               </a:tabLst>
             </a:pPr>
             <a:r>
-              <a:rPr sz="1200" b="1" dirty="0">
-                <a:latin typeface="Times New Roman"/>
+              <a:rPr sz="1100" b="1" dirty="0">
+                <a:latin typeface="Ubuntu Sans" pitchFamily="2" charset="0"/>
                 <a:cs typeface="Times New Roman"/>
               </a:rPr>
               <a:t>09</a:t>
             </a:r>
             <a:r>
-              <a:rPr sz="1200" b="1" spc="175" dirty="0">
-                <a:latin typeface="Times New Roman"/>
-                <a:cs typeface="Times New Roman"/>
-              </a:rPr>
-              <a:t> </a:t>
-            </a:r>
-            <a:r>
-              <a:rPr sz="1200" b="1" spc="-5" dirty="0">
-                <a:latin typeface="Times New Roman"/>
+              <a:rPr sz="1100" b="1" spc="175" dirty="0">
+                <a:latin typeface="Ubuntu Sans" pitchFamily="2" charset="0"/>
+                <a:cs typeface="Times New Roman"/>
+              </a:rPr>
+              <a:t> </a:t>
+            </a:r>
+            <a:r>
+              <a:rPr sz="1100" b="1" spc="-5" dirty="0">
+                <a:latin typeface="Ubuntu Sans" pitchFamily="2" charset="0"/>
                 <a:cs typeface="Times New Roman"/>
               </a:rPr>
               <a:t>Mars</a:t>
             </a:r>
             <a:r>
-              <a:rPr sz="1200" b="1" spc="180" dirty="0">
-                <a:latin typeface="Times New Roman"/>
-                <a:cs typeface="Times New Roman"/>
-              </a:rPr>
-              <a:t> </a:t>
-            </a:r>
-            <a:r>
-              <a:rPr sz="1200" b="1" dirty="0">
-                <a:latin typeface="Times New Roman"/>
+              <a:rPr sz="1100" b="1" spc="180" dirty="0">
+                <a:latin typeface="Ubuntu Sans" pitchFamily="2" charset="0"/>
+                <a:cs typeface="Times New Roman"/>
+              </a:rPr>
+              <a:t> </a:t>
+            </a:r>
+            <a:r>
+              <a:rPr sz="1100" b="1" dirty="0">
+                <a:latin typeface="Ubuntu Sans" pitchFamily="2" charset="0"/>
                 <a:cs typeface="Times New Roman"/>
               </a:rPr>
               <a:t>–</a:t>
             </a:r>
             <a:r>
-              <a:rPr sz="1200" b="1" spc="180" dirty="0">
-                <a:latin typeface="Times New Roman"/>
-                <a:cs typeface="Times New Roman"/>
-              </a:rPr>
-              <a:t> </a:t>
-            </a:r>
-            <a:r>
-              <a:rPr lang="fr-FR" sz="1200" b="1" spc="180" dirty="0">
-                <a:latin typeface="Times New Roman"/>
-                <a:cs typeface="Times New Roman"/>
-              </a:rPr>
-              <a:t>30</a:t>
-            </a:r>
-            <a:r>
-              <a:rPr sz="1200" b="1" spc="175" dirty="0">
-                <a:latin typeface="Times New Roman"/>
-                <a:cs typeface="Times New Roman"/>
-              </a:rPr>
-              <a:t> </a:t>
-            </a:r>
-            <a:r>
-              <a:rPr lang="fr-FR" sz="1200" b="1" spc="175" dirty="0">
-                <a:latin typeface="Times New Roman"/>
-                <a:cs typeface="Times New Roman"/>
-              </a:rPr>
-              <a:t>Sept</a:t>
-            </a:r>
-            <a:r>
-              <a:rPr sz="1200" b="1" spc="185" dirty="0">
-                <a:latin typeface="Times New Roman"/>
-                <a:cs typeface="Times New Roman"/>
-              </a:rPr>
-              <a:t> </a:t>
-            </a:r>
-            <a:r>
-              <a:rPr sz="1200" b="1" dirty="0">
-                <a:latin typeface="Times New Roman"/>
+              <a:rPr lang="fr-FR" sz="1100" b="1" spc="180" dirty="0">
+                <a:latin typeface="Ubuntu Sans" pitchFamily="2" charset="0"/>
+                <a:cs typeface="Times New Roman"/>
+              </a:rPr>
+              <a:t> 30Sept</a:t>
+            </a:r>
+            <a:r>
+              <a:rPr sz="1100" b="1" dirty="0">
+                <a:latin typeface="Ubuntu Sans" pitchFamily="2" charset="0"/>
                 <a:cs typeface="Times New Roman"/>
               </a:rPr>
               <a:t>:</a:t>
             </a:r>
             <a:r>
-              <a:rPr sz="1200" b="1" spc="175" dirty="0">
-                <a:latin typeface="Times New Roman"/>
-                <a:cs typeface="Times New Roman"/>
-              </a:rPr>
-              <a:t> </a:t>
-            </a:r>
-            <a:r>
-              <a:rPr sz="1200" dirty="0">
-                <a:latin typeface="Times New Roman"/>
+              <a:rPr sz="1100" b="1" spc="175" dirty="0">
+                <a:latin typeface="Ubuntu Sans" pitchFamily="2" charset="0"/>
+                <a:cs typeface="Times New Roman"/>
+              </a:rPr>
+              <a:t> </a:t>
+            </a:r>
+            <a:r>
+              <a:rPr sz="1100" dirty="0">
+                <a:latin typeface="Ubuntu Sans" pitchFamily="2" charset="0"/>
                 <a:cs typeface="Times New Roman"/>
               </a:rPr>
               <a:t>Développeur</a:t>
             </a:r>
             <a:r>
-              <a:rPr sz="1200" spc="170" dirty="0">
-                <a:latin typeface="Times New Roman"/>
-                <a:cs typeface="Times New Roman"/>
-              </a:rPr>
-              <a:t> </a:t>
-            </a:r>
-            <a:r>
-              <a:rPr sz="1200" spc="-5" dirty="0">
-                <a:latin typeface="Times New Roman"/>
+              <a:rPr sz="1100" spc="170" dirty="0">
+                <a:latin typeface="Ubuntu Sans" pitchFamily="2" charset="0"/>
+                <a:cs typeface="Times New Roman"/>
+              </a:rPr>
+              <a:t> </a:t>
+            </a:r>
+            <a:r>
+              <a:rPr sz="1100" spc="-5" dirty="0">
+                <a:latin typeface="Ubuntu Sans" pitchFamily="2" charset="0"/>
                 <a:cs typeface="Times New Roman"/>
               </a:rPr>
               <a:t>Backend</a:t>
             </a:r>
             <a:r>
-              <a:rPr sz="1200" spc="180" dirty="0">
-                <a:latin typeface="Times New Roman"/>
-                <a:cs typeface="Times New Roman"/>
-              </a:rPr>
-              <a:t> </a:t>
-            </a:r>
-            <a:r>
-              <a:rPr sz="1200" spc="-85" dirty="0">
-                <a:latin typeface="Times New Roman"/>
+              <a:rPr sz="1100" spc="180" dirty="0">
+                <a:latin typeface="Ubuntu Sans" pitchFamily="2" charset="0"/>
+                <a:cs typeface="Times New Roman"/>
+              </a:rPr>
+              <a:t> </a:t>
+            </a:r>
+            <a:r>
+              <a:rPr sz="1100" spc="-85" dirty="0">
+                <a:latin typeface="Ubuntu Sans" pitchFamily="2" charset="0"/>
                 <a:cs typeface="Times New Roman"/>
               </a:rPr>
               <a:t>JAVA</a:t>
             </a:r>
             <a:r>
-              <a:rPr sz="1200" spc="114" dirty="0">
-                <a:latin typeface="Times New Roman"/>
-                <a:cs typeface="Times New Roman"/>
-              </a:rPr>
-              <a:t> </a:t>
-            </a:r>
-            <a:r>
-              <a:rPr sz="1200" spc="-5" dirty="0">
-                <a:latin typeface="Times New Roman"/>
+              <a:rPr sz="1100" spc="114" dirty="0">
+                <a:latin typeface="Ubuntu Sans" pitchFamily="2" charset="0"/>
+                <a:cs typeface="Times New Roman"/>
+              </a:rPr>
+              <a:t> </a:t>
+            </a:r>
+            <a:r>
+              <a:rPr sz="1100" spc="-5" dirty="0">
+                <a:latin typeface="Ubuntu Sans" pitchFamily="2" charset="0"/>
                 <a:cs typeface="Times New Roman"/>
               </a:rPr>
               <a:t>au</a:t>
             </a:r>
-            <a:r>
-              <a:rPr lang="fr-FR" sz="1200" spc="-5" dirty="0">
-                <a:latin typeface="Times New Roman"/>
-                <a:cs typeface="Times New Roman"/>
-              </a:rPr>
-              <a:t> </a:t>
-            </a:r>
-            <a:r>
-              <a:rPr sz="1200" spc="-5" dirty="0">
-                <a:latin typeface="Times New Roman"/>
+            <a:endParaRPr sz="1100" dirty="0">
+              <a:latin typeface="Ubuntu Sans" pitchFamily="2" charset="0"/>
+              <a:cs typeface="Times New Roman"/>
+            </a:endParaRPr>
+          </a:p>
+          <a:p>
+            <a:pPr marL="184785">
+              <a:lnSpc>
+                <a:spcPct val="100000"/>
+              </a:lnSpc>
+              <a:spcBef>
+                <a:spcPts val="720"/>
+              </a:spcBef>
+            </a:pPr>
+            <a:r>
+              <a:rPr sz="1100" spc="-5" dirty="0">
+                <a:latin typeface="Ubuntu Sans" pitchFamily="2" charset="0"/>
                 <a:cs typeface="Times New Roman"/>
               </a:rPr>
               <a:t>sein de</a:t>
             </a:r>
             <a:r>
-              <a:rPr sz="1200" spc="-25" dirty="0">
-                <a:latin typeface="Times New Roman"/>
-                <a:cs typeface="Times New Roman"/>
-              </a:rPr>
-              <a:t> </a:t>
-            </a:r>
-            <a:r>
-              <a:rPr sz="1200" spc="-5" dirty="0">
-                <a:latin typeface="Times New Roman"/>
+              <a:rPr sz="1100" spc="-25" dirty="0">
+                <a:latin typeface="Ubuntu Sans" pitchFamily="2" charset="0"/>
+                <a:cs typeface="Times New Roman"/>
+              </a:rPr>
+              <a:t> </a:t>
+            </a:r>
+            <a:r>
+              <a:rPr sz="1100" spc="-5" dirty="0">
+                <a:latin typeface="Ubuntu Sans" pitchFamily="2" charset="0"/>
                 <a:cs typeface="Times New Roman"/>
               </a:rPr>
               <a:t>Thickeau</a:t>
             </a:r>
             <a:r>
-              <a:rPr sz="1200" spc="25" dirty="0">
-                <a:latin typeface="Times New Roman"/>
-                <a:cs typeface="Times New Roman"/>
-              </a:rPr>
-              <a:t> </a:t>
-            </a:r>
-            <a:r>
-              <a:rPr sz="1200" dirty="0">
-                <a:latin typeface="Times New Roman"/>
+              <a:rPr sz="1100" spc="25" dirty="0">
+                <a:latin typeface="Ubuntu Sans" pitchFamily="2" charset="0"/>
+                <a:cs typeface="Times New Roman"/>
+              </a:rPr>
+              <a:t> </a:t>
+            </a:r>
+            <a:r>
+              <a:rPr sz="1100" dirty="0">
+                <a:latin typeface="Ubuntu Sans" pitchFamily="2" charset="0"/>
                 <a:cs typeface="Times New Roman"/>
               </a:rPr>
               <a:t>Capital</a:t>
             </a:r>
             <a:r>
-              <a:rPr sz="1200" spc="15" dirty="0">
-                <a:latin typeface="Times New Roman"/>
-                <a:cs typeface="Times New Roman"/>
-              </a:rPr>
-              <a:t> </a:t>
-            </a:r>
-            <a:r>
-              <a:rPr sz="1200" spc="-10" dirty="0">
-                <a:latin typeface="Times New Roman"/>
+              <a:rPr sz="1100" spc="15" dirty="0">
+                <a:latin typeface="Ubuntu Sans" pitchFamily="2" charset="0"/>
+                <a:cs typeface="Times New Roman"/>
+              </a:rPr>
+              <a:t> </a:t>
+            </a:r>
+            <a:r>
+              <a:rPr sz="1100" spc="-10" dirty="0">
+                <a:latin typeface="Ubuntu Sans" pitchFamily="2" charset="0"/>
                 <a:cs typeface="Times New Roman"/>
               </a:rPr>
               <a:t>(France)</a:t>
             </a:r>
-            <a:endParaRPr sz="1200" dirty="0">
-              <a:latin typeface="Times New Roman"/>
+            <a:endParaRPr sz="1100" dirty="0">
+              <a:latin typeface="Ubuntu Sans" pitchFamily="2" charset="0"/>
               <a:cs typeface="Times New Roman"/>
             </a:endParaRPr>
           </a:p>
@@ -6645,7 +6734,9 @@
             <a:bodyPr wrap="square" lIns="0" tIns="0" rIns="0" bIns="0" rtlCol="0"/>
             <a:lstStyle/>
             <a:p>
-              <a:endParaRPr/>
+              <a:endParaRPr sz="1400">
+                <a:latin typeface="Ubuntu Sans" pitchFamily="2" charset="0"/>
+              </a:endParaRPr>
             </a:p>
           </p:txBody>
         </p:sp>
@@ -6697,7 +6788,9 @@
             <a:bodyPr wrap="square" lIns="0" tIns="0" rIns="0" bIns="0" rtlCol="0"/>
             <a:lstStyle/>
             <a:p>
-              <a:endParaRPr/>
+              <a:endParaRPr sz="1400">
+                <a:latin typeface="Ubuntu Sans" pitchFamily="2" charset="0"/>
+              </a:endParaRPr>
             </a:p>
           </p:txBody>
         </p:sp>
@@ -6711,7 +6804,7 @@
         <p:spPr>
           <a:xfrm>
             <a:off x="452119" y="5557265"/>
-            <a:ext cx="730885" cy="208279"/>
+            <a:ext cx="730885" cy="174407"/>
           </a:xfrm>
           <a:prstGeom prst="rect">
             <a:avLst/>
@@ -6732,17 +6825,17 @@
               </a:spcBef>
             </a:pPr>
             <a:r>
-              <a:rPr sz="1200" b="1" spc="-10" dirty="0">
+              <a:rPr sz="1050" b="1" spc="-10" dirty="0">
                 <a:solidFill>
                   <a:srgbClr val="2E5496"/>
                 </a:solidFill>
-                <a:latin typeface="Times New Roman"/>
+                <a:latin typeface="Ubuntu Sans" pitchFamily="2" charset="0"/>
                 <a:cs typeface="Times New Roman"/>
               </a:rPr>
               <a:t>Références</a:t>
             </a:r>
-            <a:endParaRPr sz="1200">
-              <a:latin typeface="Times New Roman"/>
+            <a:endParaRPr sz="1050">
+              <a:latin typeface="Ubuntu Sans" pitchFamily="2" charset="0"/>
               <a:cs typeface="Times New Roman"/>
             </a:endParaRPr>
           </a:p>
@@ -6757,7 +6850,7 @@
         <p:spPr>
           <a:xfrm>
             <a:off x="452119" y="5923026"/>
-            <a:ext cx="2039620" cy="574675"/>
+            <a:ext cx="2039620" cy="335989"/>
           </a:xfrm>
           <a:prstGeom prst="rect">
             <a:avLst/>
@@ -6783,161 +6876,161 @@
               </a:tabLst>
             </a:pPr>
             <a:r>
-              <a:rPr sz="1200" spc="-5" dirty="0">
-                <a:latin typeface="Times New Roman"/>
+              <a:rPr sz="1050" spc="-5" dirty="0">
+                <a:latin typeface="Ubuntu Sans" pitchFamily="2" charset="0"/>
                 <a:cs typeface="Times New Roman"/>
               </a:rPr>
               <a:t>Mr</a:t>
             </a:r>
             <a:r>
-              <a:rPr sz="1200" dirty="0">
-                <a:latin typeface="Times New Roman"/>
-                <a:cs typeface="Times New Roman"/>
-              </a:rPr>
-              <a:t> </a:t>
-            </a:r>
-            <a:r>
-              <a:rPr sz="1200" spc="-10" dirty="0">
-                <a:latin typeface="Times New Roman"/>
+              <a:rPr sz="1050" dirty="0">
+                <a:latin typeface="Ubuntu Sans" pitchFamily="2" charset="0"/>
+                <a:cs typeface="Times New Roman"/>
+              </a:rPr>
+              <a:t> </a:t>
+            </a:r>
+            <a:r>
+              <a:rPr sz="1050" spc="-10" dirty="0">
+                <a:latin typeface="Ubuntu Sans" pitchFamily="2" charset="0"/>
                 <a:cs typeface="Times New Roman"/>
               </a:rPr>
               <a:t>H</a:t>
             </a:r>
             <a:r>
-              <a:rPr sz="1200" spc="-5" dirty="0">
-                <a:latin typeface="Times New Roman"/>
+              <a:rPr sz="1050" spc="-5" dirty="0">
+                <a:latin typeface="Ubuntu Sans" pitchFamily="2" charset="0"/>
                 <a:cs typeface="Times New Roman"/>
               </a:rPr>
               <a:t>O</a:t>
             </a:r>
             <a:r>
-              <a:rPr sz="1200" spc="-10" dirty="0">
-                <a:latin typeface="Times New Roman"/>
+              <a:rPr sz="1050" spc="-10" dirty="0">
+                <a:latin typeface="Ubuntu Sans" pitchFamily="2" charset="0"/>
                 <a:cs typeface="Times New Roman"/>
               </a:rPr>
               <a:t>U</a:t>
             </a:r>
             <a:r>
-              <a:rPr sz="1200" spc="-5" dirty="0">
-                <a:latin typeface="Times New Roman"/>
+              <a:rPr sz="1050" spc="-5" dirty="0">
+                <a:latin typeface="Ubuntu Sans" pitchFamily="2" charset="0"/>
                 <a:cs typeface="Times New Roman"/>
               </a:rPr>
               <a:t>E</a:t>
             </a:r>
             <a:r>
-              <a:rPr sz="1200" spc="-10" dirty="0">
-                <a:latin typeface="Times New Roman"/>
+              <a:rPr sz="1050" spc="-10" dirty="0">
+                <a:latin typeface="Ubuntu Sans" pitchFamily="2" charset="0"/>
                 <a:cs typeface="Times New Roman"/>
               </a:rPr>
               <a:t>N</a:t>
             </a:r>
             <a:r>
-              <a:rPr sz="1200" spc="-5" dirty="0">
-                <a:latin typeface="Times New Roman"/>
+              <a:rPr sz="1050" spc="-5" dirty="0">
+                <a:latin typeface="Ubuntu Sans" pitchFamily="2" charset="0"/>
                 <a:cs typeface="Times New Roman"/>
               </a:rPr>
               <a:t>N</a:t>
             </a:r>
             <a:r>
-              <a:rPr sz="1200" spc="-10" dirty="0">
-                <a:latin typeface="Times New Roman"/>
+              <a:rPr sz="1050" spc="-10" dirty="0">
+                <a:latin typeface="Ubuntu Sans" pitchFamily="2" charset="0"/>
                 <a:cs typeface="Times New Roman"/>
               </a:rPr>
               <a:t>O</a:t>
             </a:r>
             <a:r>
-              <a:rPr sz="1200" spc="-5" dirty="0">
-                <a:latin typeface="Times New Roman"/>
+              <a:rPr sz="1050" spc="-5" dirty="0">
+                <a:latin typeface="Ubuntu Sans" pitchFamily="2" charset="0"/>
                 <a:cs typeface="Times New Roman"/>
               </a:rPr>
               <a:t>U</a:t>
             </a:r>
             <a:r>
-              <a:rPr sz="1200" spc="-75" dirty="0">
-                <a:latin typeface="Times New Roman"/>
-                <a:cs typeface="Times New Roman"/>
-              </a:rPr>
-              <a:t> </a:t>
-            </a:r>
-            <a:r>
-              <a:rPr sz="1200" dirty="0">
-                <a:latin typeface="Times New Roman"/>
+              <a:rPr sz="1050" spc="-75" dirty="0">
+                <a:latin typeface="Ubuntu Sans" pitchFamily="2" charset="0"/>
+                <a:cs typeface="Times New Roman"/>
+              </a:rPr>
+              <a:t> </a:t>
+            </a:r>
+            <a:r>
+              <a:rPr sz="1050" dirty="0">
+                <a:latin typeface="Ubuntu Sans" pitchFamily="2" charset="0"/>
                 <a:cs typeface="Times New Roman"/>
               </a:rPr>
               <a:t>Appolinai</a:t>
             </a:r>
             <a:r>
-              <a:rPr sz="1200" spc="-5" dirty="0">
-                <a:latin typeface="Times New Roman"/>
+              <a:rPr sz="1050" spc="-5" dirty="0">
+                <a:latin typeface="Ubuntu Sans" pitchFamily="2" charset="0"/>
                 <a:cs typeface="Times New Roman"/>
               </a:rPr>
               <a:t>r</a:t>
             </a:r>
             <a:r>
-              <a:rPr sz="1200" dirty="0">
-                <a:latin typeface="Times New Roman"/>
+              <a:rPr sz="1050" dirty="0">
+                <a:latin typeface="Ubuntu Sans" pitchFamily="2" charset="0"/>
                 <a:cs typeface="Times New Roman"/>
               </a:rPr>
               <a:t>e  </a:t>
             </a:r>
             <a:r>
-              <a:rPr sz="1200" spc="-5" dirty="0">
-                <a:latin typeface="Times New Roman"/>
+              <a:rPr sz="1050" spc="-5" dirty="0">
+                <a:latin typeface="Ubuntu Sans" pitchFamily="2" charset="0"/>
                 <a:cs typeface="Times New Roman"/>
               </a:rPr>
               <a:t>(ex</a:t>
             </a:r>
             <a:r>
-              <a:rPr sz="1200" spc="5" dirty="0">
-                <a:latin typeface="Times New Roman"/>
-                <a:cs typeface="Times New Roman"/>
-              </a:rPr>
-              <a:t> </a:t>
-            </a:r>
-            <a:r>
-              <a:rPr sz="1200" spc="-5" dirty="0">
-                <a:latin typeface="Times New Roman"/>
+              <a:rPr sz="1050" spc="5" dirty="0">
+                <a:latin typeface="Ubuntu Sans" pitchFamily="2" charset="0"/>
+                <a:cs typeface="Times New Roman"/>
+              </a:rPr>
+              <a:t> </a:t>
+            </a:r>
+            <a:r>
+              <a:rPr sz="1050" spc="-5" dirty="0">
+                <a:latin typeface="Ubuntu Sans" pitchFamily="2" charset="0"/>
                 <a:cs typeface="Times New Roman"/>
               </a:rPr>
               <a:t>Directeur</a:t>
             </a:r>
             <a:r>
-              <a:rPr sz="1200" spc="20" dirty="0">
-                <a:latin typeface="Times New Roman"/>
-                <a:cs typeface="Times New Roman"/>
-              </a:rPr>
-              <a:t> </a:t>
-            </a:r>
-            <a:r>
-              <a:rPr sz="1200" dirty="0">
-                <a:latin typeface="Times New Roman"/>
+              <a:rPr sz="1050" spc="20" dirty="0">
+                <a:latin typeface="Ubuntu Sans" pitchFamily="2" charset="0"/>
+                <a:cs typeface="Times New Roman"/>
+              </a:rPr>
+              <a:t> </a:t>
+            </a:r>
+            <a:r>
+              <a:rPr sz="1050" dirty="0">
+                <a:latin typeface="Ubuntu Sans" pitchFamily="2" charset="0"/>
                 <a:cs typeface="Times New Roman"/>
               </a:rPr>
               <a:t>de la </a:t>
             </a:r>
             <a:r>
-              <a:rPr sz="1200" spc="-5" dirty="0">
-                <a:latin typeface="Times New Roman"/>
+              <a:rPr sz="1050" spc="-5" dirty="0">
+                <a:latin typeface="Ubuntu Sans" pitchFamily="2" charset="0"/>
                 <a:cs typeface="Times New Roman"/>
               </a:rPr>
               <a:t>DGE </a:t>
             </a:r>
             <a:r>
-              <a:rPr sz="1200" dirty="0">
-                <a:latin typeface="Times New Roman"/>
-                <a:cs typeface="Times New Roman"/>
-              </a:rPr>
-              <a:t> </a:t>
-            </a:r>
-            <a:r>
-              <a:rPr sz="1200" spc="-5" dirty="0">
-                <a:latin typeface="Times New Roman"/>
+              <a:rPr sz="1050" dirty="0">
+                <a:latin typeface="Ubuntu Sans" pitchFamily="2" charset="0"/>
+                <a:cs typeface="Times New Roman"/>
+              </a:rPr>
+              <a:t> </a:t>
+            </a:r>
+            <a:r>
+              <a:rPr sz="1050" spc="-5" dirty="0">
+                <a:latin typeface="Ubuntu Sans" pitchFamily="2" charset="0"/>
                 <a:cs typeface="Times New Roman"/>
               </a:rPr>
               <a:t>Bénin)</a:t>
             </a:r>
-            <a:endParaRPr sz="1200">
-              <a:latin typeface="Times New Roman"/>
+            <a:endParaRPr sz="1050">
+              <a:latin typeface="Ubuntu Sans" pitchFamily="2" charset="0"/>
               <a:cs typeface="Times New Roman"/>
             </a:endParaRPr>
           </a:p>
@@ -6952,7 +7045,7 @@
         <p:spPr>
           <a:xfrm>
             <a:off x="452119" y="6654800"/>
-            <a:ext cx="1986914" cy="939800"/>
+            <a:ext cx="1986914" cy="828432"/>
           </a:xfrm>
           <a:prstGeom prst="rect">
             <a:avLst/>
@@ -6973,70 +7066,70 @@
               </a:spcBef>
             </a:pPr>
             <a:r>
-              <a:rPr sz="1200" b="1" spc="-5" dirty="0">
-                <a:latin typeface="Times New Roman"/>
+              <a:rPr sz="1050" b="1" spc="-5" dirty="0">
+                <a:latin typeface="Ubuntu Sans" pitchFamily="2" charset="0"/>
                 <a:cs typeface="Times New Roman"/>
               </a:rPr>
               <a:t>Contacts:</a:t>
             </a:r>
             <a:r>
-              <a:rPr sz="1200" b="1" spc="-25" dirty="0">
-                <a:latin typeface="Times New Roman"/>
-                <a:cs typeface="Times New Roman"/>
-              </a:rPr>
-              <a:t> </a:t>
-            </a:r>
-            <a:r>
-              <a:rPr sz="1200" dirty="0">
-                <a:latin typeface="Times New Roman"/>
+              <a:rPr sz="1050" b="1" spc="-25" dirty="0">
+                <a:latin typeface="Ubuntu Sans" pitchFamily="2" charset="0"/>
+                <a:cs typeface="Times New Roman"/>
+              </a:rPr>
+              <a:t> </a:t>
+            </a:r>
+            <a:r>
+              <a:rPr sz="1050" dirty="0">
+                <a:latin typeface="Ubuntu Sans" pitchFamily="2" charset="0"/>
                 <a:cs typeface="Times New Roman"/>
               </a:rPr>
               <a:t>97</a:t>
             </a:r>
             <a:r>
-              <a:rPr sz="1200" spc="-10" dirty="0">
-                <a:latin typeface="Times New Roman"/>
-                <a:cs typeface="Times New Roman"/>
-              </a:rPr>
-              <a:t> </a:t>
-            </a:r>
-            <a:r>
-              <a:rPr sz="1200" dirty="0">
-                <a:latin typeface="Times New Roman"/>
+              <a:rPr sz="1050" spc="-10" dirty="0">
+                <a:latin typeface="Ubuntu Sans" pitchFamily="2" charset="0"/>
+                <a:cs typeface="Times New Roman"/>
+              </a:rPr>
+              <a:t> </a:t>
+            </a:r>
+            <a:r>
+              <a:rPr sz="1050" dirty="0">
+                <a:latin typeface="Ubuntu Sans" pitchFamily="2" charset="0"/>
                 <a:cs typeface="Times New Roman"/>
               </a:rPr>
               <a:t>38</a:t>
             </a:r>
             <a:r>
-              <a:rPr sz="1200" spc="-15" dirty="0">
-                <a:latin typeface="Times New Roman"/>
-                <a:cs typeface="Times New Roman"/>
-              </a:rPr>
-              <a:t> </a:t>
-            </a:r>
-            <a:r>
-              <a:rPr sz="1200" dirty="0">
-                <a:latin typeface="Times New Roman"/>
+              <a:rPr sz="1050" spc="-15" dirty="0">
+                <a:latin typeface="Ubuntu Sans" pitchFamily="2" charset="0"/>
+                <a:cs typeface="Times New Roman"/>
+              </a:rPr>
+              <a:t> </a:t>
+            </a:r>
+            <a:r>
+              <a:rPr sz="1050" dirty="0">
+                <a:latin typeface="Ubuntu Sans" pitchFamily="2" charset="0"/>
                 <a:cs typeface="Times New Roman"/>
               </a:rPr>
               <a:t>25</a:t>
             </a:r>
             <a:r>
-              <a:rPr sz="1200" spc="-10" dirty="0">
-                <a:latin typeface="Times New Roman"/>
-                <a:cs typeface="Times New Roman"/>
-              </a:rPr>
-              <a:t> </a:t>
-            </a:r>
-            <a:r>
-              <a:rPr sz="1200" dirty="0">
-                <a:latin typeface="Times New Roman"/>
+              <a:rPr sz="1050" spc="-10" dirty="0">
+                <a:latin typeface="Ubuntu Sans" pitchFamily="2" charset="0"/>
+                <a:cs typeface="Times New Roman"/>
+              </a:rPr>
+              <a:t> </a:t>
+            </a:r>
+            <a:r>
+              <a:rPr sz="1050" dirty="0">
+                <a:latin typeface="Ubuntu Sans" pitchFamily="2" charset="0"/>
                 <a:cs typeface="Times New Roman"/>
               </a:rPr>
               <a:t>25</a:t>
             </a:r>
-            <a:endParaRPr sz="1200">
-              <a:latin typeface="Times New Roman"/>
+            <a:endParaRPr sz="1050">
+              <a:latin typeface="Ubuntu Sans" pitchFamily="2" charset="0"/>
               <a:cs typeface="Times New Roman"/>
             </a:endParaRPr>
           </a:p>
@@ -7046,8 +7139,8 @@
                 <a:spcPct val="100000"/>
               </a:lnSpc>
             </a:pPr>
-            <a:endParaRPr sz="1250">
-              <a:latin typeface="Times New Roman"/>
+            <a:endParaRPr sz="1100">
+              <a:latin typeface="Ubuntu Sans" pitchFamily="2" charset="0"/>
               <a:cs typeface="Times New Roman"/>
             </a:endParaRPr>
           </a:p>
@@ -7063,84 +7156,84 @@
               </a:tabLst>
             </a:pPr>
             <a:r>
-              <a:rPr sz="1200" spc="-5" dirty="0">
-                <a:latin typeface="Times New Roman"/>
+              <a:rPr sz="1050" spc="-5" dirty="0">
+                <a:latin typeface="Ubuntu Sans" pitchFamily="2" charset="0"/>
                 <a:cs typeface="Times New Roman"/>
               </a:rPr>
               <a:t>Mr TCHINKOUN Corentin </a:t>
             </a:r>
             <a:r>
-              <a:rPr sz="1200" dirty="0">
-                <a:latin typeface="Times New Roman"/>
-                <a:cs typeface="Times New Roman"/>
-              </a:rPr>
-              <a:t> </a:t>
-            </a:r>
-            <a:r>
-              <a:rPr sz="1200" spc="-5" dirty="0">
-                <a:latin typeface="Times New Roman"/>
+              <a:rPr sz="1050" dirty="0">
+                <a:latin typeface="Ubuntu Sans" pitchFamily="2" charset="0"/>
+                <a:cs typeface="Times New Roman"/>
+              </a:rPr>
+              <a:t> </a:t>
+            </a:r>
+            <a:r>
+              <a:rPr sz="1050" spc="-5" dirty="0">
+                <a:latin typeface="Ubuntu Sans" pitchFamily="2" charset="0"/>
                 <a:cs typeface="Times New Roman"/>
               </a:rPr>
               <a:t>(Directeur</a:t>
             </a:r>
             <a:r>
-              <a:rPr sz="1200" spc="20" dirty="0">
-                <a:latin typeface="Times New Roman"/>
-                <a:cs typeface="Times New Roman"/>
-              </a:rPr>
-              <a:t> </a:t>
-            </a:r>
-            <a:r>
-              <a:rPr sz="1200" spc="-5" dirty="0">
-                <a:latin typeface="Times New Roman"/>
+              <a:rPr sz="1050" spc="20" dirty="0">
+                <a:latin typeface="Ubuntu Sans" pitchFamily="2" charset="0"/>
+                <a:cs typeface="Times New Roman"/>
+              </a:rPr>
+              <a:t> </a:t>
+            </a:r>
+            <a:r>
+              <a:rPr sz="1050" spc="-5" dirty="0">
+                <a:latin typeface="Ubuntu Sans" pitchFamily="2" charset="0"/>
                 <a:cs typeface="Times New Roman"/>
               </a:rPr>
               <a:t>Général </a:t>
             </a:r>
             <a:r>
-              <a:rPr sz="1200" dirty="0">
-                <a:latin typeface="Times New Roman"/>
-                <a:cs typeface="Times New Roman"/>
-              </a:rPr>
-              <a:t> </a:t>
-            </a:r>
-            <a:r>
-              <a:rPr sz="1200" spc="-20" dirty="0">
-                <a:latin typeface="Times New Roman"/>
+              <a:rPr sz="1050" dirty="0">
+                <a:latin typeface="Ubuntu Sans" pitchFamily="2" charset="0"/>
+                <a:cs typeface="Times New Roman"/>
+              </a:rPr>
+              <a:t> </a:t>
+            </a:r>
+            <a:r>
+              <a:rPr sz="1050" spc="-20" dirty="0">
+                <a:latin typeface="Ubuntu Sans" pitchFamily="2" charset="0"/>
                 <a:cs typeface="Times New Roman"/>
               </a:rPr>
               <a:t>d’IMPACT</a:t>
             </a:r>
             <a:r>
-              <a:rPr sz="1200" spc="-35" dirty="0">
-                <a:latin typeface="Times New Roman"/>
-                <a:cs typeface="Times New Roman"/>
-              </a:rPr>
-              <a:t> </a:t>
-            </a:r>
-            <a:r>
-              <a:rPr sz="1200" spc="-5" dirty="0">
-                <a:latin typeface="Times New Roman"/>
+              <a:rPr sz="1050" spc="-35" dirty="0">
+                <a:latin typeface="Ubuntu Sans" pitchFamily="2" charset="0"/>
+                <a:cs typeface="Times New Roman"/>
+              </a:rPr>
+              <a:t> </a:t>
+            </a:r>
+            <a:r>
+              <a:rPr sz="1050" spc="-5" dirty="0">
+                <a:latin typeface="Ubuntu Sans" pitchFamily="2" charset="0"/>
                 <a:cs typeface="Times New Roman"/>
               </a:rPr>
               <a:t>and</a:t>
             </a:r>
             <a:r>
-              <a:rPr sz="1200" spc="-15" dirty="0">
-                <a:latin typeface="Times New Roman"/>
-                <a:cs typeface="Times New Roman"/>
-              </a:rPr>
-              <a:t> </a:t>
-            </a:r>
-            <a:r>
-              <a:rPr sz="1200" spc="-25" dirty="0">
-                <a:latin typeface="Times New Roman"/>
+              <a:rPr sz="1050" spc="-15" dirty="0">
+                <a:latin typeface="Ubuntu Sans" pitchFamily="2" charset="0"/>
+                <a:cs typeface="Times New Roman"/>
+              </a:rPr>
+              <a:t> </a:t>
+            </a:r>
+            <a:r>
+              <a:rPr sz="1050" spc="-25" dirty="0">
+                <a:latin typeface="Ubuntu Sans" pitchFamily="2" charset="0"/>
                 <a:cs typeface="Times New Roman"/>
               </a:rPr>
               <a:t>PARTNERS)</a:t>
             </a:r>
-            <a:endParaRPr sz="1200">
-              <a:latin typeface="Times New Roman"/>
+            <a:endParaRPr sz="1050">
+              <a:latin typeface="Ubuntu Sans" pitchFamily="2" charset="0"/>
               <a:cs typeface="Times New Roman"/>
             </a:endParaRPr>
           </a:p>
@@ -7155,7 +7248,7 @@
         <p:spPr>
           <a:xfrm>
             <a:off x="452119" y="7752080"/>
-            <a:ext cx="1412240" cy="208279"/>
+            <a:ext cx="1412240" cy="174407"/>
           </a:xfrm>
           <a:prstGeom prst="rect">
             <a:avLst/>
@@ -7176,70 +7269,70 @@
               </a:spcBef>
             </a:pPr>
             <a:r>
-              <a:rPr sz="1200" b="1" spc="-5" dirty="0">
-                <a:latin typeface="Times New Roman"/>
+              <a:rPr sz="1050" b="1" spc="-5" dirty="0">
+                <a:latin typeface="Ubuntu Sans" pitchFamily="2" charset="0"/>
                 <a:cs typeface="Times New Roman"/>
               </a:rPr>
               <a:t>Contacts:</a:t>
             </a:r>
             <a:r>
-              <a:rPr sz="1200" b="1" spc="-25" dirty="0">
-                <a:latin typeface="Times New Roman"/>
-                <a:cs typeface="Times New Roman"/>
-              </a:rPr>
-              <a:t> </a:t>
-            </a:r>
-            <a:r>
-              <a:rPr sz="1200" dirty="0">
-                <a:latin typeface="Times New Roman"/>
+              <a:rPr sz="1050" b="1" spc="-25" dirty="0">
+                <a:latin typeface="Ubuntu Sans" pitchFamily="2" charset="0"/>
+                <a:cs typeface="Times New Roman"/>
+              </a:rPr>
+              <a:t> </a:t>
+            </a:r>
+            <a:r>
+              <a:rPr sz="1050" dirty="0">
+                <a:latin typeface="Ubuntu Sans" pitchFamily="2" charset="0"/>
                 <a:cs typeface="Times New Roman"/>
               </a:rPr>
               <a:t>97</a:t>
             </a:r>
             <a:r>
-              <a:rPr sz="1200" spc="-15" dirty="0">
-                <a:latin typeface="Times New Roman"/>
-                <a:cs typeface="Times New Roman"/>
-              </a:rPr>
-              <a:t> </a:t>
-            </a:r>
-            <a:r>
-              <a:rPr sz="1200" dirty="0">
-                <a:latin typeface="Times New Roman"/>
+              <a:rPr sz="1050" spc="-15" dirty="0">
+                <a:latin typeface="Ubuntu Sans" pitchFamily="2" charset="0"/>
+                <a:cs typeface="Times New Roman"/>
+              </a:rPr>
+              <a:t> </a:t>
+            </a:r>
+            <a:r>
+              <a:rPr sz="1050" dirty="0">
+                <a:latin typeface="Ubuntu Sans" pitchFamily="2" charset="0"/>
                 <a:cs typeface="Times New Roman"/>
               </a:rPr>
               <a:t>89</a:t>
             </a:r>
             <a:r>
-              <a:rPr sz="1200" spc="-15" dirty="0">
-                <a:latin typeface="Times New Roman"/>
-                <a:cs typeface="Times New Roman"/>
-              </a:rPr>
-              <a:t> </a:t>
-            </a:r>
-            <a:r>
-              <a:rPr sz="1200" dirty="0">
-                <a:latin typeface="Times New Roman"/>
+              <a:rPr sz="1050" spc="-15" dirty="0">
+                <a:latin typeface="Ubuntu Sans" pitchFamily="2" charset="0"/>
+                <a:cs typeface="Times New Roman"/>
+              </a:rPr>
+              <a:t> </a:t>
+            </a:r>
+            <a:r>
+              <a:rPr sz="1050" dirty="0">
+                <a:latin typeface="Ubuntu Sans" pitchFamily="2" charset="0"/>
                 <a:cs typeface="Times New Roman"/>
               </a:rPr>
               <a:t>51</a:t>
             </a:r>
             <a:r>
-              <a:rPr sz="1200" spc="-20" dirty="0">
-                <a:latin typeface="Times New Roman"/>
-                <a:cs typeface="Times New Roman"/>
-              </a:rPr>
-              <a:t> </a:t>
-            </a:r>
-            <a:r>
-              <a:rPr sz="1200" dirty="0">
-                <a:latin typeface="Times New Roman"/>
+              <a:rPr sz="1050" spc="-20" dirty="0">
+                <a:latin typeface="Ubuntu Sans" pitchFamily="2" charset="0"/>
+                <a:cs typeface="Times New Roman"/>
+              </a:rPr>
+              <a:t> </a:t>
+            </a:r>
+            <a:r>
+              <a:rPr sz="1050" dirty="0">
+                <a:latin typeface="Ubuntu Sans" pitchFamily="2" charset="0"/>
                 <a:cs typeface="Times New Roman"/>
               </a:rPr>
               <a:t>28</a:t>
             </a:r>
-            <a:endParaRPr sz="1200">
-              <a:latin typeface="Times New Roman"/>
+            <a:endParaRPr sz="1050">
+              <a:latin typeface="Ubuntu Sans" pitchFamily="2" charset="0"/>
               <a:cs typeface="Times New Roman"/>
             </a:endParaRPr>
           </a:p>
@@ -7254,7 +7347,7 @@
         <p:spPr>
           <a:xfrm>
             <a:off x="452119" y="8117535"/>
-            <a:ext cx="1934845" cy="391795"/>
+            <a:ext cx="1934845" cy="335989"/>
           </a:xfrm>
           <a:prstGeom prst="rect">
             <a:avLst/>
@@ -7280,56 +7373,56 @@
               </a:tabLst>
             </a:pPr>
             <a:r>
-              <a:rPr sz="1200" spc="-5" dirty="0">
-                <a:latin typeface="Times New Roman"/>
+              <a:rPr sz="1050" spc="-5" dirty="0">
+                <a:latin typeface="Ubuntu Sans" pitchFamily="2" charset="0"/>
                 <a:cs typeface="Times New Roman"/>
               </a:rPr>
               <a:t>Dr</a:t>
             </a:r>
             <a:r>
-              <a:rPr sz="1200" spc="-50" dirty="0">
-                <a:latin typeface="Times New Roman"/>
-                <a:cs typeface="Times New Roman"/>
-              </a:rPr>
-              <a:t> </a:t>
-            </a:r>
-            <a:r>
-              <a:rPr sz="1200" spc="-10" dirty="0">
-                <a:latin typeface="Times New Roman"/>
+              <a:rPr sz="1050" spc="-50" dirty="0">
+                <a:latin typeface="Ubuntu Sans" pitchFamily="2" charset="0"/>
+                <a:cs typeface="Times New Roman"/>
+              </a:rPr>
+              <a:t> </a:t>
+            </a:r>
+            <a:r>
+              <a:rPr sz="1050" spc="-10" dirty="0">
+                <a:latin typeface="Ubuntu Sans" pitchFamily="2" charset="0"/>
                 <a:cs typeface="Times New Roman"/>
               </a:rPr>
               <a:t>TOGBE</a:t>
             </a:r>
             <a:r>
-              <a:rPr sz="1200" spc="-5" dirty="0">
-                <a:latin typeface="Times New Roman"/>
-                <a:cs typeface="Times New Roman"/>
-              </a:rPr>
-              <a:t> </a:t>
-            </a:r>
-            <a:r>
-              <a:rPr sz="1200" dirty="0">
-                <a:latin typeface="Times New Roman"/>
+              <a:rPr sz="1050" spc="-5" dirty="0">
+                <a:latin typeface="Ubuntu Sans" pitchFamily="2" charset="0"/>
+                <a:cs typeface="Times New Roman"/>
+              </a:rPr>
+              <a:t> </a:t>
+            </a:r>
+            <a:r>
+              <a:rPr sz="1050" dirty="0">
+                <a:latin typeface="Ubuntu Sans" pitchFamily="2" charset="0"/>
                 <a:cs typeface="Times New Roman"/>
               </a:rPr>
               <a:t>Codjo</a:t>
             </a:r>
             <a:r>
-              <a:rPr sz="1200" spc="-45" dirty="0">
-                <a:latin typeface="Times New Roman"/>
-                <a:cs typeface="Times New Roman"/>
-              </a:rPr>
-              <a:t> </a:t>
-            </a:r>
-            <a:r>
-              <a:rPr sz="1200" spc="-5" dirty="0">
-                <a:latin typeface="Times New Roman"/>
+              <a:rPr sz="1050" spc="-45" dirty="0">
+                <a:latin typeface="Ubuntu Sans" pitchFamily="2" charset="0"/>
+                <a:cs typeface="Times New Roman"/>
+              </a:rPr>
+              <a:t> </a:t>
+            </a:r>
+            <a:r>
+              <a:rPr sz="1050" spc="-5" dirty="0">
+                <a:latin typeface="Ubuntu Sans" pitchFamily="2" charset="0"/>
                 <a:cs typeface="Times New Roman"/>
               </a:rPr>
               <a:t>Timonthé</a:t>
             </a:r>
-            <a:endParaRPr sz="1200">
-              <a:latin typeface="Times New Roman"/>
+            <a:endParaRPr sz="1050">
+              <a:latin typeface="Ubuntu Sans" pitchFamily="2" charset="0"/>
               <a:cs typeface="Times New Roman"/>
             </a:endParaRPr>
           </a:p>
@@ -7343,42 +7436,42 @@
               </a:spcBef>
             </a:pPr>
             <a:r>
-              <a:rPr sz="1200" spc="-5" dirty="0">
-                <a:latin typeface="Times New Roman"/>
+              <a:rPr sz="1050" spc="-5" dirty="0">
+                <a:latin typeface="Ubuntu Sans" pitchFamily="2" charset="0"/>
                 <a:cs typeface="Times New Roman"/>
               </a:rPr>
               <a:t>(Maitre </a:t>
             </a:r>
             <a:r>
-              <a:rPr sz="1200" dirty="0">
-                <a:latin typeface="Times New Roman"/>
+              <a:rPr sz="1050" dirty="0">
+                <a:latin typeface="Ubuntu Sans" pitchFamily="2" charset="0"/>
                 <a:cs typeface="Times New Roman"/>
               </a:rPr>
               <a:t>de</a:t>
             </a:r>
             <a:r>
-              <a:rPr sz="1200" spc="-5" dirty="0">
-                <a:latin typeface="Times New Roman"/>
+              <a:rPr sz="1050" spc="-5" dirty="0">
+                <a:latin typeface="Ubuntu Sans" pitchFamily="2" charset="0"/>
                 <a:cs typeface="Times New Roman"/>
               </a:rPr>
               <a:t> Conférence</a:t>
             </a:r>
             <a:r>
-              <a:rPr sz="1200" spc="15" dirty="0">
-                <a:latin typeface="Times New Roman"/>
-                <a:cs typeface="Times New Roman"/>
-              </a:rPr>
-              <a:t> </a:t>
-            </a:r>
-            <a:r>
-              <a:rPr sz="1200" dirty="0">
-                <a:latin typeface="Times New Roman"/>
+              <a:rPr sz="1050" spc="15" dirty="0">
+                <a:latin typeface="Ubuntu Sans" pitchFamily="2" charset="0"/>
+                <a:cs typeface="Times New Roman"/>
+              </a:rPr>
+              <a:t> </a:t>
+            </a:r>
+            <a:r>
+              <a:rPr sz="1050" dirty="0">
+                <a:latin typeface="Ubuntu Sans" pitchFamily="2" charset="0"/>
                 <a:cs typeface="Times New Roman"/>
               </a:rPr>
               <a:t>)</a:t>
             </a:r>
-            <a:endParaRPr sz="1200">
-              <a:latin typeface="Times New Roman"/>
+            <a:endParaRPr sz="1050">
+              <a:latin typeface="Ubuntu Sans" pitchFamily="2" charset="0"/>
               <a:cs typeface="Times New Roman"/>
             </a:endParaRPr>
           </a:p>
@@ -7393,7 +7486,7 @@
         <p:spPr>
           <a:xfrm>
             <a:off x="452119" y="8666784"/>
-            <a:ext cx="1412240" cy="208279"/>
+            <a:ext cx="1412240" cy="174407"/>
           </a:xfrm>
           <a:prstGeom prst="rect">
             <a:avLst/>
@@ -7414,70 +7507,70 @@
               </a:spcBef>
             </a:pPr>
             <a:r>
-              <a:rPr sz="1200" b="1" spc="-5" dirty="0">
-                <a:latin typeface="Times New Roman"/>
+              <a:rPr sz="1050" b="1" spc="-5" dirty="0">
+                <a:latin typeface="Ubuntu Sans" pitchFamily="2" charset="0"/>
                 <a:cs typeface="Times New Roman"/>
               </a:rPr>
               <a:t>Contacts:</a:t>
             </a:r>
             <a:r>
-              <a:rPr sz="1200" b="1" spc="-25" dirty="0">
-                <a:latin typeface="Times New Roman"/>
-                <a:cs typeface="Times New Roman"/>
-              </a:rPr>
-              <a:t> </a:t>
-            </a:r>
-            <a:r>
-              <a:rPr sz="1200" dirty="0">
-                <a:latin typeface="Times New Roman"/>
+              <a:rPr sz="1050" b="1" spc="-25" dirty="0">
+                <a:latin typeface="Ubuntu Sans" pitchFamily="2" charset="0"/>
+                <a:cs typeface="Times New Roman"/>
+              </a:rPr>
+              <a:t> </a:t>
+            </a:r>
+            <a:r>
+              <a:rPr sz="1050" dirty="0">
+                <a:latin typeface="Ubuntu Sans" pitchFamily="2" charset="0"/>
                 <a:cs typeface="Times New Roman"/>
               </a:rPr>
               <a:t>97</a:t>
             </a:r>
             <a:r>
-              <a:rPr sz="1200" spc="-15" dirty="0">
-                <a:latin typeface="Times New Roman"/>
-                <a:cs typeface="Times New Roman"/>
-              </a:rPr>
-              <a:t> </a:t>
-            </a:r>
-            <a:r>
-              <a:rPr sz="1200" dirty="0">
-                <a:latin typeface="Times New Roman"/>
+              <a:rPr sz="1050" spc="-15" dirty="0">
+                <a:latin typeface="Ubuntu Sans" pitchFamily="2" charset="0"/>
+                <a:cs typeface="Times New Roman"/>
+              </a:rPr>
+              <a:t> </a:t>
+            </a:r>
+            <a:r>
+              <a:rPr sz="1050" dirty="0">
+                <a:latin typeface="Ubuntu Sans" pitchFamily="2" charset="0"/>
                 <a:cs typeface="Times New Roman"/>
               </a:rPr>
               <a:t>70</a:t>
             </a:r>
             <a:r>
-              <a:rPr sz="1200" spc="-15" dirty="0">
-                <a:latin typeface="Times New Roman"/>
-                <a:cs typeface="Times New Roman"/>
-              </a:rPr>
-              <a:t> </a:t>
-            </a:r>
-            <a:r>
-              <a:rPr sz="1200" dirty="0">
-                <a:latin typeface="Times New Roman"/>
+              <a:rPr sz="1050" spc="-15" dirty="0">
+                <a:latin typeface="Ubuntu Sans" pitchFamily="2" charset="0"/>
+                <a:cs typeface="Times New Roman"/>
+              </a:rPr>
+              <a:t> </a:t>
+            </a:r>
+            <a:r>
+              <a:rPr sz="1050" dirty="0">
+                <a:latin typeface="Ubuntu Sans" pitchFamily="2" charset="0"/>
                 <a:cs typeface="Times New Roman"/>
               </a:rPr>
               <a:t>68</a:t>
             </a:r>
             <a:r>
-              <a:rPr sz="1200" spc="-20" dirty="0">
-                <a:latin typeface="Times New Roman"/>
-                <a:cs typeface="Times New Roman"/>
-              </a:rPr>
-              <a:t> </a:t>
-            </a:r>
-            <a:r>
-              <a:rPr sz="1200" dirty="0">
-                <a:latin typeface="Times New Roman"/>
+              <a:rPr sz="1050" spc="-20" dirty="0">
+                <a:latin typeface="Ubuntu Sans" pitchFamily="2" charset="0"/>
+                <a:cs typeface="Times New Roman"/>
+              </a:rPr>
+              <a:t> </a:t>
+            </a:r>
+            <a:r>
+              <a:rPr sz="1050" dirty="0">
+                <a:latin typeface="Ubuntu Sans" pitchFamily="2" charset="0"/>
                 <a:cs typeface="Times New Roman"/>
               </a:rPr>
               <a:t>50</a:t>
             </a:r>
-            <a:endParaRPr sz="1200">
-              <a:latin typeface="Times New Roman"/>
+            <a:endParaRPr sz="1050">
+              <a:latin typeface="Ubuntu Sans" pitchFamily="2" charset="0"/>
               <a:cs typeface="Times New Roman"/>
             </a:endParaRPr>
           </a:p>
@@ -7551,7 +7644,9 @@
             <a:bodyPr wrap="square" lIns="0" tIns="0" rIns="0" bIns="0" rtlCol="0"/>
             <a:lstStyle/>
             <a:p>
-              <a:endParaRPr/>
+              <a:endParaRPr sz="1400">
+                <a:latin typeface="Ubuntu Sans" pitchFamily="2" charset="0"/>
+              </a:endParaRPr>
             </a:p>
           </p:txBody>
         </p:sp>
@@ -7601,7 +7696,9 @@
             <a:bodyPr wrap="square" lIns="0" tIns="0" rIns="0" bIns="0" rtlCol="0"/>
             <a:lstStyle/>
             <a:p>
-              <a:endParaRPr/>
+              <a:endParaRPr sz="1400">
+                <a:latin typeface="Ubuntu Sans" pitchFamily="2" charset="0"/>
+              </a:endParaRPr>
             </a:p>
           </p:txBody>
         </p:sp>
@@ -7643,7 +7740,9 @@
             <a:bodyPr wrap="square" lIns="0" tIns="0" rIns="0" bIns="0" rtlCol="0"/>
             <a:lstStyle/>
             <a:p>
-              <a:endParaRPr/>
+              <a:endParaRPr sz="1400">
+                <a:latin typeface="Ubuntu Sans" pitchFamily="2" charset="0"/>
+              </a:endParaRPr>
             </a:p>
           </p:txBody>
         </p:sp>
@@ -7747,7 +7846,9 @@
             <a:bodyPr wrap="square" lIns="0" tIns="0" rIns="0" bIns="0" rtlCol="0"/>
             <a:lstStyle/>
             <a:p>
-              <a:endParaRPr/>
+              <a:endParaRPr sz="1400">
+                <a:latin typeface="Ubuntu Sans" pitchFamily="2" charset="0"/>
+              </a:endParaRPr>
             </a:p>
           </p:txBody>
         </p:sp>
@@ -7789,7 +7890,9 @@
             <a:bodyPr wrap="square" lIns="0" tIns="0" rIns="0" bIns="0" rtlCol="0"/>
             <a:lstStyle/>
             <a:p>
-              <a:endParaRPr/>
+              <a:endParaRPr sz="1400">
+                <a:latin typeface="Ubuntu Sans" pitchFamily="2" charset="0"/>
+              </a:endParaRPr>
             </a:p>
           </p:txBody>
         </p:sp>
@@ -7831,7 +7934,9 @@
             <a:bodyPr wrap="square" lIns="0" tIns="0" rIns="0" bIns="0" rtlCol="0"/>
             <a:lstStyle/>
             <a:p>
-              <a:endParaRPr/>
+              <a:endParaRPr sz="1400">
+                <a:latin typeface="Ubuntu Sans" pitchFamily="2" charset="0"/>
+              </a:endParaRPr>
             </a:p>
           </p:txBody>
         </p:sp>
@@ -7899,7 +8004,9 @@
             <a:bodyPr wrap="square" lIns="0" tIns="0" rIns="0" bIns="0" rtlCol="0"/>
             <a:lstStyle/>
             <a:p>
-              <a:endParaRPr/>
+              <a:endParaRPr sz="1400">
+                <a:latin typeface="Ubuntu Sans" pitchFamily="2" charset="0"/>
+              </a:endParaRPr>
             </a:p>
           </p:txBody>
         </p:sp>
@@ -8554,7 +8661,7 @@
         <p:spPr>
           <a:xfrm>
             <a:off x="2758820" y="3721353"/>
-            <a:ext cx="236854" cy="208279"/>
+            <a:ext cx="236854" cy="174407"/>
           </a:xfrm>
           <a:prstGeom prst="rect">
             <a:avLst/>
@@ -8575,14 +8682,14 @@
               </a:spcBef>
             </a:pPr>
             <a:r>
-              <a:rPr sz="1200" b="1" spc="-10" dirty="0">
-                <a:latin typeface="Times New Roman"/>
+              <a:rPr sz="1050" b="1" spc="-10" dirty="0">
+                <a:latin typeface="Ubuntu Sans" pitchFamily="2" charset="0"/>
                 <a:cs typeface="Times New Roman"/>
               </a:rPr>
               <a:t>DE</a:t>
             </a:r>
-            <a:endParaRPr sz="1200">
-              <a:latin typeface="Times New Roman"/>
+            <a:endParaRPr sz="1050">
+              <a:latin typeface="Ubuntu Sans" pitchFamily="2" charset="0"/>
               <a:cs typeface="Times New Roman"/>
             </a:endParaRPr>
           </a:p>
@@ -8597,7 +8704,7 @@
         <p:spPr>
           <a:xfrm>
             <a:off x="3341370" y="3721353"/>
-            <a:ext cx="135890" cy="208279"/>
+            <a:ext cx="135890" cy="174407"/>
           </a:xfrm>
           <a:prstGeom prst="rect">
             <a:avLst/>
@@ -8618,14 +8725,14 @@
               </a:spcBef>
             </a:pPr>
             <a:r>
-              <a:rPr sz="1200" b="1" spc="-5" dirty="0">
-                <a:latin typeface="Times New Roman"/>
+              <a:rPr sz="1050" b="1" spc="-5" dirty="0">
+                <a:latin typeface="Ubuntu Sans" pitchFamily="2" charset="0"/>
                 <a:cs typeface="Times New Roman"/>
               </a:rPr>
               <a:t>A</a:t>
             </a:r>
-            <a:endParaRPr sz="1200">
-              <a:latin typeface="Times New Roman"/>
+            <a:endParaRPr sz="1050">
+              <a:latin typeface="Ubuntu Sans" pitchFamily="2" charset="0"/>
               <a:cs typeface="Times New Roman"/>
             </a:endParaRPr>
           </a:p>
@@ -8640,7 +8747,7 @@
         <p:spPr>
           <a:xfrm>
             <a:off x="2758820" y="3946905"/>
-            <a:ext cx="745490" cy="208279"/>
+            <a:ext cx="745490" cy="174407"/>
           </a:xfrm>
           <a:prstGeom prst="rect">
             <a:avLst/>
@@ -8661,28 +8768,28 @@
               </a:spcBef>
             </a:pPr>
             <a:r>
-              <a:rPr sz="1200" b="1" dirty="0">
-                <a:latin typeface="Times New Roman"/>
+              <a:rPr sz="1050" b="1" dirty="0">
+                <a:latin typeface="Ubuntu Sans" pitchFamily="2" charset="0"/>
                 <a:cs typeface="Times New Roman"/>
               </a:rPr>
               <a:t>2017</a:t>
             </a:r>
             <a:r>
-              <a:rPr sz="1200" b="1" spc="475" dirty="0">
-                <a:latin typeface="Times New Roman"/>
-                <a:cs typeface="Times New Roman"/>
-              </a:rPr>
-              <a:t> </a:t>
-            </a:r>
-            <a:r>
-              <a:rPr sz="1200" b="1" dirty="0">
-                <a:latin typeface="Times New Roman"/>
+              <a:rPr sz="1050" b="1" spc="475" dirty="0">
+                <a:latin typeface="Ubuntu Sans" pitchFamily="2" charset="0"/>
+                <a:cs typeface="Times New Roman"/>
+              </a:rPr>
+              <a:t> </a:t>
+            </a:r>
+            <a:r>
+              <a:rPr sz="1050" b="1" dirty="0">
+                <a:latin typeface="Ubuntu Sans" pitchFamily="2" charset="0"/>
                 <a:cs typeface="Times New Roman"/>
               </a:rPr>
               <a:t>2018</a:t>
             </a:r>
-            <a:endParaRPr sz="1200">
-              <a:latin typeface="Times New Roman"/>
+            <a:endParaRPr sz="1050">
+              <a:latin typeface="Ubuntu Sans" pitchFamily="2" charset="0"/>
               <a:cs typeface="Times New Roman"/>
             </a:endParaRPr>
           </a:p>
@@ -8718,58 +8825,54 @@
               </a:spcBef>
             </a:pPr>
             <a:r>
-              <a:rPr sz="1200" dirty="0">
-                <a:latin typeface="Times New Roman"/>
+              <a:rPr sz="1050" dirty="0">
+                <a:latin typeface="Ubuntu Sans" pitchFamily="2" charset="0"/>
                 <a:cs typeface="Times New Roman"/>
               </a:rPr>
               <a:t>Complexe- </a:t>
             </a:r>
             <a:r>
-              <a:rPr sz="1200" spc="5" dirty="0">
-                <a:latin typeface="Times New Roman"/>
-                <a:cs typeface="Times New Roman"/>
-              </a:rPr>
-              <a:t> </a:t>
-            </a:r>
-            <a:r>
-              <a:rPr sz="1200" spc="-5" dirty="0">
-                <a:latin typeface="Times New Roman"/>
+              <a:rPr sz="1050" spc="5" dirty="0">
+                <a:latin typeface="Ubuntu Sans" pitchFamily="2" charset="0"/>
+                <a:cs typeface="Times New Roman"/>
+              </a:rPr>
+              <a:t> </a:t>
+            </a:r>
+            <a:r>
+              <a:rPr sz="1050" spc="-5" dirty="0">
+                <a:latin typeface="Ubuntu Sans" pitchFamily="2" charset="0"/>
                 <a:cs typeface="Times New Roman"/>
               </a:rPr>
               <a:t>Scolaire</a:t>
             </a:r>
             <a:r>
-              <a:rPr sz="1200" spc="195" dirty="0">
-                <a:latin typeface="Times New Roman"/>
-                <a:cs typeface="Times New Roman"/>
-              </a:rPr>
-              <a:t> </a:t>
-            </a:r>
-            <a:r>
-              <a:rPr sz="1200" spc="-15" dirty="0">
-                <a:latin typeface="Times New Roman"/>
+              <a:rPr sz="1050" spc="195" dirty="0">
+                <a:latin typeface="Ubuntu Sans" pitchFamily="2" charset="0"/>
+                <a:cs typeface="Times New Roman"/>
+              </a:rPr>
+              <a:t> </a:t>
+            </a:r>
+            <a:r>
+              <a:rPr sz="1050" spc="-15" dirty="0">
+                <a:latin typeface="Ubuntu Sans" pitchFamily="2" charset="0"/>
                 <a:cs typeface="Times New Roman"/>
               </a:rPr>
               <a:t>La </a:t>
             </a:r>
             <a:r>
-              <a:rPr sz="1200" spc="-285" dirty="0">
-                <a:latin typeface="Times New Roman"/>
-                <a:cs typeface="Times New Roman"/>
-              </a:rPr>
-              <a:t> </a:t>
-            </a:r>
-            <a:r>
-              <a:rPr sz="1200" dirty="0">
-                <a:latin typeface="Times New Roman"/>
+              <a:rPr sz="1050" spc="-285" dirty="0">
+                <a:latin typeface="Ubuntu Sans" pitchFamily="2" charset="0"/>
+                <a:cs typeface="Times New Roman"/>
+              </a:rPr>
+              <a:t> </a:t>
+            </a:r>
+            <a:r>
+              <a:rPr sz="1050" dirty="0">
+                <a:latin typeface="Ubuntu Sans" pitchFamily="2" charset="0"/>
                 <a:cs typeface="Times New Roman"/>
               </a:rPr>
               <a:t>Plénitude</a:t>
             </a:r>
-            <a:endParaRPr sz="1200">
-              <a:latin typeface="Times New Roman"/>
-              <a:cs typeface="Times New Roman"/>
-            </a:endParaRPr>
           </a:p>
         </p:txBody>
       </p:sp>
@@ -8782,7 +8885,7 @@
         <p:spPr>
           <a:xfrm>
             <a:off x="4660138" y="3946905"/>
-            <a:ext cx="809625" cy="391160"/>
+            <a:ext cx="809625" cy="335989"/>
           </a:xfrm>
           <a:prstGeom prst="rect">
             <a:avLst/>
@@ -8803,56 +8906,56 @@
               </a:spcBef>
             </a:pPr>
             <a:r>
-              <a:rPr sz="1200" spc="-10" dirty="0">
-                <a:latin typeface="Times New Roman"/>
+              <a:rPr sz="1050" spc="-10" dirty="0">
+                <a:latin typeface="Ubuntu Sans" pitchFamily="2" charset="0"/>
                 <a:cs typeface="Times New Roman"/>
               </a:rPr>
               <a:t>B</a:t>
             </a:r>
             <a:r>
-              <a:rPr sz="1200" spc="-5" dirty="0">
-                <a:latin typeface="Times New Roman"/>
+              <a:rPr sz="1050" spc="-5" dirty="0">
+                <a:latin typeface="Ubuntu Sans" pitchFamily="2" charset="0"/>
                 <a:cs typeface="Times New Roman"/>
               </a:rPr>
               <a:t>acca</a:t>
             </a:r>
             <a:r>
-              <a:rPr sz="1200" dirty="0">
-                <a:latin typeface="Times New Roman"/>
+              <a:rPr sz="1050" dirty="0">
+                <a:latin typeface="Ubuntu Sans" pitchFamily="2" charset="0"/>
                 <a:cs typeface="Times New Roman"/>
               </a:rPr>
               <a:t>laur</a:t>
             </a:r>
             <a:r>
-              <a:rPr sz="1200" spc="5" dirty="0">
-                <a:latin typeface="Times New Roman"/>
+              <a:rPr sz="1050" spc="5" dirty="0">
+                <a:latin typeface="Ubuntu Sans" pitchFamily="2" charset="0"/>
                 <a:cs typeface="Times New Roman"/>
               </a:rPr>
               <a:t>é</a:t>
             </a:r>
             <a:r>
-              <a:rPr sz="1200" spc="-5" dirty="0">
-                <a:latin typeface="Times New Roman"/>
+              <a:rPr sz="1050" spc="-5" dirty="0">
+                <a:latin typeface="Ubuntu Sans" pitchFamily="2" charset="0"/>
                 <a:cs typeface="Times New Roman"/>
               </a:rPr>
               <a:t>a</a:t>
             </a:r>
             <a:r>
-              <a:rPr sz="1200" dirty="0">
-                <a:latin typeface="Times New Roman"/>
+              <a:rPr sz="1050" dirty="0">
+                <a:latin typeface="Ubuntu Sans" pitchFamily="2" charset="0"/>
                 <a:cs typeface="Times New Roman"/>
               </a:rPr>
               <a:t>t  </a:t>
             </a:r>
             <a:r>
-              <a:rPr sz="1200" spc="-5" dirty="0">
-                <a:latin typeface="Times New Roman"/>
+              <a:rPr sz="1050" spc="-5" dirty="0">
+                <a:latin typeface="Ubuntu Sans" pitchFamily="2" charset="0"/>
                 <a:cs typeface="Times New Roman"/>
               </a:rPr>
               <a:t>(BAC)</a:t>
             </a:r>
-            <a:endParaRPr sz="1200">
-              <a:latin typeface="Times New Roman"/>
+            <a:endParaRPr sz="1050">
+              <a:latin typeface="Ubuntu Sans" pitchFamily="2" charset="0"/>
               <a:cs typeface="Times New Roman"/>
             </a:endParaRPr>
           </a:p>
@@ -8867,7 +8970,7 @@
         <p:spPr>
           <a:xfrm>
             <a:off x="5859271" y="3946905"/>
-            <a:ext cx="479425" cy="208279"/>
+            <a:ext cx="479425" cy="174407"/>
           </a:xfrm>
           <a:prstGeom prst="rect">
             <a:avLst/>
@@ -8888,28 +8991,28 @@
               </a:spcBef>
             </a:pPr>
             <a:r>
-              <a:rPr sz="1200" spc="-5" dirty="0">
-                <a:latin typeface="Times New Roman"/>
+              <a:rPr sz="1050" spc="-5" dirty="0">
+                <a:latin typeface="Ubuntu Sans" pitchFamily="2" charset="0"/>
                 <a:cs typeface="Times New Roman"/>
               </a:rPr>
               <a:t>Série</a:t>
             </a:r>
             <a:r>
-              <a:rPr sz="1200" spc="-55" dirty="0">
-                <a:latin typeface="Times New Roman"/>
-                <a:cs typeface="Times New Roman"/>
-              </a:rPr>
-              <a:t> </a:t>
-            </a:r>
-            <a:r>
-              <a:rPr sz="1200" dirty="0">
-                <a:latin typeface="Times New Roman"/>
+              <a:rPr sz="1050" spc="-55" dirty="0">
+                <a:latin typeface="Ubuntu Sans" pitchFamily="2" charset="0"/>
+                <a:cs typeface="Times New Roman"/>
+              </a:rPr>
+              <a:t> </a:t>
+            </a:r>
+            <a:r>
+              <a:rPr sz="1050" dirty="0">
+                <a:latin typeface="Ubuntu Sans" pitchFamily="2" charset="0"/>
                 <a:cs typeface="Times New Roman"/>
               </a:rPr>
               <a:t>C</a:t>
             </a:r>
-            <a:endParaRPr sz="1200">
-              <a:latin typeface="Times New Roman"/>
+            <a:endParaRPr sz="1050">
+              <a:latin typeface="Ubuntu Sans" pitchFamily="2" charset="0"/>
               <a:cs typeface="Times New Roman"/>
             </a:endParaRPr>
           </a:p>
@@ -8923,8 +9026,8 @@
         </p:nvSpPr>
         <p:spPr>
           <a:xfrm>
-            <a:off x="2758820" y="4415790"/>
-            <a:ext cx="1789430" cy="741680"/>
+            <a:off x="2757867" y="4459985"/>
+            <a:ext cx="1789430" cy="682238"/>
           </a:xfrm>
           <a:prstGeom prst="rect">
             <a:avLst/>
@@ -8948,35 +9051,35 @@
               </a:tabLst>
             </a:pPr>
             <a:r>
-              <a:rPr sz="1200" b="1" dirty="0">
-                <a:latin typeface="Times New Roman"/>
+              <a:rPr sz="1050" b="1" dirty="0">
+                <a:latin typeface="Ubuntu Sans" pitchFamily="2" charset="0"/>
                 <a:cs typeface="Times New Roman"/>
               </a:rPr>
               <a:t>2018</a:t>
             </a:r>
             <a:r>
-              <a:rPr sz="1200" b="1" spc="565" dirty="0">
-                <a:latin typeface="Times New Roman"/>
-                <a:cs typeface="Times New Roman"/>
-              </a:rPr>
-              <a:t> </a:t>
-            </a:r>
-            <a:r>
-              <a:rPr sz="1200" b="1" dirty="0">
-                <a:latin typeface="Times New Roman"/>
+              <a:rPr sz="1050" b="1" spc="565" dirty="0">
+                <a:latin typeface="Ubuntu Sans" pitchFamily="2" charset="0"/>
+                <a:cs typeface="Times New Roman"/>
+              </a:rPr>
+              <a:t> </a:t>
+            </a:r>
+            <a:r>
+              <a:rPr sz="1050" b="1" dirty="0">
+                <a:latin typeface="Ubuntu Sans" pitchFamily="2" charset="0"/>
                 <a:cs typeface="Times New Roman"/>
               </a:rPr>
               <a:t>2021	</a:t>
             </a:r>
             <a:r>
-              <a:rPr sz="1200" spc="-5" dirty="0">
-                <a:latin typeface="Times New Roman"/>
+              <a:rPr sz="1050" spc="-5" dirty="0">
+                <a:latin typeface="Ubuntu Sans" pitchFamily="2" charset="0"/>
                 <a:cs typeface="Times New Roman"/>
               </a:rPr>
               <a:t>Faculté des</a:t>
             </a:r>
-            <a:endParaRPr sz="1200">
-              <a:latin typeface="Times New Roman"/>
+            <a:endParaRPr sz="1050" dirty="0">
+              <a:latin typeface="Ubuntu Sans" pitchFamily="2" charset="0"/>
               <a:cs typeface="Times New Roman"/>
             </a:endParaRPr>
           </a:p>
@@ -8990,14 +9093,14 @@
               </a:spcBef>
             </a:pPr>
             <a:r>
-              <a:rPr sz="1200" spc="-5" dirty="0">
-                <a:latin typeface="Times New Roman"/>
+              <a:rPr sz="1050" spc="-5" dirty="0">
+                <a:latin typeface="Ubuntu Sans" pitchFamily="2" charset="0"/>
                 <a:cs typeface="Times New Roman"/>
               </a:rPr>
               <a:t>Sciences</a:t>
             </a:r>
-            <a:endParaRPr sz="1200">
-              <a:latin typeface="Times New Roman"/>
+            <a:endParaRPr sz="1050" dirty="0">
+              <a:latin typeface="Ubuntu Sans" pitchFamily="2" charset="0"/>
               <a:cs typeface="Times New Roman"/>
             </a:endParaRPr>
           </a:p>
@@ -9011,63 +9114,63 @@
               </a:spcBef>
             </a:pPr>
             <a:r>
-              <a:rPr sz="1200" dirty="0">
-                <a:latin typeface="Times New Roman"/>
+              <a:rPr sz="1050" dirty="0">
+                <a:latin typeface="Ubuntu Sans" pitchFamily="2" charset="0"/>
                 <a:cs typeface="Times New Roman"/>
               </a:rPr>
               <a:t>E</a:t>
             </a:r>
             <a:r>
-              <a:rPr sz="1200" spc="-10" dirty="0">
-                <a:latin typeface="Times New Roman"/>
+              <a:rPr sz="1050" spc="-10" dirty="0">
+                <a:latin typeface="Ubuntu Sans" pitchFamily="2" charset="0"/>
                 <a:cs typeface="Times New Roman"/>
               </a:rPr>
               <a:t>c</a:t>
             </a:r>
             <a:r>
-              <a:rPr sz="1200" dirty="0">
-                <a:latin typeface="Times New Roman"/>
+              <a:rPr sz="1050" dirty="0">
+                <a:latin typeface="Ubuntu Sans" pitchFamily="2" charset="0"/>
                 <a:cs typeface="Times New Roman"/>
               </a:rPr>
               <a:t>onnomiqu</a:t>
             </a:r>
             <a:r>
-              <a:rPr sz="1200" spc="-5" dirty="0">
-                <a:latin typeface="Times New Roman"/>
+              <a:rPr sz="1050" spc="-5" dirty="0">
+                <a:latin typeface="Ubuntu Sans" pitchFamily="2" charset="0"/>
                 <a:cs typeface="Times New Roman"/>
               </a:rPr>
               <a:t>es  et</a:t>
             </a:r>
             <a:r>
-              <a:rPr sz="1200" spc="-15" dirty="0">
-                <a:latin typeface="Times New Roman"/>
-                <a:cs typeface="Times New Roman"/>
-              </a:rPr>
-              <a:t> </a:t>
-            </a:r>
-            <a:r>
-              <a:rPr sz="1200" dirty="0">
-                <a:latin typeface="Times New Roman"/>
+              <a:rPr sz="1050" spc="-15" dirty="0">
+                <a:latin typeface="Ubuntu Sans" pitchFamily="2" charset="0"/>
+                <a:cs typeface="Times New Roman"/>
+              </a:rPr>
+              <a:t> </a:t>
+            </a:r>
+            <a:r>
+              <a:rPr sz="1050" dirty="0">
+                <a:latin typeface="Ubuntu Sans" pitchFamily="2" charset="0"/>
                 <a:cs typeface="Times New Roman"/>
               </a:rPr>
               <a:t>de</a:t>
             </a:r>
             <a:r>
-              <a:rPr sz="1200" spc="-10" dirty="0">
-                <a:latin typeface="Times New Roman"/>
-                <a:cs typeface="Times New Roman"/>
-              </a:rPr>
-              <a:t> </a:t>
-            </a:r>
-            <a:r>
-              <a:rPr sz="1200" spc="-5" dirty="0">
-                <a:latin typeface="Times New Roman"/>
+              <a:rPr sz="1050" spc="-10" dirty="0">
+                <a:latin typeface="Ubuntu Sans" pitchFamily="2" charset="0"/>
+                <a:cs typeface="Times New Roman"/>
+              </a:rPr>
+              <a:t> </a:t>
+            </a:r>
+            <a:r>
+              <a:rPr sz="1050" spc="-5" dirty="0">
+                <a:latin typeface="Ubuntu Sans" pitchFamily="2" charset="0"/>
                 <a:cs typeface="Times New Roman"/>
               </a:rPr>
               <a:t>Gestion</a:t>
             </a:r>
-            <a:endParaRPr sz="1200">
-              <a:latin typeface="Times New Roman"/>
+            <a:endParaRPr sz="1050" dirty="0">
+              <a:latin typeface="Ubuntu Sans" pitchFamily="2" charset="0"/>
               <a:cs typeface="Times New Roman"/>
             </a:endParaRPr>
           </a:p>
@@ -9081,8 +9184,8 @@
         </p:nvSpPr>
         <p:spPr>
           <a:xfrm>
-            <a:off x="4690617" y="4415790"/>
-            <a:ext cx="692785" cy="208279"/>
+            <a:off x="4709098" y="4440873"/>
+            <a:ext cx="692785" cy="174407"/>
           </a:xfrm>
           <a:prstGeom prst="rect">
             <a:avLst/>
@@ -9103,28 +9206,28 @@
               </a:spcBef>
             </a:pPr>
             <a:r>
-              <a:rPr sz="1200" spc="-5" dirty="0">
-                <a:latin typeface="Times New Roman"/>
+              <a:rPr sz="1050" spc="-5" dirty="0">
+                <a:latin typeface="Ubuntu Sans" pitchFamily="2" charset="0"/>
                 <a:cs typeface="Times New Roman"/>
               </a:rPr>
               <a:t>Licence</a:t>
             </a:r>
             <a:r>
-              <a:rPr sz="1200" spc="-25" dirty="0">
-                <a:latin typeface="Times New Roman"/>
-                <a:cs typeface="Times New Roman"/>
-              </a:rPr>
-              <a:t> </a:t>
-            </a:r>
-            <a:r>
-              <a:rPr sz="1200" spc="-5" dirty="0">
-                <a:latin typeface="Times New Roman"/>
+              <a:rPr sz="1050" spc="-25" dirty="0">
+                <a:latin typeface="Ubuntu Sans" pitchFamily="2" charset="0"/>
+                <a:cs typeface="Times New Roman"/>
+              </a:rPr>
+              <a:t> </a:t>
+            </a:r>
+            <a:r>
+              <a:rPr sz="1050" spc="-5" dirty="0">
+                <a:latin typeface="Ubuntu Sans" pitchFamily="2" charset="0"/>
                 <a:cs typeface="Times New Roman"/>
               </a:rPr>
               <a:t>en</a:t>
             </a:r>
-            <a:endParaRPr sz="1200">
-              <a:latin typeface="Times New Roman"/>
+            <a:endParaRPr sz="1050">
+              <a:latin typeface="Ubuntu Sans" pitchFamily="2" charset="0"/>
               <a:cs typeface="Times New Roman"/>
             </a:endParaRPr>
           </a:p>
@@ -9138,8 +9241,8 @@
         </p:nvSpPr>
         <p:spPr>
           <a:xfrm>
-            <a:off x="4660138" y="4600193"/>
-            <a:ext cx="836294" cy="617220"/>
+            <a:off x="4660328" y="4632786"/>
+            <a:ext cx="1041589" cy="527196"/>
           </a:xfrm>
           <a:prstGeom prst="rect">
             <a:avLst/>
@@ -9160,58 +9263,54 @@
               </a:spcBef>
             </a:pPr>
             <a:r>
-              <a:rPr sz="1200" spc="-5" dirty="0">
-                <a:latin typeface="Times New Roman"/>
+              <a:rPr sz="1050" spc="-5" dirty="0">
+                <a:latin typeface="Ubuntu Sans" pitchFamily="2" charset="0"/>
                 <a:cs typeface="Times New Roman"/>
               </a:rPr>
               <a:t>Econométrie </a:t>
             </a:r>
             <a:r>
-              <a:rPr sz="1200" spc="-290" dirty="0">
-                <a:latin typeface="Times New Roman"/>
-                <a:cs typeface="Times New Roman"/>
-              </a:rPr>
-              <a:t> </a:t>
-            </a:r>
-            <a:r>
-              <a:rPr sz="1200" spc="-5" dirty="0">
-                <a:latin typeface="Times New Roman"/>
+              <a:rPr sz="1050" spc="-290" dirty="0">
+                <a:latin typeface="Ubuntu Sans" pitchFamily="2" charset="0"/>
+                <a:cs typeface="Times New Roman"/>
+              </a:rPr>
+              <a:t> </a:t>
+            </a:r>
+            <a:r>
+              <a:rPr sz="1050" spc="-5" dirty="0">
+                <a:latin typeface="Ubuntu Sans" pitchFamily="2" charset="0"/>
                 <a:cs typeface="Times New Roman"/>
               </a:rPr>
               <a:t>e</a:t>
             </a:r>
             <a:r>
-              <a:rPr sz="1200" dirty="0">
-                <a:latin typeface="Times New Roman"/>
+              <a:rPr sz="1050" dirty="0">
+                <a:latin typeface="Ubuntu Sans" pitchFamily="2" charset="0"/>
                 <a:cs typeface="Times New Roman"/>
               </a:rPr>
               <a:t>t</a:t>
             </a:r>
             <a:r>
-              <a:rPr sz="1200" spc="10" dirty="0">
-                <a:latin typeface="Times New Roman"/>
-                <a:cs typeface="Times New Roman"/>
-              </a:rPr>
-              <a:t> </a:t>
-            </a:r>
-            <a:r>
-              <a:rPr sz="1200" spc="-5" dirty="0">
-                <a:latin typeface="Times New Roman"/>
+              <a:rPr sz="1050" spc="10" dirty="0">
+                <a:latin typeface="Ubuntu Sans" pitchFamily="2" charset="0"/>
+                <a:cs typeface="Times New Roman"/>
+              </a:rPr>
+              <a:t> </a:t>
+            </a:r>
+            <a:r>
+              <a:rPr sz="1050" spc="-5" dirty="0">
+                <a:latin typeface="Ubuntu Sans" pitchFamily="2" charset="0"/>
                 <a:cs typeface="Times New Roman"/>
               </a:rPr>
               <a:t>S</a:t>
             </a:r>
             <a:r>
-              <a:rPr sz="1200" dirty="0">
-                <a:latin typeface="Times New Roman"/>
+              <a:rPr sz="1050" dirty="0">
+                <a:latin typeface="Ubuntu Sans" pitchFamily="2" charset="0"/>
                 <a:cs typeface="Times New Roman"/>
               </a:rPr>
               <a:t>tatiqtique  Appliqué</a:t>
             </a:r>
-            <a:endParaRPr sz="1200">
-              <a:latin typeface="Times New Roman"/>
-              <a:cs typeface="Times New Roman"/>
-            </a:endParaRPr>
           </a:p>
         </p:txBody>
       </p:sp>
@@ -9223,8 +9322,8 @@
         </p:nvSpPr>
         <p:spPr>
           <a:xfrm>
-            <a:off x="5859271" y="4415790"/>
-            <a:ext cx="593090" cy="756920"/>
+            <a:off x="5801995" y="4523102"/>
+            <a:ext cx="766383" cy="335989"/>
           </a:xfrm>
           <a:prstGeom prst="rect">
             <a:avLst/>
@@ -9245,37 +9344,33 @@
               </a:spcBef>
             </a:pPr>
             <a:r>
-              <a:rPr sz="1200" spc="-5" dirty="0">
-                <a:latin typeface="Times New Roman"/>
+              <a:rPr sz="1050" spc="-5" dirty="0">
+                <a:latin typeface="Ubuntu Sans" pitchFamily="2" charset="0"/>
                 <a:cs typeface="Times New Roman"/>
               </a:rPr>
               <a:t>Economi </a:t>
             </a:r>
             <a:r>
-              <a:rPr sz="1200" spc="-285" dirty="0">
-                <a:latin typeface="Times New Roman"/>
-                <a:cs typeface="Times New Roman"/>
-              </a:rPr>
-              <a:t> </a:t>
-            </a:r>
-            <a:r>
-              <a:rPr sz="1200" spc="-5" dirty="0">
-                <a:latin typeface="Times New Roman"/>
+              <a:rPr sz="1050" spc="-285" dirty="0">
+                <a:latin typeface="Ubuntu Sans" pitchFamily="2" charset="0"/>
+                <a:cs typeface="Times New Roman"/>
+              </a:rPr>
+              <a:t> </a:t>
+            </a:r>
+            <a:r>
+              <a:rPr sz="1050" spc="-5" dirty="0">
+                <a:latin typeface="Ubuntu Sans" pitchFamily="2" charset="0"/>
                 <a:cs typeface="Times New Roman"/>
               </a:rPr>
               <a:t>e- </a:t>
             </a:r>
             <a:r>
-              <a:rPr sz="1200" dirty="0">
-                <a:latin typeface="Times New Roman"/>
+              <a:rPr sz="1050" dirty="0">
+                <a:latin typeface="Ubuntu Sans" pitchFamily="2" charset="0"/>
                 <a:cs typeface="Times New Roman"/>
               </a:rPr>
               <a:t> Appliqué  e</a:t>
             </a:r>
-            <a:endParaRPr sz="1200">
-              <a:latin typeface="Times New Roman"/>
-              <a:cs typeface="Times New Roman"/>
-            </a:endParaRPr>
           </a:p>
         </p:txBody>
       </p:sp>
@@ -9287,8 +9382,8 @@
         </p:nvSpPr>
         <p:spPr>
           <a:xfrm>
-            <a:off x="2758820" y="5192014"/>
-            <a:ext cx="1707514" cy="1165860"/>
+            <a:off x="2758820" y="5255512"/>
+            <a:ext cx="1853057" cy="930768"/>
           </a:xfrm>
           <a:prstGeom prst="rect">
             <a:avLst/>
@@ -9309,58 +9404,54 @@
               </a:spcBef>
             </a:pPr>
             <a:r>
-              <a:rPr sz="1200" b="1" dirty="0">
-                <a:latin typeface="Times New Roman"/>
+              <a:rPr sz="1050" b="1" dirty="0">
+                <a:latin typeface="Ubuntu Sans" pitchFamily="2" charset="0"/>
                 <a:cs typeface="Times New Roman"/>
               </a:rPr>
               <a:t>2022</a:t>
             </a:r>
             <a:r>
-              <a:rPr sz="1200" b="1" spc="535" dirty="0">
-                <a:latin typeface="Times New Roman"/>
-                <a:cs typeface="Times New Roman"/>
-              </a:rPr>
-              <a:t> </a:t>
-            </a:r>
-            <a:r>
-              <a:rPr sz="1200" b="1" dirty="0">
-                <a:latin typeface="Times New Roman"/>
+              <a:rPr sz="1050" b="1" spc="535" dirty="0">
+                <a:latin typeface="Ubuntu Sans" pitchFamily="2" charset="0"/>
+                <a:cs typeface="Times New Roman"/>
+              </a:rPr>
+              <a:t> </a:t>
+            </a:r>
+            <a:r>
+              <a:rPr sz="1050" b="1" dirty="0">
+                <a:latin typeface="Ubuntu Sans" pitchFamily="2" charset="0"/>
                 <a:cs typeface="Times New Roman"/>
               </a:rPr>
               <a:t>2023</a:t>
             </a:r>
             <a:r>
-              <a:rPr sz="1200" b="1" spc="455" dirty="0">
-                <a:latin typeface="Times New Roman"/>
-                <a:cs typeface="Times New Roman"/>
-              </a:rPr>
-              <a:t> </a:t>
-            </a:r>
-            <a:r>
-              <a:rPr sz="1200" spc="-5" dirty="0">
-                <a:latin typeface="Times New Roman"/>
+              <a:rPr sz="1050" b="1" spc="455" dirty="0">
+                <a:latin typeface="Ubuntu Sans" pitchFamily="2" charset="0"/>
+                <a:cs typeface="Times New Roman"/>
+              </a:rPr>
+              <a:t> </a:t>
+            </a:r>
+            <a:r>
+              <a:rPr sz="1050" spc="-5" dirty="0">
+                <a:latin typeface="Ubuntu Sans" pitchFamily="2" charset="0"/>
                 <a:cs typeface="Times New Roman"/>
               </a:rPr>
               <a:t>Institut</a:t>
             </a:r>
             <a:r>
-              <a:rPr sz="1200" spc="15" dirty="0">
-                <a:latin typeface="Times New Roman"/>
-                <a:cs typeface="Times New Roman"/>
-              </a:rPr>
-              <a:t> </a:t>
-            </a:r>
-            <a:r>
-              <a:rPr sz="1200" dirty="0">
-                <a:latin typeface="Times New Roman"/>
+              <a:rPr sz="1050" spc="15" dirty="0">
+                <a:latin typeface="Ubuntu Sans" pitchFamily="2" charset="0"/>
+                <a:cs typeface="Times New Roman"/>
+              </a:rPr>
+              <a:t> </a:t>
+            </a:r>
+            <a:r>
+              <a:rPr sz="1050" dirty="0">
+                <a:latin typeface="Ubuntu Sans" pitchFamily="2" charset="0"/>
                 <a:cs typeface="Times New Roman"/>
               </a:rPr>
               <a:t>de</a:t>
             </a:r>
-            <a:endParaRPr sz="1200">
-              <a:latin typeface="Times New Roman"/>
-              <a:cs typeface="Times New Roman"/>
-            </a:endParaRPr>
           </a:p>
           <a:p>
             <a:pPr marL="871219" marR="5080" algn="just">
@@ -9372,56 +9463,56 @@
               </a:spcBef>
             </a:pPr>
             <a:r>
-              <a:rPr sz="1200" spc="-5" dirty="0">
-                <a:latin typeface="Times New Roman"/>
+              <a:rPr sz="1050" spc="-5" dirty="0">
+                <a:latin typeface="Ubuntu Sans" pitchFamily="2" charset="0"/>
                 <a:cs typeface="Times New Roman"/>
               </a:rPr>
               <a:t>Formation et </a:t>
             </a:r>
             <a:r>
-              <a:rPr sz="1200" spc="-285" dirty="0">
-                <a:latin typeface="Times New Roman"/>
-                <a:cs typeface="Times New Roman"/>
-              </a:rPr>
-              <a:t> </a:t>
-            </a:r>
-            <a:r>
-              <a:rPr sz="1200" dirty="0">
-                <a:latin typeface="Times New Roman"/>
+              <a:rPr sz="1050" spc="-285" dirty="0">
+                <a:latin typeface="Ubuntu Sans" pitchFamily="2" charset="0"/>
+                <a:cs typeface="Times New Roman"/>
+              </a:rPr>
+              <a:t> </a:t>
+            </a:r>
+            <a:r>
+              <a:rPr sz="1050" dirty="0">
+                <a:latin typeface="Ubuntu Sans" pitchFamily="2" charset="0"/>
                 <a:cs typeface="Times New Roman"/>
               </a:rPr>
               <a:t>de</a:t>
             </a:r>
             <a:r>
-              <a:rPr sz="1200" spc="-75" dirty="0">
-                <a:latin typeface="Times New Roman"/>
-                <a:cs typeface="Times New Roman"/>
-              </a:rPr>
-              <a:t> </a:t>
-            </a:r>
-            <a:r>
-              <a:rPr sz="1200" spc="-5" dirty="0">
-                <a:latin typeface="Times New Roman"/>
+              <a:rPr sz="1050" spc="-75" dirty="0">
+                <a:latin typeface="Ubuntu Sans" pitchFamily="2" charset="0"/>
+                <a:cs typeface="Times New Roman"/>
+              </a:rPr>
+              <a:t> </a:t>
+            </a:r>
+            <a:r>
+              <a:rPr sz="1050" spc="-5" dirty="0">
+                <a:latin typeface="Ubuntu Sans" pitchFamily="2" charset="0"/>
                 <a:cs typeface="Times New Roman"/>
               </a:rPr>
               <a:t>Recherche </a:t>
             </a:r>
             <a:r>
-              <a:rPr sz="1200" spc="-285" dirty="0">
-                <a:latin typeface="Times New Roman"/>
-                <a:cs typeface="Times New Roman"/>
-              </a:rPr>
-              <a:t> </a:t>
-            </a:r>
-            <a:r>
-              <a:rPr sz="1200" spc="-5" dirty="0">
-                <a:latin typeface="Times New Roman"/>
+              <a:rPr sz="1050" spc="-285" dirty="0">
+                <a:latin typeface="Ubuntu Sans" pitchFamily="2" charset="0"/>
+                <a:cs typeface="Times New Roman"/>
+              </a:rPr>
+              <a:t> </a:t>
+            </a:r>
+            <a:r>
+              <a:rPr sz="1050" spc="-5" dirty="0">
+                <a:latin typeface="Ubuntu Sans" pitchFamily="2" charset="0"/>
                 <a:cs typeface="Times New Roman"/>
               </a:rPr>
               <a:t>en</a:t>
             </a:r>
-            <a:endParaRPr sz="1200">
-              <a:latin typeface="Times New Roman"/>
+            <a:endParaRPr sz="1050" dirty="0">
+              <a:latin typeface="Ubuntu Sans" pitchFamily="2" charset="0"/>
               <a:cs typeface="Times New Roman"/>
             </a:endParaRPr>
           </a:p>
@@ -9435,42 +9526,42 @@
               </a:spcBef>
             </a:pPr>
             <a:r>
-              <a:rPr sz="1200" spc="-30" dirty="0">
-                <a:latin typeface="Times New Roman"/>
+              <a:rPr sz="1050" spc="-30" dirty="0">
+                <a:latin typeface="Ubuntu Sans" pitchFamily="2" charset="0"/>
                 <a:cs typeface="Times New Roman"/>
               </a:rPr>
               <a:t>I</a:t>
             </a:r>
             <a:r>
-              <a:rPr sz="1200" dirty="0">
-                <a:latin typeface="Times New Roman"/>
+              <a:rPr sz="1050" dirty="0">
+                <a:latin typeface="Ubuntu Sans" pitchFamily="2" charset="0"/>
                 <a:cs typeface="Times New Roman"/>
               </a:rPr>
               <a:t>nfo</a:t>
             </a:r>
             <a:r>
-              <a:rPr sz="1200" spc="-10" dirty="0">
-                <a:latin typeface="Times New Roman"/>
+              <a:rPr sz="1050" spc="-10" dirty="0">
+                <a:latin typeface="Ubuntu Sans" pitchFamily="2" charset="0"/>
                 <a:cs typeface="Times New Roman"/>
               </a:rPr>
               <a:t>r</a:t>
             </a:r>
             <a:r>
-              <a:rPr sz="1200" dirty="0">
-                <a:latin typeface="Times New Roman"/>
+              <a:rPr sz="1050" dirty="0">
+                <a:latin typeface="Ubuntu Sans" pitchFamily="2" charset="0"/>
                 <a:cs typeface="Times New Roman"/>
               </a:rPr>
               <a:t>matique  </a:t>
             </a:r>
             <a:r>
-              <a:rPr sz="1200" spc="-15" dirty="0">
-                <a:latin typeface="Times New Roman"/>
+              <a:rPr sz="1050" spc="-15" dirty="0">
+                <a:latin typeface="Ubuntu Sans" pitchFamily="2" charset="0"/>
                 <a:cs typeface="Times New Roman"/>
               </a:rPr>
               <a:t>(IFRI)</a:t>
             </a:r>
-            <a:endParaRPr sz="1200">
-              <a:latin typeface="Times New Roman"/>
+            <a:endParaRPr sz="1050" dirty="0">
+              <a:latin typeface="Ubuntu Sans" pitchFamily="2" charset="0"/>
               <a:cs typeface="Times New Roman"/>
             </a:endParaRPr>
           </a:p>
@@ -9485,7 +9576,7 @@
         <p:spPr>
           <a:xfrm>
             <a:off x="4690617" y="5192014"/>
-            <a:ext cx="692785" cy="208279"/>
+            <a:ext cx="692785" cy="174407"/>
           </a:xfrm>
           <a:prstGeom prst="rect">
             <a:avLst/>
@@ -9506,28 +9597,28 @@
               </a:spcBef>
             </a:pPr>
             <a:r>
-              <a:rPr sz="1200" spc="-5" dirty="0">
-                <a:latin typeface="Times New Roman"/>
+              <a:rPr sz="1050" spc="-5" dirty="0">
+                <a:latin typeface="Ubuntu Sans" pitchFamily="2" charset="0"/>
                 <a:cs typeface="Times New Roman"/>
               </a:rPr>
               <a:t>Licence</a:t>
             </a:r>
             <a:r>
-              <a:rPr sz="1200" spc="-25" dirty="0">
-                <a:latin typeface="Times New Roman"/>
-                <a:cs typeface="Times New Roman"/>
-              </a:rPr>
-              <a:t> </a:t>
-            </a:r>
-            <a:r>
-              <a:rPr sz="1200" spc="-5" dirty="0">
-                <a:latin typeface="Times New Roman"/>
+              <a:rPr sz="1050" spc="-25" dirty="0">
+                <a:latin typeface="Ubuntu Sans" pitchFamily="2" charset="0"/>
+                <a:cs typeface="Times New Roman"/>
+              </a:rPr>
+              <a:t> </a:t>
+            </a:r>
+            <a:r>
+              <a:rPr sz="1050" spc="-5" dirty="0">
+                <a:latin typeface="Ubuntu Sans" pitchFamily="2" charset="0"/>
                 <a:cs typeface="Times New Roman"/>
               </a:rPr>
               <a:t>en</a:t>
             </a:r>
-            <a:endParaRPr sz="1200">
-              <a:latin typeface="Times New Roman"/>
+            <a:endParaRPr sz="1050">
+              <a:latin typeface="Ubuntu Sans" pitchFamily="2" charset="0"/>
               <a:cs typeface="Times New Roman"/>
             </a:endParaRPr>
           </a:p>
@@ -9541,8 +9632,8 @@
         </p:nvSpPr>
         <p:spPr>
           <a:xfrm>
-            <a:off x="4660138" y="5376418"/>
-            <a:ext cx="876300" cy="815340"/>
+            <a:off x="4722748" y="5461713"/>
+            <a:ext cx="876300" cy="701089"/>
           </a:xfrm>
           <a:prstGeom prst="rect">
             <a:avLst/>
@@ -9563,77 +9654,77 @@
               </a:spcBef>
             </a:pPr>
             <a:r>
-              <a:rPr sz="1200" spc="-10" dirty="0">
-                <a:latin typeface="Times New Roman"/>
+              <a:rPr sz="1050" spc="-10" dirty="0">
+                <a:latin typeface="Ubuntu Sans" pitchFamily="2" charset="0"/>
                 <a:cs typeface="Times New Roman"/>
               </a:rPr>
               <a:t>Système </a:t>
             </a:r>
             <a:r>
-              <a:rPr sz="1200" spc="-5" dirty="0">
-                <a:latin typeface="Times New Roman"/>
-                <a:cs typeface="Times New Roman"/>
-              </a:rPr>
-              <a:t> </a:t>
-            </a:r>
-            <a:r>
-              <a:rPr sz="1200" dirty="0">
-                <a:latin typeface="Times New Roman"/>
+              <a:rPr sz="1050" spc="-5" dirty="0">
+                <a:latin typeface="Ubuntu Sans" pitchFamily="2" charset="0"/>
+                <a:cs typeface="Times New Roman"/>
+              </a:rPr>
+              <a:t> </a:t>
+            </a:r>
+            <a:r>
+              <a:rPr sz="1050" dirty="0">
+                <a:latin typeface="Ubuntu Sans" pitchFamily="2" charset="0"/>
                 <a:cs typeface="Times New Roman"/>
               </a:rPr>
               <a:t>d’</a:t>
             </a:r>
             <a:r>
-              <a:rPr sz="1200" spc="-35" dirty="0">
-                <a:latin typeface="Times New Roman"/>
+              <a:rPr sz="1050" spc="-35" dirty="0">
+                <a:latin typeface="Ubuntu Sans" pitchFamily="2" charset="0"/>
                 <a:cs typeface="Times New Roman"/>
               </a:rPr>
               <a:t>I</a:t>
             </a:r>
             <a:r>
-              <a:rPr sz="1200" dirty="0">
-                <a:latin typeface="Times New Roman"/>
+              <a:rPr sz="1050" dirty="0">
+                <a:latin typeface="Ubuntu Sans" pitchFamily="2" charset="0"/>
                 <a:cs typeface="Times New Roman"/>
               </a:rPr>
               <a:t>nfo</a:t>
             </a:r>
             <a:r>
-              <a:rPr sz="1200" spc="-10" dirty="0">
-                <a:latin typeface="Times New Roman"/>
+              <a:rPr sz="1050" spc="-10" dirty="0">
+                <a:latin typeface="Ubuntu Sans" pitchFamily="2" charset="0"/>
                 <a:cs typeface="Times New Roman"/>
               </a:rPr>
               <a:t>r</a:t>
             </a:r>
             <a:r>
-              <a:rPr sz="1200" dirty="0">
-                <a:latin typeface="Times New Roman"/>
+              <a:rPr sz="1050" dirty="0">
+                <a:latin typeface="Ubuntu Sans" pitchFamily="2" charset="0"/>
                 <a:cs typeface="Times New Roman"/>
               </a:rPr>
               <a:t>mation  </a:t>
             </a:r>
             <a:r>
-              <a:rPr sz="1200" spc="-5" dirty="0">
-                <a:latin typeface="Times New Roman"/>
+              <a:rPr sz="1050" spc="-5" dirty="0">
+                <a:latin typeface="Ubuntu Sans" pitchFamily="2" charset="0"/>
                 <a:cs typeface="Times New Roman"/>
               </a:rPr>
               <a:t>et Réseau </a:t>
             </a:r>
             <a:r>
-              <a:rPr sz="1200" dirty="0">
-                <a:latin typeface="Times New Roman"/>
-                <a:cs typeface="Times New Roman"/>
-              </a:rPr>
-              <a:t> </a:t>
-            </a:r>
-            <a:r>
-              <a:rPr sz="1200" spc="-5" dirty="0">
-                <a:latin typeface="Times New Roman"/>
+              <a:rPr sz="1050" dirty="0">
+                <a:latin typeface="Ubuntu Sans" pitchFamily="2" charset="0"/>
+                <a:cs typeface="Times New Roman"/>
+              </a:rPr>
+              <a:t> </a:t>
+            </a:r>
+            <a:r>
+              <a:rPr sz="1050" spc="-5" dirty="0">
+                <a:latin typeface="Ubuntu Sans" pitchFamily="2" charset="0"/>
                 <a:cs typeface="Times New Roman"/>
               </a:rPr>
               <a:t>Informatique</a:t>
             </a:r>
-            <a:endParaRPr sz="1200">
-              <a:latin typeface="Times New Roman"/>
+            <a:endParaRPr sz="1050" dirty="0">
+              <a:latin typeface="Ubuntu Sans" pitchFamily="2" charset="0"/>
               <a:cs typeface="Times New Roman"/>
             </a:endParaRPr>
           </a:p>
@@ -9647,8 +9738,8 @@
         </p:nvSpPr>
         <p:spPr>
           <a:xfrm>
-            <a:off x="5859271" y="5192014"/>
-            <a:ext cx="570865" cy="1123315"/>
+            <a:off x="5735700" y="5366015"/>
+            <a:ext cx="1043814" cy="659155"/>
           </a:xfrm>
           <a:prstGeom prst="rect">
             <a:avLst/>
@@ -9669,114 +9760,110 @@
               </a:spcBef>
             </a:pPr>
             <a:r>
-              <a:rPr sz="1200" spc="-10" dirty="0">
-                <a:latin typeface="Times New Roman"/>
+              <a:rPr sz="1050" spc="-10" dirty="0">
+                <a:latin typeface="Ubuntu Sans" pitchFamily="2" charset="0"/>
                 <a:cs typeface="Times New Roman"/>
               </a:rPr>
               <a:t>Système </a:t>
             </a:r>
             <a:r>
-              <a:rPr sz="1200" spc="-285" dirty="0">
-                <a:latin typeface="Times New Roman"/>
-                <a:cs typeface="Times New Roman"/>
-              </a:rPr>
-              <a:t> </a:t>
-            </a:r>
-            <a:r>
-              <a:rPr sz="1200" dirty="0">
-                <a:latin typeface="Times New Roman"/>
+              <a:rPr sz="1050" spc="-285" dirty="0">
+                <a:latin typeface="Ubuntu Sans" pitchFamily="2" charset="0"/>
+                <a:cs typeface="Times New Roman"/>
+              </a:rPr>
+              <a:t> </a:t>
+            </a:r>
+            <a:r>
+              <a:rPr sz="1050" dirty="0">
+                <a:latin typeface="Ubuntu Sans" pitchFamily="2" charset="0"/>
                 <a:cs typeface="Times New Roman"/>
               </a:rPr>
               <a:t>d’</a:t>
             </a:r>
             <a:r>
-              <a:rPr sz="1200" spc="-35" dirty="0">
-                <a:latin typeface="Times New Roman"/>
+              <a:rPr sz="1050" spc="-35" dirty="0">
+                <a:latin typeface="Ubuntu Sans" pitchFamily="2" charset="0"/>
                 <a:cs typeface="Times New Roman"/>
               </a:rPr>
               <a:t>I</a:t>
             </a:r>
             <a:r>
-              <a:rPr sz="1200" dirty="0">
-                <a:latin typeface="Times New Roman"/>
+              <a:rPr sz="1050" dirty="0">
+                <a:latin typeface="Ubuntu Sans" pitchFamily="2" charset="0"/>
                 <a:cs typeface="Times New Roman"/>
               </a:rPr>
               <a:t>nfo</a:t>
             </a:r>
             <a:r>
-              <a:rPr sz="1200" spc="-10" dirty="0">
-                <a:latin typeface="Times New Roman"/>
+              <a:rPr sz="1050" spc="-10" dirty="0">
+                <a:latin typeface="Ubuntu Sans" pitchFamily="2" charset="0"/>
                 <a:cs typeface="Times New Roman"/>
               </a:rPr>
               <a:t>r</a:t>
             </a:r>
             <a:r>
-              <a:rPr sz="1200" dirty="0">
-                <a:latin typeface="Times New Roman"/>
+              <a:rPr sz="1050" dirty="0">
+                <a:latin typeface="Ubuntu Sans" pitchFamily="2" charset="0"/>
                 <a:cs typeface="Times New Roman"/>
               </a:rPr>
               <a:t>m  </a:t>
             </a:r>
             <a:r>
-              <a:rPr sz="1200" spc="-5" dirty="0">
-                <a:latin typeface="Times New Roman"/>
+              <a:rPr sz="1050" spc="-5" dirty="0">
+                <a:latin typeface="Ubuntu Sans" pitchFamily="2" charset="0"/>
                 <a:cs typeface="Times New Roman"/>
               </a:rPr>
               <a:t>ation et </a:t>
             </a:r>
             <a:r>
-              <a:rPr sz="1200" dirty="0">
-                <a:latin typeface="Times New Roman"/>
-                <a:cs typeface="Times New Roman"/>
-              </a:rPr>
-              <a:t> </a:t>
-            </a:r>
-            <a:r>
-              <a:rPr sz="1200" spc="-5" dirty="0">
-                <a:latin typeface="Times New Roman"/>
+              <a:rPr sz="1050" dirty="0">
+                <a:latin typeface="Ubuntu Sans" pitchFamily="2" charset="0"/>
+                <a:cs typeface="Times New Roman"/>
+              </a:rPr>
+              <a:t> </a:t>
+            </a:r>
+            <a:r>
+              <a:rPr sz="1050" spc="-5" dirty="0">
+                <a:latin typeface="Ubuntu Sans" pitchFamily="2" charset="0"/>
                 <a:cs typeface="Times New Roman"/>
               </a:rPr>
               <a:t>Réseau </a:t>
             </a:r>
             <a:r>
-              <a:rPr sz="1200" dirty="0">
-                <a:latin typeface="Times New Roman"/>
-                <a:cs typeface="Times New Roman"/>
-              </a:rPr>
-              <a:t> </a:t>
-            </a:r>
-            <a:r>
-              <a:rPr sz="1200" spc="-30" dirty="0">
-                <a:latin typeface="Times New Roman"/>
+              <a:rPr sz="1050" dirty="0">
+                <a:latin typeface="Ubuntu Sans" pitchFamily="2" charset="0"/>
+                <a:cs typeface="Times New Roman"/>
+              </a:rPr>
+              <a:t> </a:t>
+            </a:r>
+            <a:r>
+              <a:rPr sz="1050" spc="-30" dirty="0">
+                <a:latin typeface="Ubuntu Sans" pitchFamily="2" charset="0"/>
                 <a:cs typeface="Times New Roman"/>
               </a:rPr>
               <a:t>I</a:t>
             </a:r>
             <a:r>
-              <a:rPr sz="1200" dirty="0">
-                <a:latin typeface="Times New Roman"/>
+              <a:rPr sz="1050" dirty="0">
+                <a:latin typeface="Ubuntu Sans" pitchFamily="2" charset="0"/>
                 <a:cs typeface="Times New Roman"/>
               </a:rPr>
               <a:t>nfo</a:t>
             </a:r>
             <a:r>
-              <a:rPr sz="1200" spc="-10" dirty="0">
-                <a:latin typeface="Times New Roman"/>
+              <a:rPr sz="1050" spc="-10" dirty="0">
+                <a:latin typeface="Ubuntu Sans" pitchFamily="2" charset="0"/>
                 <a:cs typeface="Times New Roman"/>
               </a:rPr>
               <a:t>r</a:t>
             </a:r>
             <a:r>
-              <a:rPr sz="1200" dirty="0">
-                <a:latin typeface="Times New Roman"/>
+              <a:rPr sz="1050" dirty="0">
+                <a:latin typeface="Ubuntu Sans" pitchFamily="2" charset="0"/>
                 <a:cs typeface="Times New Roman"/>
               </a:rPr>
               <a:t>mat  ique</a:t>
             </a:r>
-            <a:endParaRPr sz="1200">
-              <a:latin typeface="Times New Roman"/>
-              <a:cs typeface="Times New Roman"/>
-            </a:endParaRPr>
           </a:p>
         </p:txBody>
       </p:sp>
@@ -9789,7 +9876,7 @@
         <p:spPr>
           <a:xfrm>
             <a:off x="2703957" y="7804032"/>
-            <a:ext cx="3787775" cy="602615"/>
+            <a:ext cx="3787775" cy="532196"/>
           </a:xfrm>
           <a:prstGeom prst="rect">
             <a:avLst/>
@@ -9810,84 +9897,84 @@
               </a:spcBef>
             </a:pPr>
             <a:r>
-              <a:rPr sz="1400" dirty="0">
-                <a:latin typeface="Times New Roman"/>
+              <a:rPr sz="1100" dirty="0">
+                <a:latin typeface="Ubuntu Sans" pitchFamily="2" charset="0"/>
                 <a:cs typeface="Times New Roman"/>
               </a:rPr>
               <a:t>Je certifie</a:t>
             </a:r>
             <a:r>
-              <a:rPr sz="1400" spc="-40" dirty="0">
-                <a:latin typeface="Times New Roman"/>
-                <a:cs typeface="Times New Roman"/>
-              </a:rPr>
-              <a:t> </a:t>
-            </a:r>
-            <a:r>
-              <a:rPr sz="1400" dirty="0">
-                <a:latin typeface="Times New Roman"/>
+              <a:rPr sz="1100" spc="-40" dirty="0">
+                <a:latin typeface="Ubuntu Sans" pitchFamily="2" charset="0"/>
+                <a:cs typeface="Times New Roman"/>
+              </a:rPr>
+              <a:t> </a:t>
+            </a:r>
+            <a:r>
+              <a:rPr sz="1100" dirty="0">
+                <a:latin typeface="Ubuntu Sans" pitchFamily="2" charset="0"/>
                 <a:cs typeface="Times New Roman"/>
               </a:rPr>
               <a:t>exacte</a:t>
             </a:r>
             <a:r>
-              <a:rPr sz="1400" spc="5" dirty="0">
-                <a:latin typeface="Times New Roman"/>
-                <a:cs typeface="Times New Roman"/>
-              </a:rPr>
-              <a:t> </a:t>
-            </a:r>
-            <a:r>
-              <a:rPr sz="1400" dirty="0">
-                <a:latin typeface="Times New Roman"/>
+              <a:rPr sz="1100" spc="5" dirty="0">
+                <a:latin typeface="Ubuntu Sans" pitchFamily="2" charset="0"/>
+                <a:cs typeface="Times New Roman"/>
+              </a:rPr>
+              <a:t> </a:t>
+            </a:r>
+            <a:r>
+              <a:rPr sz="1100" dirty="0">
+                <a:latin typeface="Ubuntu Sans" pitchFamily="2" charset="0"/>
                 <a:cs typeface="Times New Roman"/>
               </a:rPr>
               <a:t>les</a:t>
             </a:r>
             <a:r>
-              <a:rPr sz="1400" spc="-15" dirty="0">
-                <a:latin typeface="Times New Roman"/>
-                <a:cs typeface="Times New Roman"/>
-              </a:rPr>
-              <a:t> </a:t>
-            </a:r>
-            <a:r>
-              <a:rPr sz="1400" spc="-5" dirty="0">
-                <a:latin typeface="Times New Roman"/>
+              <a:rPr sz="1100" spc="-15" dirty="0">
+                <a:latin typeface="Ubuntu Sans" pitchFamily="2" charset="0"/>
+                <a:cs typeface="Times New Roman"/>
+              </a:rPr>
+              <a:t> </a:t>
+            </a:r>
+            <a:r>
+              <a:rPr sz="1100" spc="-5" dirty="0">
+                <a:latin typeface="Ubuntu Sans" pitchFamily="2" charset="0"/>
                 <a:cs typeface="Times New Roman"/>
               </a:rPr>
               <a:t>informations</a:t>
             </a:r>
             <a:r>
-              <a:rPr sz="1400" spc="-30" dirty="0">
-                <a:latin typeface="Times New Roman"/>
-                <a:cs typeface="Times New Roman"/>
-              </a:rPr>
-              <a:t> </a:t>
-            </a:r>
-            <a:r>
-              <a:rPr sz="1400" dirty="0">
-                <a:latin typeface="Times New Roman"/>
+              <a:rPr sz="1100" spc="-30" dirty="0">
+                <a:latin typeface="Ubuntu Sans" pitchFamily="2" charset="0"/>
+                <a:cs typeface="Times New Roman"/>
+              </a:rPr>
+              <a:t> </a:t>
+            </a:r>
+            <a:r>
+              <a:rPr sz="1100" dirty="0">
+                <a:latin typeface="Ubuntu Sans" pitchFamily="2" charset="0"/>
                 <a:cs typeface="Times New Roman"/>
               </a:rPr>
               <a:t>écrits</a:t>
             </a:r>
             <a:r>
-              <a:rPr sz="1400" spc="-25" dirty="0">
-                <a:latin typeface="Times New Roman"/>
-                <a:cs typeface="Times New Roman"/>
-              </a:rPr>
-              <a:t> </a:t>
-            </a:r>
-            <a:r>
-              <a:rPr sz="1400" spc="5" dirty="0">
-                <a:latin typeface="Times New Roman"/>
+              <a:rPr sz="1100" spc="-25" dirty="0">
+                <a:latin typeface="Ubuntu Sans" pitchFamily="2" charset="0"/>
+                <a:cs typeface="Times New Roman"/>
+              </a:rPr>
+              <a:t> </a:t>
+            </a:r>
+            <a:r>
+              <a:rPr sz="1100" spc="5" dirty="0">
+                <a:latin typeface="Ubuntu Sans" pitchFamily="2" charset="0"/>
                 <a:cs typeface="Times New Roman"/>
               </a:rPr>
               <a:t>ci-dessus.</a:t>
             </a:r>
-            <a:endParaRPr sz="1400" dirty="0">
-              <a:latin typeface="Times New Roman"/>
+            <a:endParaRPr sz="1100" dirty="0">
+              <a:latin typeface="Ubuntu Sans" pitchFamily="2" charset="0"/>
               <a:cs typeface="Times New Roman"/>
             </a:endParaRPr>
           </a:p>
@@ -9901,28 +9988,56 @@
               </a:spcBef>
             </a:pPr>
             <a:r>
-              <a:rPr sz="1200" spc="-5" dirty="0">
-                <a:latin typeface="Times New Roman"/>
+              <a:rPr sz="1050" spc="-5" dirty="0">
+                <a:latin typeface="Ubuntu Sans" pitchFamily="2" charset="0"/>
                 <a:cs typeface="Times New Roman"/>
               </a:rPr>
               <a:t>Date</a:t>
             </a:r>
             <a:r>
-              <a:rPr sz="1200" spc="-50" dirty="0">
-                <a:latin typeface="Times New Roman"/>
-                <a:cs typeface="Times New Roman"/>
-              </a:rPr>
-              <a:t> </a:t>
-            </a:r>
-            <a:r>
-              <a:rPr lang="fr-FR" sz="1200" spc="-5" dirty="0">
-                <a:latin typeface="Times New Roman"/>
-                <a:cs typeface="Times New Roman"/>
-              </a:rPr>
-              <a:t>18/10/2024</a:t>
-            </a:r>
-            <a:endParaRPr sz="1200" dirty="0">
-              <a:latin typeface="Times New Roman"/>
+              <a:rPr sz="1050" spc="-50" dirty="0">
+                <a:latin typeface="Ubuntu Sans" pitchFamily="2" charset="0"/>
+                <a:cs typeface="Times New Roman"/>
+              </a:rPr>
+              <a:t> </a:t>
+            </a:r>
+            <a:r>
+              <a:rPr sz="1050" spc="-5" dirty="0">
+                <a:latin typeface="Ubuntu Sans" pitchFamily="2" charset="0"/>
+                <a:cs typeface="Times New Roman"/>
+              </a:rPr>
+              <a:t>1</a:t>
+            </a:r>
+            <a:r>
+              <a:rPr lang="fr-FR" sz="1050" spc="-5" dirty="0">
+                <a:latin typeface="Ubuntu Sans" pitchFamily="2" charset="0"/>
+                <a:cs typeface="Times New Roman"/>
+              </a:rPr>
+              <a:t>8</a:t>
+            </a:r>
+            <a:r>
+              <a:rPr sz="1050" spc="-5" dirty="0">
+                <a:latin typeface="Ubuntu Sans" pitchFamily="2" charset="0"/>
+                <a:cs typeface="Times New Roman"/>
+              </a:rPr>
+              <a:t>/</a:t>
+            </a:r>
+            <a:r>
+              <a:rPr lang="fr-FR" sz="1050" spc="-5" dirty="0">
+                <a:latin typeface="Ubuntu Sans" pitchFamily="2" charset="0"/>
+                <a:cs typeface="Times New Roman"/>
+              </a:rPr>
+              <a:t>11</a:t>
+            </a:r>
+            <a:r>
+              <a:rPr sz="1050" spc="-5" dirty="0">
+                <a:latin typeface="Ubuntu Sans" pitchFamily="2" charset="0"/>
+                <a:cs typeface="Times New Roman"/>
+              </a:rPr>
+              <a:t>/2024</a:t>
+            </a:r>
+            <a:endParaRPr sz="1050" dirty="0">
+              <a:latin typeface="Ubuntu Sans" pitchFamily="2" charset="0"/>
               <a:cs typeface="Times New Roman"/>
             </a:endParaRPr>
           </a:p>
@@ -9937,7 +10052,7 @@
         <p:spPr>
           <a:xfrm>
             <a:off x="5271896" y="8894470"/>
-            <a:ext cx="1331595" cy="208279"/>
+            <a:ext cx="1331595" cy="174407"/>
           </a:xfrm>
           <a:prstGeom prst="rect">
             <a:avLst/>
@@ -9958,84 +10073,84 @@
               </a:spcBef>
             </a:pPr>
             <a:r>
-              <a:rPr sz="1200" spc="-30" dirty="0">
-                <a:latin typeface="Times New Roman"/>
+              <a:rPr sz="1050" spc="-30" dirty="0">
+                <a:latin typeface="Ubuntu Sans" pitchFamily="2" charset="0"/>
                 <a:cs typeface="Times New Roman"/>
               </a:rPr>
               <a:t>T</a:t>
             </a:r>
             <a:r>
-              <a:rPr sz="1200" spc="-5" dirty="0">
-                <a:latin typeface="Times New Roman"/>
+              <a:rPr sz="1050" spc="-5" dirty="0">
+                <a:latin typeface="Ubuntu Sans" pitchFamily="2" charset="0"/>
                 <a:cs typeface="Times New Roman"/>
               </a:rPr>
               <a:t>O</a:t>
             </a:r>
             <a:r>
-              <a:rPr sz="1200" spc="-35" dirty="0">
-                <a:latin typeface="Times New Roman"/>
+              <a:rPr sz="1050" spc="-35" dirty="0">
+                <a:latin typeface="Ubuntu Sans" pitchFamily="2" charset="0"/>
                 <a:cs typeface="Times New Roman"/>
               </a:rPr>
               <a:t>T</a:t>
             </a:r>
             <a:r>
-              <a:rPr sz="1200" spc="-5" dirty="0">
-                <a:latin typeface="Times New Roman"/>
+              <a:rPr sz="1050" spc="-5" dirty="0">
+                <a:latin typeface="Ubuntu Sans" pitchFamily="2" charset="0"/>
                 <a:cs typeface="Times New Roman"/>
               </a:rPr>
               <a:t>ON</a:t>
             </a:r>
             <a:r>
-              <a:rPr sz="1200" spc="5" dirty="0">
-                <a:latin typeface="Times New Roman"/>
-                <a:cs typeface="Times New Roman"/>
-              </a:rPr>
-              <a:t> </a:t>
-            </a:r>
-            <a:r>
-              <a:rPr sz="1200" spc="-5" dirty="0">
-                <a:latin typeface="Times New Roman"/>
+              <a:rPr sz="1050" spc="5" dirty="0">
+                <a:latin typeface="Ubuntu Sans" pitchFamily="2" charset="0"/>
+                <a:cs typeface="Times New Roman"/>
+              </a:rPr>
+              <a:t> </a:t>
+            </a:r>
+            <a:r>
+              <a:rPr sz="1050" spc="-5" dirty="0">
+                <a:latin typeface="Ubuntu Sans" pitchFamily="2" charset="0"/>
                 <a:cs typeface="Times New Roman"/>
               </a:rPr>
               <a:t>D.</a:t>
             </a:r>
             <a:r>
-              <a:rPr sz="1200" spc="-75" dirty="0">
-                <a:latin typeface="Times New Roman"/>
-                <a:cs typeface="Times New Roman"/>
-              </a:rPr>
-              <a:t> </a:t>
-            </a:r>
-            <a:r>
-              <a:rPr sz="1200" spc="-5" dirty="0">
-                <a:latin typeface="Times New Roman"/>
+              <a:rPr sz="1050" spc="-75" dirty="0">
+                <a:latin typeface="Ubuntu Sans" pitchFamily="2" charset="0"/>
+                <a:cs typeface="Times New Roman"/>
+              </a:rPr>
+              <a:t> </a:t>
+            </a:r>
+            <a:r>
+              <a:rPr sz="1050" spc="-5" dirty="0">
+                <a:latin typeface="Ubuntu Sans" pitchFamily="2" charset="0"/>
                 <a:cs typeface="Times New Roman"/>
               </a:rPr>
               <a:t>A.</a:t>
             </a:r>
             <a:r>
-              <a:rPr sz="1200" dirty="0">
-                <a:latin typeface="Times New Roman"/>
-                <a:cs typeface="Times New Roman"/>
-              </a:rPr>
-              <a:t> </a:t>
-            </a:r>
-            <a:r>
-              <a:rPr sz="1200" spc="-30" dirty="0">
-                <a:latin typeface="Times New Roman"/>
+              <a:rPr sz="1050" dirty="0">
+                <a:latin typeface="Ubuntu Sans" pitchFamily="2" charset="0"/>
+                <a:cs typeface="Times New Roman"/>
+              </a:rPr>
+              <a:t> </a:t>
+            </a:r>
+            <a:r>
+              <a:rPr sz="1050" spc="-30" dirty="0">
+                <a:latin typeface="Ubuntu Sans" pitchFamily="2" charset="0"/>
                 <a:cs typeface="Times New Roman"/>
               </a:rPr>
               <a:t>L</a:t>
             </a:r>
             <a:r>
-              <a:rPr sz="1200" dirty="0">
-                <a:latin typeface="Times New Roman"/>
+              <a:rPr sz="1050" dirty="0">
+                <a:latin typeface="Ubuntu Sans" pitchFamily="2" charset="0"/>
                 <a:cs typeface="Times New Roman"/>
               </a:rPr>
               <a:t>ionel</a:t>
             </a:r>
-            <a:endParaRPr sz="1200">
-              <a:latin typeface="Times New Roman"/>
+            <a:endParaRPr sz="1050">
+              <a:latin typeface="Ubuntu Sans" pitchFamily="2" charset="0"/>
               <a:cs typeface="Times New Roman"/>
             </a:endParaRPr>
           </a:p>
@@ -10115,7 +10230,9 @@
             <a:bodyPr wrap="square" lIns="0" tIns="0" rIns="0" bIns="0" rtlCol="0"/>
             <a:lstStyle/>
             <a:p>
-              <a:endParaRPr/>
+              <a:endParaRPr sz="1400">
+                <a:latin typeface="Ubuntu Sans" pitchFamily="2" charset="0"/>
+              </a:endParaRPr>
             </a:p>
           </p:txBody>
         </p:sp>
@@ -10129,7 +10246,7 @@
         <p:spPr>
           <a:xfrm>
             <a:off x="2972180" y="0"/>
-            <a:ext cx="3624579" cy="1724025"/>
+            <a:ext cx="3624579" cy="1518364"/>
           </a:xfrm>
           <a:prstGeom prst="rect">
             <a:avLst/>
@@ -10153,280 +10270,280 @@
               </a:tabLst>
             </a:pPr>
             <a:r>
-              <a:rPr sz="1200" dirty="0">
-                <a:latin typeface="Times New Roman"/>
+              <a:rPr sz="1050" dirty="0">
+                <a:latin typeface="Ubuntu Sans" pitchFamily="2" charset="0"/>
                 <a:cs typeface="Times New Roman"/>
               </a:rPr>
               <a:t>-	</a:t>
             </a:r>
             <a:r>
-              <a:rPr sz="1200" b="1" dirty="0">
-                <a:latin typeface="Times New Roman"/>
+              <a:rPr sz="1050" b="1" dirty="0">
+                <a:latin typeface="Ubuntu Sans" pitchFamily="2" charset="0"/>
                 <a:cs typeface="Times New Roman"/>
               </a:rPr>
               <a:t>01 </a:t>
             </a:r>
             <a:r>
-              <a:rPr sz="1200" b="1" spc="-5" dirty="0">
-                <a:latin typeface="Times New Roman"/>
+              <a:rPr sz="1050" b="1" spc="-5" dirty="0">
+                <a:latin typeface="Ubuntu Sans" pitchFamily="2" charset="0"/>
                 <a:cs typeface="Times New Roman"/>
               </a:rPr>
               <a:t>Décembre </a:t>
             </a:r>
             <a:r>
-              <a:rPr sz="1200" b="1" dirty="0">
-                <a:latin typeface="Times New Roman"/>
+              <a:rPr sz="1050" b="1" dirty="0">
+                <a:latin typeface="Ubuntu Sans" pitchFamily="2" charset="0"/>
                 <a:cs typeface="Times New Roman"/>
               </a:rPr>
               <a:t>– </a:t>
             </a:r>
             <a:r>
-              <a:rPr sz="1200" b="1" spc="5" dirty="0">
-                <a:latin typeface="Times New Roman"/>
+              <a:rPr sz="1050" b="1" spc="5" dirty="0">
+                <a:latin typeface="Ubuntu Sans" pitchFamily="2" charset="0"/>
                 <a:cs typeface="Times New Roman"/>
               </a:rPr>
               <a:t>02 </a:t>
             </a:r>
             <a:r>
-              <a:rPr sz="1200" b="1" spc="-5" dirty="0">
-                <a:latin typeface="Times New Roman"/>
+              <a:rPr sz="1050" b="1" spc="-5" dirty="0">
+                <a:latin typeface="Ubuntu Sans" pitchFamily="2" charset="0"/>
                 <a:cs typeface="Times New Roman"/>
               </a:rPr>
               <a:t>Décembre </a:t>
             </a:r>
             <a:r>
-              <a:rPr sz="1200" b="1" dirty="0">
-                <a:latin typeface="Times New Roman"/>
+              <a:rPr sz="1050" b="1" dirty="0">
+                <a:latin typeface="Ubuntu Sans" pitchFamily="2" charset="0"/>
                 <a:cs typeface="Times New Roman"/>
               </a:rPr>
               <a:t>: </a:t>
             </a:r>
             <a:r>
-              <a:rPr sz="1200" dirty="0">
-                <a:latin typeface="Times New Roman"/>
+              <a:rPr sz="1050" dirty="0">
+                <a:latin typeface="Ubuntu Sans" pitchFamily="2" charset="0"/>
                 <a:cs typeface="Times New Roman"/>
               </a:rPr>
               <a:t>Enquête </a:t>
             </a:r>
             <a:r>
-              <a:rPr sz="1200" spc="5" dirty="0">
-                <a:latin typeface="Times New Roman"/>
+              <a:rPr sz="1050" spc="5" dirty="0">
+                <a:latin typeface="Ubuntu Sans" pitchFamily="2" charset="0"/>
                 <a:cs typeface="Times New Roman"/>
               </a:rPr>
               <a:t>de </a:t>
             </a:r>
             <a:r>
-              <a:rPr sz="1200" dirty="0">
-                <a:latin typeface="Times New Roman"/>
+              <a:rPr sz="1050" dirty="0">
+                <a:latin typeface="Ubuntu Sans" pitchFamily="2" charset="0"/>
                 <a:cs typeface="Times New Roman"/>
               </a:rPr>
               <a:t>terrain </a:t>
             </a:r>
             <a:r>
-              <a:rPr sz="1200" spc="-285" dirty="0">
-                <a:latin typeface="Times New Roman"/>
-                <a:cs typeface="Times New Roman"/>
-              </a:rPr>
-              <a:t> </a:t>
-            </a:r>
-            <a:r>
-              <a:rPr sz="1200" spc="-5" dirty="0">
-                <a:latin typeface="Times New Roman"/>
+              <a:rPr sz="1050" spc="-285" dirty="0">
+                <a:latin typeface="Ubuntu Sans" pitchFamily="2" charset="0"/>
+                <a:cs typeface="Times New Roman"/>
+              </a:rPr>
+              <a:t> </a:t>
+            </a:r>
+            <a:r>
+              <a:rPr sz="1050" spc="-5" dirty="0">
+                <a:latin typeface="Ubuntu Sans" pitchFamily="2" charset="0"/>
                 <a:cs typeface="Times New Roman"/>
               </a:rPr>
               <a:t>réalisé </a:t>
             </a:r>
             <a:r>
-              <a:rPr sz="1200" dirty="0">
-                <a:latin typeface="Times New Roman"/>
+              <a:rPr sz="1050" dirty="0">
+                <a:latin typeface="Ubuntu Sans" pitchFamily="2" charset="0"/>
                 <a:cs typeface="Times New Roman"/>
               </a:rPr>
               <a:t>pour </a:t>
             </a:r>
             <a:r>
-              <a:rPr sz="1200" spc="-10" dirty="0">
-                <a:latin typeface="Times New Roman"/>
+              <a:rPr sz="1050" spc="-10" dirty="0">
+                <a:latin typeface="Ubuntu Sans" pitchFamily="2" charset="0"/>
                 <a:cs typeface="Times New Roman"/>
               </a:rPr>
               <a:t>Le </a:t>
             </a:r>
             <a:r>
-              <a:rPr sz="1200" dirty="0">
-                <a:latin typeface="Times New Roman"/>
+              <a:rPr sz="1050" dirty="0">
+                <a:latin typeface="Ubuntu Sans" pitchFamily="2" charset="0"/>
                 <a:cs typeface="Times New Roman"/>
               </a:rPr>
               <a:t>Projet </a:t>
             </a:r>
             <a:r>
-              <a:rPr sz="1200" spc="-5" dirty="0">
-                <a:latin typeface="Times New Roman"/>
+              <a:rPr sz="1050" spc="-5" dirty="0">
+                <a:latin typeface="Ubuntu Sans" pitchFamily="2" charset="0"/>
                 <a:cs typeface="Times New Roman"/>
               </a:rPr>
               <a:t>OKP BEN </a:t>
             </a:r>
             <a:r>
-              <a:rPr sz="1200" dirty="0">
-                <a:latin typeface="Times New Roman"/>
+              <a:rPr sz="1050" dirty="0">
+                <a:latin typeface="Ubuntu Sans" pitchFamily="2" charset="0"/>
                 <a:cs typeface="Times New Roman"/>
               </a:rPr>
               <a:t>103632 dans le cadre </a:t>
             </a:r>
             <a:r>
-              <a:rPr sz="1200" spc="5" dirty="0">
-                <a:latin typeface="Times New Roman"/>
-                <a:cs typeface="Times New Roman"/>
-              </a:rPr>
-              <a:t> </a:t>
-            </a:r>
-            <a:r>
-              <a:rPr sz="1200" spc="-5" dirty="0">
-                <a:latin typeface="Times New Roman"/>
+              <a:rPr sz="1050" spc="5" dirty="0">
+                <a:latin typeface="Ubuntu Sans" pitchFamily="2" charset="0"/>
+                <a:cs typeface="Times New Roman"/>
+              </a:rPr>
+              <a:t> </a:t>
+            </a:r>
+            <a:r>
+              <a:rPr sz="1050" spc="-5" dirty="0">
+                <a:latin typeface="Ubuntu Sans" pitchFamily="2" charset="0"/>
                 <a:cs typeface="Times New Roman"/>
               </a:rPr>
               <a:t>d’une</a:t>
             </a:r>
             <a:r>
-              <a:rPr sz="1200" dirty="0">
-                <a:latin typeface="Times New Roman"/>
+              <a:rPr sz="1050" dirty="0">
+                <a:latin typeface="Ubuntu Sans" pitchFamily="2" charset="0"/>
                 <a:cs typeface="Times New Roman"/>
               </a:rPr>
               <a:t> étude</a:t>
             </a:r>
             <a:r>
-              <a:rPr sz="1200" spc="5" dirty="0">
-                <a:latin typeface="Times New Roman"/>
-                <a:cs typeface="Times New Roman"/>
-              </a:rPr>
-              <a:t> </a:t>
-            </a:r>
-            <a:r>
-              <a:rPr sz="1200" dirty="0">
-                <a:latin typeface="Times New Roman"/>
+              <a:rPr sz="1050" spc="5" dirty="0">
+                <a:latin typeface="Ubuntu Sans" pitchFamily="2" charset="0"/>
+                <a:cs typeface="Times New Roman"/>
+              </a:rPr>
+              <a:t> </a:t>
+            </a:r>
+            <a:r>
+              <a:rPr sz="1050" dirty="0">
+                <a:latin typeface="Ubuntu Sans" pitchFamily="2" charset="0"/>
                 <a:cs typeface="Times New Roman"/>
               </a:rPr>
               <a:t>sur</a:t>
             </a:r>
             <a:r>
-              <a:rPr sz="1200" spc="5" dirty="0">
-                <a:latin typeface="Times New Roman"/>
-                <a:cs typeface="Times New Roman"/>
-              </a:rPr>
-              <a:t> </a:t>
-            </a:r>
-            <a:r>
-              <a:rPr sz="1200" dirty="0">
-                <a:latin typeface="Times New Roman"/>
+              <a:rPr sz="1050" spc="5" dirty="0">
+                <a:latin typeface="Ubuntu Sans" pitchFamily="2" charset="0"/>
+                <a:cs typeface="Times New Roman"/>
+              </a:rPr>
+              <a:t> </a:t>
+            </a:r>
+            <a:r>
+              <a:rPr sz="1050" dirty="0">
+                <a:latin typeface="Ubuntu Sans" pitchFamily="2" charset="0"/>
                 <a:cs typeface="Times New Roman"/>
               </a:rPr>
               <a:t>les</a:t>
             </a:r>
             <a:r>
-              <a:rPr sz="1200" spc="5" dirty="0">
-                <a:latin typeface="Times New Roman"/>
-                <a:cs typeface="Times New Roman"/>
-              </a:rPr>
-              <a:t> </a:t>
-            </a:r>
-            <a:r>
-              <a:rPr sz="1200" spc="-5" dirty="0">
-                <a:latin typeface="Times New Roman"/>
+              <a:rPr sz="1050" spc="5" dirty="0">
+                <a:latin typeface="Ubuntu Sans" pitchFamily="2" charset="0"/>
+                <a:cs typeface="Times New Roman"/>
+              </a:rPr>
+              <a:t> </a:t>
+            </a:r>
+            <a:r>
+              <a:rPr sz="1050" spc="-5" dirty="0">
+                <a:latin typeface="Ubuntu Sans" pitchFamily="2" charset="0"/>
                 <a:cs typeface="Times New Roman"/>
               </a:rPr>
               <a:t>compétences</a:t>
             </a:r>
             <a:r>
-              <a:rPr sz="1200" dirty="0">
-                <a:latin typeface="Times New Roman"/>
+              <a:rPr sz="1050" dirty="0">
+                <a:latin typeface="Ubuntu Sans" pitchFamily="2" charset="0"/>
                 <a:cs typeface="Times New Roman"/>
               </a:rPr>
               <a:t> requise</a:t>
             </a:r>
             <a:r>
-              <a:rPr sz="1200" spc="5" dirty="0">
-                <a:latin typeface="Times New Roman"/>
-                <a:cs typeface="Times New Roman"/>
-              </a:rPr>
-              <a:t> </a:t>
-            </a:r>
-            <a:r>
-              <a:rPr sz="1200" dirty="0">
-                <a:latin typeface="Times New Roman"/>
+              <a:rPr sz="1050" spc="5" dirty="0">
+                <a:latin typeface="Ubuntu Sans" pitchFamily="2" charset="0"/>
+                <a:cs typeface="Times New Roman"/>
+              </a:rPr>
+              <a:t> </a:t>
+            </a:r>
+            <a:r>
+              <a:rPr sz="1050" dirty="0">
+                <a:latin typeface="Ubuntu Sans" pitchFamily="2" charset="0"/>
                 <a:cs typeface="Times New Roman"/>
               </a:rPr>
               <a:t>pour</a:t>
             </a:r>
             <a:r>
-              <a:rPr sz="1200" spc="5" dirty="0">
-                <a:latin typeface="Times New Roman"/>
-                <a:cs typeface="Times New Roman"/>
-              </a:rPr>
-              <a:t> </a:t>
-            </a:r>
-            <a:r>
-              <a:rPr sz="1200" spc="-5" dirty="0">
-                <a:latin typeface="Times New Roman"/>
+              <a:rPr sz="1050" spc="5" dirty="0">
+                <a:latin typeface="Ubuntu Sans" pitchFamily="2" charset="0"/>
+                <a:cs typeface="Times New Roman"/>
+              </a:rPr>
+              <a:t> </a:t>
+            </a:r>
+            <a:r>
+              <a:rPr sz="1050" spc="-5" dirty="0">
+                <a:latin typeface="Ubuntu Sans" pitchFamily="2" charset="0"/>
                 <a:cs typeface="Times New Roman"/>
               </a:rPr>
               <a:t>être</a:t>
             </a:r>
             <a:r>
-              <a:rPr sz="1200" dirty="0">
-                <a:latin typeface="Times New Roman"/>
-                <a:cs typeface="Times New Roman"/>
-              </a:rPr>
-              <a:t> </a:t>
-            </a:r>
-            <a:r>
-              <a:rPr sz="1200" spc="-5" dirty="0">
-                <a:latin typeface="Times New Roman"/>
+              <a:rPr sz="1050" dirty="0">
+                <a:latin typeface="Ubuntu Sans" pitchFamily="2" charset="0"/>
+                <a:cs typeface="Times New Roman"/>
+              </a:rPr>
+              <a:t> </a:t>
+            </a:r>
+            <a:r>
+              <a:rPr sz="1050" spc="-5" dirty="0">
+                <a:latin typeface="Ubuntu Sans" pitchFamily="2" charset="0"/>
                 <a:cs typeface="Times New Roman"/>
               </a:rPr>
               <a:t>un </a:t>
             </a:r>
             <a:r>
-              <a:rPr sz="1200" dirty="0">
-                <a:latin typeface="Times New Roman"/>
-                <a:cs typeface="Times New Roman"/>
-              </a:rPr>
-              <a:t> </a:t>
-            </a:r>
-            <a:r>
-              <a:rPr sz="1200" spc="-5" dirty="0">
-                <a:latin typeface="Times New Roman"/>
+              <a:rPr sz="1050" dirty="0">
+                <a:latin typeface="Ubuntu Sans" pitchFamily="2" charset="0"/>
+                <a:cs typeface="Times New Roman"/>
+              </a:rPr>
+              <a:t> </a:t>
+            </a:r>
+            <a:r>
+              <a:rPr sz="1050" spc="-5" dirty="0">
+                <a:latin typeface="Ubuntu Sans" pitchFamily="2" charset="0"/>
                 <a:cs typeface="Times New Roman"/>
               </a:rPr>
               <a:t>entrepreneur</a:t>
             </a:r>
             <a:r>
-              <a:rPr sz="1200" spc="40" dirty="0">
-                <a:latin typeface="Times New Roman"/>
-                <a:cs typeface="Times New Roman"/>
-              </a:rPr>
-              <a:t> </a:t>
-            </a:r>
-            <a:r>
-              <a:rPr sz="1200" dirty="0">
-                <a:latin typeface="Times New Roman"/>
+              <a:rPr sz="1050" spc="40" dirty="0">
+                <a:latin typeface="Ubuntu Sans" pitchFamily="2" charset="0"/>
+                <a:cs typeface="Times New Roman"/>
+              </a:rPr>
+              <a:t> </a:t>
+            </a:r>
+            <a:r>
+              <a:rPr sz="1050" dirty="0">
+                <a:latin typeface="Ubuntu Sans" pitchFamily="2" charset="0"/>
                 <a:cs typeface="Times New Roman"/>
               </a:rPr>
               <a:t>à</a:t>
             </a:r>
             <a:r>
-              <a:rPr sz="1200" spc="5" dirty="0">
-                <a:latin typeface="Times New Roman"/>
-                <a:cs typeface="Times New Roman"/>
-              </a:rPr>
-              <a:t> </a:t>
-            </a:r>
-            <a:r>
-              <a:rPr sz="1200" spc="-5" dirty="0">
-                <a:latin typeface="Times New Roman"/>
+              <a:rPr sz="1050" spc="5" dirty="0">
+                <a:latin typeface="Ubuntu Sans" pitchFamily="2" charset="0"/>
+                <a:cs typeface="Times New Roman"/>
+              </a:rPr>
+              <a:t> </a:t>
+            </a:r>
+            <a:r>
+              <a:rPr sz="1050" spc="-5" dirty="0">
+                <a:latin typeface="Ubuntu Sans" pitchFamily="2" charset="0"/>
                 <a:cs typeface="Times New Roman"/>
               </a:rPr>
               <a:t>succès.</a:t>
             </a:r>
-            <a:endParaRPr sz="1200">
-              <a:latin typeface="Times New Roman"/>
+            <a:endParaRPr sz="1050">
+              <a:latin typeface="Ubuntu Sans" pitchFamily="2" charset="0"/>
               <a:cs typeface="Times New Roman"/>
             </a:endParaRPr>
           </a:p>
@@ -10446,28 +10563,28 @@
               </a:tabLst>
             </a:pPr>
             <a:r>
-              <a:rPr sz="1200" b="1" spc="-5" dirty="0">
-                <a:latin typeface="Times New Roman"/>
+              <a:rPr sz="1050" b="1" spc="-5" dirty="0">
+                <a:latin typeface="Ubuntu Sans" pitchFamily="2" charset="0"/>
                 <a:cs typeface="Times New Roman"/>
               </a:rPr>
               <a:t>Année</a:t>
             </a:r>
             <a:r>
-              <a:rPr sz="1200" b="1" spc="-40" dirty="0">
-                <a:latin typeface="Times New Roman"/>
-                <a:cs typeface="Times New Roman"/>
-              </a:rPr>
-              <a:t> </a:t>
-            </a:r>
-            <a:r>
-              <a:rPr sz="1200" b="1" dirty="0">
-                <a:latin typeface="Times New Roman"/>
+              <a:rPr sz="1050" b="1" spc="-40" dirty="0">
+                <a:latin typeface="Ubuntu Sans" pitchFamily="2" charset="0"/>
+                <a:cs typeface="Times New Roman"/>
+              </a:rPr>
+              <a:t> </a:t>
+            </a:r>
+            <a:r>
+              <a:rPr sz="1050" b="1" dirty="0">
+                <a:latin typeface="Ubuntu Sans" pitchFamily="2" charset="0"/>
                 <a:cs typeface="Times New Roman"/>
               </a:rPr>
               <a:t>2020</a:t>
             </a:r>
-            <a:endParaRPr sz="1200">
-              <a:latin typeface="Times New Roman"/>
+            <a:endParaRPr sz="1050">
+              <a:latin typeface="Ubuntu Sans" pitchFamily="2" charset="0"/>
               <a:cs typeface="Times New Roman"/>
             </a:endParaRPr>
           </a:p>
@@ -10478,126 +10595,126 @@
               </a:lnSpc>
             </a:pPr>
             <a:r>
-              <a:rPr sz="1200" dirty="0">
-                <a:latin typeface="Times New Roman"/>
+              <a:rPr sz="1050" dirty="0">
+                <a:latin typeface="Ubuntu Sans" pitchFamily="2" charset="0"/>
                 <a:cs typeface="Times New Roman"/>
               </a:rPr>
               <a:t>Etude</a:t>
             </a:r>
             <a:r>
-              <a:rPr sz="1200" spc="170" dirty="0">
-                <a:latin typeface="Times New Roman"/>
-                <a:cs typeface="Times New Roman"/>
-              </a:rPr>
-              <a:t> </a:t>
-            </a:r>
-            <a:r>
-              <a:rPr sz="1200" spc="5" dirty="0">
-                <a:latin typeface="Times New Roman"/>
+              <a:rPr sz="1050" spc="170" dirty="0">
+                <a:latin typeface="Ubuntu Sans" pitchFamily="2" charset="0"/>
+                <a:cs typeface="Times New Roman"/>
+              </a:rPr>
+              <a:t> </a:t>
+            </a:r>
+            <a:r>
+              <a:rPr sz="1050" spc="5" dirty="0">
+                <a:latin typeface="Ubuntu Sans" pitchFamily="2" charset="0"/>
                 <a:cs typeface="Times New Roman"/>
               </a:rPr>
               <a:t>de</a:t>
             </a:r>
             <a:r>
-              <a:rPr sz="1200" spc="175" dirty="0">
-                <a:latin typeface="Times New Roman"/>
-                <a:cs typeface="Times New Roman"/>
-              </a:rPr>
-              <a:t> </a:t>
-            </a:r>
-            <a:r>
-              <a:rPr sz="1200" dirty="0">
-                <a:latin typeface="Times New Roman"/>
+              <a:rPr sz="1050" spc="175" dirty="0">
+                <a:latin typeface="Ubuntu Sans" pitchFamily="2" charset="0"/>
+                <a:cs typeface="Times New Roman"/>
+              </a:rPr>
+              <a:t> </a:t>
+            </a:r>
+            <a:r>
+              <a:rPr sz="1050" dirty="0">
+                <a:latin typeface="Ubuntu Sans" pitchFamily="2" charset="0"/>
                 <a:cs typeface="Times New Roman"/>
               </a:rPr>
               <a:t>faisabilité</a:t>
             </a:r>
             <a:r>
-              <a:rPr sz="1200" spc="180" dirty="0">
-                <a:latin typeface="Times New Roman"/>
-                <a:cs typeface="Times New Roman"/>
-              </a:rPr>
-              <a:t> </a:t>
-            </a:r>
-            <a:r>
-              <a:rPr sz="1200" spc="5" dirty="0">
-                <a:latin typeface="Times New Roman"/>
+              <a:rPr sz="1050" spc="180" dirty="0">
+                <a:latin typeface="Ubuntu Sans" pitchFamily="2" charset="0"/>
+                <a:cs typeface="Times New Roman"/>
+              </a:rPr>
+              <a:t> </a:t>
+            </a:r>
+            <a:r>
+              <a:rPr sz="1050" spc="5" dirty="0">
+                <a:latin typeface="Ubuntu Sans" pitchFamily="2" charset="0"/>
                 <a:cs typeface="Times New Roman"/>
               </a:rPr>
               <a:t>de</a:t>
             </a:r>
             <a:r>
-              <a:rPr sz="1200" spc="190" dirty="0">
-                <a:latin typeface="Times New Roman"/>
-                <a:cs typeface="Times New Roman"/>
-              </a:rPr>
-              <a:t> </a:t>
-            </a:r>
-            <a:r>
-              <a:rPr sz="1200" spc="-5" dirty="0">
-                <a:latin typeface="Times New Roman"/>
+              <a:rPr sz="1050" spc="190" dirty="0">
+                <a:latin typeface="Ubuntu Sans" pitchFamily="2" charset="0"/>
+                <a:cs typeface="Times New Roman"/>
+              </a:rPr>
+              <a:t> </a:t>
+            </a:r>
+            <a:r>
+              <a:rPr sz="1050" spc="-5" dirty="0">
+                <a:latin typeface="Ubuntu Sans" pitchFamily="2" charset="0"/>
                 <a:cs typeface="Times New Roman"/>
               </a:rPr>
               <a:t>micro-projet</a:t>
             </a:r>
             <a:r>
-              <a:rPr sz="1200" spc="195" dirty="0">
-                <a:latin typeface="Times New Roman"/>
-                <a:cs typeface="Times New Roman"/>
-              </a:rPr>
-              <a:t> </a:t>
-            </a:r>
-            <a:r>
-              <a:rPr sz="1200" dirty="0">
-                <a:latin typeface="Times New Roman"/>
+              <a:rPr sz="1050" spc="195" dirty="0">
+                <a:latin typeface="Ubuntu Sans" pitchFamily="2" charset="0"/>
+                <a:cs typeface="Times New Roman"/>
+              </a:rPr>
+              <a:t> </a:t>
+            </a:r>
+            <a:r>
+              <a:rPr sz="1050" dirty="0">
+                <a:latin typeface="Ubuntu Sans" pitchFamily="2" charset="0"/>
                 <a:cs typeface="Times New Roman"/>
               </a:rPr>
               <a:t>agricoles</a:t>
             </a:r>
             <a:r>
-              <a:rPr sz="1200" spc="165" dirty="0">
-                <a:latin typeface="Times New Roman"/>
-                <a:cs typeface="Times New Roman"/>
-              </a:rPr>
-              <a:t> </a:t>
-            </a:r>
-            <a:r>
-              <a:rPr sz="1200" dirty="0">
-                <a:latin typeface="Times New Roman"/>
+              <a:rPr sz="1050" spc="165" dirty="0">
+                <a:latin typeface="Ubuntu Sans" pitchFamily="2" charset="0"/>
+                <a:cs typeface="Times New Roman"/>
+              </a:rPr>
+              <a:t> </a:t>
+            </a:r>
+            <a:r>
+              <a:rPr sz="1050" dirty="0">
+                <a:latin typeface="Ubuntu Sans" pitchFamily="2" charset="0"/>
                 <a:cs typeface="Times New Roman"/>
               </a:rPr>
               <a:t>au</a:t>
             </a:r>
             <a:r>
-              <a:rPr sz="1200" spc="175" dirty="0">
-                <a:latin typeface="Times New Roman"/>
-                <a:cs typeface="Times New Roman"/>
-              </a:rPr>
-              <a:t> </a:t>
-            </a:r>
-            <a:r>
-              <a:rPr sz="1200" spc="-5" dirty="0">
-                <a:latin typeface="Times New Roman"/>
+              <a:rPr sz="1050" spc="175" dirty="0">
+                <a:latin typeface="Ubuntu Sans" pitchFamily="2" charset="0"/>
+                <a:cs typeface="Times New Roman"/>
+              </a:rPr>
+              <a:t> </a:t>
+            </a:r>
+            <a:r>
+              <a:rPr sz="1050" spc="-5" dirty="0">
+                <a:latin typeface="Ubuntu Sans" pitchFamily="2" charset="0"/>
                 <a:cs typeface="Times New Roman"/>
               </a:rPr>
               <a:t>sein</a:t>
             </a:r>
             <a:r>
-              <a:rPr sz="1200" spc="185" dirty="0">
-                <a:latin typeface="Times New Roman"/>
-                <a:cs typeface="Times New Roman"/>
-              </a:rPr>
-              <a:t> </a:t>
-            </a:r>
-            <a:r>
-              <a:rPr sz="1200" spc="-5" dirty="0">
-                <a:latin typeface="Times New Roman"/>
+              <a:rPr sz="1050" spc="185" dirty="0">
+                <a:latin typeface="Ubuntu Sans" pitchFamily="2" charset="0"/>
+                <a:cs typeface="Times New Roman"/>
+              </a:rPr>
+              <a:t> </a:t>
+            </a:r>
+            <a:r>
+              <a:rPr sz="1050" spc="-5" dirty="0">
+                <a:latin typeface="Ubuntu Sans" pitchFamily="2" charset="0"/>
                 <a:cs typeface="Times New Roman"/>
               </a:rPr>
               <a:t>du</a:t>
             </a:r>
-            <a:endParaRPr sz="1200">
-              <a:latin typeface="Times New Roman"/>
+            <a:endParaRPr sz="1050">
+              <a:latin typeface="Ubuntu Sans" pitchFamily="2" charset="0"/>
               <a:cs typeface="Times New Roman"/>
             </a:endParaRPr>
           </a:p>
@@ -10611,49 +10728,49 @@
               </a:spcBef>
             </a:pPr>
             <a:r>
-              <a:rPr sz="1200" spc="-5" dirty="0">
-                <a:latin typeface="Times New Roman"/>
+              <a:rPr sz="1050" spc="-5" dirty="0">
+                <a:latin typeface="Ubuntu Sans" pitchFamily="2" charset="0"/>
                 <a:cs typeface="Times New Roman"/>
               </a:rPr>
               <a:t>cabinet</a:t>
             </a:r>
             <a:r>
-              <a:rPr sz="1200" spc="30" dirty="0">
-                <a:latin typeface="Times New Roman"/>
-                <a:cs typeface="Times New Roman"/>
-              </a:rPr>
-              <a:t> </a:t>
-            </a:r>
-            <a:r>
-              <a:rPr sz="1200" dirty="0">
-                <a:latin typeface="Times New Roman"/>
+              <a:rPr sz="1050" spc="30" dirty="0">
+                <a:latin typeface="Ubuntu Sans" pitchFamily="2" charset="0"/>
+                <a:cs typeface="Times New Roman"/>
+              </a:rPr>
+              <a:t> </a:t>
+            </a:r>
+            <a:r>
+              <a:rPr sz="1050" dirty="0">
+                <a:latin typeface="Ubuntu Sans" pitchFamily="2" charset="0"/>
                 <a:cs typeface="Times New Roman"/>
               </a:rPr>
               <a:t>Sublime</a:t>
             </a:r>
             <a:r>
-              <a:rPr sz="1200" spc="-5" dirty="0">
-                <a:latin typeface="Times New Roman"/>
+              <a:rPr sz="1050" spc="-5" dirty="0">
+                <a:latin typeface="Ubuntu Sans" pitchFamily="2" charset="0"/>
                 <a:cs typeface="Times New Roman"/>
               </a:rPr>
               <a:t> Excellence</a:t>
             </a:r>
             <a:r>
-              <a:rPr sz="1200" spc="40" dirty="0">
-                <a:latin typeface="Times New Roman"/>
-                <a:cs typeface="Times New Roman"/>
-              </a:rPr>
-              <a:t> </a:t>
-            </a:r>
-            <a:r>
-              <a:rPr sz="1200" spc="-20" dirty="0">
-                <a:latin typeface="Times New Roman"/>
+              <a:rPr sz="1050" spc="40" dirty="0">
+                <a:latin typeface="Ubuntu Sans" pitchFamily="2" charset="0"/>
+                <a:cs typeface="Times New Roman"/>
+              </a:rPr>
+              <a:t> </a:t>
+            </a:r>
+            <a:r>
+              <a:rPr sz="1050" spc="-20" dirty="0">
+                <a:latin typeface="Ubuntu Sans" pitchFamily="2" charset="0"/>
                 <a:cs typeface="Times New Roman"/>
               </a:rPr>
               <a:t>Inter.</a:t>
             </a:r>
-            <a:endParaRPr sz="1200">
-              <a:latin typeface="Times New Roman"/>
+            <a:endParaRPr sz="1050">
+              <a:latin typeface="Ubuntu Sans" pitchFamily="2" charset="0"/>
               <a:cs typeface="Times New Roman"/>
             </a:endParaRPr>
           </a:p>
@@ -10668,7 +10785,7 @@
         <p:spPr>
           <a:xfrm>
             <a:off x="452119" y="3947540"/>
-            <a:ext cx="576580" cy="1122680"/>
+            <a:ext cx="576580" cy="956737"/>
           </a:xfrm>
           <a:prstGeom prst="rect">
             <a:avLst/>
@@ -10689,62 +10806,62 @@
               </a:spcBef>
             </a:pPr>
             <a:r>
-              <a:rPr sz="1200" b="1" dirty="0">
+              <a:rPr sz="1050" b="1" dirty="0">
                 <a:solidFill>
                   <a:srgbClr val="2E5496"/>
                 </a:solidFill>
-                <a:latin typeface="Times New Roman"/>
+                <a:latin typeface="Ubuntu Sans" pitchFamily="2" charset="0"/>
                 <a:cs typeface="Times New Roman"/>
               </a:rPr>
               <a:t>L</a:t>
             </a:r>
             <a:r>
-              <a:rPr sz="1200" b="1" spc="-5" dirty="0">
+              <a:rPr sz="1050" b="1" spc="-5" dirty="0">
                 <a:solidFill>
                   <a:srgbClr val="2E5496"/>
                 </a:solidFill>
-                <a:latin typeface="Times New Roman"/>
+                <a:latin typeface="Ubuntu Sans" pitchFamily="2" charset="0"/>
                 <a:cs typeface="Times New Roman"/>
               </a:rPr>
               <a:t>angues  </a:t>
             </a:r>
             <a:r>
-              <a:rPr sz="1200" spc="-5" dirty="0">
-                <a:latin typeface="Times New Roman"/>
+              <a:rPr sz="1050" spc="-5" dirty="0">
+                <a:latin typeface="Ubuntu Sans" pitchFamily="2" charset="0"/>
                 <a:cs typeface="Times New Roman"/>
               </a:rPr>
               <a:t>Fon </a:t>
             </a:r>
             <a:r>
-              <a:rPr sz="1200" dirty="0">
-                <a:latin typeface="Times New Roman"/>
-                <a:cs typeface="Times New Roman"/>
-              </a:rPr>
-              <a:t> </a:t>
-            </a:r>
-            <a:r>
-              <a:rPr sz="1200" spc="-5" dirty="0">
-                <a:latin typeface="Times New Roman"/>
+              <a:rPr sz="1050" dirty="0">
+                <a:latin typeface="Ubuntu Sans" pitchFamily="2" charset="0"/>
+                <a:cs typeface="Times New Roman"/>
+              </a:rPr>
+              <a:t> </a:t>
+            </a:r>
+            <a:r>
+              <a:rPr sz="1050" spc="-5" dirty="0">
+                <a:latin typeface="Ubuntu Sans" pitchFamily="2" charset="0"/>
                 <a:cs typeface="Times New Roman"/>
               </a:rPr>
               <a:t>Français </a:t>
             </a:r>
             <a:r>
-              <a:rPr sz="1200" spc="-285" dirty="0">
-                <a:latin typeface="Times New Roman"/>
-                <a:cs typeface="Times New Roman"/>
-              </a:rPr>
-              <a:t> </a:t>
-            </a:r>
-            <a:r>
-              <a:rPr sz="1200" spc="-5" dirty="0">
-                <a:latin typeface="Times New Roman"/>
+              <a:rPr sz="1050" spc="-285" dirty="0">
+                <a:latin typeface="Ubuntu Sans" pitchFamily="2" charset="0"/>
+                <a:cs typeface="Times New Roman"/>
+              </a:rPr>
+              <a:t> </a:t>
+            </a:r>
+            <a:r>
+              <a:rPr sz="1050" spc="-5" dirty="0">
+                <a:latin typeface="Ubuntu Sans" pitchFamily="2" charset="0"/>
                 <a:cs typeface="Times New Roman"/>
               </a:rPr>
               <a:t>Anglais</a:t>
             </a:r>
-            <a:endParaRPr sz="1200">
-              <a:latin typeface="Times New Roman"/>
+            <a:endParaRPr sz="1050">
+              <a:latin typeface="Ubuntu Sans" pitchFamily="2" charset="0"/>
               <a:cs typeface="Times New Roman"/>
             </a:endParaRPr>
           </a:p>
@@ -10759,7 +10876,7 @@
         <p:spPr>
           <a:xfrm>
             <a:off x="452119" y="5136260"/>
-            <a:ext cx="626110" cy="208279"/>
+            <a:ext cx="626110" cy="174407"/>
           </a:xfrm>
           <a:prstGeom prst="rect">
             <a:avLst/>
@@ -10780,14 +10897,14 @@
               </a:spcBef>
             </a:pPr>
             <a:r>
-              <a:rPr sz="1200" spc="-5" dirty="0">
-                <a:latin typeface="Times New Roman"/>
+              <a:rPr sz="1050" spc="-5" dirty="0">
+                <a:latin typeface="Ubuntu Sans" pitchFamily="2" charset="0"/>
                 <a:cs typeface="Times New Roman"/>
               </a:rPr>
               <a:t>Allemand</a:t>
             </a:r>
-            <a:endParaRPr sz="1200">
-              <a:latin typeface="Times New Roman"/>
+            <a:endParaRPr sz="1050">
+              <a:latin typeface="Ubuntu Sans" pitchFamily="2" charset="0"/>
               <a:cs typeface="Times New Roman"/>
             </a:endParaRPr>
           </a:p>
@@ -11285,7 +11402,9 @@
             <a:bodyPr wrap="square" lIns="0" tIns="0" rIns="0" bIns="0" rtlCol="0"/>
             <a:lstStyle/>
             <a:p>
-              <a:endParaRPr/>
+              <a:endParaRPr sz="1400">
+                <a:latin typeface="Ubuntu Sans" pitchFamily="2" charset="0"/>
+              </a:endParaRPr>
             </a:p>
           </p:txBody>
         </p:sp>
@@ -11359,7 +11478,9 @@
             <a:bodyPr wrap="square" lIns="0" tIns="0" rIns="0" bIns="0" rtlCol="0"/>
             <a:lstStyle/>
             <a:p>
-              <a:endParaRPr/>
+              <a:endParaRPr sz="1400">
+                <a:latin typeface="Ubuntu Sans" pitchFamily="2" charset="0"/>
+              </a:endParaRPr>
             </a:p>
           </p:txBody>
         </p:sp>
@@ -11373,7 +11494,7 @@
         <p:spPr>
           <a:xfrm>
             <a:off x="428650" y="1773428"/>
-            <a:ext cx="1207135" cy="208279"/>
+            <a:ext cx="1207135" cy="174407"/>
           </a:xfrm>
           <a:prstGeom prst="rect">
             <a:avLst/>
@@ -11394,37 +11515,37 @@
               </a:spcBef>
             </a:pPr>
             <a:r>
-              <a:rPr sz="1200" b="1" spc="-5" dirty="0">
+              <a:rPr sz="1050" b="1" spc="-5" dirty="0">
                 <a:solidFill>
                   <a:srgbClr val="2E5496"/>
                 </a:solidFill>
-                <a:latin typeface="Times New Roman"/>
+                <a:latin typeface="Ubuntu Sans" pitchFamily="2" charset="0"/>
                 <a:cs typeface="Times New Roman"/>
               </a:rPr>
               <a:t>Détails</a:t>
             </a:r>
             <a:r>
-              <a:rPr sz="1200" b="1" spc="-20" dirty="0">
+              <a:rPr sz="1050" b="1" spc="-20" dirty="0">
                 <a:solidFill>
                   <a:srgbClr val="2E5496"/>
                 </a:solidFill>
-                <a:latin typeface="Times New Roman"/>
-                <a:cs typeface="Times New Roman"/>
-              </a:rPr>
-              <a:t> </a:t>
-            </a:r>
-            <a:r>
-              <a:rPr sz="1200" b="1" spc="-5" dirty="0">
+                <a:latin typeface="Ubuntu Sans" pitchFamily="2" charset="0"/>
+                <a:cs typeface="Times New Roman"/>
+              </a:rPr>
+              <a:t> </a:t>
+            </a:r>
+            <a:r>
+              <a:rPr sz="1050" b="1" spc="-5" dirty="0">
                 <a:solidFill>
                   <a:srgbClr val="2E5496"/>
                 </a:solidFill>
-                <a:latin typeface="Times New Roman"/>
+                <a:latin typeface="Ubuntu Sans" pitchFamily="2" charset="0"/>
                 <a:cs typeface="Times New Roman"/>
               </a:rPr>
               <a:t>personnels</a:t>
             </a:r>
-            <a:endParaRPr sz="1200">
-              <a:latin typeface="Times New Roman"/>
+            <a:endParaRPr sz="1050">
+              <a:latin typeface="Ubuntu Sans" pitchFamily="2" charset="0"/>
               <a:cs typeface="Times New Roman"/>
             </a:endParaRPr>
           </a:p>
@@ -11439,7 +11560,7 @@
         <p:spPr>
           <a:xfrm>
             <a:off x="637438" y="1933143"/>
-            <a:ext cx="3977640" cy="1847214"/>
+            <a:ext cx="3977640" cy="1631601"/>
           </a:xfrm>
           <a:prstGeom prst="rect">
             <a:avLst/>
@@ -11460,17 +11581,17 @@
               </a:spcBef>
             </a:pPr>
             <a:r>
-              <a:rPr sz="1200" b="1" spc="-5" dirty="0">
+              <a:rPr sz="1050" b="1" spc="-5" dirty="0">
                 <a:solidFill>
                   <a:srgbClr val="2E5496"/>
                 </a:solidFill>
-                <a:latin typeface="Times New Roman"/>
+                <a:latin typeface="Ubuntu Sans" pitchFamily="2" charset="0"/>
                 <a:cs typeface="Times New Roman"/>
               </a:rPr>
               <a:t>Formations</a:t>
             </a:r>
-            <a:endParaRPr sz="1200">
-              <a:latin typeface="Times New Roman"/>
+            <a:endParaRPr sz="1050">
+              <a:latin typeface="Ubuntu Sans" pitchFamily="2" charset="0"/>
               <a:cs typeface="Times New Roman"/>
             </a:endParaRPr>
           </a:p>
@@ -11484,56 +11605,56 @@
               </a:spcBef>
             </a:pPr>
             <a:r>
-              <a:rPr sz="1100" b="1" dirty="0">
-                <a:latin typeface="Times New Roman"/>
+              <a:rPr sz="1000" b="1" dirty="0">
+                <a:latin typeface="Ubuntu Sans" pitchFamily="2" charset="0"/>
                 <a:cs typeface="Times New Roman"/>
               </a:rPr>
               <a:t>TOTON</a:t>
             </a:r>
             <a:r>
-              <a:rPr sz="1100" b="1" spc="-25" dirty="0">
-                <a:latin typeface="Times New Roman"/>
-                <a:cs typeface="Times New Roman"/>
-              </a:rPr>
-              <a:t> </a:t>
-            </a:r>
-            <a:r>
-              <a:rPr sz="1100" b="1" dirty="0">
-                <a:latin typeface="Times New Roman"/>
+              <a:rPr sz="1000" b="1" spc="-25" dirty="0">
+                <a:latin typeface="Ubuntu Sans" pitchFamily="2" charset="0"/>
+                <a:cs typeface="Times New Roman"/>
+              </a:rPr>
+              <a:t> </a:t>
+            </a:r>
+            <a:r>
+              <a:rPr sz="1000" b="1" dirty="0">
+                <a:latin typeface="Ubuntu Sans" pitchFamily="2" charset="0"/>
                 <a:cs typeface="Times New Roman"/>
               </a:rPr>
               <a:t>Dèdoté</a:t>
             </a:r>
             <a:r>
-              <a:rPr sz="1100" b="1" spc="-30" dirty="0">
-                <a:latin typeface="Times New Roman"/>
-                <a:cs typeface="Times New Roman"/>
-              </a:rPr>
-              <a:t> </a:t>
-            </a:r>
-            <a:r>
-              <a:rPr sz="1100" b="1" dirty="0">
-                <a:latin typeface="Times New Roman"/>
+              <a:rPr sz="1000" b="1" spc="-30" dirty="0">
+                <a:latin typeface="Ubuntu Sans" pitchFamily="2" charset="0"/>
+                <a:cs typeface="Times New Roman"/>
+              </a:rPr>
+              <a:t> </a:t>
+            </a:r>
+            <a:r>
+              <a:rPr sz="1000" b="1" dirty="0">
+                <a:latin typeface="Ubuntu Sans" pitchFamily="2" charset="0"/>
                 <a:cs typeface="Times New Roman"/>
               </a:rPr>
               <a:t>Adéchola</a:t>
             </a:r>
             <a:r>
-              <a:rPr sz="1100" b="1" spc="-45" dirty="0">
-                <a:latin typeface="Times New Roman"/>
-                <a:cs typeface="Times New Roman"/>
-              </a:rPr>
-              <a:t> </a:t>
-            </a:r>
-            <a:r>
-              <a:rPr sz="1100" b="1" dirty="0">
-                <a:latin typeface="Times New Roman"/>
+              <a:rPr sz="1000" b="1" spc="-45" dirty="0">
+                <a:latin typeface="Ubuntu Sans" pitchFamily="2" charset="0"/>
+                <a:cs typeface="Times New Roman"/>
+              </a:rPr>
+              <a:t> </a:t>
+            </a:r>
+            <a:r>
+              <a:rPr sz="1000" b="1" dirty="0">
+                <a:latin typeface="Ubuntu Sans" pitchFamily="2" charset="0"/>
                 <a:cs typeface="Times New Roman"/>
               </a:rPr>
               <a:t>Lionel</a:t>
             </a:r>
-            <a:endParaRPr sz="1100">
-              <a:latin typeface="Times New Roman"/>
+            <a:endParaRPr sz="1000">
+              <a:latin typeface="Ubuntu Sans" pitchFamily="2" charset="0"/>
               <a:cs typeface="Times New Roman"/>
             </a:endParaRPr>
           </a:p>
@@ -11547,42 +11668,42 @@
               </a:spcBef>
             </a:pPr>
             <a:r>
-              <a:rPr sz="1200" b="1" spc="-5" dirty="0">
-                <a:latin typeface="Times New Roman"/>
+              <a:rPr sz="1050" b="1" spc="-5" dirty="0">
+                <a:latin typeface="Ubuntu Sans" pitchFamily="2" charset="0"/>
                 <a:cs typeface="Times New Roman"/>
               </a:rPr>
               <a:t>ÉTUDES</a:t>
             </a:r>
             <a:r>
-              <a:rPr sz="1200" b="1" spc="170" dirty="0">
-                <a:latin typeface="Times New Roman"/>
-                <a:cs typeface="Times New Roman"/>
-              </a:rPr>
-              <a:t> </a:t>
-            </a:r>
-            <a:r>
-              <a:rPr sz="1200" b="1" dirty="0">
-                <a:latin typeface="Times New Roman"/>
+              <a:rPr sz="1050" b="1" spc="170" dirty="0">
+                <a:latin typeface="Ubuntu Sans" pitchFamily="2" charset="0"/>
+                <a:cs typeface="Times New Roman"/>
+              </a:rPr>
+              <a:t> </a:t>
+            </a:r>
+            <a:r>
+              <a:rPr sz="1050" b="1" dirty="0">
+                <a:latin typeface="Ubuntu Sans" pitchFamily="2" charset="0"/>
                 <a:cs typeface="Times New Roman"/>
               </a:rPr>
               <a:t>ET</a:t>
             </a:r>
             <a:r>
-              <a:rPr sz="1200" b="1" spc="130" dirty="0">
-                <a:latin typeface="Times New Roman"/>
-                <a:cs typeface="Times New Roman"/>
-              </a:rPr>
-              <a:t> </a:t>
-            </a:r>
-            <a:r>
-              <a:rPr sz="1200" b="1" spc="-15" dirty="0">
-                <a:latin typeface="Times New Roman"/>
+              <a:rPr sz="1050" b="1" spc="130" dirty="0">
+                <a:latin typeface="Ubuntu Sans" pitchFamily="2" charset="0"/>
+                <a:cs typeface="Times New Roman"/>
+              </a:rPr>
+              <a:t> </a:t>
+            </a:r>
+            <a:r>
+              <a:rPr sz="1050" b="1" spc="-15" dirty="0">
+                <a:latin typeface="Ubuntu Sans" pitchFamily="2" charset="0"/>
                 <a:cs typeface="Times New Roman"/>
               </a:rPr>
               <a:t>FORMATIONS</a:t>
             </a:r>
-            <a:endParaRPr sz="1200">
-              <a:latin typeface="Times New Roman"/>
+            <a:endParaRPr sz="1050">
+              <a:latin typeface="Ubuntu Sans" pitchFamily="2" charset="0"/>
               <a:cs typeface="Times New Roman"/>
             </a:endParaRPr>
           </a:p>
@@ -11593,7 +11714,7 @@
               </a:lnSpc>
             </a:pPr>
             <a:r>
-              <a:rPr sz="1200" u="sng" spc="-5" dirty="0">
+              <a:rPr sz="1050" u="sng" spc="-5" dirty="0">
                 <a:solidFill>
                   <a:srgbClr val="0462C1"/>
                 </a:solidFill>
@@ -11602,14 +11723,14 @@
                     <a:srgbClr val="0462C1"/>
                   </a:solidFill>
                 </a:uFill>
-                <a:latin typeface="Times New Roman"/>
+                <a:latin typeface="Ubuntu Sans" pitchFamily="2" charset="0"/>
                 <a:cs typeface="Times New Roman"/>
                 <a:hlinkClick r:id="rId6"/>
               </a:rPr>
               <a:t>totonlionel@gmail.com</a:t>
             </a:r>
-            <a:endParaRPr sz="1200">
-              <a:latin typeface="Times New Roman"/>
+            <a:endParaRPr sz="1050">
+              <a:latin typeface="Ubuntu Sans" pitchFamily="2" charset="0"/>
               <a:cs typeface="Times New Roman"/>
             </a:endParaRPr>
           </a:p>
@@ -11622,8 +11743,8 @@
                 <a:spcPts val="5"/>
               </a:spcBef>
             </a:pPr>
-            <a:endParaRPr sz="1250">
-              <a:latin typeface="Times New Roman"/>
+            <a:endParaRPr sz="1100">
+              <a:latin typeface="Ubuntu Sans" pitchFamily="2" charset="0"/>
               <a:cs typeface="Times New Roman"/>
             </a:endParaRPr>
           </a:p>
@@ -11634,70 +11755,70 @@
               </a:lnSpc>
             </a:pPr>
             <a:r>
-              <a:rPr sz="1200" spc="-5" dirty="0">
-                <a:latin typeface="Times New Roman"/>
+              <a:rPr sz="1050" spc="-5" dirty="0">
+                <a:latin typeface="Ubuntu Sans" pitchFamily="2" charset="0"/>
                 <a:cs typeface="Times New Roman"/>
               </a:rPr>
               <a:t>+229</a:t>
             </a:r>
             <a:r>
-              <a:rPr sz="1200" spc="-20" dirty="0">
-                <a:latin typeface="Times New Roman"/>
-                <a:cs typeface="Times New Roman"/>
-              </a:rPr>
-              <a:t> </a:t>
-            </a:r>
-            <a:r>
-              <a:rPr sz="1200" dirty="0">
-                <a:latin typeface="Times New Roman"/>
+              <a:rPr sz="1050" spc="-20" dirty="0">
+                <a:latin typeface="Ubuntu Sans" pitchFamily="2" charset="0"/>
+                <a:cs typeface="Times New Roman"/>
+              </a:rPr>
+              <a:t> </a:t>
+            </a:r>
+            <a:r>
+              <a:rPr sz="1050" dirty="0">
+                <a:latin typeface="Ubuntu Sans" pitchFamily="2" charset="0"/>
                 <a:cs typeface="Times New Roman"/>
               </a:rPr>
               <a:t>96</a:t>
             </a:r>
             <a:r>
-              <a:rPr sz="1200" spc="-15" dirty="0">
-                <a:latin typeface="Times New Roman"/>
-                <a:cs typeface="Times New Roman"/>
-              </a:rPr>
-              <a:t> </a:t>
-            </a:r>
-            <a:r>
-              <a:rPr sz="1200" dirty="0">
-                <a:latin typeface="Times New Roman"/>
+              <a:rPr sz="1050" spc="-15" dirty="0">
+                <a:latin typeface="Ubuntu Sans" pitchFamily="2" charset="0"/>
+                <a:cs typeface="Times New Roman"/>
+              </a:rPr>
+              <a:t> </a:t>
+            </a:r>
+            <a:r>
+              <a:rPr sz="1050" dirty="0">
+                <a:latin typeface="Ubuntu Sans" pitchFamily="2" charset="0"/>
                 <a:cs typeface="Times New Roman"/>
               </a:rPr>
               <a:t>76</a:t>
             </a:r>
             <a:r>
-              <a:rPr sz="1200" spc="-15" dirty="0">
-                <a:latin typeface="Times New Roman"/>
-                <a:cs typeface="Times New Roman"/>
-              </a:rPr>
-              <a:t> </a:t>
-            </a:r>
-            <a:r>
-              <a:rPr sz="1200" dirty="0">
-                <a:latin typeface="Times New Roman"/>
+              <a:rPr sz="1050" spc="-15" dirty="0">
+                <a:latin typeface="Ubuntu Sans" pitchFamily="2" charset="0"/>
+                <a:cs typeface="Times New Roman"/>
+              </a:rPr>
+              <a:t> </a:t>
+            </a:r>
+            <a:r>
+              <a:rPr sz="1050" dirty="0">
+                <a:latin typeface="Ubuntu Sans" pitchFamily="2" charset="0"/>
                 <a:cs typeface="Times New Roman"/>
               </a:rPr>
               <a:t>97</a:t>
             </a:r>
             <a:r>
-              <a:rPr sz="1200" spc="-15" dirty="0">
-                <a:latin typeface="Times New Roman"/>
-                <a:cs typeface="Times New Roman"/>
-              </a:rPr>
-              <a:t> </a:t>
-            </a:r>
-            <a:r>
-              <a:rPr sz="1200" dirty="0">
-                <a:latin typeface="Times New Roman"/>
+              <a:rPr sz="1050" spc="-15" dirty="0">
+                <a:latin typeface="Ubuntu Sans" pitchFamily="2" charset="0"/>
+                <a:cs typeface="Times New Roman"/>
+              </a:rPr>
+              <a:t> </a:t>
+            </a:r>
+            <a:r>
+              <a:rPr sz="1050" dirty="0">
+                <a:latin typeface="Ubuntu Sans" pitchFamily="2" charset="0"/>
                 <a:cs typeface="Times New Roman"/>
               </a:rPr>
               <a:t>16</a:t>
             </a:r>
-            <a:endParaRPr sz="1200">
-              <a:latin typeface="Times New Roman"/>
+            <a:endParaRPr sz="1050">
+              <a:latin typeface="Ubuntu Sans" pitchFamily="2" charset="0"/>
               <a:cs typeface="Times New Roman"/>
             </a:endParaRPr>
           </a:p>
@@ -11708,77 +11829,77 @@
               </a:lnSpc>
             </a:pPr>
             <a:r>
-              <a:rPr sz="1200" spc="-15" dirty="0">
-                <a:latin typeface="Times New Roman"/>
+              <a:rPr sz="1050" spc="-15" dirty="0">
+                <a:latin typeface="Ubuntu Sans" pitchFamily="2" charset="0"/>
                 <a:cs typeface="Times New Roman"/>
               </a:rPr>
               <a:t>Cocotomey,</a:t>
             </a:r>
             <a:r>
-              <a:rPr sz="1200" spc="5" dirty="0">
-                <a:latin typeface="Times New Roman"/>
-                <a:cs typeface="Times New Roman"/>
-              </a:rPr>
-              <a:t> </a:t>
-            </a:r>
-            <a:r>
-              <a:rPr sz="1200" spc="-5" dirty="0">
-                <a:latin typeface="Times New Roman"/>
+              <a:rPr sz="1050" spc="5" dirty="0">
+                <a:latin typeface="Ubuntu Sans" pitchFamily="2" charset="0"/>
+                <a:cs typeface="Times New Roman"/>
+              </a:rPr>
+              <a:t> </a:t>
+            </a:r>
+            <a:r>
+              <a:rPr sz="1050" spc="-5" dirty="0">
+                <a:latin typeface="Ubuntu Sans" pitchFamily="2" charset="0"/>
                 <a:cs typeface="Times New Roman"/>
               </a:rPr>
               <a:t>/Abomey-Calavi </a:t>
             </a:r>
             <a:r>
-              <a:rPr sz="1200" spc="-285" dirty="0">
-                <a:latin typeface="Times New Roman"/>
-                <a:cs typeface="Times New Roman"/>
-              </a:rPr>
-              <a:t> </a:t>
-            </a:r>
-            <a:r>
-              <a:rPr sz="1200" spc="-5" dirty="0">
-                <a:latin typeface="Times New Roman"/>
+              <a:rPr sz="1050" spc="-285" dirty="0">
+                <a:latin typeface="Ubuntu Sans" pitchFamily="2" charset="0"/>
+                <a:cs typeface="Times New Roman"/>
+              </a:rPr>
+              <a:t> </a:t>
+            </a:r>
+            <a:r>
+              <a:rPr sz="1050" spc="-5" dirty="0">
+                <a:latin typeface="Ubuntu Sans" pitchFamily="2" charset="0"/>
                 <a:cs typeface="Times New Roman"/>
               </a:rPr>
               <a:t>Née </a:t>
             </a:r>
             <a:r>
-              <a:rPr sz="1200" dirty="0">
-                <a:latin typeface="Times New Roman"/>
+              <a:rPr sz="1050" dirty="0">
+                <a:latin typeface="Ubuntu Sans" pitchFamily="2" charset="0"/>
                 <a:cs typeface="Times New Roman"/>
               </a:rPr>
               <a:t>le 23</a:t>
             </a:r>
             <a:r>
-              <a:rPr sz="1200" spc="-5" dirty="0">
-                <a:latin typeface="Times New Roman"/>
-                <a:cs typeface="Times New Roman"/>
-              </a:rPr>
-              <a:t> </a:t>
-            </a:r>
-            <a:r>
-              <a:rPr sz="1200" dirty="0">
-                <a:latin typeface="Times New Roman"/>
+              <a:rPr sz="1050" spc="-5" dirty="0">
+                <a:latin typeface="Ubuntu Sans" pitchFamily="2" charset="0"/>
+                <a:cs typeface="Times New Roman"/>
+              </a:rPr>
+              <a:t> </a:t>
+            </a:r>
+            <a:r>
+              <a:rPr sz="1050" dirty="0">
+                <a:latin typeface="Ubuntu Sans" pitchFamily="2" charset="0"/>
                 <a:cs typeface="Times New Roman"/>
               </a:rPr>
               <a:t>Juillet</a:t>
             </a:r>
             <a:r>
-              <a:rPr sz="1200" spc="-5" dirty="0">
-                <a:latin typeface="Times New Roman"/>
-                <a:cs typeface="Times New Roman"/>
-              </a:rPr>
-              <a:t> </a:t>
-            </a:r>
-            <a:r>
-              <a:rPr sz="1200" dirty="0">
-                <a:latin typeface="Times New Roman"/>
+              <a:rPr sz="1050" spc="-5" dirty="0">
+                <a:latin typeface="Ubuntu Sans" pitchFamily="2" charset="0"/>
+                <a:cs typeface="Times New Roman"/>
+              </a:rPr>
+              <a:t> </a:t>
+            </a:r>
+            <a:r>
+              <a:rPr sz="1050" dirty="0">
+                <a:latin typeface="Ubuntu Sans" pitchFamily="2" charset="0"/>
                 <a:cs typeface="Times New Roman"/>
               </a:rPr>
               <a:t>2002</a:t>
             </a:r>
-            <a:endParaRPr sz="1200">
-              <a:latin typeface="Times New Roman"/>
+            <a:endParaRPr sz="1050">
+              <a:latin typeface="Ubuntu Sans" pitchFamily="2" charset="0"/>
               <a:cs typeface="Times New Roman"/>
             </a:endParaRPr>
           </a:p>
@@ -11946,7 +12067,9 @@
             <a:bodyPr wrap="square" lIns="0" tIns="0" rIns="0" bIns="0" rtlCol="0"/>
             <a:lstStyle/>
             <a:p>
-              <a:endParaRPr/>
+              <a:endParaRPr sz="1400">
+                <a:latin typeface="Ubuntu Sans" pitchFamily="2" charset="0"/>
+              </a:endParaRPr>
             </a:p>
           </p:txBody>
         </p:sp>
